--- a/Scrum/introduccion a scrum.pptx
+++ b/Scrum/introduccion a scrum.pptx
@@ -8,17 +8,24 @@
     <p:sldId id="256" r:id="rId2"/>
     <p:sldId id="257" r:id="rId3"/>
     <p:sldId id="258" r:id="rId4"/>
-    <p:sldId id="259" r:id="rId5"/>
-    <p:sldId id="260" r:id="rId6"/>
-    <p:sldId id="262" r:id="rId7"/>
-    <p:sldId id="263" r:id="rId8"/>
-    <p:sldId id="264" r:id="rId9"/>
-    <p:sldId id="265" r:id="rId10"/>
-    <p:sldId id="267" r:id="rId11"/>
-    <p:sldId id="269" r:id="rId12"/>
-    <p:sldId id="261" r:id="rId13"/>
-    <p:sldId id="271" r:id="rId14"/>
-    <p:sldId id="270" r:id="rId15"/>
+    <p:sldId id="272" r:id="rId5"/>
+    <p:sldId id="273" r:id="rId6"/>
+    <p:sldId id="274" r:id="rId7"/>
+    <p:sldId id="275" r:id="rId8"/>
+    <p:sldId id="259" r:id="rId9"/>
+    <p:sldId id="260" r:id="rId10"/>
+    <p:sldId id="263" r:id="rId11"/>
+    <p:sldId id="264" r:id="rId12"/>
+    <p:sldId id="265" r:id="rId13"/>
+    <p:sldId id="267" r:id="rId14"/>
+    <p:sldId id="269" r:id="rId15"/>
+    <p:sldId id="279" r:id="rId16"/>
+    <p:sldId id="277" r:id="rId17"/>
+    <p:sldId id="261" r:id="rId18"/>
+    <p:sldId id="271" r:id="rId19"/>
+    <p:sldId id="280" r:id="rId20"/>
+    <p:sldId id="278" r:id="rId21"/>
+    <p:sldId id="270" r:id="rId22"/>
   </p:sldIdLst>
   <p:sldSz cx="12192000" cy="6858000"/>
   <p:notesSz cx="6858000" cy="9144000"/>
@@ -256,7 +263,7 @@
           <a:p>
             <a:fld id="{A300F90B-5245-4811-93B7-9911F0C80A68}" type="datetimeFigureOut">
               <a:rPr lang="fr-FR" smtClean="0"/>
-              <a:t>14/09/2017</a:t>
+              <a:t>03/10/2017</a:t>
             </a:fld>
             <a:endParaRPr lang="fr-FR" dirty="0"/>
           </a:p>
@@ -426,7 +433,7 @@
           <a:p>
             <a:fld id="{A300F90B-5245-4811-93B7-9911F0C80A68}" type="datetimeFigureOut">
               <a:rPr lang="fr-FR" smtClean="0"/>
-              <a:t>14/09/2017</a:t>
+              <a:t>03/10/2017</a:t>
             </a:fld>
             <a:endParaRPr lang="fr-FR" dirty="0"/>
           </a:p>
@@ -606,7 +613,7 @@
           <a:p>
             <a:fld id="{A300F90B-5245-4811-93B7-9911F0C80A68}" type="datetimeFigureOut">
               <a:rPr lang="fr-FR" smtClean="0"/>
-              <a:t>14/09/2017</a:t>
+              <a:t>03/10/2017</a:t>
             </a:fld>
             <a:endParaRPr lang="fr-FR" dirty="0"/>
           </a:p>
@@ -776,7 +783,7 @@
           <a:p>
             <a:fld id="{A300F90B-5245-4811-93B7-9911F0C80A68}" type="datetimeFigureOut">
               <a:rPr lang="fr-FR" smtClean="0"/>
-              <a:t>14/09/2017</a:t>
+              <a:t>03/10/2017</a:t>
             </a:fld>
             <a:endParaRPr lang="fr-FR" dirty="0"/>
           </a:p>
@@ -1022,7 +1029,7 @@
           <a:p>
             <a:fld id="{A300F90B-5245-4811-93B7-9911F0C80A68}" type="datetimeFigureOut">
               <a:rPr lang="fr-FR" smtClean="0"/>
-              <a:t>14/09/2017</a:t>
+              <a:t>03/10/2017</a:t>
             </a:fld>
             <a:endParaRPr lang="fr-FR" dirty="0"/>
           </a:p>
@@ -1254,7 +1261,7 @@
           <a:p>
             <a:fld id="{A300F90B-5245-4811-93B7-9911F0C80A68}" type="datetimeFigureOut">
               <a:rPr lang="fr-FR" smtClean="0"/>
-              <a:t>14/09/2017</a:t>
+              <a:t>03/10/2017</a:t>
             </a:fld>
             <a:endParaRPr lang="fr-FR" dirty="0"/>
           </a:p>
@@ -1621,7 +1628,7 @@
           <a:p>
             <a:fld id="{A300F90B-5245-4811-93B7-9911F0C80A68}" type="datetimeFigureOut">
               <a:rPr lang="fr-FR" smtClean="0"/>
-              <a:t>14/09/2017</a:t>
+              <a:t>03/10/2017</a:t>
             </a:fld>
             <a:endParaRPr lang="fr-FR" dirty="0"/>
           </a:p>
@@ -1739,7 +1746,7 @@
           <a:p>
             <a:fld id="{A300F90B-5245-4811-93B7-9911F0C80A68}" type="datetimeFigureOut">
               <a:rPr lang="fr-FR" smtClean="0"/>
-              <a:t>14/09/2017</a:t>
+              <a:t>03/10/2017</a:t>
             </a:fld>
             <a:endParaRPr lang="fr-FR" dirty="0"/>
           </a:p>
@@ -1834,7 +1841,7 @@
           <a:p>
             <a:fld id="{A300F90B-5245-4811-93B7-9911F0C80A68}" type="datetimeFigureOut">
               <a:rPr lang="fr-FR" smtClean="0"/>
-              <a:t>14/09/2017</a:t>
+              <a:t>03/10/2017</a:t>
             </a:fld>
             <a:endParaRPr lang="fr-FR" dirty="0"/>
           </a:p>
@@ -2111,7 +2118,7 @@
           <a:p>
             <a:fld id="{A300F90B-5245-4811-93B7-9911F0C80A68}" type="datetimeFigureOut">
               <a:rPr lang="fr-FR" smtClean="0"/>
-              <a:t>14/09/2017</a:t>
+              <a:t>03/10/2017</a:t>
             </a:fld>
             <a:endParaRPr lang="fr-FR" dirty="0"/>
           </a:p>
@@ -2364,7 +2371,7 @@
           <a:p>
             <a:fld id="{A300F90B-5245-4811-93B7-9911F0C80A68}" type="datetimeFigureOut">
               <a:rPr lang="fr-FR" smtClean="0"/>
-              <a:t>14/09/2017</a:t>
+              <a:t>03/10/2017</a:t>
             </a:fld>
             <a:endParaRPr lang="fr-FR" dirty="0"/>
           </a:p>
@@ -2577,7 +2584,7 @@
           <a:p>
             <a:fld id="{A300F90B-5245-4811-93B7-9911F0C80A68}" type="datetimeFigureOut">
               <a:rPr lang="fr-FR" smtClean="0"/>
-              <a:t>14/09/2017</a:t>
+              <a:t>03/10/2017</a:t>
             </a:fld>
             <a:endParaRPr lang="fr-FR" dirty="0"/>
           </a:p>
@@ -3098,38 +3105,252 @@
       </p:grpSpPr>
       <p:pic>
         <p:nvPicPr>
-          <p:cNvPr id="2" name="Picture 1"/>
+          <p:cNvPr id="6" name="Picture 5"/>
           <p:cNvPicPr>
             <a:picLocks noChangeAspect="1"/>
           </p:cNvPicPr>
           <p:nvPr/>
         </p:nvPicPr>
         <p:blipFill>
-          <a:blip r:embed="rId2"/>
+          <a:blip r:embed="rId2" cstate="print">
+            <a:extLst>
+              <a:ext uri="{28A0092B-C50C-407E-A947-70E740481C1C}">
+                <a14:useLocalDpi xmlns:a14="http://schemas.microsoft.com/office/drawing/2010/main" val="0"/>
+              </a:ext>
+            </a:extLst>
+          </a:blip>
           <a:stretch>
             <a:fillRect/>
           </a:stretch>
         </p:blipFill>
         <p:spPr>
           <a:xfrm>
-            <a:off x="1560830" y="1695767"/>
-            <a:ext cx="9029700" cy="3019425"/>
+            <a:off x="1992785" y="3167278"/>
+            <a:ext cx="1922896" cy="2025280"/>
           </a:xfrm>
           <a:prstGeom prst="rect">
             <a:avLst/>
           </a:prstGeom>
         </p:spPr>
       </p:pic>
+      <p:sp>
+        <p:nvSpPr>
+          <p:cNvPr id="7" name="TextBox 6"/>
+          <p:cNvSpPr txBox="1"/>
+          <p:nvPr/>
+        </p:nvSpPr>
+        <p:spPr>
+          <a:xfrm>
+            <a:off x="985683" y="2465547"/>
+            <a:ext cx="3721100" cy="701731"/>
+          </a:xfrm>
+          <a:prstGeom prst="rect">
+            <a:avLst/>
+          </a:prstGeom>
+          <a:noFill/>
+        </p:spPr>
+        <p:txBody>
+          <a:bodyPr wrap="square" rtlCol="0">
+            <a:spAutoFit/>
+          </a:bodyPr>
+          <a:lstStyle/>
+          <a:p>
+            <a:pPr algn="ctr">
+              <a:lnSpc>
+                <a:spcPct val="90000"/>
+              </a:lnSpc>
+              <a:spcBef>
+                <a:spcPct val="0"/>
+              </a:spcBef>
+            </a:pPr>
+            <a:r>
+              <a:rPr lang="es-CO" sz="4400" dirty="0">
+                <a:solidFill>
+                  <a:srgbClr val="C00000"/>
+                </a:solidFill>
+                <a:latin typeface="Dekar" panose="02000000000000000000" pitchFamily="50" charset="0"/>
+                <a:ea typeface="+mj-ea"/>
+                <a:cs typeface="+mj-cs"/>
+              </a:rPr>
+              <a:t>Por qué SCRUM?</a:t>
+            </a:r>
+            <a:endParaRPr lang="fr-FR" sz="4400" dirty="0">
+              <a:solidFill>
+                <a:srgbClr val="C00000"/>
+              </a:solidFill>
+              <a:latin typeface="Dekar" panose="02000000000000000000" pitchFamily="50" charset="0"/>
+              <a:ea typeface="+mj-ea"/>
+              <a:cs typeface="+mj-cs"/>
+            </a:endParaRPr>
+          </a:p>
+        </p:txBody>
+      </p:sp>
+      <p:sp>
+        <p:nvSpPr>
+          <p:cNvPr id="8" name="TextBox 7"/>
+          <p:cNvSpPr txBox="1"/>
+          <p:nvPr/>
+        </p:nvSpPr>
+        <p:spPr>
+          <a:xfrm>
+            <a:off x="5275583" y="1376109"/>
+            <a:ext cx="6510817" cy="3970318"/>
+          </a:xfrm>
+          <a:prstGeom prst="rect">
+            <a:avLst/>
+          </a:prstGeom>
+          <a:noFill/>
+        </p:spPr>
+        <p:txBody>
+          <a:bodyPr wrap="square" rtlCol="0">
+            <a:spAutoFit/>
+          </a:bodyPr>
+          <a:lstStyle/>
+          <a:p>
+            <a:pPr marL="457200" indent="-457200">
+              <a:lnSpc>
+                <a:spcPct val="150000"/>
+              </a:lnSpc>
+              <a:buFont typeface="Wingdings" panose="05000000000000000000" pitchFamily="2" charset="2"/>
+              <a:buChar char="q"/>
+            </a:pPr>
+            <a:r>
+              <a:rPr lang="es-CO" sz="2400" dirty="0" smtClean="0">
+                <a:latin typeface="+mj-lt"/>
+              </a:rPr>
+              <a:t>Metodología Ágil mas popular</a:t>
+            </a:r>
+          </a:p>
+          <a:p>
+            <a:pPr marL="457200" indent="-457200">
+              <a:buFont typeface="Wingdings" panose="05000000000000000000" pitchFamily="2" charset="2"/>
+              <a:buChar char="q"/>
+            </a:pPr>
+            <a:endParaRPr lang="es-CO" sz="2400" dirty="0" smtClean="0">
+              <a:latin typeface="+mj-lt"/>
+            </a:endParaRPr>
+          </a:p>
+          <a:p>
+            <a:pPr marL="457200" indent="-457200">
+              <a:buFont typeface="Wingdings" panose="05000000000000000000" pitchFamily="2" charset="2"/>
+              <a:buChar char="q"/>
+            </a:pPr>
+            <a:r>
+              <a:rPr lang="es-CO" sz="2400" dirty="0" smtClean="0">
+                <a:latin typeface="+mj-lt"/>
+              </a:rPr>
+              <a:t>Adaptativa, iterativa, rápida, flexible y eficaz</a:t>
+            </a:r>
+          </a:p>
+          <a:p>
+            <a:pPr marL="457200" indent="-457200">
+              <a:buFont typeface="Wingdings" panose="05000000000000000000" pitchFamily="2" charset="2"/>
+              <a:buChar char="q"/>
+            </a:pPr>
+            <a:endParaRPr lang="es-CO" sz="2400" dirty="0" smtClean="0">
+              <a:latin typeface="+mj-lt"/>
+            </a:endParaRPr>
+          </a:p>
+          <a:p>
+            <a:pPr marL="457200" indent="-457200">
+              <a:buFont typeface="Wingdings" panose="05000000000000000000" pitchFamily="2" charset="2"/>
+              <a:buChar char="q"/>
+            </a:pPr>
+            <a:r>
+              <a:rPr lang="es-CO" sz="2400" dirty="0" smtClean="0">
+                <a:latin typeface="+mj-lt"/>
+              </a:rPr>
+              <a:t>Asegura la transparencia en la comunicación</a:t>
+            </a:r>
+          </a:p>
+          <a:p>
+            <a:pPr marL="457200" indent="-457200">
+              <a:buFont typeface="Wingdings" panose="05000000000000000000" pitchFamily="2" charset="2"/>
+              <a:buChar char="q"/>
+            </a:pPr>
+            <a:endParaRPr lang="es-CO" sz="2400" dirty="0" smtClean="0">
+              <a:latin typeface="+mj-lt"/>
+            </a:endParaRPr>
+          </a:p>
+          <a:p>
+            <a:pPr marL="457200" indent="-457200">
+              <a:buFont typeface="Wingdings" panose="05000000000000000000" pitchFamily="2" charset="2"/>
+              <a:buChar char="q"/>
+            </a:pPr>
+            <a:r>
+              <a:rPr lang="es-CO" sz="2400" dirty="0" smtClean="0">
+                <a:latin typeface="+mj-lt"/>
+              </a:rPr>
+              <a:t>Crea responsabilidad colectiva y progreso</a:t>
+            </a:r>
+          </a:p>
+          <a:p>
+            <a:pPr marL="457200" indent="-457200">
+              <a:buFont typeface="Wingdings" panose="05000000000000000000" pitchFamily="2" charset="2"/>
+              <a:buChar char="q"/>
+            </a:pPr>
+            <a:endParaRPr lang="es-CO" sz="2400" dirty="0" smtClean="0">
+              <a:latin typeface="+mj-lt"/>
+            </a:endParaRPr>
+          </a:p>
+          <a:p>
+            <a:pPr marL="457200" indent="-457200">
+              <a:buFont typeface="Wingdings" panose="05000000000000000000" pitchFamily="2" charset="2"/>
+              <a:buChar char="q"/>
+            </a:pPr>
+            <a:r>
+              <a:rPr lang="es-CO" sz="2400" dirty="0" smtClean="0">
+                <a:latin typeface="+mj-lt"/>
+              </a:rPr>
+              <a:t>El </a:t>
+            </a:r>
+            <a:r>
+              <a:rPr lang="es-CO" sz="2400" dirty="0">
+                <a:latin typeface="+mj-lt"/>
+              </a:rPr>
+              <a:t>f</a:t>
+            </a:r>
+            <a:r>
+              <a:rPr lang="es-CO" sz="2400" dirty="0" smtClean="0">
+                <a:latin typeface="+mj-lt"/>
+              </a:rPr>
+              <a:t>ramework Scrum </a:t>
+            </a:r>
+            <a:r>
+              <a:rPr lang="es-CO" sz="2400" dirty="0" smtClean="0">
+                <a:solidFill>
+                  <a:srgbClr val="C00000"/>
+                </a:solidFill>
+                <a:latin typeface="+mj-lt"/>
+              </a:rPr>
+              <a:t>soporta todo tipo de proyectos</a:t>
+            </a:r>
+            <a:endParaRPr lang="fr-FR" sz="2400" dirty="0">
+              <a:solidFill>
+                <a:srgbClr val="C00000"/>
+              </a:solidFill>
+              <a:latin typeface="+mj-lt"/>
+            </a:endParaRPr>
+          </a:p>
+        </p:txBody>
+      </p:sp>
     </p:spTree>
     <p:extLst>
       <p:ext uri="{BB962C8B-B14F-4D97-AF65-F5344CB8AC3E}">
-        <p14:creationId xmlns:p14="http://schemas.microsoft.com/office/powerpoint/2010/main" val="1850911134"/>
+        <p14:creationId xmlns:p14="http://schemas.microsoft.com/office/powerpoint/2010/main" val="1416526623"/>
       </p:ext>
     </p:extLst>
   </p:cSld>
   <p:clrMapOvr>
     <a:masterClrMapping/>
   </p:clrMapOvr>
+  <p:timing>
+    <p:tnLst>
+      <p:par>
+        <p:cTn id="1" dur="indefinite" restart="never" nodeType="tmRoot"/>
+      </p:par>
+    </p:tnLst>
+  </p:timing>
 </p:sld>
 </file>
 
@@ -3217,37 +3438,46 @@
               <a:buNone/>
             </a:pPr>
             <a:r>
-              <a:rPr lang="es-CO" sz="3200" dirty="0" smtClean="0"/>
-              <a:t>Los </a:t>
-            </a:r>
-            <a:r>
-              <a:rPr lang="es-CO" sz="3200" b="1" dirty="0" err="1" smtClean="0"/>
-              <a:t>Sprints</a:t>
-            </a:r>
-            <a:r>
-              <a:rPr lang="es-CO" sz="3200" b="1" dirty="0" smtClean="0"/>
-              <a:t>  </a:t>
-            </a:r>
-            <a:r>
-              <a:rPr lang="es-CO" sz="3200" dirty="0" smtClean="0"/>
-              <a:t>son </a:t>
+              <a:rPr lang="es-CO" sz="3200" dirty="0" smtClean="0">
+                <a:latin typeface="+mj-lt"/>
+              </a:rPr>
+              <a:t>Soporta </a:t>
             </a:r>
             <a:r>
               <a:rPr lang="es-CO" sz="3200" dirty="0" smtClean="0">
                 <a:solidFill>
                   <a:srgbClr val="C00000"/>
                 </a:solidFill>
-              </a:rPr>
-              <a:t>bloques de tiempo </a:t>
-            </a:r>
-            <a:r>
-              <a:rPr lang="es-CO" sz="3200" dirty="0" smtClean="0"/>
-              <a:t>en los cuales una cierta cantidad de trabajo debe ser realizada.</a:t>
+                <a:latin typeface="+mj-lt"/>
+              </a:rPr>
+              <a:t>productos</a:t>
+            </a:r>
+            <a:r>
+              <a:rPr lang="es-CO" sz="3200" dirty="0" smtClean="0">
+                <a:latin typeface="+mj-lt"/>
+              </a:rPr>
+              <a:t> y </a:t>
+            </a:r>
+            <a:r>
+              <a:rPr lang="es-CO" sz="3200" dirty="0" smtClean="0">
+                <a:solidFill>
+                  <a:srgbClr val="C00000"/>
+                </a:solidFill>
+                <a:latin typeface="+mj-lt"/>
+              </a:rPr>
+              <a:t>desarrollo de servicios </a:t>
+            </a:r>
+            <a:r>
+              <a:rPr lang="es-CO" sz="3200" dirty="0" smtClean="0">
+                <a:latin typeface="+mj-lt"/>
+              </a:rPr>
+              <a:t>en todos los tipos de industrias y en cualquier tipo de proyecto, sin tener en cuenta su complejidad.</a:t>
             </a:r>
             <a:endParaRPr lang="fr-FR" sz="3200" dirty="0">
               <a:solidFill>
                 <a:srgbClr val="C00000"/>
               </a:solidFill>
+              <a:latin typeface="+mj-lt"/>
             </a:endParaRPr>
           </a:p>
         </p:txBody>
@@ -3255,7 +3485,7 @@
     </p:spTree>
     <p:extLst>
       <p:ext uri="{BB962C8B-B14F-4D97-AF65-F5344CB8AC3E}">
-        <p14:creationId xmlns:p14="http://schemas.microsoft.com/office/powerpoint/2010/main" val="294835934"/>
+        <p14:creationId xmlns:p14="http://schemas.microsoft.com/office/powerpoint/2010/main" val="2444953963"/>
       </p:ext>
     </p:extLst>
   </p:cSld>
@@ -3309,28 +3539,55 @@
           <a:bodyPr/>
           <a:lstStyle/>
           <a:p>
-            <a:pPr marL="0" indent="0">
-              <a:buNone/>
-            </a:pPr>
-            <a:endParaRPr lang="es-CO" dirty="0" smtClean="0"/>
-          </a:p>
-          <a:p>
-            <a:pPr marL="0" indent="0">
-              <a:buNone/>
-            </a:pPr>
-            <a:endParaRPr lang="es-CO" dirty="0"/>
-          </a:p>
-          <a:p>
-            <a:pPr marL="0" indent="0">
-              <a:buNone/>
-            </a:pPr>
-            <a:endParaRPr lang="es-CO" dirty="0" smtClean="0"/>
-          </a:p>
-          <a:p>
             <a:pPr marL="0" indent="0" algn="ctr">
               <a:buNone/>
             </a:pPr>
-            <a:endParaRPr lang="fr-FR" dirty="0"/>
+            <a:endParaRPr lang="es-CO" dirty="0" smtClean="0">
+              <a:solidFill>
+                <a:srgbClr val="C00000"/>
+              </a:solidFill>
+            </a:endParaRPr>
+          </a:p>
+          <a:p>
+            <a:pPr marL="0" indent="0" algn="ctr">
+              <a:buNone/>
+            </a:pPr>
+            <a:endParaRPr lang="es-CO" dirty="0" smtClean="0">
+              <a:solidFill>
+                <a:srgbClr val="C00000"/>
+              </a:solidFill>
+            </a:endParaRPr>
+          </a:p>
+          <a:p>
+            <a:pPr marL="0" indent="0" algn="ctr">
+              <a:buNone/>
+            </a:pPr>
+            <a:r>
+              <a:rPr lang="es-CO" sz="3600" dirty="0" smtClean="0">
+                <a:solidFill>
+                  <a:srgbClr val="C00000"/>
+                </a:solidFill>
+              </a:rPr>
+              <a:t>Por qué SCRUM es mejor que otras técnicas de </a:t>
+            </a:r>
+          </a:p>
+          <a:p>
+            <a:pPr marL="0" indent="0" algn="ctr">
+              <a:buNone/>
+            </a:pPr>
+            <a:r>
+              <a:rPr lang="es-CO" sz="3600" dirty="0" smtClean="0">
+                <a:solidFill>
+                  <a:srgbClr val="C00000"/>
+                </a:solidFill>
+              </a:rPr>
+              <a:t>Gerencia de Proyectos </a:t>
+            </a:r>
+            <a:endParaRPr lang="es-CO" sz="3600" dirty="0">
+              <a:solidFill>
+                <a:srgbClr val="C00000"/>
+              </a:solidFill>
+            </a:endParaRPr>
           </a:p>
         </p:txBody>
       </p:sp>
@@ -3356,8 +3613,8 @@
         </p:blipFill>
         <p:spPr>
           <a:xfrm>
-            <a:off x="0" y="1673"/>
-            <a:ext cx="12192000" cy="6854653"/>
+            <a:off x="4165600" y="2851150"/>
+            <a:ext cx="3860800" cy="2171700"/>
           </a:xfrm>
           <a:prstGeom prst="rect">
             <a:avLst/>
@@ -3367,7 +3624,7 @@
     </p:spTree>
     <p:extLst>
       <p:ext uri="{BB962C8B-B14F-4D97-AF65-F5344CB8AC3E}">
-        <p14:creationId xmlns:p14="http://schemas.microsoft.com/office/powerpoint/2010/main" val="1503373109"/>
+        <p14:creationId xmlns:p14="http://schemas.microsoft.com/office/powerpoint/2010/main" val="1710417227"/>
       </p:ext>
     </p:extLst>
   </p:cSld>
@@ -3401,6 +3658,104 @@
           <a:chExt cx="0" cy="0"/>
         </a:xfrm>
       </p:grpSpPr>
+      <p:pic>
+        <p:nvPicPr>
+          <p:cNvPr id="2" name="Picture 1"/>
+          <p:cNvPicPr>
+            <a:picLocks noChangeAspect="1"/>
+          </p:cNvPicPr>
+          <p:nvPr/>
+        </p:nvPicPr>
+        <p:blipFill>
+          <a:blip r:embed="rId2"/>
+          <a:stretch>
+            <a:fillRect/>
+          </a:stretch>
+        </p:blipFill>
+        <p:spPr>
+          <a:xfrm>
+            <a:off x="1560830" y="1695767"/>
+            <a:ext cx="9029700" cy="3019425"/>
+          </a:xfrm>
+          <a:prstGeom prst="rect">
+            <a:avLst/>
+          </a:prstGeom>
+        </p:spPr>
+      </p:pic>
+      <p:sp>
+        <p:nvSpPr>
+          <p:cNvPr id="3" name="Oval 2"/>
+          <p:cNvSpPr/>
+          <p:nvPr/>
+        </p:nvSpPr>
+        <p:spPr>
+          <a:xfrm>
+            <a:off x="8839200" y="234462"/>
+            <a:ext cx="2430585" cy="1242646"/>
+          </a:xfrm>
+          <a:prstGeom prst="ellipse">
+            <a:avLst/>
+          </a:prstGeom>
+        </p:spPr>
+        <p:style>
+          <a:lnRef idx="2">
+            <a:schemeClr val="accent1">
+              <a:shade val="50000"/>
+            </a:schemeClr>
+          </a:lnRef>
+          <a:fillRef idx="1">
+            <a:schemeClr val="accent1"/>
+          </a:fillRef>
+          <a:effectRef idx="0">
+            <a:schemeClr val="accent1"/>
+          </a:effectRef>
+          <a:fontRef idx="minor">
+            <a:schemeClr val="lt1"/>
+          </a:fontRef>
+        </p:style>
+        <p:txBody>
+          <a:bodyPr rtlCol="0" anchor="ctr"/>
+          <a:lstStyle/>
+          <a:p>
+            <a:pPr algn="ctr"/>
+            <a:r>
+              <a:rPr lang="es-CO" sz="1200" dirty="0" smtClean="0"/>
+              <a:t>Permite a los empleados que estimen y tomen posesión de las tareas</a:t>
+            </a:r>
+            <a:endParaRPr lang="fr-FR" sz="1200" dirty="0"/>
+          </a:p>
+        </p:txBody>
+      </p:sp>
+    </p:spTree>
+    <p:extLst>
+      <p:ext uri="{BB962C8B-B14F-4D97-AF65-F5344CB8AC3E}">
+        <p14:creationId xmlns:p14="http://schemas.microsoft.com/office/powerpoint/2010/main" val="1850911134"/>
+      </p:ext>
+    </p:extLst>
+  </p:cSld>
+  <p:clrMapOvr>
+    <a:masterClrMapping/>
+  </p:clrMapOvr>
+</p:sld>
+</file>
+
+<file path=ppt/slides/slide14.xml><?xml version="1.0" encoding="utf-8"?>
+<p:sld xmlns:a="http://schemas.openxmlformats.org/drawingml/2006/main" xmlns:r="http://schemas.openxmlformats.org/officeDocument/2006/relationships" xmlns:p="http://schemas.openxmlformats.org/presentationml/2006/main">
+  <p:cSld>
+    <p:spTree>
+      <p:nvGrpSpPr>
+        <p:cNvPr id="1" name=""/>
+        <p:cNvGrpSpPr/>
+        <p:nvPr/>
+      </p:nvGrpSpPr>
+      <p:grpSpPr>
+        <a:xfrm>
+          <a:off x="0" y="0"/>
+          <a:ext cx="0" cy="0"/>
+          <a:chOff x="0" y="0"/>
+          <a:chExt cx="0" cy="0"/>
+        </a:xfrm>
+      </p:grpSpPr>
       <p:sp>
         <p:nvSpPr>
           <p:cNvPr id="3" name="Content Placeholder 2"/>
@@ -3444,6 +3799,16 @@
             <a:pPr marL="0" indent="0" algn="ctr">
               <a:buNone/>
             </a:pPr>
+            <a:endParaRPr lang="es-CO" dirty="0" smtClean="0">
+              <a:solidFill>
+                <a:srgbClr val="C00000"/>
+              </a:solidFill>
+            </a:endParaRPr>
+          </a:p>
+          <a:p>
+            <a:pPr marL="0" indent="0" algn="ctr">
+              <a:buNone/>
+            </a:pPr>
             <a:endParaRPr lang="es-CO" dirty="0">
               <a:solidFill>
                 <a:srgbClr val="C00000"/>
@@ -3453,42 +3818,659 @@
           <a:p>
             <a:pPr marL="0" indent="0" algn="ctr">
               <a:lnSpc>
-                <a:spcPct val="150000"/>
+                <a:spcPct val="100000"/>
               </a:lnSpc>
               <a:buNone/>
             </a:pPr>
+            <a:r>
+              <a:rPr lang="es-CO" sz="3200" dirty="0" smtClean="0">
+                <a:latin typeface="+mj-lt"/>
+              </a:rPr>
+              <a:t>Los </a:t>
+            </a:r>
+            <a:r>
+              <a:rPr lang="es-CO" sz="3200" b="1" dirty="0" smtClean="0">
+                <a:latin typeface="+mj-lt"/>
+              </a:rPr>
+              <a:t>Sprints  </a:t>
+            </a:r>
+            <a:r>
+              <a:rPr lang="es-CO" sz="3200" dirty="0" smtClean="0">
+                <a:latin typeface="+mj-lt"/>
+              </a:rPr>
+              <a:t>son </a:t>
+            </a:r>
             <a:r>
               <a:rPr lang="es-CO" sz="3200" dirty="0" smtClean="0">
                 <a:solidFill>
                   <a:srgbClr val="C00000"/>
                 </a:solidFill>
-              </a:rPr>
-              <a:t>Contiene una lista </a:t>
-            </a:r>
-            <a:r>
-              <a:rPr lang="es-CO" sz="3200" dirty="0" smtClean="0"/>
-              <a:t>priorizada de requerimientos de negocios y proyectos </a:t>
+                <a:latin typeface="+mj-lt"/>
+              </a:rPr>
+              <a:t>bloques de tiempo </a:t>
             </a:r>
             <a:r>
               <a:rPr lang="es-CO" sz="3200" dirty="0" smtClean="0">
-                <a:solidFill>
-                  <a:srgbClr val="C00000"/>
-                </a:solidFill>
-              </a:rPr>
-              <a:t>escrita en forma </a:t>
-            </a:r>
-            <a:r>
-              <a:rPr lang="es-CO" sz="3200" dirty="0" smtClean="0"/>
-              <a:t>de Historias de usuario.</a:t>
+                <a:latin typeface="+mj-lt"/>
+              </a:rPr>
+              <a:t>en los cuales una cierta cantidad de trabajo debe ser realizada.</a:t>
             </a:r>
             <a:endParaRPr lang="fr-FR" sz="3200" dirty="0">
               <a:solidFill>
                 <a:srgbClr val="C00000"/>
               </a:solidFill>
+              <a:latin typeface="+mj-lt"/>
             </a:endParaRPr>
           </a:p>
         </p:txBody>
       </p:sp>
+    </p:spTree>
+    <p:extLst>
+      <p:ext uri="{BB962C8B-B14F-4D97-AF65-F5344CB8AC3E}">
+        <p14:creationId xmlns:p14="http://schemas.microsoft.com/office/powerpoint/2010/main" val="294835934"/>
+      </p:ext>
+    </p:extLst>
+  </p:cSld>
+  <p:clrMapOvr>
+    <a:masterClrMapping/>
+  </p:clrMapOvr>
+  <p:timing>
+    <p:tnLst>
+      <p:par>
+        <p:cTn id="1" dur="indefinite" restart="never" nodeType="tmRoot"/>
+      </p:par>
+    </p:tnLst>
+  </p:timing>
+</p:sld>
+</file>
+
+<file path=ppt/slides/slide15.xml><?xml version="1.0" encoding="utf-8"?>
+<p:sld xmlns:a="http://schemas.openxmlformats.org/drawingml/2006/main" xmlns:r="http://schemas.openxmlformats.org/officeDocument/2006/relationships" xmlns:p="http://schemas.openxmlformats.org/presentationml/2006/main">
+  <p:cSld>
+    <p:spTree>
+      <p:nvGrpSpPr>
+        <p:cNvPr id="1" name=""/>
+        <p:cNvGrpSpPr/>
+        <p:nvPr/>
+      </p:nvGrpSpPr>
+      <p:grpSpPr>
+        <a:xfrm>
+          <a:off x="0" y="0"/>
+          <a:ext cx="0" cy="0"/>
+          <a:chOff x="0" y="0"/>
+          <a:chExt cx="0" cy="0"/>
+        </a:xfrm>
+      </p:grpSpPr>
+      <p:sp>
+        <p:nvSpPr>
+          <p:cNvPr id="3" name="Content Placeholder 2"/>
+          <p:cNvSpPr>
+            <a:spLocks noGrp="1"/>
+          </p:cNvSpPr>
+          <p:nvPr>
+            <p:ph idx="1"/>
+          </p:nvPr>
+        </p:nvSpPr>
+        <p:spPr>
+          <a:xfrm>
+            <a:off x="838200" y="365125"/>
+            <a:ext cx="10515600" cy="5811838"/>
+          </a:xfrm>
+        </p:spPr>
+        <p:txBody>
+          <a:bodyPr/>
+          <a:lstStyle/>
+          <a:p>
+            <a:pPr marL="0" indent="0" algn="ctr">
+              <a:buNone/>
+            </a:pPr>
+            <a:endParaRPr lang="es-CO" dirty="0" smtClean="0">
+              <a:solidFill>
+                <a:srgbClr val="C00000"/>
+              </a:solidFill>
+            </a:endParaRPr>
+          </a:p>
+          <a:p>
+            <a:pPr marL="0" indent="0" algn="ctr">
+              <a:lnSpc>
+                <a:spcPct val="100000"/>
+              </a:lnSpc>
+              <a:buNone/>
+            </a:pPr>
+            <a:r>
+              <a:rPr lang="es-CO" sz="3200" dirty="0" smtClean="0">
+                <a:latin typeface="+mj-lt"/>
+              </a:rPr>
+              <a:t>El </a:t>
+            </a:r>
+            <a:r>
+              <a:rPr lang="es-CO" sz="3200" b="1" dirty="0" smtClean="0">
+                <a:latin typeface="+mj-lt"/>
+              </a:rPr>
+              <a:t>Time-box  </a:t>
+            </a:r>
+            <a:r>
+              <a:rPr lang="es-CO" sz="3200" dirty="0" smtClean="0">
+                <a:latin typeface="+mj-lt"/>
+              </a:rPr>
+              <a:t>es una técnica que consiste en establecer un </a:t>
+            </a:r>
+            <a:r>
+              <a:rPr lang="es-CO" sz="3200" dirty="0" smtClean="0">
+                <a:solidFill>
+                  <a:srgbClr val="FF0000"/>
+                </a:solidFill>
+                <a:latin typeface="+mj-lt"/>
+              </a:rPr>
+              <a:t>tiempo máximo</a:t>
+            </a:r>
+            <a:r>
+              <a:rPr lang="es-CO" sz="3200" dirty="0" smtClean="0">
+                <a:latin typeface="+mj-lt"/>
+              </a:rPr>
+              <a:t> para cumplir una serie de tareas, </a:t>
+            </a:r>
+          </a:p>
+          <a:p>
+            <a:pPr marL="0" indent="0" algn="ctr">
+              <a:lnSpc>
+                <a:spcPct val="100000"/>
+              </a:lnSpc>
+              <a:buNone/>
+            </a:pPr>
+            <a:r>
+              <a:rPr lang="es-CO" sz="3200" dirty="0" smtClean="0">
+                <a:latin typeface="+mj-lt"/>
+              </a:rPr>
+              <a:t>alcanzar un objetivo o tomar una decisión.</a:t>
+            </a:r>
+          </a:p>
+          <a:p>
+            <a:pPr marL="0" indent="0" algn="ctr">
+              <a:lnSpc>
+                <a:spcPct val="100000"/>
+              </a:lnSpc>
+              <a:buNone/>
+            </a:pPr>
+            <a:endParaRPr lang="es-CO" sz="3200" dirty="0">
+              <a:solidFill>
+                <a:srgbClr val="C00000"/>
+              </a:solidFill>
+              <a:latin typeface="+mj-lt"/>
+            </a:endParaRPr>
+          </a:p>
+          <a:p>
+            <a:pPr marL="0" indent="0" algn="ctr">
+              <a:lnSpc>
+                <a:spcPct val="100000"/>
+              </a:lnSpc>
+              <a:buNone/>
+            </a:pPr>
+            <a:r>
+              <a:rPr lang="es-CO" sz="3200" dirty="0" smtClean="0">
+                <a:latin typeface="+mj-lt"/>
+              </a:rPr>
+              <a:t>La consciencia de esta limitación temporal </a:t>
+            </a:r>
+            <a:r>
+              <a:rPr lang="es-CO" sz="3200" dirty="0" smtClean="0">
+                <a:solidFill>
+                  <a:srgbClr val="FF0000"/>
+                </a:solidFill>
+                <a:latin typeface="+mj-lt"/>
+              </a:rPr>
+              <a:t>favorece la </a:t>
+            </a:r>
+          </a:p>
+          <a:p>
+            <a:pPr marL="0" indent="0" algn="ctr">
+              <a:lnSpc>
+                <a:spcPct val="100000"/>
+              </a:lnSpc>
+              <a:buNone/>
+            </a:pPr>
+            <a:r>
+              <a:rPr lang="es-CO" sz="3200" dirty="0" smtClean="0">
+                <a:solidFill>
+                  <a:srgbClr val="FF0000"/>
+                </a:solidFill>
+                <a:latin typeface="+mj-lt"/>
+              </a:rPr>
+              <a:t>Priorización de objetivos/tareas y fuerza la toma de decisiones</a:t>
+            </a:r>
+            <a:r>
+              <a:rPr lang="es-CO" sz="3200" dirty="0" smtClean="0">
+                <a:latin typeface="+mj-lt"/>
+              </a:rPr>
+              <a:t>.</a:t>
+            </a:r>
+            <a:endParaRPr lang="fr-FR" sz="3200" dirty="0">
+              <a:latin typeface="+mj-lt"/>
+            </a:endParaRPr>
+          </a:p>
+        </p:txBody>
+      </p:sp>
+      <p:pic>
+        <p:nvPicPr>
+          <p:cNvPr id="2" name="Picture 1"/>
+          <p:cNvPicPr>
+            <a:picLocks noChangeAspect="1"/>
+          </p:cNvPicPr>
+          <p:nvPr/>
+        </p:nvPicPr>
+        <p:blipFill>
+          <a:blip r:embed="rId2" cstate="print">
+            <a:extLst>
+              <a:ext uri="{28A0092B-C50C-407E-A947-70E740481C1C}">
+                <a14:useLocalDpi xmlns:a14="http://schemas.microsoft.com/office/drawing/2010/main" val="0"/>
+              </a:ext>
+            </a:extLst>
+          </a:blip>
+          <a:stretch>
+            <a:fillRect/>
+          </a:stretch>
+        </p:blipFill>
+        <p:spPr>
+          <a:xfrm>
+            <a:off x="4715404" y="4900246"/>
+            <a:ext cx="2761192" cy="1433024"/>
+          </a:xfrm>
+          <a:prstGeom prst="rect">
+            <a:avLst/>
+          </a:prstGeom>
+        </p:spPr>
+      </p:pic>
+    </p:spTree>
+    <p:extLst>
+      <p:ext uri="{BB962C8B-B14F-4D97-AF65-F5344CB8AC3E}">
+        <p14:creationId xmlns:p14="http://schemas.microsoft.com/office/powerpoint/2010/main" val="3927560685"/>
+      </p:ext>
+    </p:extLst>
+  </p:cSld>
+  <p:clrMapOvr>
+    <a:masterClrMapping/>
+  </p:clrMapOvr>
+  <p:timing>
+    <p:tnLst>
+      <p:par>
+        <p:cTn id="1" dur="indefinite" restart="never" nodeType="tmRoot"/>
+      </p:par>
+    </p:tnLst>
+  </p:timing>
+</p:sld>
+</file>
+
+<file path=ppt/slides/slide16.xml><?xml version="1.0" encoding="utf-8"?>
+<p:sld xmlns:a="http://schemas.openxmlformats.org/drawingml/2006/main" xmlns:r="http://schemas.openxmlformats.org/officeDocument/2006/relationships" xmlns:p="http://schemas.openxmlformats.org/presentationml/2006/main">
+  <p:cSld>
+    <p:spTree>
+      <p:nvGrpSpPr>
+        <p:cNvPr id="1" name=""/>
+        <p:cNvGrpSpPr/>
+        <p:nvPr/>
+      </p:nvGrpSpPr>
+      <p:grpSpPr>
+        <a:xfrm>
+          <a:off x="0" y="0"/>
+          <a:ext cx="0" cy="0"/>
+          <a:chOff x="0" y="0"/>
+          <a:chExt cx="0" cy="0"/>
+        </a:xfrm>
+      </p:grpSpPr>
+      <p:pic>
+        <p:nvPicPr>
+          <p:cNvPr id="5" name="Picture 4"/>
+          <p:cNvPicPr>
+            <a:picLocks noChangeAspect="1"/>
+          </p:cNvPicPr>
+          <p:nvPr/>
+        </p:nvPicPr>
+        <p:blipFill>
+          <a:blip r:embed="rId2">
+            <a:extLst>
+              <a:ext uri="{28A0092B-C50C-407E-A947-70E740481C1C}">
+                <a14:useLocalDpi xmlns:a14="http://schemas.microsoft.com/office/drawing/2010/main" val="0"/>
+              </a:ext>
+            </a:extLst>
+          </a:blip>
+          <a:stretch>
+            <a:fillRect/>
+          </a:stretch>
+        </p:blipFill>
+        <p:spPr>
+          <a:xfrm>
+            <a:off x="0" y="1673"/>
+            <a:ext cx="12192000" cy="6854653"/>
+          </a:xfrm>
+          <a:prstGeom prst="rect">
+            <a:avLst/>
+          </a:prstGeom>
+        </p:spPr>
+      </p:pic>
+      <p:sp>
+        <p:nvSpPr>
+          <p:cNvPr id="4" name="TextBox 3"/>
+          <p:cNvSpPr txBox="1"/>
+          <p:nvPr/>
+        </p:nvSpPr>
+        <p:spPr>
+          <a:xfrm>
+            <a:off x="562707" y="1125416"/>
+            <a:ext cx="3493477" cy="1754326"/>
+          </a:xfrm>
+          <a:prstGeom prst="rect">
+            <a:avLst/>
+          </a:prstGeom>
+          <a:noFill/>
+        </p:spPr>
+        <p:txBody>
+          <a:bodyPr wrap="square" rtlCol="0">
+            <a:spAutoFit/>
+          </a:bodyPr>
+          <a:lstStyle/>
+          <a:p>
+            <a:r>
+              <a:rPr lang="es-CO" b="1" dirty="0" smtClean="0"/>
+              <a:t>Project Vision Statement</a:t>
+            </a:r>
+          </a:p>
+          <a:p>
+            <a:r>
+              <a:rPr lang="es-CO" dirty="0" smtClean="0"/>
+              <a:t>Es </a:t>
+            </a:r>
+            <a:r>
+              <a:rPr lang="es-CO" dirty="0"/>
+              <a:t>una visión idealista de los resultados deseados que se </a:t>
+            </a:r>
+            <a:r>
+              <a:rPr lang="es-CO" dirty="0">
+                <a:solidFill>
+                  <a:srgbClr val="FF0000"/>
+                </a:solidFill>
+              </a:rPr>
+              <a:t>producirán </a:t>
+            </a:r>
+            <a:r>
+              <a:rPr lang="es-CO" dirty="0"/>
+              <a:t>para el negocio después de la </a:t>
+            </a:r>
+            <a:r>
+              <a:rPr lang="es-CO" dirty="0">
+                <a:solidFill>
+                  <a:srgbClr val="FF0000"/>
+                </a:solidFill>
+              </a:rPr>
+              <a:t>terminación exitosa del proyecto</a:t>
+            </a:r>
+            <a:endParaRPr lang="fr-FR" dirty="0">
+              <a:solidFill>
+                <a:srgbClr val="FF0000"/>
+              </a:solidFill>
+            </a:endParaRPr>
+          </a:p>
+        </p:txBody>
+      </p:sp>
+    </p:spTree>
+    <p:extLst>
+      <p:ext uri="{BB962C8B-B14F-4D97-AF65-F5344CB8AC3E}">
+        <p14:creationId xmlns:p14="http://schemas.microsoft.com/office/powerpoint/2010/main" val="1761068273"/>
+      </p:ext>
+    </p:extLst>
+  </p:cSld>
+  <p:clrMapOvr>
+    <a:masterClrMapping/>
+  </p:clrMapOvr>
+</p:sld>
+</file>
+
+<file path=ppt/slides/slide17.xml><?xml version="1.0" encoding="utf-8"?>
+<p:sld xmlns:a="http://schemas.openxmlformats.org/drawingml/2006/main" xmlns:r="http://schemas.openxmlformats.org/officeDocument/2006/relationships" xmlns:p="http://schemas.openxmlformats.org/presentationml/2006/main">
+  <p:cSld>
+    <p:spTree>
+      <p:nvGrpSpPr>
+        <p:cNvPr id="1" name=""/>
+        <p:cNvGrpSpPr/>
+        <p:nvPr/>
+      </p:nvGrpSpPr>
+      <p:grpSpPr>
+        <a:xfrm>
+          <a:off x="0" y="0"/>
+          <a:ext cx="0" cy="0"/>
+          <a:chOff x="0" y="0"/>
+          <a:chExt cx="0" cy="0"/>
+        </a:xfrm>
+      </p:grpSpPr>
+      <p:sp>
+        <p:nvSpPr>
+          <p:cNvPr id="3" name="Content Placeholder 2"/>
+          <p:cNvSpPr>
+            <a:spLocks noGrp="1"/>
+          </p:cNvSpPr>
+          <p:nvPr>
+            <p:ph idx="1"/>
+          </p:nvPr>
+        </p:nvSpPr>
+        <p:spPr>
+          <a:xfrm>
+            <a:off x="838200" y="365125"/>
+            <a:ext cx="10515600" cy="5811838"/>
+          </a:xfrm>
+        </p:spPr>
+        <p:txBody>
+          <a:bodyPr/>
+          <a:lstStyle/>
+          <a:p>
+            <a:pPr marL="0" indent="0">
+              <a:buNone/>
+            </a:pPr>
+            <a:endParaRPr lang="es-CO" dirty="0" smtClean="0"/>
+          </a:p>
+          <a:p>
+            <a:pPr marL="0" indent="0">
+              <a:buNone/>
+            </a:pPr>
+            <a:endParaRPr lang="es-CO" dirty="0"/>
+          </a:p>
+          <a:p>
+            <a:pPr marL="0" indent="0">
+              <a:buNone/>
+            </a:pPr>
+            <a:endParaRPr lang="es-CO" dirty="0" smtClean="0"/>
+          </a:p>
+          <a:p>
+            <a:pPr marL="0" indent="0" algn="ctr">
+              <a:buNone/>
+            </a:pPr>
+            <a:endParaRPr lang="fr-FR" dirty="0"/>
+          </a:p>
+        </p:txBody>
+      </p:sp>
+      <p:pic>
+        <p:nvPicPr>
+          <p:cNvPr id="4" name="Picture 3"/>
+          <p:cNvPicPr>
+            <a:picLocks noChangeAspect="1"/>
+          </p:cNvPicPr>
+          <p:nvPr/>
+        </p:nvPicPr>
+        <p:blipFill>
+          <a:blip r:embed="rId2">
+            <a:extLst>
+              <a:ext uri="{28A0092B-C50C-407E-A947-70E740481C1C}">
+                <a14:useLocalDpi xmlns:a14="http://schemas.microsoft.com/office/drawing/2010/main" val="0"/>
+              </a:ext>
+            </a:extLst>
+          </a:blip>
+          <a:stretch>
+            <a:fillRect/>
+          </a:stretch>
+        </p:blipFill>
+        <p:spPr>
+          <a:xfrm>
+            <a:off x="0" y="1673"/>
+            <a:ext cx="12192000" cy="6854653"/>
+          </a:xfrm>
+          <a:prstGeom prst="rect">
+            <a:avLst/>
+          </a:prstGeom>
+        </p:spPr>
+      </p:pic>
+      <p:sp>
+        <p:nvSpPr>
+          <p:cNvPr id="2" name="TextBox 1"/>
+          <p:cNvSpPr txBox="1"/>
+          <p:nvPr/>
+        </p:nvSpPr>
+        <p:spPr>
+          <a:xfrm>
+            <a:off x="562707" y="1125416"/>
+            <a:ext cx="3493477" cy="1477328"/>
+          </a:xfrm>
+          <a:prstGeom prst="rect">
+            <a:avLst/>
+          </a:prstGeom>
+          <a:noFill/>
+        </p:spPr>
+        <p:txBody>
+          <a:bodyPr wrap="square" rtlCol="0">
+            <a:spAutoFit/>
+          </a:bodyPr>
+          <a:lstStyle/>
+          <a:p>
+            <a:r>
+              <a:rPr lang="es-CO" b="1" dirty="0" err="1" smtClean="0"/>
+              <a:t>Prioritized</a:t>
+            </a:r>
+            <a:r>
+              <a:rPr lang="es-CO" b="1" dirty="0" smtClean="0"/>
+              <a:t> </a:t>
+            </a:r>
+            <a:r>
+              <a:rPr lang="es-CO" b="1" dirty="0" err="1" smtClean="0"/>
+              <a:t>Product</a:t>
+            </a:r>
+            <a:r>
+              <a:rPr lang="es-CO" b="1" dirty="0" smtClean="0"/>
+              <a:t> </a:t>
+            </a:r>
+            <a:r>
+              <a:rPr lang="es-CO" b="1" dirty="0" err="1" smtClean="0"/>
+              <a:t>Backlog</a:t>
+            </a:r>
+            <a:endParaRPr lang="es-CO" b="1" dirty="0" smtClean="0"/>
+          </a:p>
+          <a:p>
+            <a:r>
+              <a:rPr lang="es-CO" dirty="0" smtClean="0">
+                <a:solidFill>
+                  <a:srgbClr val="C00000"/>
+                </a:solidFill>
+              </a:rPr>
+              <a:t>Contiene </a:t>
+            </a:r>
+            <a:r>
+              <a:rPr lang="es-CO" dirty="0">
+                <a:solidFill>
+                  <a:srgbClr val="C00000"/>
+                </a:solidFill>
+              </a:rPr>
+              <a:t>una lista </a:t>
+            </a:r>
+            <a:r>
+              <a:rPr lang="es-CO" dirty="0"/>
+              <a:t>priorizada de requerimientos de negocios </a:t>
+            </a:r>
+            <a:r>
+              <a:rPr lang="es-CO" dirty="0">
+                <a:solidFill>
+                  <a:srgbClr val="C00000"/>
+                </a:solidFill>
+              </a:rPr>
+              <a:t>escrita en forma </a:t>
+            </a:r>
+            <a:r>
+              <a:rPr lang="es-CO" dirty="0"/>
+              <a:t>de Historias de usuario.</a:t>
+            </a:r>
+            <a:endParaRPr lang="fr-FR" dirty="0">
+              <a:solidFill>
+                <a:srgbClr val="C00000"/>
+              </a:solidFill>
+            </a:endParaRPr>
+          </a:p>
+          <a:p>
+            <a:endParaRPr lang="fr-FR" dirty="0"/>
+          </a:p>
+        </p:txBody>
+      </p:sp>
+    </p:spTree>
+    <p:extLst>
+      <p:ext uri="{BB962C8B-B14F-4D97-AF65-F5344CB8AC3E}">
+        <p14:creationId xmlns:p14="http://schemas.microsoft.com/office/powerpoint/2010/main" val="1503373109"/>
+      </p:ext>
+    </p:extLst>
+  </p:cSld>
+  <p:clrMapOvr>
+    <a:masterClrMapping/>
+  </p:clrMapOvr>
+  <p:timing>
+    <p:tnLst>
+      <p:par>
+        <p:cTn id="1" dur="indefinite" restart="never" nodeType="tmRoot"/>
+      </p:par>
+    </p:tnLst>
+  </p:timing>
+</p:sld>
+</file>
+
+<file path=ppt/slides/slide18.xml><?xml version="1.0" encoding="utf-8"?>
+<p:sld xmlns:a="http://schemas.openxmlformats.org/drawingml/2006/main" xmlns:r="http://schemas.openxmlformats.org/officeDocument/2006/relationships" xmlns:p="http://schemas.openxmlformats.org/presentationml/2006/main">
+  <p:cSld>
+    <p:spTree>
+      <p:nvGrpSpPr>
+        <p:cNvPr id="1" name=""/>
+        <p:cNvGrpSpPr/>
+        <p:nvPr/>
+      </p:nvGrpSpPr>
+      <p:grpSpPr>
+        <a:xfrm>
+          <a:off x="0" y="0"/>
+          <a:ext cx="0" cy="0"/>
+          <a:chOff x="0" y="0"/>
+          <a:chExt cx="0" cy="0"/>
+        </a:xfrm>
+      </p:grpSpPr>
+      <p:pic>
+        <p:nvPicPr>
+          <p:cNvPr id="5" name="Picture 4"/>
+          <p:cNvPicPr>
+            <a:picLocks noChangeAspect="1"/>
+          </p:cNvPicPr>
+          <p:nvPr/>
+        </p:nvPicPr>
+        <p:blipFill>
+          <a:blip r:embed="rId2">
+            <a:extLst>
+              <a:ext uri="{28A0092B-C50C-407E-A947-70E740481C1C}">
+                <a14:useLocalDpi xmlns:a14="http://schemas.microsoft.com/office/drawing/2010/main" val="0"/>
+              </a:ext>
+            </a:extLst>
+          </a:blip>
+          <a:stretch>
+            <a:fillRect/>
+          </a:stretch>
+        </p:blipFill>
+        <p:spPr>
+          <a:xfrm>
+            <a:off x="0" y="1673"/>
+            <a:ext cx="12192000" cy="6854653"/>
+          </a:xfrm>
+          <a:prstGeom prst="rect">
+            <a:avLst/>
+          </a:prstGeom>
+        </p:spPr>
+      </p:pic>
     </p:spTree>
     <p:extLst>
       <p:ext uri="{BB962C8B-B14F-4D97-AF65-F5344CB8AC3E}">
@@ -3509,7 +4491,7 @@
 </p:sld>
 </file>
 
-<file path=ppt/slides/slide14.xml><?xml version="1.0" encoding="utf-8"?>
+<file path=ppt/slides/slide19.xml><?xml version="1.0" encoding="utf-8"?>
 <p:sld xmlns:a="http://schemas.openxmlformats.org/drawingml/2006/main" xmlns:r="http://schemas.openxmlformats.org/officeDocument/2006/relationships" xmlns:p="http://schemas.openxmlformats.org/presentationml/2006/main">
   <p:cSld>
     <p:spTree>
@@ -3528,25 +4510,6 @@
       </p:grpSpPr>
       <p:sp>
         <p:nvSpPr>
-          <p:cNvPr id="2" name="Title 1"/>
-          <p:cNvSpPr>
-            <a:spLocks noGrp="1"/>
-          </p:cNvSpPr>
-          <p:nvPr>
-            <p:ph type="title"/>
-          </p:nvPr>
-        </p:nvSpPr>
-        <p:spPr/>
-        <p:txBody>
-          <a:bodyPr/>
-          <a:lstStyle/>
-          <a:p>
-            <a:endParaRPr lang="fr-FR"/>
-          </a:p>
-        </p:txBody>
-      </p:sp>
-      <p:sp>
-        <p:nvSpPr>
           <p:cNvPr id="3" name="Content Placeholder 2"/>
           <p:cNvSpPr>
             <a:spLocks noGrp="1"/>
@@ -3555,25 +4518,74 @@
             <p:ph idx="1"/>
           </p:nvPr>
         </p:nvSpPr>
-        <p:spPr/>
-        <p:txBody>
-          <a:bodyPr/>
-          <a:lstStyle/>
-          <a:p>
-            <a:endParaRPr lang="fr-FR"/>
+        <p:spPr>
+          <a:xfrm>
+            <a:off x="838200" y="365125"/>
+            <a:ext cx="10515600" cy="5811838"/>
+          </a:xfrm>
+        </p:spPr>
+        <p:txBody>
+          <a:bodyPr/>
+          <a:lstStyle/>
+          <a:p>
+            <a:pPr marL="0" indent="0" algn="ctr">
+              <a:buNone/>
+            </a:pPr>
+            <a:endParaRPr lang="es-CO" dirty="0" smtClean="0">
+              <a:solidFill>
+                <a:srgbClr val="C00000"/>
+              </a:solidFill>
+            </a:endParaRPr>
+          </a:p>
+          <a:p>
+            <a:pPr marL="0" indent="0" algn="ctr">
+              <a:buNone/>
+            </a:pPr>
+            <a:endParaRPr lang="es-CO" dirty="0" smtClean="0">
+              <a:solidFill>
+                <a:srgbClr val="C00000"/>
+              </a:solidFill>
+            </a:endParaRPr>
+          </a:p>
+          <a:p>
+            <a:pPr marL="0" indent="0" algn="ctr">
+              <a:buNone/>
+            </a:pPr>
+            <a:endParaRPr lang="es-CO" dirty="0" smtClean="0">
+              <a:solidFill>
+                <a:srgbClr val="C00000"/>
+              </a:solidFill>
+            </a:endParaRPr>
+          </a:p>
+          <a:p>
+            <a:pPr marL="0" indent="0" algn="ctr">
+              <a:buNone/>
+            </a:pPr>
+            <a:endParaRPr lang="es-CO" dirty="0">
+              <a:solidFill>
+                <a:srgbClr val="C00000"/>
+              </a:solidFill>
+            </a:endParaRPr>
           </a:p>
         </p:txBody>
       </p:sp>
     </p:spTree>
     <p:extLst>
       <p:ext uri="{BB962C8B-B14F-4D97-AF65-F5344CB8AC3E}">
-        <p14:creationId xmlns:p14="http://schemas.microsoft.com/office/powerpoint/2010/main" val="9575968"/>
+        <p14:creationId xmlns:p14="http://schemas.microsoft.com/office/powerpoint/2010/main" val="2773151172"/>
       </p:ext>
     </p:extLst>
   </p:cSld>
   <p:clrMapOvr>
     <a:masterClrMapping/>
   </p:clrMapOvr>
+  <p:timing>
+    <p:tnLst>
+      <p:par>
+        <p:cTn id="1" dur="indefinite" restart="never" nodeType="tmRoot"/>
+      </p:par>
+    </p:tnLst>
+  </p:timing>
 </p:sld>
 </file>
 
@@ -3652,6 +4664,12 @@
             <a:pPr marL="0" indent="0" algn="ctr">
               <a:buNone/>
             </a:pPr>
+            <a:endParaRPr lang="es-CO" dirty="0" smtClean="0"/>
+          </a:p>
+          <a:p>
+            <a:pPr marL="0" indent="0" algn="ctr">
+              <a:buNone/>
+            </a:pPr>
             <a:r>
               <a:rPr lang="es-CO" dirty="0" smtClean="0">
                 <a:latin typeface="+mj-lt"/>
@@ -3681,6 +4699,253 @@
       </p:par>
     </p:tnLst>
   </p:timing>
+</p:sld>
+</file>
+
+<file path=ppt/slides/slide20.xml><?xml version="1.0" encoding="utf-8"?>
+<p:sld xmlns:a="http://schemas.openxmlformats.org/drawingml/2006/main" xmlns:r="http://schemas.openxmlformats.org/officeDocument/2006/relationships" xmlns:p="http://schemas.openxmlformats.org/presentationml/2006/main">
+  <p:cSld>
+    <p:spTree>
+      <p:nvGrpSpPr>
+        <p:cNvPr id="1" name=""/>
+        <p:cNvGrpSpPr/>
+        <p:nvPr/>
+      </p:nvGrpSpPr>
+      <p:grpSpPr>
+        <a:xfrm>
+          <a:off x="0" y="0"/>
+          <a:ext cx="0" cy="0"/>
+          <a:chOff x="0" y="0"/>
+          <a:chExt cx="0" cy="0"/>
+        </a:xfrm>
+      </p:grpSpPr>
+      <p:sp>
+        <p:nvSpPr>
+          <p:cNvPr id="2" name="Title 1"/>
+          <p:cNvSpPr>
+            <a:spLocks noGrp="1"/>
+          </p:cNvSpPr>
+          <p:nvPr>
+            <p:ph type="title"/>
+          </p:nvPr>
+        </p:nvSpPr>
+        <p:spPr/>
+        <p:txBody>
+          <a:bodyPr/>
+          <a:lstStyle/>
+          <a:p>
+            <a:pPr algn="ctr"/>
+            <a:r>
+              <a:rPr lang="es-CO" dirty="0">
+                <a:solidFill>
+                  <a:srgbClr val="C00000"/>
+                </a:solidFill>
+                <a:latin typeface="Dekar" panose="02000000000000000000" pitchFamily="50" charset="0"/>
+              </a:rPr>
+              <a:t>Que </a:t>
+            </a:r>
+            <a:r>
+              <a:rPr lang="es-CO" dirty="0" smtClean="0">
+                <a:solidFill>
+                  <a:srgbClr val="C00000"/>
+                </a:solidFill>
+                <a:latin typeface="Dekar" panose="02000000000000000000" pitchFamily="50" charset="0"/>
+              </a:rPr>
+              <a:t>son las historias de usuario?</a:t>
+            </a:r>
+            <a:endParaRPr lang="fr-FR" dirty="0"/>
+          </a:p>
+        </p:txBody>
+      </p:sp>
+      <p:sp>
+        <p:nvSpPr>
+          <p:cNvPr id="3" name="Content Placeholder 2"/>
+          <p:cNvSpPr>
+            <a:spLocks noGrp="1"/>
+          </p:cNvSpPr>
+          <p:nvPr>
+            <p:ph idx="1"/>
+          </p:nvPr>
+        </p:nvSpPr>
+        <p:spPr/>
+        <p:txBody>
+          <a:bodyPr/>
+          <a:lstStyle/>
+          <a:p>
+            <a:pPr marL="514350" indent="-514350">
+              <a:buFont typeface="+mj-lt"/>
+              <a:buAutoNum type="arabicPeriod"/>
+            </a:pPr>
+            <a:r>
+              <a:rPr lang="es-CO" dirty="0" smtClean="0">
+                <a:latin typeface="+mj-lt"/>
+              </a:rPr>
+              <a:t>Descripción de una funcionalidad que debe incorporar un sistema de software</a:t>
+            </a:r>
+          </a:p>
+          <a:p>
+            <a:pPr marL="514350" indent="-514350">
+              <a:buFont typeface="+mj-lt"/>
+              <a:buAutoNum type="arabicPeriod"/>
+            </a:pPr>
+            <a:r>
+              <a:rPr lang="es-CO" dirty="0" smtClean="0">
+                <a:latin typeface="+mj-lt"/>
+              </a:rPr>
+              <a:t>Son descripciones cortas de una necesidad de un cliente.</a:t>
+            </a:r>
+          </a:p>
+          <a:p>
+            <a:pPr marL="514350" indent="-514350">
+              <a:buFont typeface="+mj-lt"/>
+              <a:buAutoNum type="arabicPeriod"/>
+            </a:pPr>
+            <a:r>
+              <a:rPr lang="es-CO" dirty="0" smtClean="0">
+                <a:latin typeface="+mj-lt"/>
+              </a:rPr>
+              <a:t>Es una representación de un requisito escrito en una o dos frases utilizando el lenguaje común del usuario.</a:t>
+            </a:r>
+            <a:endParaRPr lang="fr-FR" dirty="0">
+              <a:latin typeface="+mj-lt"/>
+            </a:endParaRPr>
+          </a:p>
+        </p:txBody>
+      </p:sp>
+    </p:spTree>
+    <p:extLst>
+      <p:ext uri="{BB962C8B-B14F-4D97-AF65-F5344CB8AC3E}">
+        <p14:creationId xmlns:p14="http://schemas.microsoft.com/office/powerpoint/2010/main" val="3690936573"/>
+      </p:ext>
+    </p:extLst>
+  </p:cSld>
+  <p:clrMapOvr>
+    <a:masterClrMapping/>
+  </p:clrMapOvr>
+</p:sld>
+</file>
+
+<file path=ppt/slides/slide21.xml><?xml version="1.0" encoding="utf-8"?>
+<p:sld xmlns:a="http://schemas.openxmlformats.org/drawingml/2006/main" xmlns:r="http://schemas.openxmlformats.org/officeDocument/2006/relationships" xmlns:p="http://schemas.openxmlformats.org/presentationml/2006/main">
+  <p:cSld>
+    <p:spTree>
+      <p:nvGrpSpPr>
+        <p:cNvPr id="1" name=""/>
+        <p:cNvGrpSpPr/>
+        <p:nvPr/>
+      </p:nvGrpSpPr>
+      <p:grpSpPr>
+        <a:xfrm>
+          <a:off x="0" y="0"/>
+          <a:ext cx="0" cy="0"/>
+          <a:chOff x="0" y="0"/>
+          <a:chExt cx="0" cy="0"/>
+        </a:xfrm>
+      </p:grpSpPr>
+      <p:pic>
+        <p:nvPicPr>
+          <p:cNvPr id="4" name="Content Placeholder 3"/>
+          <p:cNvPicPr>
+            <a:picLocks noGrp="1" noChangeAspect="1"/>
+          </p:cNvPicPr>
+          <p:nvPr>
+            <p:ph idx="1"/>
+          </p:nvPr>
+        </p:nvPicPr>
+        <p:blipFill>
+          <a:blip r:embed="rId2">
+            <a:extLst>
+              <a:ext uri="{28A0092B-C50C-407E-A947-70E740481C1C}">
+                <a14:useLocalDpi xmlns:a14="http://schemas.microsoft.com/office/drawing/2010/main" val="0"/>
+              </a:ext>
+            </a:extLst>
+          </a:blip>
+          <a:stretch>
+            <a:fillRect/>
+          </a:stretch>
+        </p:blipFill>
+        <p:spPr>
+          <a:xfrm>
+            <a:off x="2211058" y="1622423"/>
+            <a:ext cx="7832408" cy="4351338"/>
+          </a:xfrm>
+        </p:spPr>
+      </p:pic>
+      <p:sp>
+        <p:nvSpPr>
+          <p:cNvPr id="3" name="Title 1"/>
+          <p:cNvSpPr>
+            <a:spLocks noGrp="1"/>
+          </p:cNvSpPr>
+          <p:nvPr>
+            <p:ph type="title"/>
+          </p:nvPr>
+        </p:nvSpPr>
+        <p:spPr>
+          <a:xfrm>
+            <a:off x="838200" y="365125"/>
+            <a:ext cx="10515600" cy="1325563"/>
+          </a:xfrm>
+        </p:spPr>
+        <p:txBody>
+          <a:bodyPr/>
+          <a:lstStyle/>
+          <a:p>
+            <a:pPr algn="ctr"/>
+            <a:r>
+              <a:rPr lang="es-CO" dirty="0" smtClean="0">
+                <a:solidFill>
+                  <a:srgbClr val="C00000"/>
+                </a:solidFill>
+                <a:latin typeface="Dekar" panose="02000000000000000000" pitchFamily="50" charset="0"/>
+              </a:rPr>
+              <a:t>Roles principales</a:t>
+            </a:r>
+            <a:endParaRPr lang="fr-FR" dirty="0"/>
+          </a:p>
+        </p:txBody>
+      </p:sp>
+      <p:sp>
+        <p:nvSpPr>
+          <p:cNvPr id="2" name="TextBox 1"/>
+          <p:cNvSpPr txBox="1"/>
+          <p:nvPr/>
+        </p:nvSpPr>
+        <p:spPr>
+          <a:xfrm>
+            <a:off x="2211058" y="6205415"/>
+            <a:ext cx="7714480" cy="369332"/>
+          </a:xfrm>
+          <a:prstGeom prst="rect">
+            <a:avLst/>
+          </a:prstGeom>
+          <a:noFill/>
+        </p:spPr>
+        <p:txBody>
+          <a:bodyPr wrap="square" rtlCol="0">
+            <a:spAutoFit/>
+          </a:bodyPr>
+          <a:lstStyle/>
+          <a:p>
+            <a:pPr algn="ctr"/>
+            <a:r>
+              <a:rPr lang="es-CO" i="1" dirty="0" smtClean="0"/>
+              <a:t>Ningún rol tiene autoridad sobre los otros</a:t>
+            </a:r>
+            <a:endParaRPr lang="fr-FR" i="1" dirty="0"/>
+          </a:p>
+        </p:txBody>
+      </p:sp>
+    </p:spTree>
+    <p:extLst>
+      <p:ext uri="{BB962C8B-B14F-4D97-AF65-F5344CB8AC3E}">
+        <p14:creationId xmlns:p14="http://schemas.microsoft.com/office/powerpoint/2010/main" val="9575968"/>
+      </p:ext>
+    </p:extLst>
+  </p:cSld>
+  <p:clrMapOvr>
+    <a:masterClrMapping/>
+  </p:clrMapOvr>
 </p:sld>
 </file>
 
@@ -3893,6 +5158,246 @@
           <a:chExt cx="0" cy="0"/>
         </a:xfrm>
       </p:grpSpPr>
+      <p:pic>
+        <p:nvPicPr>
+          <p:cNvPr id="5" name="Picture 4"/>
+          <p:cNvPicPr>
+            <a:picLocks noChangeAspect="1"/>
+          </p:cNvPicPr>
+          <p:nvPr/>
+        </p:nvPicPr>
+        <p:blipFill>
+          <a:blip r:embed="rId2">
+            <a:extLst>
+              <a:ext uri="{28A0092B-C50C-407E-A947-70E740481C1C}">
+                <a14:useLocalDpi xmlns:a14="http://schemas.microsoft.com/office/drawing/2010/main" val="0"/>
+              </a:ext>
+            </a:extLst>
+          </a:blip>
+          <a:stretch>
+            <a:fillRect/>
+          </a:stretch>
+        </p:blipFill>
+        <p:spPr>
+          <a:xfrm>
+            <a:off x="2600027" y="0"/>
+            <a:ext cx="6991945" cy="6858000"/>
+          </a:xfrm>
+          <a:prstGeom prst="rect">
+            <a:avLst/>
+          </a:prstGeom>
+        </p:spPr>
+      </p:pic>
+    </p:spTree>
+    <p:extLst>
+      <p:ext uri="{BB962C8B-B14F-4D97-AF65-F5344CB8AC3E}">
+        <p14:creationId xmlns:p14="http://schemas.microsoft.com/office/powerpoint/2010/main" val="95980143"/>
+      </p:ext>
+    </p:extLst>
+  </p:cSld>
+  <p:clrMapOvr>
+    <a:masterClrMapping/>
+  </p:clrMapOvr>
+</p:sld>
+</file>
+
+<file path=ppt/slides/slide5.xml><?xml version="1.0" encoding="utf-8"?>
+<p:sld xmlns:a="http://schemas.openxmlformats.org/drawingml/2006/main" xmlns:r="http://schemas.openxmlformats.org/officeDocument/2006/relationships" xmlns:p="http://schemas.openxmlformats.org/presentationml/2006/main">
+  <p:cSld>
+    <p:spTree>
+      <p:nvGrpSpPr>
+        <p:cNvPr id="1" name=""/>
+        <p:cNvGrpSpPr/>
+        <p:nvPr/>
+      </p:nvGrpSpPr>
+      <p:grpSpPr>
+        <a:xfrm>
+          <a:off x="0" y="0"/>
+          <a:ext cx="0" cy="0"/>
+          <a:chOff x="0" y="0"/>
+          <a:chExt cx="0" cy="0"/>
+        </a:xfrm>
+      </p:grpSpPr>
+      <p:pic>
+        <p:nvPicPr>
+          <p:cNvPr id="2" name="Picture 1"/>
+          <p:cNvPicPr>
+            <a:picLocks noChangeAspect="1"/>
+          </p:cNvPicPr>
+          <p:nvPr/>
+        </p:nvPicPr>
+        <p:blipFill>
+          <a:blip r:embed="rId2">
+            <a:extLst>
+              <a:ext uri="{28A0092B-C50C-407E-A947-70E740481C1C}">
+                <a14:useLocalDpi xmlns:a14="http://schemas.microsoft.com/office/drawing/2010/main" val="0"/>
+              </a:ext>
+            </a:extLst>
+          </a:blip>
+          <a:stretch>
+            <a:fillRect/>
+          </a:stretch>
+        </p:blipFill>
+        <p:spPr>
+          <a:xfrm>
+            <a:off x="2474259" y="0"/>
+            <a:ext cx="7243482" cy="6858000"/>
+          </a:xfrm>
+          <a:prstGeom prst="rect">
+            <a:avLst/>
+          </a:prstGeom>
+        </p:spPr>
+      </p:pic>
+    </p:spTree>
+    <p:extLst>
+      <p:ext uri="{BB962C8B-B14F-4D97-AF65-F5344CB8AC3E}">
+        <p14:creationId xmlns:p14="http://schemas.microsoft.com/office/powerpoint/2010/main" val="1474593498"/>
+      </p:ext>
+    </p:extLst>
+  </p:cSld>
+  <p:clrMapOvr>
+    <a:masterClrMapping/>
+  </p:clrMapOvr>
+</p:sld>
+</file>
+
+<file path=ppt/slides/slide6.xml><?xml version="1.0" encoding="utf-8"?>
+<p:sld xmlns:a="http://schemas.openxmlformats.org/drawingml/2006/main" xmlns:r="http://schemas.openxmlformats.org/officeDocument/2006/relationships" xmlns:p="http://schemas.openxmlformats.org/presentationml/2006/main">
+  <p:cSld>
+    <p:spTree>
+      <p:nvGrpSpPr>
+        <p:cNvPr id="1" name=""/>
+        <p:cNvGrpSpPr/>
+        <p:nvPr/>
+      </p:nvGrpSpPr>
+      <p:grpSpPr>
+        <a:xfrm>
+          <a:off x="0" y="0"/>
+          <a:ext cx="0" cy="0"/>
+          <a:chOff x="0" y="0"/>
+          <a:chExt cx="0" cy="0"/>
+        </a:xfrm>
+      </p:grpSpPr>
+      <p:pic>
+        <p:nvPicPr>
+          <p:cNvPr id="2" name="Picture 1"/>
+          <p:cNvPicPr>
+            <a:picLocks noChangeAspect="1"/>
+          </p:cNvPicPr>
+          <p:nvPr/>
+        </p:nvPicPr>
+        <p:blipFill>
+          <a:blip r:embed="rId2">
+            <a:extLst>
+              <a:ext uri="{28A0092B-C50C-407E-A947-70E740481C1C}">
+                <a14:useLocalDpi xmlns:a14="http://schemas.microsoft.com/office/drawing/2010/main" val="0"/>
+              </a:ext>
+            </a:extLst>
+          </a:blip>
+          <a:stretch>
+            <a:fillRect/>
+          </a:stretch>
+        </p:blipFill>
+        <p:spPr>
+          <a:xfrm>
+            <a:off x="2478741" y="0"/>
+            <a:ext cx="7234518" cy="6858000"/>
+          </a:xfrm>
+          <a:prstGeom prst="rect">
+            <a:avLst/>
+          </a:prstGeom>
+        </p:spPr>
+      </p:pic>
+    </p:spTree>
+    <p:extLst>
+      <p:ext uri="{BB962C8B-B14F-4D97-AF65-F5344CB8AC3E}">
+        <p14:creationId xmlns:p14="http://schemas.microsoft.com/office/powerpoint/2010/main" val="445726901"/>
+      </p:ext>
+    </p:extLst>
+  </p:cSld>
+  <p:clrMapOvr>
+    <a:masterClrMapping/>
+  </p:clrMapOvr>
+</p:sld>
+</file>
+
+<file path=ppt/slides/slide7.xml><?xml version="1.0" encoding="utf-8"?>
+<p:sld xmlns:a="http://schemas.openxmlformats.org/drawingml/2006/main" xmlns:r="http://schemas.openxmlformats.org/officeDocument/2006/relationships" xmlns:p="http://schemas.openxmlformats.org/presentationml/2006/main">
+  <p:cSld>
+    <p:spTree>
+      <p:nvGrpSpPr>
+        <p:cNvPr id="1" name=""/>
+        <p:cNvGrpSpPr/>
+        <p:nvPr/>
+      </p:nvGrpSpPr>
+      <p:grpSpPr>
+        <a:xfrm>
+          <a:off x="0" y="0"/>
+          <a:ext cx="0" cy="0"/>
+          <a:chOff x="0" y="0"/>
+          <a:chExt cx="0" cy="0"/>
+        </a:xfrm>
+      </p:grpSpPr>
+      <p:pic>
+        <p:nvPicPr>
+          <p:cNvPr id="2" name="Picture 1"/>
+          <p:cNvPicPr>
+            <a:picLocks noChangeAspect="1"/>
+          </p:cNvPicPr>
+          <p:nvPr/>
+        </p:nvPicPr>
+        <p:blipFill>
+          <a:blip r:embed="rId2">
+            <a:extLst>
+              <a:ext uri="{28A0092B-C50C-407E-A947-70E740481C1C}">
+                <a14:useLocalDpi xmlns:a14="http://schemas.microsoft.com/office/drawing/2010/main" val="0"/>
+              </a:ext>
+            </a:extLst>
+          </a:blip>
+          <a:stretch>
+            <a:fillRect/>
+          </a:stretch>
+        </p:blipFill>
+        <p:spPr>
+          <a:xfrm>
+            <a:off x="2640582" y="0"/>
+            <a:ext cx="6910835" cy="6858000"/>
+          </a:xfrm>
+          <a:prstGeom prst="rect">
+            <a:avLst/>
+          </a:prstGeom>
+        </p:spPr>
+      </p:pic>
+    </p:spTree>
+    <p:extLst>
+      <p:ext uri="{BB962C8B-B14F-4D97-AF65-F5344CB8AC3E}">
+        <p14:creationId xmlns:p14="http://schemas.microsoft.com/office/powerpoint/2010/main" val="2307103851"/>
+      </p:ext>
+    </p:extLst>
+  </p:cSld>
+  <p:clrMapOvr>
+    <a:masterClrMapping/>
+  </p:clrMapOvr>
+</p:sld>
+</file>
+
+<file path=ppt/slides/slide8.xml><?xml version="1.0" encoding="utf-8"?>
+<p:sld xmlns:a="http://schemas.openxmlformats.org/drawingml/2006/main" xmlns:r="http://schemas.openxmlformats.org/officeDocument/2006/relationships" xmlns:p="http://schemas.openxmlformats.org/presentationml/2006/main">
+  <p:cSld>
+    <p:spTree>
+      <p:nvGrpSpPr>
+        <p:cNvPr id="1" name=""/>
+        <p:cNvGrpSpPr/>
+        <p:nvPr/>
+      </p:nvGrpSpPr>
+      <p:grpSpPr>
+        <a:xfrm>
+          <a:off x="0" y="0"/>
+          <a:ext cx="0" cy="0"/>
+          <a:chOff x="0" y="0"/>
+          <a:chExt cx="0" cy="0"/>
+        </a:xfrm>
+      </p:grpSpPr>
       <p:sp>
         <p:nvSpPr>
           <p:cNvPr id="2" name="Title 1"/>
@@ -3934,7 +5439,7 @@
         <p:spPr>
           <a:xfrm>
             <a:off x="4164154" y="1854994"/>
-            <a:ext cx="3863692" cy="4383246"/>
+            <a:ext cx="4252646" cy="4383246"/>
           </a:xfrm>
           <a:prstGeom prst="roundRect">
             <a:avLst/>
@@ -4110,648 +5615,6 @@
 </p:sld>
 </file>
 
-<file path=ppt/slides/slide5.xml><?xml version="1.0" encoding="utf-8"?>
-<p:sld xmlns:a="http://schemas.openxmlformats.org/drawingml/2006/main" xmlns:r="http://schemas.openxmlformats.org/officeDocument/2006/relationships" xmlns:p="http://schemas.openxmlformats.org/presentationml/2006/main">
-  <p:cSld>
-    <p:spTree>
-      <p:nvGrpSpPr>
-        <p:cNvPr id="1" name=""/>
-        <p:cNvGrpSpPr/>
-        <p:nvPr/>
-      </p:nvGrpSpPr>
-      <p:grpSpPr>
-        <a:xfrm>
-          <a:off x="0" y="0"/>
-          <a:ext cx="0" cy="0"/>
-          <a:chOff x="0" y="0"/>
-          <a:chExt cx="0" cy="0"/>
-        </a:xfrm>
-      </p:grpSpPr>
-      <p:sp>
-        <p:nvSpPr>
-          <p:cNvPr id="3" name="Content Placeholder 2"/>
-          <p:cNvSpPr>
-            <a:spLocks noGrp="1"/>
-          </p:cNvSpPr>
-          <p:nvPr>
-            <p:ph idx="1"/>
-          </p:nvPr>
-        </p:nvSpPr>
-        <p:spPr>
-          <a:xfrm>
-            <a:off x="838200" y="365125"/>
-            <a:ext cx="10515600" cy="5811838"/>
-          </a:xfrm>
-        </p:spPr>
-        <p:txBody>
-          <a:bodyPr/>
-          <a:lstStyle/>
-          <a:p>
-            <a:pPr marL="0" indent="0" algn="ctr">
-              <a:buNone/>
-            </a:pPr>
-            <a:endParaRPr lang="es-CO" dirty="0" smtClean="0">
-              <a:solidFill>
-                <a:srgbClr val="C00000"/>
-              </a:solidFill>
-            </a:endParaRPr>
-          </a:p>
-          <a:p>
-            <a:pPr marL="0" indent="0" algn="ctr">
-              <a:buNone/>
-            </a:pPr>
-            <a:endParaRPr lang="es-CO" dirty="0" smtClean="0">
-              <a:solidFill>
-                <a:srgbClr val="C00000"/>
-              </a:solidFill>
-            </a:endParaRPr>
-          </a:p>
-          <a:p>
-            <a:pPr marL="0" indent="0" algn="ctr">
-              <a:buNone/>
-            </a:pPr>
-            <a:endParaRPr lang="es-CO" dirty="0">
-              <a:solidFill>
-                <a:srgbClr val="C00000"/>
-              </a:solidFill>
-            </a:endParaRPr>
-          </a:p>
-          <a:p>
-            <a:pPr marL="0" indent="0" algn="ctr">
-              <a:lnSpc>
-                <a:spcPct val="150000"/>
-              </a:lnSpc>
-              <a:buNone/>
-            </a:pPr>
-            <a:r>
-              <a:rPr lang="es-CO" sz="3200" dirty="0" smtClean="0"/>
-              <a:t>Un proyecto Scrum involucra un esfuerzo </a:t>
-            </a:r>
-            <a:r>
-              <a:rPr lang="es-CO" sz="3200" dirty="0" smtClean="0">
-                <a:solidFill>
-                  <a:srgbClr val="C00000"/>
-                </a:solidFill>
-              </a:rPr>
-              <a:t>colaborativo</a:t>
-            </a:r>
-            <a:r>
-              <a:rPr lang="es-CO" sz="3200" dirty="0" smtClean="0"/>
-              <a:t> para crear un nuevo producto, servicio o cualquier otro resultado como se definió en la </a:t>
-            </a:r>
-            <a:r>
-              <a:rPr lang="es-CO" sz="3200" dirty="0" smtClean="0">
-                <a:solidFill>
-                  <a:srgbClr val="C00000"/>
-                </a:solidFill>
-              </a:rPr>
-              <a:t>Declaración de Visión del Proyecto</a:t>
-            </a:r>
-            <a:endParaRPr lang="fr-FR" sz="3200" dirty="0">
-              <a:solidFill>
-                <a:srgbClr val="C00000"/>
-              </a:solidFill>
-            </a:endParaRPr>
-          </a:p>
-        </p:txBody>
-      </p:sp>
-    </p:spTree>
-    <p:extLst>
-      <p:ext uri="{BB962C8B-B14F-4D97-AF65-F5344CB8AC3E}">
-        <p14:creationId xmlns:p14="http://schemas.microsoft.com/office/powerpoint/2010/main" val="247479919"/>
-      </p:ext>
-    </p:extLst>
-  </p:cSld>
-  <p:clrMapOvr>
-    <a:masterClrMapping/>
-  </p:clrMapOvr>
-  <p:timing>
-    <p:tnLst>
-      <p:par>
-        <p:cTn id="1" dur="indefinite" restart="never" nodeType="tmRoot"/>
-      </p:par>
-    </p:tnLst>
-  </p:timing>
-</p:sld>
-</file>
-
-<file path=ppt/slides/slide6.xml><?xml version="1.0" encoding="utf-8"?>
-<p:sld xmlns:a="http://schemas.openxmlformats.org/drawingml/2006/main" xmlns:r="http://schemas.openxmlformats.org/officeDocument/2006/relationships" xmlns:p="http://schemas.openxmlformats.org/presentationml/2006/main">
-  <p:cSld>
-    <p:spTree>
-      <p:nvGrpSpPr>
-        <p:cNvPr id="1" name=""/>
-        <p:cNvGrpSpPr/>
-        <p:nvPr/>
-      </p:nvGrpSpPr>
-      <p:grpSpPr>
-        <a:xfrm>
-          <a:off x="0" y="0"/>
-          <a:ext cx="0" cy="0"/>
-          <a:chOff x="0" y="0"/>
-          <a:chExt cx="0" cy="0"/>
-        </a:xfrm>
-      </p:grpSpPr>
-      <p:sp>
-        <p:nvSpPr>
-          <p:cNvPr id="3" name="Content Placeholder 2"/>
-          <p:cNvSpPr>
-            <a:spLocks noGrp="1"/>
-          </p:cNvSpPr>
-          <p:nvPr>
-            <p:ph idx="1"/>
-          </p:nvPr>
-        </p:nvSpPr>
-        <p:spPr>
-          <a:xfrm>
-            <a:off x="838200" y="365125"/>
-            <a:ext cx="10515600" cy="5811838"/>
-          </a:xfrm>
-        </p:spPr>
-        <p:txBody>
-          <a:bodyPr/>
-          <a:lstStyle/>
-          <a:p>
-            <a:pPr marL="0" indent="0" algn="ctr">
-              <a:buNone/>
-            </a:pPr>
-            <a:endParaRPr lang="es-CO" dirty="0" smtClean="0">
-              <a:solidFill>
-                <a:srgbClr val="C00000"/>
-              </a:solidFill>
-            </a:endParaRPr>
-          </a:p>
-          <a:p>
-            <a:pPr marL="0" indent="0" algn="ctr">
-              <a:buNone/>
-            </a:pPr>
-            <a:endParaRPr lang="es-CO" dirty="0">
-              <a:solidFill>
-                <a:srgbClr val="C00000"/>
-              </a:solidFill>
-            </a:endParaRPr>
-          </a:p>
-          <a:p>
-            <a:pPr marL="0" indent="0" algn="ctr">
-              <a:lnSpc>
-                <a:spcPct val="100000"/>
-              </a:lnSpc>
-              <a:buNone/>
-            </a:pPr>
-            <a:r>
-              <a:rPr lang="es-CO" sz="3200" dirty="0" smtClean="0"/>
-              <a:t>La implementación exitosa de los resultados un proyecto finalizado proporciona </a:t>
-            </a:r>
-            <a:r>
-              <a:rPr lang="es-CO" sz="3200" dirty="0" smtClean="0">
-                <a:solidFill>
-                  <a:srgbClr val="C00000"/>
-                </a:solidFill>
-              </a:rPr>
-              <a:t>beneficios empresariales </a:t>
-            </a:r>
-            <a:r>
-              <a:rPr lang="es-CO" sz="3200" dirty="0" smtClean="0"/>
-              <a:t>significativos a una organización.</a:t>
-            </a:r>
-          </a:p>
-          <a:p>
-            <a:pPr marL="0" indent="0" algn="ctr">
-              <a:lnSpc>
-                <a:spcPct val="100000"/>
-              </a:lnSpc>
-              <a:buNone/>
-            </a:pPr>
-            <a:endParaRPr lang="es-CO" sz="3200" dirty="0" smtClean="0"/>
-          </a:p>
-          <a:p>
-            <a:pPr marL="0" indent="0" algn="ctr">
-              <a:lnSpc>
-                <a:spcPct val="100000"/>
-              </a:lnSpc>
-              <a:buNone/>
-            </a:pPr>
-            <a:r>
-              <a:rPr lang="es-CO" sz="3200" dirty="0" smtClean="0"/>
-              <a:t>Importante: </a:t>
-            </a:r>
-            <a:r>
-              <a:rPr lang="es-CO" sz="3200" dirty="0" smtClean="0">
-                <a:solidFill>
-                  <a:srgbClr val="C00000"/>
-                </a:solidFill>
-              </a:rPr>
-              <a:t>Seleccionar</a:t>
-            </a:r>
-            <a:r>
-              <a:rPr lang="es-CO" sz="3200" dirty="0" smtClean="0"/>
-              <a:t> y </a:t>
-            </a:r>
-            <a:r>
-              <a:rPr lang="es-CO" sz="3200" dirty="0" smtClean="0">
-                <a:solidFill>
-                  <a:srgbClr val="C00000"/>
-                </a:solidFill>
-              </a:rPr>
-              <a:t>practicar</a:t>
-            </a:r>
-            <a:r>
-              <a:rPr lang="es-CO" sz="3200" dirty="0" smtClean="0"/>
-              <a:t> un apropiado Framework de Gerencia de proyectos.</a:t>
-            </a:r>
-            <a:endParaRPr lang="fr-FR" sz="3200" dirty="0"/>
-          </a:p>
-        </p:txBody>
-      </p:sp>
-    </p:spTree>
-    <p:extLst>
-      <p:ext uri="{BB962C8B-B14F-4D97-AF65-F5344CB8AC3E}">
-        <p14:creationId xmlns:p14="http://schemas.microsoft.com/office/powerpoint/2010/main" val="3027912179"/>
-      </p:ext>
-    </p:extLst>
-  </p:cSld>
-  <p:clrMapOvr>
-    <a:masterClrMapping/>
-  </p:clrMapOvr>
-  <p:timing>
-    <p:tnLst>
-      <p:par>
-        <p:cTn id="1" dur="indefinite" restart="never" nodeType="tmRoot"/>
-      </p:par>
-    </p:tnLst>
-  </p:timing>
-</p:sld>
-</file>
-
-<file path=ppt/slides/slide7.xml><?xml version="1.0" encoding="utf-8"?>
-<p:sld xmlns:a="http://schemas.openxmlformats.org/drawingml/2006/main" xmlns:r="http://schemas.openxmlformats.org/officeDocument/2006/relationships" xmlns:p="http://schemas.openxmlformats.org/presentationml/2006/main">
-  <p:cSld>
-    <p:spTree>
-      <p:nvGrpSpPr>
-        <p:cNvPr id="1" name=""/>
-        <p:cNvGrpSpPr/>
-        <p:nvPr/>
-      </p:nvGrpSpPr>
-      <p:grpSpPr>
-        <a:xfrm>
-          <a:off x="0" y="0"/>
-          <a:ext cx="0" cy="0"/>
-          <a:chOff x="0" y="0"/>
-          <a:chExt cx="0" cy="0"/>
-        </a:xfrm>
-      </p:grpSpPr>
-      <p:pic>
-        <p:nvPicPr>
-          <p:cNvPr id="6" name="Picture 5"/>
-          <p:cNvPicPr>
-            <a:picLocks noChangeAspect="1"/>
-          </p:cNvPicPr>
-          <p:nvPr/>
-        </p:nvPicPr>
-        <p:blipFill>
-          <a:blip r:embed="rId2" cstate="print">
-            <a:extLst>
-              <a:ext uri="{28A0092B-C50C-407E-A947-70E740481C1C}">
-                <a14:useLocalDpi xmlns:a14="http://schemas.microsoft.com/office/drawing/2010/main" val="0"/>
-              </a:ext>
-            </a:extLst>
-          </a:blip>
-          <a:stretch>
-            <a:fillRect/>
-          </a:stretch>
-        </p:blipFill>
-        <p:spPr>
-          <a:xfrm>
-            <a:off x="1992785" y="3167278"/>
-            <a:ext cx="1922896" cy="2025280"/>
-          </a:xfrm>
-          <a:prstGeom prst="rect">
-            <a:avLst/>
-          </a:prstGeom>
-        </p:spPr>
-      </p:pic>
-      <p:sp>
-        <p:nvSpPr>
-          <p:cNvPr id="7" name="TextBox 6"/>
-          <p:cNvSpPr txBox="1"/>
-          <p:nvPr/>
-        </p:nvSpPr>
-        <p:spPr>
-          <a:xfrm>
-            <a:off x="1093683" y="2465547"/>
-            <a:ext cx="3721100" cy="701731"/>
-          </a:xfrm>
-          <a:prstGeom prst="rect">
-            <a:avLst/>
-          </a:prstGeom>
-          <a:noFill/>
-        </p:spPr>
-        <p:txBody>
-          <a:bodyPr wrap="square" rtlCol="0">
-            <a:spAutoFit/>
-          </a:bodyPr>
-          <a:lstStyle/>
-          <a:p>
-            <a:pPr algn="ctr">
-              <a:lnSpc>
-                <a:spcPct val="90000"/>
-              </a:lnSpc>
-              <a:spcBef>
-                <a:spcPct val="0"/>
-              </a:spcBef>
-            </a:pPr>
-            <a:r>
-              <a:rPr lang="es-CO" sz="4400" dirty="0">
-                <a:solidFill>
-                  <a:srgbClr val="C00000"/>
-                </a:solidFill>
-                <a:latin typeface="Dekar" panose="02000000000000000000" pitchFamily="50" charset="0"/>
-                <a:ea typeface="+mj-ea"/>
-                <a:cs typeface="+mj-cs"/>
-              </a:rPr>
-              <a:t>Por qué SCRUM?</a:t>
-            </a:r>
-            <a:endParaRPr lang="fr-FR" sz="4400" dirty="0">
-              <a:solidFill>
-                <a:srgbClr val="C00000"/>
-              </a:solidFill>
-              <a:latin typeface="Dekar" panose="02000000000000000000" pitchFamily="50" charset="0"/>
-              <a:ea typeface="+mj-ea"/>
-              <a:cs typeface="+mj-cs"/>
-            </a:endParaRPr>
-          </a:p>
-        </p:txBody>
-      </p:sp>
-      <p:sp>
-        <p:nvSpPr>
-          <p:cNvPr id="8" name="TextBox 7"/>
-          <p:cNvSpPr txBox="1"/>
-          <p:nvPr/>
-        </p:nvSpPr>
-        <p:spPr>
-          <a:xfrm>
-            <a:off x="5582804" y="584109"/>
-            <a:ext cx="6159500" cy="5493812"/>
-          </a:xfrm>
-          <a:prstGeom prst="rect">
-            <a:avLst/>
-          </a:prstGeom>
-          <a:noFill/>
-        </p:spPr>
-        <p:txBody>
-          <a:bodyPr wrap="square" rtlCol="0">
-            <a:spAutoFit/>
-          </a:bodyPr>
-          <a:lstStyle/>
-          <a:p>
-            <a:pPr marL="457200" indent="-457200">
-              <a:lnSpc>
-                <a:spcPct val="150000"/>
-              </a:lnSpc>
-              <a:buFont typeface="Wingdings" panose="05000000000000000000" pitchFamily="2" charset="2"/>
-              <a:buChar char="q"/>
-            </a:pPr>
-            <a:r>
-              <a:rPr lang="es-CO" sz="2600" dirty="0" smtClean="0"/>
-              <a:t>  Metodología Ágil mas popular</a:t>
-            </a:r>
-          </a:p>
-          <a:p>
-            <a:pPr marL="457200" indent="-457200">
-              <a:buFont typeface="Wingdings" panose="05000000000000000000" pitchFamily="2" charset="2"/>
-              <a:buChar char="q"/>
-            </a:pPr>
-            <a:endParaRPr lang="es-CO" sz="2600" dirty="0" smtClean="0"/>
-          </a:p>
-          <a:p>
-            <a:pPr marL="457200" indent="-457200">
-              <a:buFont typeface="Wingdings" panose="05000000000000000000" pitchFamily="2" charset="2"/>
-              <a:buChar char="q"/>
-            </a:pPr>
-            <a:r>
-              <a:rPr lang="es-CO" sz="2600" dirty="0"/>
-              <a:t> </a:t>
-            </a:r>
-            <a:r>
-              <a:rPr lang="es-CO" sz="2600" dirty="0" smtClean="0"/>
-              <a:t> Adaptativa, iterativa, rápida, flexible y eficaz</a:t>
-            </a:r>
-          </a:p>
-          <a:p>
-            <a:pPr marL="457200" indent="-457200">
-              <a:buFont typeface="Wingdings" panose="05000000000000000000" pitchFamily="2" charset="2"/>
-              <a:buChar char="q"/>
-            </a:pPr>
-            <a:endParaRPr lang="es-CO" sz="2600" dirty="0" smtClean="0"/>
-          </a:p>
-          <a:p>
-            <a:pPr marL="457200" indent="-457200">
-              <a:buFont typeface="Wingdings" panose="05000000000000000000" pitchFamily="2" charset="2"/>
-              <a:buChar char="q"/>
-            </a:pPr>
-            <a:r>
-              <a:rPr lang="es-CO" sz="2600" dirty="0" smtClean="0"/>
-              <a:t>  Asegura la transparencia en la comunicación</a:t>
-            </a:r>
-          </a:p>
-          <a:p>
-            <a:pPr marL="457200" indent="-457200">
-              <a:buFont typeface="Wingdings" panose="05000000000000000000" pitchFamily="2" charset="2"/>
-              <a:buChar char="q"/>
-            </a:pPr>
-            <a:endParaRPr lang="es-CO" sz="2600" dirty="0" smtClean="0"/>
-          </a:p>
-          <a:p>
-            <a:pPr marL="457200" indent="-457200">
-              <a:buFont typeface="Wingdings" panose="05000000000000000000" pitchFamily="2" charset="2"/>
-              <a:buChar char="q"/>
-            </a:pPr>
-            <a:r>
-              <a:rPr lang="es-CO" sz="2600" dirty="0"/>
-              <a:t> </a:t>
-            </a:r>
-            <a:r>
-              <a:rPr lang="es-CO" sz="2600" dirty="0" smtClean="0"/>
-              <a:t> Crea responsabilidad colectiva y progreso</a:t>
-            </a:r>
-          </a:p>
-          <a:p>
-            <a:pPr marL="457200" indent="-457200">
-              <a:buFont typeface="Wingdings" panose="05000000000000000000" pitchFamily="2" charset="2"/>
-              <a:buChar char="q"/>
-            </a:pPr>
-            <a:endParaRPr lang="es-CO" sz="2600" dirty="0" smtClean="0"/>
-          </a:p>
-          <a:p>
-            <a:pPr marL="457200" indent="-457200">
-              <a:buFont typeface="Wingdings" panose="05000000000000000000" pitchFamily="2" charset="2"/>
-              <a:buChar char="q"/>
-            </a:pPr>
-            <a:r>
-              <a:rPr lang="es-CO" sz="2600" dirty="0"/>
-              <a:t> </a:t>
-            </a:r>
-            <a:r>
-              <a:rPr lang="es-CO" sz="2600" dirty="0" smtClean="0"/>
-              <a:t> El Framework Scrum soporta </a:t>
-            </a:r>
-            <a:r>
-              <a:rPr lang="es-CO" sz="2600" b="1" dirty="0" smtClean="0"/>
-              <a:t>todo tipo de proyectos</a:t>
-            </a:r>
-            <a:endParaRPr lang="fr-FR" sz="2600" b="1" dirty="0"/>
-          </a:p>
-        </p:txBody>
-      </p:sp>
-    </p:spTree>
-    <p:extLst>
-      <p:ext uri="{BB962C8B-B14F-4D97-AF65-F5344CB8AC3E}">
-        <p14:creationId xmlns:p14="http://schemas.microsoft.com/office/powerpoint/2010/main" val="1416526623"/>
-      </p:ext>
-    </p:extLst>
-  </p:cSld>
-  <p:clrMapOvr>
-    <a:masterClrMapping/>
-  </p:clrMapOvr>
-  <p:timing>
-    <p:tnLst>
-      <p:par>
-        <p:cTn id="1" dur="indefinite" restart="never" nodeType="tmRoot"/>
-      </p:par>
-    </p:tnLst>
-  </p:timing>
-</p:sld>
-</file>
-
-<file path=ppt/slides/slide8.xml><?xml version="1.0" encoding="utf-8"?>
-<p:sld xmlns:a="http://schemas.openxmlformats.org/drawingml/2006/main" xmlns:r="http://schemas.openxmlformats.org/officeDocument/2006/relationships" xmlns:p="http://schemas.openxmlformats.org/presentationml/2006/main">
-  <p:cSld>
-    <p:spTree>
-      <p:nvGrpSpPr>
-        <p:cNvPr id="1" name=""/>
-        <p:cNvGrpSpPr/>
-        <p:nvPr/>
-      </p:nvGrpSpPr>
-      <p:grpSpPr>
-        <a:xfrm>
-          <a:off x="0" y="0"/>
-          <a:ext cx="0" cy="0"/>
-          <a:chOff x="0" y="0"/>
-          <a:chExt cx="0" cy="0"/>
-        </a:xfrm>
-      </p:grpSpPr>
-      <p:sp>
-        <p:nvSpPr>
-          <p:cNvPr id="3" name="Content Placeholder 2"/>
-          <p:cNvSpPr>
-            <a:spLocks noGrp="1"/>
-          </p:cNvSpPr>
-          <p:nvPr>
-            <p:ph idx="1"/>
-          </p:nvPr>
-        </p:nvSpPr>
-        <p:spPr>
-          <a:xfrm>
-            <a:off x="838200" y="365125"/>
-            <a:ext cx="10515600" cy="5811838"/>
-          </a:xfrm>
-        </p:spPr>
-        <p:txBody>
-          <a:bodyPr/>
-          <a:lstStyle/>
-          <a:p>
-            <a:pPr marL="0" indent="0" algn="ctr">
-              <a:buNone/>
-            </a:pPr>
-            <a:endParaRPr lang="es-CO" dirty="0" smtClean="0">
-              <a:solidFill>
-                <a:srgbClr val="C00000"/>
-              </a:solidFill>
-            </a:endParaRPr>
-          </a:p>
-          <a:p>
-            <a:pPr marL="0" indent="0" algn="ctr">
-              <a:buNone/>
-            </a:pPr>
-            <a:endParaRPr lang="es-CO" dirty="0" smtClean="0">
-              <a:solidFill>
-                <a:srgbClr val="C00000"/>
-              </a:solidFill>
-            </a:endParaRPr>
-          </a:p>
-          <a:p>
-            <a:pPr marL="0" indent="0" algn="ctr">
-              <a:buNone/>
-            </a:pPr>
-            <a:endParaRPr lang="es-CO" dirty="0">
-              <a:solidFill>
-                <a:srgbClr val="C00000"/>
-              </a:solidFill>
-            </a:endParaRPr>
-          </a:p>
-          <a:p>
-            <a:pPr marL="0" indent="0" algn="ctr">
-              <a:lnSpc>
-                <a:spcPct val="150000"/>
-              </a:lnSpc>
-              <a:buNone/>
-            </a:pPr>
-            <a:r>
-              <a:rPr lang="es-CO" sz="3200" dirty="0" smtClean="0"/>
-              <a:t>Soporta </a:t>
-            </a:r>
-            <a:r>
-              <a:rPr lang="es-CO" sz="3200" dirty="0" smtClean="0">
-                <a:solidFill>
-                  <a:srgbClr val="C00000"/>
-                </a:solidFill>
-              </a:rPr>
-              <a:t>productos</a:t>
-            </a:r>
-            <a:r>
-              <a:rPr lang="es-CO" sz="3200" dirty="0" smtClean="0"/>
-              <a:t> y </a:t>
-            </a:r>
-            <a:r>
-              <a:rPr lang="es-CO" sz="3200" dirty="0" smtClean="0">
-                <a:solidFill>
-                  <a:srgbClr val="C00000"/>
-                </a:solidFill>
-              </a:rPr>
-              <a:t>desarrollo de servicios </a:t>
-            </a:r>
-            <a:r>
-              <a:rPr lang="es-CO" sz="3200" dirty="0" smtClean="0"/>
-              <a:t>en todos los tipos de industrias y en cualquier tipo de proyecto, sin tener en cuenta su complejidad.</a:t>
-            </a:r>
-            <a:endParaRPr lang="fr-FR" sz="3200" dirty="0">
-              <a:solidFill>
-                <a:srgbClr val="C00000"/>
-              </a:solidFill>
-            </a:endParaRPr>
-          </a:p>
-        </p:txBody>
-      </p:sp>
-    </p:spTree>
-    <p:extLst>
-      <p:ext uri="{BB962C8B-B14F-4D97-AF65-F5344CB8AC3E}">
-        <p14:creationId xmlns:p14="http://schemas.microsoft.com/office/powerpoint/2010/main" val="2444953963"/>
-      </p:ext>
-    </p:extLst>
-  </p:cSld>
-  <p:clrMapOvr>
-    <a:masterClrMapping/>
-  </p:clrMapOvr>
-  <p:timing>
-    <p:tnLst>
-      <p:par>
-        <p:cTn id="1" dur="indefinite" restart="never" nodeType="tmRoot"/>
-      </p:par>
-    </p:tnLst>
-  </p:timing>
-</p:sld>
-</file>
-
 <file path=ppt/slides/slide9.xml><?xml version="1.0" encoding="utf-8"?>
 <p:sld xmlns:a="http://schemas.openxmlformats.org/drawingml/2006/main" xmlns:r="http://schemas.openxmlformats.org/officeDocument/2006/relationships" xmlns:p="http://schemas.openxmlformats.org/presentationml/2006/main">
   <p:cSld>
@@ -4812,69 +5675,72 @@
             <a:pPr marL="0" indent="0" algn="ctr">
               <a:buNone/>
             </a:pPr>
-            <a:r>
-              <a:rPr lang="es-CO" sz="3600" dirty="0" smtClean="0">
-                <a:solidFill>
-                  <a:srgbClr val="C00000"/>
-                </a:solidFill>
-              </a:rPr>
-              <a:t>Por qué SCRUM es mejor que otras técnicas de </a:t>
-            </a:r>
-          </a:p>
-          <a:p>
-            <a:pPr marL="0" indent="0" algn="ctr">
-              <a:buNone/>
-            </a:pPr>
-            <a:r>
-              <a:rPr lang="es-CO" sz="3600" dirty="0" smtClean="0">
-                <a:solidFill>
-                  <a:srgbClr val="C00000"/>
-                </a:solidFill>
-              </a:rPr>
-              <a:t>Gerencia de Proyectos </a:t>
-            </a:r>
-            <a:endParaRPr lang="es-CO" sz="3600" dirty="0">
+            <a:endParaRPr lang="es-CO" dirty="0" smtClean="0">
               <a:solidFill>
                 <a:srgbClr val="C00000"/>
               </a:solidFill>
             </a:endParaRPr>
           </a:p>
-        </p:txBody>
-      </p:sp>
-      <p:pic>
-        <p:nvPicPr>
-          <p:cNvPr id="2" name="Picture 1"/>
-          <p:cNvPicPr>
-            <a:picLocks noChangeAspect="1"/>
-          </p:cNvPicPr>
-          <p:nvPr/>
-        </p:nvPicPr>
-        <p:blipFill>
-          <a:blip r:embed="rId2">
-            <a:extLst>
-              <a:ext uri="{28A0092B-C50C-407E-A947-70E740481C1C}">
-                <a14:useLocalDpi xmlns:a14="http://schemas.microsoft.com/office/drawing/2010/main" val="0"/>
-              </a:ext>
-            </a:extLst>
-          </a:blip>
-          <a:stretch>
-            <a:fillRect/>
-          </a:stretch>
-        </p:blipFill>
-        <p:spPr>
-          <a:xfrm>
-            <a:off x="4165600" y="2851150"/>
-            <a:ext cx="3860800" cy="2171700"/>
-          </a:xfrm>
-          <a:prstGeom prst="rect">
-            <a:avLst/>
-          </a:prstGeom>
-        </p:spPr>
-      </p:pic>
+          <a:p>
+            <a:pPr marL="0" indent="0" algn="ctr">
+              <a:buNone/>
+            </a:pPr>
+            <a:endParaRPr lang="es-CO" dirty="0">
+              <a:solidFill>
+                <a:srgbClr val="C00000"/>
+              </a:solidFill>
+            </a:endParaRPr>
+          </a:p>
+          <a:p>
+            <a:pPr marL="0" indent="0" algn="ctr">
+              <a:lnSpc>
+                <a:spcPct val="100000"/>
+              </a:lnSpc>
+              <a:buNone/>
+            </a:pPr>
+            <a:r>
+              <a:rPr lang="es-CO" sz="3200" dirty="0" smtClean="0">
+                <a:latin typeface="+mj-lt"/>
+              </a:rPr>
+              <a:t>Un proyecto Scrum involucra un esfuerzo </a:t>
+            </a:r>
+            <a:r>
+              <a:rPr lang="es-CO" sz="3200" dirty="0" smtClean="0">
+                <a:solidFill>
+                  <a:srgbClr val="C00000"/>
+                </a:solidFill>
+                <a:latin typeface="+mj-lt"/>
+              </a:rPr>
+              <a:t>colaborativo</a:t>
+            </a:r>
+            <a:r>
+              <a:rPr lang="es-CO" sz="3200" dirty="0" smtClean="0">
+                <a:latin typeface="+mj-lt"/>
+              </a:rPr>
+              <a:t> para crear un nuevo producto, servicio o cualquier otro resultado como se definió en la </a:t>
+            </a:r>
+            <a:r>
+              <a:rPr lang="es-CO" sz="3200" dirty="0" smtClean="0">
+                <a:solidFill>
+                  <a:srgbClr val="C00000"/>
+                </a:solidFill>
+                <a:latin typeface="+mj-lt"/>
+              </a:rPr>
+              <a:t>Declaración de Visión del Proyecto</a:t>
+            </a:r>
+            <a:endParaRPr lang="fr-FR" sz="3200" dirty="0">
+              <a:solidFill>
+                <a:srgbClr val="C00000"/>
+              </a:solidFill>
+              <a:latin typeface="+mj-lt"/>
+            </a:endParaRPr>
+          </a:p>
+        </p:txBody>
+      </p:sp>
     </p:spTree>
     <p:extLst>
       <p:ext uri="{BB962C8B-B14F-4D97-AF65-F5344CB8AC3E}">
-        <p14:creationId xmlns:p14="http://schemas.microsoft.com/office/powerpoint/2010/main" val="1710417227"/>
+        <p14:creationId xmlns:p14="http://schemas.microsoft.com/office/powerpoint/2010/main" val="247479919"/>
       </p:ext>
     </p:extLst>
   </p:cSld>

--- a/Scrum/introduccion a scrum.pptx
+++ b/Scrum/introduccion a scrum.pptx
@@ -6,7 +6,7 @@
     <p:sldMasterId id="2147483660" r:id="rId2"/>
   </p:sldMasterIdLst>
   <p:notesMasterIdLst>
-    <p:notesMasterId r:id="rId52"/>
+    <p:notesMasterId r:id="rId50"/>
   </p:notesMasterIdLst>
   <p:sldIdLst>
     <p:sldId id="288" r:id="rId3"/>
@@ -18,46 +18,44 @@
     <p:sldId id="294" r:id="rId9"/>
     <p:sldId id="295" r:id="rId10"/>
     <p:sldId id="296" r:id="rId11"/>
-    <p:sldId id="297" r:id="rId12"/>
-    <p:sldId id="298" r:id="rId13"/>
-    <p:sldId id="299" r:id="rId14"/>
-    <p:sldId id="300" r:id="rId15"/>
-    <p:sldId id="301" r:id="rId16"/>
-    <p:sldId id="302" r:id="rId17"/>
-    <p:sldId id="303" r:id="rId18"/>
-    <p:sldId id="256" r:id="rId19"/>
-    <p:sldId id="257" r:id="rId20"/>
-    <p:sldId id="258" r:id="rId21"/>
-    <p:sldId id="272" r:id="rId22"/>
-    <p:sldId id="273" r:id="rId23"/>
-    <p:sldId id="274" r:id="rId24"/>
-    <p:sldId id="275" r:id="rId25"/>
-    <p:sldId id="259" r:id="rId26"/>
-    <p:sldId id="260" r:id="rId27"/>
-    <p:sldId id="263" r:id="rId28"/>
-    <p:sldId id="284" r:id="rId29"/>
-    <p:sldId id="285" r:id="rId30"/>
-    <p:sldId id="286" r:id="rId31"/>
-    <p:sldId id="264" r:id="rId32"/>
-    <p:sldId id="265" r:id="rId33"/>
-    <p:sldId id="267" r:id="rId34"/>
-    <p:sldId id="280" r:id="rId35"/>
-    <p:sldId id="269" r:id="rId36"/>
-    <p:sldId id="279" r:id="rId37"/>
-    <p:sldId id="287" r:id="rId38"/>
-    <p:sldId id="278" r:id="rId39"/>
-    <p:sldId id="281" r:id="rId40"/>
-    <p:sldId id="270" r:id="rId41"/>
-    <p:sldId id="282" r:id="rId42"/>
-    <p:sldId id="283" r:id="rId43"/>
-    <p:sldId id="305" r:id="rId44"/>
-    <p:sldId id="306" r:id="rId45"/>
-    <p:sldId id="277" r:id="rId46"/>
-    <p:sldId id="261" r:id="rId47"/>
-    <p:sldId id="271" r:id="rId48"/>
-    <p:sldId id="307" r:id="rId49"/>
-    <p:sldId id="308" r:id="rId50"/>
-    <p:sldId id="309" r:id="rId51"/>
+    <p:sldId id="298" r:id="rId12"/>
+    <p:sldId id="299" r:id="rId13"/>
+    <p:sldId id="300" r:id="rId14"/>
+    <p:sldId id="301" r:id="rId15"/>
+    <p:sldId id="302" r:id="rId16"/>
+    <p:sldId id="303" r:id="rId17"/>
+    <p:sldId id="256" r:id="rId18"/>
+    <p:sldId id="257" r:id="rId19"/>
+    <p:sldId id="258" r:id="rId20"/>
+    <p:sldId id="272" r:id="rId21"/>
+    <p:sldId id="273" r:id="rId22"/>
+    <p:sldId id="274" r:id="rId23"/>
+    <p:sldId id="275" r:id="rId24"/>
+    <p:sldId id="260" r:id="rId25"/>
+    <p:sldId id="263" r:id="rId26"/>
+    <p:sldId id="284" r:id="rId27"/>
+    <p:sldId id="285" r:id="rId28"/>
+    <p:sldId id="286" r:id="rId29"/>
+    <p:sldId id="264" r:id="rId30"/>
+    <p:sldId id="265" r:id="rId31"/>
+    <p:sldId id="267" r:id="rId32"/>
+    <p:sldId id="280" r:id="rId33"/>
+    <p:sldId id="269" r:id="rId34"/>
+    <p:sldId id="279" r:id="rId35"/>
+    <p:sldId id="287" r:id="rId36"/>
+    <p:sldId id="278" r:id="rId37"/>
+    <p:sldId id="281" r:id="rId38"/>
+    <p:sldId id="270" r:id="rId39"/>
+    <p:sldId id="282" r:id="rId40"/>
+    <p:sldId id="283" r:id="rId41"/>
+    <p:sldId id="305" r:id="rId42"/>
+    <p:sldId id="306" r:id="rId43"/>
+    <p:sldId id="277" r:id="rId44"/>
+    <p:sldId id="261" r:id="rId45"/>
+    <p:sldId id="271" r:id="rId46"/>
+    <p:sldId id="307" r:id="rId47"/>
+    <p:sldId id="308" r:id="rId48"/>
+    <p:sldId id="309" r:id="rId49"/>
   </p:sldIdLst>
   <p:sldSz cx="12192000" cy="6858000"/>
   <p:notesSz cx="6858000" cy="9144000"/>
@@ -246,7 +244,7 @@
           <a:p>
             <a:fld id="{E27315A5-661F-40F5-8E4A-20ABD0451867}" type="datetimeFigureOut">
               <a:rPr lang="fr-FR" smtClean="0"/>
-              <a:t>09/10/2017</a:t>
+              <a:t>13/11/2017</a:t>
             </a:fld>
             <a:endParaRPr lang="fr-FR"/>
           </a:p>
@@ -765,7 +763,7 @@
           <a:p>
             <a:fld id="{9104686C-31F0-4EA9-A818-E7835907BE59}" type="slidenum">
               <a:rPr lang="fr-FR" smtClean="0"/>
-              <a:t>29</a:t>
+              <a:t>27</a:t>
             </a:fld>
             <a:endParaRPr lang="fr-FR"/>
           </a:p>
@@ -915,7 +913,7 @@
           <a:p>
             <a:fld id="{A300F90B-5245-4811-93B7-9911F0C80A68}" type="datetimeFigureOut">
               <a:rPr lang="fr-FR" smtClean="0"/>
-              <a:t>09/10/2017</a:t>
+              <a:t>13/11/2017</a:t>
             </a:fld>
             <a:endParaRPr lang="fr-FR" dirty="0"/>
           </a:p>
@@ -1085,7 +1083,7 @@
           <a:p>
             <a:fld id="{A300F90B-5245-4811-93B7-9911F0C80A68}" type="datetimeFigureOut">
               <a:rPr lang="fr-FR" smtClean="0"/>
-              <a:t>09/10/2017</a:t>
+              <a:t>13/11/2017</a:t>
             </a:fld>
             <a:endParaRPr lang="fr-FR" dirty="0"/>
           </a:p>
@@ -1265,7 +1263,7 @@
           <a:p>
             <a:fld id="{A300F90B-5245-4811-93B7-9911F0C80A68}" type="datetimeFigureOut">
               <a:rPr lang="fr-FR" smtClean="0"/>
-              <a:t>09/10/2017</a:t>
+              <a:t>13/11/2017</a:t>
             </a:fld>
             <a:endParaRPr lang="fr-FR" dirty="0"/>
           </a:p>
@@ -1464,7 +1462,7 @@
                 </a:solidFill>
               </a:rPr>
               <a:pPr/>
-              <a:t>09/10/2017</a:t>
+              <a:t>13/11/2017</a:t>
             </a:fld>
             <a:endParaRPr lang="fr-FR" dirty="0">
               <a:solidFill>
@@ -1666,7 +1664,7 @@
                 </a:solidFill>
               </a:rPr>
               <a:pPr/>
-              <a:t>09/10/2017</a:t>
+              <a:t>13/11/2017</a:t>
             </a:fld>
             <a:endParaRPr lang="fr-FR" dirty="0">
               <a:solidFill>
@@ -1944,7 +1942,7 @@
                 </a:solidFill>
               </a:rPr>
               <a:pPr/>
-              <a:t>09/10/2017</a:t>
+              <a:t>13/11/2017</a:t>
             </a:fld>
             <a:endParaRPr lang="fr-FR" dirty="0">
               <a:solidFill>
@@ -2208,7 +2206,7 @@
                 </a:solidFill>
               </a:rPr>
               <a:pPr/>
-              <a:t>09/10/2017</a:t>
+              <a:t>13/11/2017</a:t>
             </a:fld>
             <a:endParaRPr lang="fr-FR" dirty="0">
               <a:solidFill>
@@ -2607,7 +2605,7 @@
                 </a:solidFill>
               </a:rPr>
               <a:pPr/>
-              <a:t>09/10/2017</a:t>
+              <a:t>13/11/2017</a:t>
             </a:fld>
             <a:endParaRPr lang="fr-FR" dirty="0">
               <a:solidFill>
@@ -2757,7 +2755,7 @@
                 </a:solidFill>
               </a:rPr>
               <a:pPr/>
-              <a:t>09/10/2017</a:t>
+              <a:t>13/11/2017</a:t>
             </a:fld>
             <a:endParaRPr lang="fr-FR" dirty="0">
               <a:solidFill>
@@ -2884,7 +2882,7 @@
                 </a:solidFill>
               </a:rPr>
               <a:pPr/>
-              <a:t>09/10/2017</a:t>
+              <a:t>13/11/2017</a:t>
             </a:fld>
             <a:endParaRPr lang="fr-FR" dirty="0">
               <a:solidFill>
@@ -3193,7 +3191,7 @@
                 </a:solidFill>
               </a:rPr>
               <a:pPr/>
-              <a:t>09/10/2017</a:t>
+              <a:t>13/11/2017</a:t>
             </a:fld>
             <a:endParaRPr lang="fr-FR" dirty="0">
               <a:solidFill>
@@ -3388,7 +3386,7 @@
           <a:p>
             <a:fld id="{A300F90B-5245-4811-93B7-9911F0C80A68}" type="datetimeFigureOut">
               <a:rPr lang="fr-FR" smtClean="0"/>
-              <a:t>09/10/2017</a:t>
+              <a:t>13/11/2017</a:t>
             </a:fld>
             <a:endParaRPr lang="fr-FR" dirty="0"/>
           </a:p>
@@ -3648,7 +3646,7 @@
                 </a:solidFill>
               </a:rPr>
               <a:pPr/>
-              <a:t>09/10/2017</a:t>
+              <a:t>13/11/2017</a:t>
             </a:fld>
             <a:endParaRPr lang="fr-FR" dirty="0">
               <a:solidFill>
@@ -3850,7 +3848,7 @@
                 </a:solidFill>
               </a:rPr>
               <a:pPr/>
-              <a:t>09/10/2017</a:t>
+              <a:t>13/11/2017</a:t>
             </a:fld>
             <a:endParaRPr lang="fr-FR" dirty="0">
               <a:solidFill>
@@ -4062,7 +4060,7 @@
                 </a:solidFill>
               </a:rPr>
               <a:pPr/>
-              <a:t>09/10/2017</a:t>
+              <a:t>13/11/2017</a:t>
             </a:fld>
             <a:endParaRPr lang="fr-FR" dirty="0">
               <a:solidFill>
@@ -4333,7 +4331,7 @@
           <a:p>
             <a:fld id="{A300F90B-5245-4811-93B7-9911F0C80A68}" type="datetimeFigureOut">
               <a:rPr lang="fr-FR" smtClean="0"/>
-              <a:t>09/10/2017</a:t>
+              <a:t>13/11/2017</a:t>
             </a:fld>
             <a:endParaRPr lang="fr-FR" dirty="0"/>
           </a:p>
@@ -4565,7 +4563,7 @@
           <a:p>
             <a:fld id="{A300F90B-5245-4811-93B7-9911F0C80A68}" type="datetimeFigureOut">
               <a:rPr lang="fr-FR" smtClean="0"/>
-              <a:t>09/10/2017</a:t>
+              <a:t>13/11/2017</a:t>
             </a:fld>
             <a:endParaRPr lang="fr-FR" dirty="0"/>
           </a:p>
@@ -4932,7 +4930,7 @@
           <a:p>
             <a:fld id="{A300F90B-5245-4811-93B7-9911F0C80A68}" type="datetimeFigureOut">
               <a:rPr lang="fr-FR" smtClean="0"/>
-              <a:t>09/10/2017</a:t>
+              <a:t>13/11/2017</a:t>
             </a:fld>
             <a:endParaRPr lang="fr-FR" dirty="0"/>
           </a:p>
@@ -5050,7 +5048,7 @@
           <a:p>
             <a:fld id="{A300F90B-5245-4811-93B7-9911F0C80A68}" type="datetimeFigureOut">
               <a:rPr lang="fr-FR" smtClean="0"/>
-              <a:t>09/10/2017</a:t>
+              <a:t>13/11/2017</a:t>
             </a:fld>
             <a:endParaRPr lang="fr-FR" dirty="0"/>
           </a:p>
@@ -5145,7 +5143,7 @@
           <a:p>
             <a:fld id="{A300F90B-5245-4811-93B7-9911F0C80A68}" type="datetimeFigureOut">
               <a:rPr lang="fr-FR" smtClean="0"/>
-              <a:t>09/10/2017</a:t>
+              <a:t>13/11/2017</a:t>
             </a:fld>
             <a:endParaRPr lang="fr-FR" dirty="0"/>
           </a:p>
@@ -5422,7 +5420,7 @@
           <a:p>
             <a:fld id="{A300F90B-5245-4811-93B7-9911F0C80A68}" type="datetimeFigureOut">
               <a:rPr lang="fr-FR" smtClean="0"/>
-              <a:t>09/10/2017</a:t>
+              <a:t>13/11/2017</a:t>
             </a:fld>
             <a:endParaRPr lang="fr-FR" dirty="0"/>
           </a:p>
@@ -5675,7 +5673,7 @@
           <a:p>
             <a:fld id="{A300F90B-5245-4811-93B7-9911F0C80A68}" type="datetimeFigureOut">
               <a:rPr lang="fr-FR" smtClean="0"/>
-              <a:t>09/10/2017</a:t>
+              <a:t>13/11/2017</a:t>
             </a:fld>
             <a:endParaRPr lang="fr-FR" dirty="0"/>
           </a:p>
@@ -5888,7 +5886,7 @@
           <a:p>
             <a:fld id="{A300F90B-5245-4811-93B7-9911F0C80A68}" type="datetimeFigureOut">
               <a:rPr lang="fr-FR" smtClean="0"/>
-              <a:t>09/10/2017</a:t>
+              <a:t>13/11/2017</a:t>
             </a:fld>
             <a:endParaRPr lang="fr-FR" dirty="0"/>
           </a:p>
@@ -6435,7 +6433,7 @@
                 </a:solidFill>
               </a:rPr>
               <a:pPr/>
-              <a:t>09/10/2017</a:t>
+              <a:t>13/11/2017</a:t>
             </a:fld>
             <a:endParaRPr lang="fr-FR" dirty="0">
               <a:solidFill>
@@ -6883,7 +6881,9 @@
             <a:r>
               <a:rPr lang="es-CO" dirty="0" smtClean="0">
                 <a:solidFill>
-                  <a:srgbClr val="FF0000"/>
+                  <a:schemeClr val="accent1">
+                    <a:lumMod val="50000"/>
+                  </a:schemeClr>
                 </a:solidFill>
                 <a:effectLst>
                   <a:outerShdw blurRad="38100" dist="38100" dir="2700000" algn="tl">
@@ -6898,7 +6898,9 @@
             </a:r>
             <a:endParaRPr lang="fr-FR" dirty="0">
               <a:solidFill>
-                <a:srgbClr val="FF0000"/>
+                <a:schemeClr val="accent1">
+                  <a:lumMod val="50000"/>
+                </a:schemeClr>
               </a:solidFill>
             </a:endParaRPr>
           </a:p>
@@ -7033,9 +7035,16 @@
             <p:ph idx="1"/>
           </p:nvPr>
         </p:nvSpPr>
-        <p:spPr/>
-        <p:txBody>
-          <a:bodyPr/>
+        <p:spPr>
+          <a:xfrm>
+            <a:off x="838200" y="1690688"/>
+            <a:ext cx="10515600" cy="4486275"/>
+          </a:xfrm>
+        </p:spPr>
+        <p:txBody>
+          <a:bodyPr>
+            <a:normAutofit fontScale="92500" lnSpcReduction="10000"/>
+          </a:bodyPr>
           <a:lstStyle/>
           <a:p>
             <a:pPr marL="0" indent="0">
@@ -7045,41 +7054,174 @@
               <a:rPr lang="es-CO" dirty="0" smtClean="0">
                 <a:latin typeface="+mj-lt"/>
               </a:rPr>
-              <a:t>Características especificas de Scrum:</a:t>
+              <a:t>El pilar </a:t>
+            </a:r>
+            <a:r>
+              <a:rPr lang="es-CO" dirty="0" smtClean="0">
+                <a:latin typeface="+mj-lt"/>
+              </a:rPr>
+              <a:t>mas importante de Scrum son las revisiones. Su importancia reside en que las reuniones son la base para lograr </a:t>
+            </a:r>
+            <a:r>
+              <a:rPr lang="es-CO" dirty="0" smtClean="0">
+                <a:solidFill>
+                  <a:srgbClr val="FF0000"/>
+                </a:solidFill>
+                <a:latin typeface="+mj-lt"/>
+              </a:rPr>
+              <a:t>transparencia</a:t>
+            </a:r>
+            <a:r>
+              <a:rPr lang="es-CO" dirty="0" smtClean="0">
+                <a:latin typeface="+mj-lt"/>
+              </a:rPr>
+              <a:t> y </a:t>
+            </a:r>
+            <a:r>
+              <a:rPr lang="es-CO" dirty="0" smtClean="0">
+                <a:solidFill>
+                  <a:srgbClr val="FF0000"/>
+                </a:solidFill>
+                <a:latin typeface="+mj-lt"/>
+              </a:rPr>
+              <a:t>comunicación</a:t>
+            </a:r>
+            <a:r>
+              <a:rPr lang="es-CO" dirty="0" smtClean="0">
+                <a:latin typeface="+mj-lt"/>
+              </a:rPr>
+              <a:t>, y posibilitan algo característico en un equipo ágil:</a:t>
             </a:r>
           </a:p>
           <a:p>
             <a:pPr marL="0" indent="0">
               <a:buNone/>
             </a:pPr>
-            <a:endParaRPr lang="es-CO" dirty="0">
+            <a:endParaRPr lang="es-CO" sz="1700" dirty="0" smtClean="0">
               <a:latin typeface="+mj-lt"/>
             </a:endParaRPr>
           </a:p>
           <a:p>
-            <a:pPr marL="457200" lvl="1" indent="0">
-              <a:buNone/>
+            <a:pPr marL="971550" lvl="1" indent="-514350">
+              <a:lnSpc>
+                <a:spcPct val="110000"/>
+              </a:lnSpc>
+              <a:buFont typeface="+mj-lt"/>
+              <a:buAutoNum type="arabicPeriod"/>
             </a:pPr>
             <a:r>
               <a:rPr lang="es-CO" dirty="0" smtClean="0">
-                <a:latin typeface="+mj-lt"/>
-              </a:rPr>
-              <a:t>1. Una de las bases, es el </a:t>
+                <a:solidFill>
+                  <a:srgbClr val="C00000"/>
+                </a:solidFill>
+                <a:latin typeface="+mj-lt"/>
+              </a:rPr>
+              <a:t>Reunión de planificación del sprint</a:t>
             </a:r>
             <a:r>
               <a:rPr lang="es-CO" dirty="0" smtClean="0">
+                <a:latin typeface="+mj-lt"/>
+              </a:rPr>
+              <a:t>. Al principio de cada sprint, para decidir que se va a realizar en ese sprint.</a:t>
+            </a:r>
+          </a:p>
+          <a:p>
+            <a:pPr marL="971550" lvl="1" indent="-514350">
+              <a:lnSpc>
+                <a:spcPct val="110000"/>
+              </a:lnSpc>
+              <a:buFont typeface="+mj-lt"/>
+              <a:buAutoNum type="arabicPeriod"/>
+            </a:pPr>
+            <a:r>
+              <a:rPr lang="es-CO" dirty="0" smtClean="0">
                 <a:solidFill>
                   <a:srgbClr val="C00000"/>
                 </a:solidFill>
                 <a:latin typeface="+mj-lt"/>
               </a:rPr>
-              <a:t>ciclo de vida iterativo e incremental</a:t>
+              <a:t>Reunión diaria</a:t>
             </a:r>
             <a:r>
               <a:rPr lang="es-CO" dirty="0" smtClean="0">
                 <a:latin typeface="+mj-lt"/>
               </a:rPr>
-              <a:t>. El ciclo de vida iterativo o incremental es aquel en el que se va liberando el producto en pares, periódicamente, iterativamente, poco a poco y además, cada entrega es el incremento de funcionalidad respecto a la anterior.</a:t>
+              <a:t>. Máximo 15 minutos. Se trata: que se hizo ayer, que vas a hacer hoy y que problemas se han encontrado.</a:t>
+            </a:r>
+          </a:p>
+          <a:p>
+            <a:pPr marL="971550" lvl="1" indent="-514350">
+              <a:lnSpc>
+                <a:spcPct val="110000"/>
+              </a:lnSpc>
+              <a:buFont typeface="+mj-lt"/>
+              <a:buAutoNum type="arabicPeriod"/>
+            </a:pPr>
+            <a:r>
+              <a:rPr lang="es-CO" dirty="0" smtClean="0">
+                <a:solidFill>
+                  <a:srgbClr val="C00000"/>
+                </a:solidFill>
+                <a:latin typeface="+mj-lt"/>
+              </a:rPr>
+              <a:t>Reunión de </a:t>
+            </a:r>
+            <a:r>
+              <a:rPr lang="es-CO" dirty="0" err="1" smtClean="0">
+                <a:solidFill>
+                  <a:srgbClr val="C00000"/>
+                </a:solidFill>
+                <a:latin typeface="+mj-lt"/>
+              </a:rPr>
+              <a:t>revision</a:t>
+            </a:r>
+            <a:r>
+              <a:rPr lang="es-CO" dirty="0" smtClean="0">
+                <a:solidFill>
+                  <a:srgbClr val="C00000"/>
+                </a:solidFill>
+                <a:latin typeface="+mj-lt"/>
+              </a:rPr>
+              <a:t> </a:t>
+            </a:r>
+            <a:r>
+              <a:rPr lang="es-CO" dirty="0" smtClean="0">
+                <a:solidFill>
+                  <a:srgbClr val="C00000"/>
+                </a:solidFill>
+                <a:latin typeface="+mj-lt"/>
+              </a:rPr>
+              <a:t>del Sprint</a:t>
+            </a:r>
+            <a:r>
+              <a:rPr lang="es-CO" dirty="0" smtClean="0">
+                <a:latin typeface="+mj-lt"/>
+              </a:rPr>
+              <a:t>. Al final de cada sprint, se trata que se ha completado y que no.</a:t>
+            </a:r>
+          </a:p>
+          <a:p>
+            <a:pPr marL="971550" lvl="1" indent="-514350">
+              <a:lnSpc>
+                <a:spcPct val="110000"/>
+              </a:lnSpc>
+              <a:buFont typeface="+mj-lt"/>
+              <a:buAutoNum type="arabicPeriod"/>
+            </a:pPr>
+            <a:r>
+              <a:rPr lang="es-CO" dirty="0" smtClean="0">
+                <a:solidFill>
+                  <a:srgbClr val="C00000"/>
+                </a:solidFill>
+                <a:latin typeface="+mj-lt"/>
+              </a:rPr>
+              <a:t>Retrospectiva del Sprint</a:t>
+            </a:r>
+            <a:r>
+              <a:rPr lang="es-CO" dirty="0" smtClean="0">
+                <a:latin typeface="+mj-lt"/>
+              </a:rPr>
+              <a:t>. También al final del sprint, y sirve para que los implicados den sus impresiones sobre el sprint y se utiliza para la mejora del proceso.</a:t>
             </a:r>
           </a:p>
           <a:p>
@@ -7095,7 +7237,7 @@
     </p:spTree>
     <p:extLst>
       <p:ext uri="{BB962C8B-B14F-4D97-AF65-F5344CB8AC3E}">
-        <p14:creationId xmlns:p14="http://schemas.microsoft.com/office/powerpoint/2010/main" val="266002381"/>
+        <p14:creationId xmlns:p14="http://schemas.microsoft.com/office/powerpoint/2010/main" val="2976493266"/>
       </p:ext>
     </p:extLst>
   </p:cSld>
@@ -7129,177 +7271,174 @@
           <a:chExt cx="0" cy="0"/>
         </a:xfrm>
       </p:grpSpPr>
-      <p:sp>
-        <p:nvSpPr>
-          <p:cNvPr id="2" name="Title 1"/>
-          <p:cNvSpPr>
-            <a:spLocks noGrp="1"/>
-          </p:cNvSpPr>
-          <p:nvPr>
-            <p:ph type="title"/>
-          </p:nvPr>
-        </p:nvSpPr>
-        <p:spPr/>
-        <p:txBody>
-          <a:bodyPr/>
-          <a:lstStyle/>
-          <a:p>
-            <a:pPr algn="ctr"/>
-            <a:r>
-              <a:rPr lang="es-CO" dirty="0" smtClean="0">
-                <a:solidFill>
-                  <a:srgbClr val="C00000"/>
-                </a:solidFill>
-                <a:latin typeface="Dekar" panose="02000000000000000000" pitchFamily="50" charset="0"/>
-              </a:rPr>
-              <a:t>Scrum</a:t>
-            </a:r>
-            <a:endParaRPr lang="fr-FR" dirty="0"/>
-          </a:p>
-        </p:txBody>
-      </p:sp>
-      <p:sp>
-        <p:nvSpPr>
-          <p:cNvPr id="3" name="Content Placeholder 2"/>
-          <p:cNvSpPr>
-            <a:spLocks noGrp="1"/>
-          </p:cNvSpPr>
+      <p:pic>
+        <p:nvPicPr>
+          <p:cNvPr id="4" name="Content Placeholder 3"/>
+          <p:cNvPicPr>
+            <a:picLocks noGrp="1" noChangeAspect="1"/>
+          </p:cNvPicPr>
           <p:nvPr>
             <p:ph idx="1"/>
           </p:nvPr>
-        </p:nvSpPr>
+        </p:nvPicPr>
+        <p:blipFill>
+          <a:blip r:embed="rId2"/>
+          <a:stretch>
+            <a:fillRect/>
+          </a:stretch>
+        </p:blipFill>
         <p:spPr>
           <a:xfrm>
-            <a:off x="838200" y="1690688"/>
-            <a:ext cx="10515600" cy="4486275"/>
+            <a:off x="1701541" y="972675"/>
+            <a:ext cx="8544423" cy="4653425"/>
           </a:xfrm>
+          <a:prstGeom prst="rect">
+            <a:avLst/>
+          </a:prstGeom>
         </p:spPr>
-        <p:txBody>
-          <a:bodyPr>
-            <a:normAutofit fontScale="92500" lnSpcReduction="10000"/>
+      </p:pic>
+      <p:sp>
+        <p:nvSpPr>
+          <p:cNvPr id="2" name="TextBox 1"/>
+          <p:cNvSpPr txBox="1"/>
+          <p:nvPr/>
+        </p:nvSpPr>
+        <p:spPr>
+          <a:xfrm>
+            <a:off x="2235201" y="5173783"/>
+            <a:ext cx="1695938" cy="369332"/>
+          </a:xfrm>
+          <a:prstGeom prst="rect">
+            <a:avLst/>
+          </a:prstGeom>
+          <a:noFill/>
+        </p:spPr>
+        <p:txBody>
+          <a:bodyPr wrap="square" rtlCol="0">
+            <a:spAutoFit/>
           </a:bodyPr>
           <a:lstStyle/>
           <a:p>
-            <a:pPr marL="0" indent="0">
-              <a:buNone/>
-            </a:pPr>
             <a:r>
               <a:rPr lang="es-CO" dirty="0" smtClean="0">
-                <a:latin typeface="+mj-lt"/>
-              </a:rPr>
-              <a:t>2. El segundo pilar mas importante de Scrum son las revisiones. Su importancia reside en que las reuniones son la base para lograr transparencia y comunicación, y posibilitan algo característico en un equipo ágil:</a:t>
-            </a:r>
-          </a:p>
-          <a:p>
-            <a:pPr marL="0" indent="0">
-              <a:buNone/>
-            </a:pPr>
-            <a:endParaRPr lang="es-CO" dirty="0" smtClean="0">
-              <a:latin typeface="+mj-lt"/>
-            </a:endParaRPr>
-          </a:p>
-          <a:p>
-            <a:pPr marL="971550" lvl="1" indent="-514350">
-              <a:lnSpc>
-                <a:spcPct val="110000"/>
-              </a:lnSpc>
-              <a:buFont typeface="+mj-lt"/>
-              <a:buAutoNum type="arabicPeriod"/>
-            </a:pPr>
+                <a:solidFill>
+                  <a:srgbClr val="C00000"/>
+                </a:solidFill>
+              </a:rPr>
+              <a:t>Product </a:t>
+            </a:r>
+            <a:r>
+              <a:rPr lang="es-CO" dirty="0">
+                <a:solidFill>
+                  <a:srgbClr val="C00000"/>
+                </a:solidFill>
+              </a:rPr>
+              <a:t>B</a:t>
+            </a:r>
             <a:r>
               <a:rPr lang="es-CO" dirty="0" smtClean="0">
                 <a:solidFill>
                   <a:srgbClr val="C00000"/>
                 </a:solidFill>
-                <a:latin typeface="+mj-lt"/>
-              </a:rPr>
-              <a:t>Reunión de planificación del sprint</a:t>
-            </a:r>
+              </a:rPr>
+              <a:t>acklog</a:t>
+            </a:r>
+            <a:endParaRPr lang="fr-FR" dirty="0">
+              <a:solidFill>
+                <a:srgbClr val="C00000"/>
+              </a:solidFill>
+            </a:endParaRPr>
+          </a:p>
+        </p:txBody>
+      </p:sp>
+      <p:sp>
+        <p:nvSpPr>
+          <p:cNvPr id="5" name="TextBox 4"/>
+          <p:cNvSpPr txBox="1"/>
+          <p:nvPr/>
+        </p:nvSpPr>
+        <p:spPr>
+          <a:xfrm>
+            <a:off x="4575910" y="5173783"/>
+            <a:ext cx="1559166" cy="369332"/>
+          </a:xfrm>
+          <a:prstGeom prst="rect">
+            <a:avLst/>
+          </a:prstGeom>
+          <a:noFill/>
+        </p:spPr>
+        <p:txBody>
+          <a:bodyPr wrap="square" rtlCol="0">
+            <a:spAutoFit/>
+          </a:bodyPr>
+          <a:lstStyle/>
+          <a:p>
             <a:r>
               <a:rPr lang="es-CO" dirty="0" smtClean="0">
-                <a:latin typeface="+mj-lt"/>
-              </a:rPr>
-              <a:t>. Al principio de cada sprint, para decidir que se va a realizar en ese sprint.</a:t>
-            </a:r>
-          </a:p>
-          <a:p>
-            <a:pPr marL="971550" lvl="1" indent="-514350">
-              <a:lnSpc>
-                <a:spcPct val="110000"/>
-              </a:lnSpc>
-              <a:buFont typeface="+mj-lt"/>
-              <a:buAutoNum type="arabicPeriod"/>
-            </a:pPr>
+                <a:solidFill>
+                  <a:srgbClr val="C00000"/>
+                </a:solidFill>
+              </a:rPr>
+              <a:t>Sprint </a:t>
+            </a:r>
+            <a:r>
+              <a:rPr lang="es-CO" dirty="0">
+                <a:solidFill>
+                  <a:srgbClr val="C00000"/>
+                </a:solidFill>
+              </a:rPr>
+              <a:t>B</a:t>
+            </a:r>
             <a:r>
               <a:rPr lang="es-CO" dirty="0" smtClean="0">
                 <a:solidFill>
                   <a:srgbClr val="C00000"/>
                 </a:solidFill>
-                <a:latin typeface="+mj-lt"/>
-              </a:rPr>
-              <a:t>Reunión diaria</a:t>
-            </a:r>
+              </a:rPr>
+              <a:t>acklog</a:t>
+            </a:r>
+            <a:endParaRPr lang="fr-FR" dirty="0">
+              <a:solidFill>
+                <a:srgbClr val="C00000"/>
+              </a:solidFill>
+            </a:endParaRPr>
+          </a:p>
+        </p:txBody>
+      </p:sp>
+      <p:sp>
+        <p:nvSpPr>
+          <p:cNvPr id="6" name="TextBox 5"/>
+          <p:cNvSpPr txBox="1"/>
+          <p:nvPr/>
+        </p:nvSpPr>
+        <p:spPr>
+          <a:xfrm>
+            <a:off x="5280139" y="1871783"/>
+            <a:ext cx="1559166" cy="369332"/>
+          </a:xfrm>
+          <a:prstGeom prst="rect">
+            <a:avLst/>
+          </a:prstGeom>
+          <a:noFill/>
+        </p:spPr>
+        <p:txBody>
+          <a:bodyPr wrap="square" rtlCol="0">
+            <a:spAutoFit/>
+          </a:bodyPr>
+          <a:lstStyle/>
+          <a:p>
             <a:r>
               <a:rPr lang="es-CO" dirty="0" smtClean="0">
-                <a:latin typeface="+mj-lt"/>
-              </a:rPr>
-              <a:t>. Máximo 15 minutos. Se trata: que se hizo ayer, que vas a hacer hoy y que problemas se han encontrado.</a:t>
-            </a:r>
-          </a:p>
-          <a:p>
-            <a:pPr marL="971550" lvl="1" indent="-514350">
-              <a:lnSpc>
-                <a:spcPct val="110000"/>
-              </a:lnSpc>
-              <a:buFont typeface="+mj-lt"/>
-              <a:buAutoNum type="arabicPeriod"/>
-            </a:pPr>
-            <a:r>
-              <a:rPr lang="es-CO" dirty="0" smtClean="0">
                 <a:solidFill>
                   <a:srgbClr val="C00000"/>
                 </a:solidFill>
-                <a:latin typeface="+mj-lt"/>
-              </a:rPr>
-              <a:t>Reunión de revisiones del Sprint</a:t>
-            </a:r>
-            <a:r>
-              <a:rPr lang="es-CO" dirty="0" smtClean="0">
-                <a:latin typeface="+mj-lt"/>
-              </a:rPr>
-              <a:t>. Al final de cada sprint, se trata que se ha completado y que no.</a:t>
-            </a:r>
-          </a:p>
-          <a:p>
-            <a:pPr marL="971550" lvl="1" indent="-514350">
-              <a:lnSpc>
-                <a:spcPct val="110000"/>
-              </a:lnSpc>
-              <a:buFont typeface="+mj-lt"/>
-              <a:buAutoNum type="arabicPeriod"/>
-            </a:pPr>
-            <a:r>
-              <a:rPr lang="es-CO" dirty="0" smtClean="0">
-                <a:solidFill>
-                  <a:srgbClr val="C00000"/>
-                </a:solidFill>
-                <a:latin typeface="+mj-lt"/>
-              </a:rPr>
-              <a:t>Retrospectiva del Sprint</a:t>
-            </a:r>
-            <a:r>
-              <a:rPr lang="es-CO" dirty="0" smtClean="0">
-                <a:latin typeface="+mj-lt"/>
-              </a:rPr>
-              <a:t>. También al final del sprint, y sirve para que los implicados den sus impresiones sobre el sprint y se utiliza para la mejora del proceso.</a:t>
-            </a:r>
-          </a:p>
-          <a:p>
-            <a:pPr marL="0" indent="0">
-              <a:buNone/>
-            </a:pPr>
+              </a:rPr>
+              <a:t>Daily stand-up</a:t>
+            </a:r>
             <a:endParaRPr lang="fr-FR" dirty="0">
-              <a:latin typeface="+mj-lt"/>
+              <a:solidFill>
+                <a:srgbClr val="C00000"/>
+              </a:solidFill>
             </a:endParaRPr>
           </a:p>
         </p:txBody>
@@ -7307,7 +7446,7 @@
     </p:spTree>
     <p:extLst>
       <p:ext uri="{BB962C8B-B14F-4D97-AF65-F5344CB8AC3E}">
-        <p14:creationId xmlns:p14="http://schemas.microsoft.com/office/powerpoint/2010/main" val="2976493266"/>
+        <p14:creationId xmlns:p14="http://schemas.microsoft.com/office/powerpoint/2010/main" val="633666406"/>
       </p:ext>
     </p:extLst>
   </p:cSld>
@@ -7341,182 +7480,124 @@
           <a:chExt cx="0" cy="0"/>
         </a:xfrm>
       </p:grpSpPr>
-      <p:pic>
-        <p:nvPicPr>
-          <p:cNvPr id="4" name="Content Placeholder 3"/>
-          <p:cNvPicPr>
-            <a:picLocks noGrp="1" noChangeAspect="1"/>
-          </p:cNvPicPr>
-          <p:nvPr>
-            <p:ph idx="1"/>
-          </p:nvPr>
-        </p:nvPicPr>
-        <p:blipFill>
-          <a:blip r:embed="rId2"/>
-          <a:stretch>
-            <a:fillRect/>
-          </a:stretch>
-        </p:blipFill>
-        <p:spPr>
-          <a:xfrm>
-            <a:off x="1701541" y="972675"/>
-            <a:ext cx="8544423" cy="4653425"/>
-          </a:xfrm>
-          <a:prstGeom prst="rect">
-            <a:avLst/>
-          </a:prstGeom>
-        </p:spPr>
-      </p:pic>
-      <p:sp>
-        <p:nvSpPr>
-          <p:cNvPr id="2" name="TextBox 1"/>
-          <p:cNvSpPr txBox="1"/>
-          <p:nvPr/>
-        </p:nvSpPr>
-        <p:spPr>
-          <a:xfrm>
-            <a:off x="2235201" y="5173783"/>
-            <a:ext cx="1695938" cy="369332"/>
-          </a:xfrm>
-          <a:prstGeom prst="rect">
-            <a:avLst/>
-          </a:prstGeom>
-          <a:noFill/>
-        </p:spPr>
-        <p:txBody>
-          <a:bodyPr wrap="square" rtlCol="0">
-            <a:spAutoFit/>
-          </a:bodyPr>
-          <a:lstStyle/>
-          <a:p>
+      <p:sp>
+        <p:nvSpPr>
+          <p:cNvPr id="4" name="Title 3"/>
+          <p:cNvSpPr>
+            <a:spLocks noGrp="1"/>
+          </p:cNvSpPr>
+          <p:nvPr>
+            <p:ph type="title"/>
+          </p:nvPr>
+        </p:nvSpPr>
+        <p:spPr/>
+        <p:txBody>
+          <a:bodyPr/>
+          <a:lstStyle/>
+          <a:p>
+            <a:pPr algn="ctr"/>
             <a:r>
               <a:rPr lang="es-CO" dirty="0" smtClean="0">
                 <a:solidFill>
                   <a:srgbClr val="C00000"/>
                 </a:solidFill>
-              </a:rPr>
-              <a:t>Product</a:t>
-            </a:r>
-            <a:r>
-              <a:rPr lang="es-CO" dirty="0" smtClean="0">
-                <a:solidFill>
-                  <a:srgbClr val="C00000"/>
-                </a:solidFill>
-              </a:rPr>
-              <a:t> </a:t>
-            </a:r>
-            <a:r>
-              <a:rPr lang="es-CO" dirty="0">
-                <a:solidFill>
-                  <a:srgbClr val="C00000"/>
-                </a:solidFill>
-              </a:rPr>
-              <a:t>B</a:t>
-            </a:r>
-            <a:r>
-              <a:rPr lang="es-CO" dirty="0" smtClean="0">
-                <a:solidFill>
-                  <a:srgbClr val="C00000"/>
-                </a:solidFill>
-              </a:rPr>
-              <a:t>acklog</a:t>
-            </a:r>
-            <a:endParaRPr lang="fr-FR" dirty="0">
+                <a:latin typeface="Dekar" panose="02000000000000000000" pitchFamily="50" charset="0"/>
+              </a:rPr>
+              <a:t>Extrem programing (XP)</a:t>
+            </a:r>
+            <a:endParaRPr lang="fr-FR" sz="3600" dirty="0">
               <a:solidFill>
                 <a:srgbClr val="C00000"/>
               </a:solidFill>
-            </a:endParaRPr>
-          </a:p>
-        </p:txBody>
-      </p:sp>
-      <p:sp>
-        <p:nvSpPr>
-          <p:cNvPr id="5" name="TextBox 4"/>
-          <p:cNvSpPr txBox="1"/>
-          <p:nvPr/>
+              <a:latin typeface="Dekar" panose="02000000000000000000" pitchFamily="50" charset="0"/>
+            </a:endParaRPr>
+          </a:p>
+        </p:txBody>
+      </p:sp>
+      <p:sp>
+        <p:nvSpPr>
+          <p:cNvPr id="6" name="Content Placeholder 5"/>
+          <p:cNvSpPr>
+            <a:spLocks noGrp="1"/>
+          </p:cNvSpPr>
+          <p:nvPr>
+            <p:ph idx="1"/>
+          </p:nvPr>
         </p:nvSpPr>
         <p:spPr>
           <a:xfrm>
-            <a:off x="4575910" y="5173783"/>
-            <a:ext cx="1559166" cy="369332"/>
+            <a:off x="838200" y="1574800"/>
+            <a:ext cx="10515600" cy="4602163"/>
           </a:xfrm>
-          <a:prstGeom prst="rect">
-            <a:avLst/>
-          </a:prstGeom>
-          <a:noFill/>
         </p:spPr>
         <p:txBody>
-          <a:bodyPr wrap="square" rtlCol="0">
-            <a:spAutoFit/>
+          <a:bodyPr>
+            <a:normAutofit/>
           </a:bodyPr>
           <a:lstStyle/>
           <a:p>
+            <a:pPr marL="0" indent="0">
+              <a:buNone/>
+            </a:pPr>
+            <a:endParaRPr lang="es-CO" dirty="0" smtClean="0">
+              <a:latin typeface="+mj-lt"/>
+            </a:endParaRPr>
+          </a:p>
+          <a:p>
+            <a:pPr marL="0" indent="0">
+              <a:buNone/>
+            </a:pPr>
+            <a:endParaRPr lang="es-CO" dirty="0" smtClean="0">
+              <a:latin typeface="+mj-lt"/>
+            </a:endParaRPr>
+          </a:p>
+          <a:p>
+            <a:pPr marL="0" indent="0" algn="ctr">
+              <a:buNone/>
+            </a:pPr>
             <a:r>
               <a:rPr lang="es-CO" dirty="0" smtClean="0">
+                <a:latin typeface="+mj-lt"/>
+              </a:rPr>
+              <a:t>XP se basa en </a:t>
+            </a:r>
+            <a:r>
+              <a:rPr lang="es-CO" dirty="0" smtClean="0">
                 <a:solidFill>
                   <a:srgbClr val="C00000"/>
                 </a:solidFill>
-              </a:rPr>
-              <a:t>Sprint </a:t>
-            </a:r>
-            <a:r>
-              <a:rPr lang="es-CO" dirty="0">
+                <a:latin typeface="+mj-lt"/>
+              </a:rPr>
+              <a:t>retroalimentación </a:t>
+            </a:r>
+            <a:r>
+              <a:rPr lang="es-CO" dirty="0" smtClean="0">
+                <a:latin typeface="+mj-lt"/>
+              </a:rPr>
+              <a:t>continua entre cliente y el equipo de desarrollo. XP es especialmente adecuada para proyectos con </a:t>
+            </a:r>
+            <a:r>
+              <a:rPr lang="es-CO" dirty="0" smtClean="0">
                 <a:solidFill>
                   <a:srgbClr val="C00000"/>
                 </a:solidFill>
-              </a:rPr>
-              <a:t>B</a:t>
+                <a:latin typeface="+mj-lt"/>
+              </a:rPr>
+              <a:t>requisitos imprecisos y muy cambiantes</a:t>
             </a:r>
             <a:r>
               <a:rPr lang="es-CO" dirty="0" smtClean="0">
-                <a:solidFill>
-                  <a:srgbClr val="C00000"/>
-                </a:solidFill>
-              </a:rPr>
-              <a:t>acklog</a:t>
-            </a:r>
+                <a:latin typeface="+mj-lt"/>
+              </a:rPr>
+              <a:t>.</a:t>
+            </a:r>
+          </a:p>
+          <a:p>
+            <a:pPr marL="0" indent="0">
+              <a:buNone/>
+            </a:pPr>
             <a:endParaRPr lang="fr-FR" dirty="0">
-              <a:solidFill>
-                <a:srgbClr val="C00000"/>
-              </a:solidFill>
-            </a:endParaRPr>
-          </a:p>
-        </p:txBody>
-      </p:sp>
-      <p:sp>
-        <p:nvSpPr>
-          <p:cNvPr id="6" name="TextBox 5"/>
-          <p:cNvSpPr txBox="1"/>
-          <p:nvPr/>
-        </p:nvSpPr>
-        <p:spPr>
-          <a:xfrm>
-            <a:off x="5280139" y="1871783"/>
-            <a:ext cx="1559166" cy="369332"/>
-          </a:xfrm>
-          <a:prstGeom prst="rect">
-            <a:avLst/>
-          </a:prstGeom>
-          <a:noFill/>
-        </p:spPr>
-        <p:txBody>
-          <a:bodyPr wrap="square" rtlCol="0">
-            <a:spAutoFit/>
-          </a:bodyPr>
-          <a:lstStyle/>
-          <a:p>
-            <a:r>
-              <a:rPr lang="es-CO" dirty="0" smtClean="0">
-                <a:solidFill>
-                  <a:srgbClr val="C00000"/>
-                </a:solidFill>
-              </a:rPr>
-              <a:t>Daily stand-up</a:t>
-            </a:r>
-            <a:endParaRPr lang="fr-FR" dirty="0">
-              <a:solidFill>
-                <a:srgbClr val="C00000"/>
-              </a:solidFill>
+              <a:latin typeface="+mj-lt"/>
             </a:endParaRPr>
           </a:p>
         </p:txBody>
@@ -7524,7 +7605,7 @@
     </p:spTree>
     <p:extLst>
       <p:ext uri="{BB962C8B-B14F-4D97-AF65-F5344CB8AC3E}">
-        <p14:creationId xmlns:p14="http://schemas.microsoft.com/office/powerpoint/2010/main" val="633666406"/>
+        <p14:creationId xmlns:p14="http://schemas.microsoft.com/office/powerpoint/2010/main" val="1765956527"/>
       </p:ext>
     </p:extLst>
   </p:cSld>
@@ -7581,9 +7662,9 @@
                 </a:solidFill>
                 <a:latin typeface="Dekar" panose="02000000000000000000" pitchFamily="50" charset="0"/>
               </a:rPr>
-              <a:t>Extrem programing (XP)</a:t>
-            </a:r>
-            <a:endParaRPr lang="fr-FR" sz="3600" dirty="0">
+              <a:t>Extrem programing</a:t>
+            </a:r>
+            <a:endParaRPr lang="fr-FR" dirty="0">
               <a:solidFill>
                 <a:srgbClr val="C00000"/>
               </a:solidFill>
@@ -7617,58 +7698,124 @@
             <a:pPr marL="0" indent="0">
               <a:buNone/>
             </a:pPr>
+            <a:r>
+              <a:rPr lang="es-CO" dirty="0" smtClean="0">
+                <a:latin typeface="+mj-lt"/>
+              </a:rPr>
+              <a:t>Características especificas XP:</a:t>
+            </a:r>
+          </a:p>
+          <a:p>
+            <a:pPr marL="0" indent="0">
+              <a:buNone/>
+            </a:pPr>
             <a:endParaRPr lang="es-CO" dirty="0" smtClean="0">
               <a:latin typeface="+mj-lt"/>
             </a:endParaRPr>
           </a:p>
           <a:p>
-            <a:pPr marL="0" indent="0">
-              <a:buNone/>
+            <a:pPr marL="971550" lvl="1" indent="-514350">
+              <a:buFont typeface="+mj-lt"/>
+              <a:buAutoNum type="arabicPeriod"/>
+            </a:pPr>
+            <a:r>
+              <a:rPr lang="es-CO" dirty="0" smtClean="0">
+                <a:latin typeface="+mj-lt"/>
+              </a:rPr>
+              <a:t>Se valora al </a:t>
+            </a:r>
+            <a:r>
+              <a:rPr lang="es-CO" dirty="0" smtClean="0">
+                <a:solidFill>
+                  <a:srgbClr val="C00000"/>
+                </a:solidFill>
+                <a:latin typeface="+mj-lt"/>
+              </a:rPr>
+              <a:t>individuo y las interacciones </a:t>
+            </a:r>
+            <a:r>
+              <a:rPr lang="es-CO" dirty="0" smtClean="0">
+                <a:latin typeface="+mj-lt"/>
+              </a:rPr>
+              <a:t>del equipo de desarrollo sobre el proceso y las herramientas. La gente es el principal factor de éxito de un proyecto de software.</a:t>
+            </a:r>
+          </a:p>
+          <a:p>
+            <a:pPr marL="971550" lvl="1" indent="-514350">
+              <a:buFont typeface="+mj-lt"/>
+              <a:buAutoNum type="arabicPeriod"/>
+            </a:pPr>
+            <a:r>
+              <a:rPr lang="es-CO" dirty="0" smtClean="0">
+                <a:latin typeface="+mj-lt"/>
+              </a:rPr>
+              <a:t>La </a:t>
+            </a:r>
+            <a:r>
+              <a:rPr lang="es-CO" dirty="0" smtClean="0">
+                <a:latin typeface="+mj-lt"/>
+              </a:rPr>
+              <a:t>colaboración con el cliente. Se propone que exista una </a:t>
+            </a:r>
+            <a:r>
+              <a:rPr lang="es-CO" dirty="0" smtClean="0">
+                <a:solidFill>
+                  <a:srgbClr val="C00000"/>
+                </a:solidFill>
+                <a:latin typeface="+mj-lt"/>
+              </a:rPr>
+              <a:t>interacción constante </a:t>
+            </a:r>
+            <a:r>
+              <a:rPr lang="es-CO" dirty="0" smtClean="0">
+                <a:latin typeface="+mj-lt"/>
+              </a:rPr>
+              <a:t>ente el cliente y el equipo de desarrollo.</a:t>
+            </a:r>
+          </a:p>
+          <a:p>
+            <a:pPr marL="971550" lvl="1" indent="-514350">
+              <a:buFont typeface="+mj-lt"/>
+              <a:buAutoNum type="arabicPeriod"/>
+            </a:pPr>
+            <a:r>
+              <a:rPr lang="es-CO" dirty="0" smtClean="0">
+                <a:latin typeface="+mj-lt"/>
+              </a:rPr>
+              <a:t>Responder a los cambios. La </a:t>
+            </a:r>
+            <a:r>
+              <a:rPr lang="es-CO" dirty="0" smtClean="0">
+                <a:solidFill>
+                  <a:srgbClr val="C00000"/>
+                </a:solidFill>
+                <a:latin typeface="+mj-lt"/>
+              </a:rPr>
+              <a:t>habilidad de responder a los cambios </a:t>
+            </a:r>
+            <a:r>
+              <a:rPr lang="es-CO" dirty="0" smtClean="0">
+                <a:latin typeface="+mj-lt"/>
+              </a:rPr>
+              <a:t>que pueden surgir a lo largo del proyecto determina también el éxito o fracaso del mismo. La planificación no debe ser estricta sino flexible y abierta.</a:t>
+            </a:r>
+          </a:p>
+          <a:p>
+            <a:pPr marL="514350" indent="-514350">
+              <a:buFont typeface="+mj-lt"/>
+              <a:buAutoNum type="arabicPeriod"/>
             </a:pPr>
             <a:endParaRPr lang="es-CO" dirty="0" smtClean="0">
               <a:latin typeface="+mj-lt"/>
             </a:endParaRPr>
           </a:p>
           <a:p>
-            <a:pPr marL="0" indent="0" algn="ctr">
-              <a:buNone/>
-            </a:pPr>
-            <a:r>
-              <a:rPr lang="es-CO" dirty="0" smtClean="0">
-                <a:latin typeface="+mj-lt"/>
-              </a:rPr>
-              <a:t>XP se basa en </a:t>
-            </a:r>
-            <a:r>
-              <a:rPr lang="es-CO" dirty="0" smtClean="0">
-                <a:solidFill>
-                  <a:srgbClr val="C00000"/>
-                </a:solidFill>
-                <a:latin typeface="+mj-lt"/>
-              </a:rPr>
-              <a:t>retroalimentación </a:t>
-            </a:r>
-            <a:r>
-              <a:rPr lang="es-CO" dirty="0" smtClean="0">
-                <a:latin typeface="+mj-lt"/>
-              </a:rPr>
-              <a:t>continua entre cliente y el equipo de desarrollo. XP es especialmente adecuada para proyectos con </a:t>
-            </a:r>
-            <a:r>
-              <a:rPr lang="es-CO" dirty="0" smtClean="0">
-                <a:solidFill>
-                  <a:srgbClr val="C00000"/>
-                </a:solidFill>
-                <a:latin typeface="+mj-lt"/>
-              </a:rPr>
-              <a:t>requisitos imprecisos y muy cambiantes</a:t>
-            </a:r>
-            <a:r>
-              <a:rPr lang="es-CO" dirty="0" smtClean="0">
-                <a:latin typeface="+mj-lt"/>
-              </a:rPr>
-              <a:t>.</a:t>
-            </a:r>
+            <a:pPr marL="0" indent="0">
+              <a:buNone/>
+            </a:pPr>
+            <a:endParaRPr lang="es-CO" dirty="0" smtClean="0">
+              <a:latin typeface="+mj-lt"/>
+            </a:endParaRPr>
           </a:p>
           <a:p>
             <a:pPr marL="0" indent="0">
@@ -7683,7 +7830,7 @@
     </p:spTree>
     <p:extLst>
       <p:ext uri="{BB962C8B-B14F-4D97-AF65-F5344CB8AC3E}">
-        <p14:creationId xmlns:p14="http://schemas.microsoft.com/office/powerpoint/2010/main" val="1765956527"/>
+        <p14:creationId xmlns:p14="http://schemas.microsoft.com/office/powerpoint/2010/main" val="2923465745"/>
       </p:ext>
     </p:extLst>
   </p:cSld>
@@ -7740,252 +7887,6 @@
                 </a:solidFill>
                 <a:latin typeface="Dekar" panose="02000000000000000000" pitchFamily="50" charset="0"/>
               </a:rPr>
-              <a:t>Extrem programing</a:t>
-            </a:r>
-            <a:endParaRPr lang="fr-FR" dirty="0">
-              <a:solidFill>
-                <a:srgbClr val="C00000"/>
-              </a:solidFill>
-              <a:latin typeface="Dekar" panose="02000000000000000000" pitchFamily="50" charset="0"/>
-            </a:endParaRPr>
-          </a:p>
-        </p:txBody>
-      </p:sp>
-      <p:sp>
-        <p:nvSpPr>
-          <p:cNvPr id="6" name="Content Placeholder 5"/>
-          <p:cNvSpPr>
-            <a:spLocks noGrp="1"/>
-          </p:cNvSpPr>
-          <p:nvPr>
-            <p:ph idx="1"/>
-          </p:nvPr>
-        </p:nvSpPr>
-        <p:spPr>
-          <a:xfrm>
-            <a:off x="838200" y="1574800"/>
-            <a:ext cx="10515600" cy="4602163"/>
-          </a:xfrm>
-        </p:spPr>
-        <p:txBody>
-          <a:bodyPr>
-            <a:normAutofit/>
-          </a:bodyPr>
-          <a:lstStyle/>
-          <a:p>
-            <a:pPr marL="0" indent="0">
-              <a:buNone/>
-            </a:pPr>
-            <a:r>
-              <a:rPr lang="es-CO" dirty="0" smtClean="0">
-                <a:latin typeface="+mj-lt"/>
-              </a:rPr>
-              <a:t>Características especificas XP:</a:t>
-            </a:r>
-          </a:p>
-          <a:p>
-            <a:pPr marL="0" indent="0">
-              <a:buNone/>
-            </a:pPr>
-            <a:endParaRPr lang="es-CO" dirty="0" smtClean="0">
-              <a:latin typeface="+mj-lt"/>
-            </a:endParaRPr>
-          </a:p>
-          <a:p>
-            <a:pPr marL="971550" lvl="1" indent="-514350">
-              <a:buFont typeface="+mj-lt"/>
-              <a:buAutoNum type="arabicPeriod"/>
-            </a:pPr>
-            <a:r>
-              <a:rPr lang="es-CO" dirty="0" smtClean="0">
-                <a:latin typeface="+mj-lt"/>
-              </a:rPr>
-              <a:t>Se valora al </a:t>
-            </a:r>
-            <a:r>
-              <a:rPr lang="es-CO" dirty="0" smtClean="0">
-                <a:solidFill>
-                  <a:srgbClr val="C00000"/>
-                </a:solidFill>
-                <a:latin typeface="+mj-lt"/>
-              </a:rPr>
-              <a:t>individuo y las interacciones </a:t>
-            </a:r>
-            <a:r>
-              <a:rPr lang="es-CO" dirty="0" smtClean="0">
-                <a:latin typeface="+mj-lt"/>
-              </a:rPr>
-              <a:t>del equipo de desarrollo sobre el proceso y las herramientas. La gente es el principal factor de éxito de un proyecto de software.</a:t>
-            </a:r>
-          </a:p>
-          <a:p>
-            <a:pPr marL="971550" lvl="1" indent="-514350">
-              <a:buFont typeface="+mj-lt"/>
-              <a:buAutoNum type="arabicPeriod"/>
-            </a:pPr>
-            <a:r>
-              <a:rPr lang="es-CO" dirty="0" smtClean="0">
-                <a:latin typeface="+mj-lt"/>
-              </a:rPr>
-              <a:t>Desarrollar </a:t>
-            </a:r>
-            <a:r>
-              <a:rPr lang="es-CO" dirty="0" smtClean="0">
-                <a:solidFill>
-                  <a:srgbClr val="C00000"/>
-                </a:solidFill>
-                <a:latin typeface="+mj-lt"/>
-              </a:rPr>
-              <a:t>software que funciona </a:t>
-            </a:r>
-            <a:r>
-              <a:rPr lang="es-CO" dirty="0" smtClean="0">
-                <a:latin typeface="+mj-lt"/>
-              </a:rPr>
-              <a:t>más que conseguir una buena documentación.</a:t>
-            </a:r>
-          </a:p>
-          <a:p>
-            <a:pPr marL="971550" lvl="1" indent="-514350">
-              <a:buFont typeface="+mj-lt"/>
-              <a:buAutoNum type="arabicPeriod"/>
-            </a:pPr>
-            <a:r>
-              <a:rPr lang="es-CO" dirty="0" smtClean="0">
-                <a:latin typeface="+mj-lt"/>
-              </a:rPr>
-              <a:t>La colaboración con el cliente. Se propone que exista una </a:t>
-            </a:r>
-            <a:r>
-              <a:rPr lang="es-CO" dirty="0" smtClean="0">
-                <a:solidFill>
-                  <a:srgbClr val="C00000"/>
-                </a:solidFill>
-                <a:latin typeface="+mj-lt"/>
-              </a:rPr>
-              <a:t>interacción constante </a:t>
-            </a:r>
-            <a:r>
-              <a:rPr lang="es-CO" dirty="0" smtClean="0">
-                <a:latin typeface="+mj-lt"/>
-              </a:rPr>
-              <a:t>ente el cliente y el equipo de desarrollo.</a:t>
-            </a:r>
-          </a:p>
-          <a:p>
-            <a:pPr marL="971550" lvl="1" indent="-514350">
-              <a:buFont typeface="+mj-lt"/>
-              <a:buAutoNum type="arabicPeriod"/>
-            </a:pPr>
-            <a:r>
-              <a:rPr lang="es-CO" dirty="0" smtClean="0">
-                <a:latin typeface="+mj-lt"/>
-              </a:rPr>
-              <a:t>Responder a los cambios. La </a:t>
-            </a:r>
-            <a:r>
-              <a:rPr lang="es-CO" dirty="0" smtClean="0">
-                <a:solidFill>
-                  <a:srgbClr val="C00000"/>
-                </a:solidFill>
-                <a:latin typeface="+mj-lt"/>
-              </a:rPr>
-              <a:t>habilidad de responder a los cambios </a:t>
-            </a:r>
-            <a:r>
-              <a:rPr lang="es-CO" dirty="0" smtClean="0">
-                <a:latin typeface="+mj-lt"/>
-              </a:rPr>
-              <a:t>que pueden surgir a lo largo del proyecto determina también el éxito o fracaso del mismo. La planificación no debe ser estricta sino flexible y abierta.</a:t>
-            </a:r>
-          </a:p>
-          <a:p>
-            <a:pPr marL="514350" indent="-514350">
-              <a:buFont typeface="+mj-lt"/>
-              <a:buAutoNum type="arabicPeriod"/>
-            </a:pPr>
-            <a:endParaRPr lang="es-CO" dirty="0" smtClean="0">
-              <a:latin typeface="+mj-lt"/>
-            </a:endParaRPr>
-          </a:p>
-          <a:p>
-            <a:pPr marL="0" indent="0">
-              <a:buNone/>
-            </a:pPr>
-            <a:endParaRPr lang="es-CO" dirty="0" smtClean="0">
-              <a:latin typeface="+mj-lt"/>
-            </a:endParaRPr>
-          </a:p>
-          <a:p>
-            <a:pPr marL="0" indent="0">
-              <a:buNone/>
-            </a:pPr>
-            <a:endParaRPr lang="fr-FR" dirty="0">
-              <a:latin typeface="+mj-lt"/>
-            </a:endParaRPr>
-          </a:p>
-        </p:txBody>
-      </p:sp>
-    </p:spTree>
-    <p:extLst>
-      <p:ext uri="{BB962C8B-B14F-4D97-AF65-F5344CB8AC3E}">
-        <p14:creationId xmlns:p14="http://schemas.microsoft.com/office/powerpoint/2010/main" val="2923465745"/>
-      </p:ext>
-    </p:extLst>
-  </p:cSld>
-  <p:clrMapOvr>
-    <a:masterClrMapping/>
-  </p:clrMapOvr>
-  <p:timing>
-    <p:tnLst>
-      <p:par>
-        <p:cTn id="1" dur="indefinite" restart="never" nodeType="tmRoot"/>
-      </p:par>
-    </p:tnLst>
-  </p:timing>
-</p:sld>
-</file>
-
-<file path=ppt/slides/slide15.xml><?xml version="1.0" encoding="utf-8"?>
-<p:sld xmlns:a="http://schemas.openxmlformats.org/drawingml/2006/main" xmlns:r="http://schemas.openxmlformats.org/officeDocument/2006/relationships" xmlns:p="http://schemas.openxmlformats.org/presentationml/2006/main">
-  <p:cSld>
-    <p:spTree>
-      <p:nvGrpSpPr>
-        <p:cNvPr id="1" name=""/>
-        <p:cNvGrpSpPr/>
-        <p:nvPr/>
-      </p:nvGrpSpPr>
-      <p:grpSpPr>
-        <a:xfrm>
-          <a:off x="0" y="0"/>
-          <a:ext cx="0" cy="0"/>
-          <a:chOff x="0" y="0"/>
-          <a:chExt cx="0" cy="0"/>
-        </a:xfrm>
-      </p:grpSpPr>
-      <p:sp>
-        <p:nvSpPr>
-          <p:cNvPr id="4" name="Title 3"/>
-          <p:cNvSpPr>
-            <a:spLocks noGrp="1"/>
-          </p:cNvSpPr>
-          <p:nvPr>
-            <p:ph type="title"/>
-          </p:nvPr>
-        </p:nvSpPr>
-        <p:spPr/>
-        <p:txBody>
-          <a:bodyPr/>
-          <a:lstStyle/>
-          <a:p>
-            <a:pPr algn="ctr"/>
-            <a:r>
-              <a:rPr lang="es-CO" dirty="0" smtClean="0">
-                <a:solidFill>
-                  <a:srgbClr val="C00000"/>
-                </a:solidFill>
-                <a:latin typeface="Dekar" panose="02000000000000000000" pitchFamily="50" charset="0"/>
-              </a:rPr>
               <a:t>Kanban</a:t>
             </a:r>
             <a:endParaRPr lang="fr-FR" dirty="0">
@@ -8158,7 +8059,7 @@
 </p:sld>
 </file>
 
-<file path=ppt/slides/slide16.xml><?xml version="1.0" encoding="utf-8"?>
+<file path=ppt/slides/slide15.xml><?xml version="1.0" encoding="utf-8"?>
 <p:sld xmlns:a="http://schemas.openxmlformats.org/drawingml/2006/main" xmlns:r="http://schemas.openxmlformats.org/officeDocument/2006/relationships" xmlns:p="http://schemas.openxmlformats.org/presentationml/2006/main">
   <p:cSld>
     <p:spTree>
@@ -8224,6 +8125,154 @@
 </p:sld>
 </file>
 
+<file path=ppt/slides/slide16.xml><?xml version="1.0" encoding="utf-8"?>
+<p:sld xmlns:a="http://schemas.openxmlformats.org/drawingml/2006/main" xmlns:r="http://schemas.openxmlformats.org/officeDocument/2006/relationships" xmlns:p="http://schemas.openxmlformats.org/presentationml/2006/main">
+  <p:cSld>
+    <p:spTree>
+      <p:nvGrpSpPr>
+        <p:cNvPr id="1" name=""/>
+        <p:cNvGrpSpPr/>
+        <p:nvPr/>
+      </p:nvGrpSpPr>
+      <p:grpSpPr>
+        <a:xfrm>
+          <a:off x="0" y="0"/>
+          <a:ext cx="0" cy="0"/>
+          <a:chOff x="0" y="0"/>
+          <a:chExt cx="0" cy="0"/>
+        </a:xfrm>
+      </p:grpSpPr>
+      <p:sp>
+        <p:nvSpPr>
+          <p:cNvPr id="2" name="Title 1"/>
+          <p:cNvSpPr>
+            <a:spLocks noGrp="1"/>
+          </p:cNvSpPr>
+          <p:nvPr>
+            <p:ph type="ctrTitle"/>
+          </p:nvPr>
+        </p:nvSpPr>
+        <p:spPr/>
+        <p:txBody>
+          <a:bodyPr/>
+          <a:lstStyle/>
+          <a:p>
+            <a:r>
+              <a:rPr lang="es-CO" dirty="0" smtClean="0">
+                <a:solidFill>
+                  <a:srgbClr val="FF0000"/>
+                </a:solidFill>
+                <a:effectLst>
+                  <a:outerShdw blurRad="38100" dist="38100" dir="2700000" algn="tl">
+                    <a:srgbClr val="000000">
+                      <a:alpha val="43137"/>
+                    </a:srgbClr>
+                  </a:outerShdw>
+                </a:effectLst>
+                <a:latin typeface="Dekar" panose="02000000000000000000" pitchFamily="50" charset="0"/>
+              </a:rPr>
+              <a:t>INTRODUCCIÓN A SCRUM</a:t>
+            </a:r>
+            <a:endParaRPr lang="fr-FR" dirty="0">
+              <a:solidFill>
+                <a:srgbClr val="FF0000"/>
+              </a:solidFill>
+              <a:effectLst>
+                <a:outerShdw blurRad="38100" dist="38100" dir="2700000" algn="tl">
+                  <a:srgbClr val="000000">
+                    <a:alpha val="43137"/>
+                  </a:srgbClr>
+                </a:outerShdw>
+              </a:effectLst>
+              <a:latin typeface="Dekar" panose="02000000000000000000" pitchFamily="50" charset="0"/>
+            </a:endParaRPr>
+          </a:p>
+        </p:txBody>
+      </p:sp>
+      <p:sp>
+        <p:nvSpPr>
+          <p:cNvPr id="3" name="Subtitle 2"/>
+          <p:cNvSpPr>
+            <a:spLocks noGrp="1"/>
+          </p:cNvSpPr>
+          <p:nvPr>
+            <p:ph type="subTitle" idx="1"/>
+          </p:nvPr>
+        </p:nvSpPr>
+        <p:spPr>
+          <a:xfrm>
+            <a:off x="1524000" y="3602037"/>
+            <a:ext cx="9315938" cy="2509594"/>
+          </a:xfrm>
+        </p:spPr>
+        <p:txBody>
+          <a:bodyPr>
+            <a:normAutofit/>
+          </a:bodyPr>
+          <a:lstStyle/>
+          <a:p>
+            <a:pPr algn="r"/>
+            <a:endParaRPr lang="es-CO" dirty="0" smtClean="0">
+              <a:latin typeface="Dekar Light" panose="02000000000000000000" pitchFamily="50" charset="0"/>
+            </a:endParaRPr>
+          </a:p>
+          <a:p>
+            <a:pPr algn="r"/>
+            <a:endParaRPr lang="es-CO" dirty="0" smtClean="0">
+              <a:latin typeface="Dekar Light" panose="02000000000000000000" pitchFamily="50" charset="0"/>
+            </a:endParaRPr>
+          </a:p>
+          <a:p>
+            <a:pPr algn="r"/>
+            <a:r>
+              <a:rPr lang="es-CO" i="1" dirty="0" smtClean="0">
+                <a:latin typeface="Calibri Light" panose="020F0302020204030204" pitchFamily="34" charset="0"/>
+              </a:rPr>
+              <a:t>Expositor: </a:t>
+            </a:r>
+            <a:r>
+              <a:rPr lang="es-CO" b="1" i="1" dirty="0" smtClean="0">
+                <a:latin typeface="Calibri Light" panose="020F0302020204030204" pitchFamily="34" charset="0"/>
+              </a:rPr>
+              <a:t>Daniel Buitrago </a:t>
+            </a:r>
+          </a:p>
+          <a:p>
+            <a:pPr algn="r"/>
+            <a:r>
+              <a:rPr lang="es-CO" b="1" i="1" dirty="0" smtClean="0">
+                <a:latin typeface="Calibri Light" panose="020F0302020204030204" pitchFamily="34" charset="0"/>
+              </a:rPr>
+              <a:t>Certificado Scrum Master</a:t>
+            </a:r>
+          </a:p>
+          <a:p>
+            <a:pPr algn="r"/>
+            <a:r>
+              <a:rPr lang="es-CO" i="1" dirty="0" smtClean="0">
+                <a:latin typeface="Calibri Light" panose="020F0302020204030204" pitchFamily="34" charset="0"/>
+              </a:rPr>
+              <a:t>Oct 2017</a:t>
+            </a:r>
+            <a:endParaRPr lang="fr-FR" i="1" dirty="0">
+              <a:latin typeface="Calibri Light" panose="020F0302020204030204" pitchFamily="34" charset="0"/>
+            </a:endParaRPr>
+          </a:p>
+        </p:txBody>
+      </p:sp>
+    </p:spTree>
+    <p:extLst>
+      <p:ext uri="{BB962C8B-B14F-4D97-AF65-F5344CB8AC3E}">
+        <p14:creationId xmlns:p14="http://schemas.microsoft.com/office/powerpoint/2010/main" val="3930695441"/>
+      </p:ext>
+    </p:extLst>
+  </p:cSld>
+  <p:clrMapOvr>
+    <a:masterClrMapping/>
+  </p:clrMapOvr>
+</p:sld>
+</file>
+
 <file path=ppt/slides/slide17.xml><?xml version="1.0" encoding="utf-8"?>
 <p:sld xmlns:a="http://schemas.openxmlformats.org/drawingml/2006/main" xmlns:r="http://schemas.openxmlformats.org/officeDocument/2006/relationships" xmlns:p="http://schemas.openxmlformats.org/presentationml/2006/main">
   <p:cSld>
@@ -8243,12 +8292,12 @@
       </p:grpSpPr>
       <p:sp>
         <p:nvSpPr>
-          <p:cNvPr id="2" name="Title 1"/>
-          <p:cNvSpPr>
-            <a:spLocks noGrp="1"/>
-          </p:cNvSpPr>
-          <p:nvPr>
-            <p:ph type="ctrTitle"/>
+          <p:cNvPr id="4" name="Title 3"/>
+          <p:cNvSpPr>
+            <a:spLocks noGrp="1"/>
+          </p:cNvSpPr>
+          <p:nvPr>
+            <p:ph type="title"/>
           </p:nvPr>
         </p:nvSpPr>
         <p:spPr/>
@@ -8256,33 +8305,20 @@
           <a:bodyPr/>
           <a:lstStyle/>
           <a:p>
+            <a:pPr algn="ctr"/>
             <a:r>
               <a:rPr lang="es-CO" dirty="0" smtClean="0">
                 <a:solidFill>
-                  <a:srgbClr val="FF0000"/>
-                </a:solidFill>
-                <a:effectLst>
-                  <a:outerShdw blurRad="38100" dist="38100" dir="2700000" algn="tl">
-                    <a:srgbClr val="000000">
-                      <a:alpha val="43137"/>
-                    </a:srgbClr>
-                  </a:outerShdw>
-                </a:effectLst>
+                  <a:srgbClr val="C00000"/>
+                </a:solidFill>
                 <a:latin typeface="Dekar" panose="02000000000000000000" pitchFamily="50" charset="0"/>
               </a:rPr>
-              <a:t>INTRODUCCIÓN A SCRUM</a:t>
+              <a:t>Que es Scrum?</a:t>
             </a:r>
             <a:endParaRPr lang="fr-FR" dirty="0">
               <a:solidFill>
-                <a:srgbClr val="FF0000"/>
+                <a:srgbClr val="C00000"/>
               </a:solidFill>
-              <a:effectLst>
-                <a:outerShdw blurRad="38100" dist="38100" dir="2700000" algn="tl">
-                  <a:srgbClr val="000000">
-                    <a:alpha val="43137"/>
-                  </a:srgbClr>
-                </a:outerShdw>
-              </a:effectLst>
               <a:latin typeface="Dekar" panose="02000000000000000000" pitchFamily="50" charset="0"/>
             </a:endParaRPr>
           </a:p>
@@ -8290,83 +8326,42 @@
       </p:sp>
       <p:sp>
         <p:nvSpPr>
-          <p:cNvPr id="3" name="Subtitle 2"/>
-          <p:cNvSpPr>
-            <a:spLocks noGrp="1"/>
-          </p:cNvSpPr>
-          <p:nvPr>
-            <p:ph type="subTitle" idx="1"/>
-          </p:nvPr>
-        </p:nvSpPr>
-        <p:spPr>
-          <a:xfrm>
-            <a:off x="1524000" y="3602037"/>
-            <a:ext cx="9315938" cy="2509594"/>
-          </a:xfrm>
-        </p:spPr>
-        <p:txBody>
-          <a:bodyPr>
-            <a:normAutofit/>
-          </a:bodyPr>
-          <a:lstStyle/>
-          <a:p>
-            <a:pPr algn="r"/>
-            <a:endParaRPr lang="es-CO" dirty="0" smtClean="0">
-              <a:latin typeface="Dekar Light" panose="02000000000000000000" pitchFamily="50" charset="0"/>
-            </a:endParaRPr>
-          </a:p>
-          <a:p>
-            <a:pPr algn="r"/>
-            <a:endParaRPr lang="es-CO" dirty="0" smtClean="0">
-              <a:latin typeface="Dekar Light" panose="02000000000000000000" pitchFamily="50" charset="0"/>
-            </a:endParaRPr>
-          </a:p>
-          <a:p>
-            <a:pPr algn="r"/>
-            <a:r>
-              <a:rPr lang="es-CO" i="1" dirty="0" smtClean="0">
-                <a:latin typeface="Calibri Light" panose="020F0302020204030204" pitchFamily="34" charset="0"/>
-              </a:rPr>
-              <a:t>Expositor: </a:t>
-            </a:r>
-            <a:r>
-              <a:rPr lang="es-CO" b="1" i="1" dirty="0" smtClean="0">
-                <a:latin typeface="Calibri Light" panose="020F0302020204030204" pitchFamily="34" charset="0"/>
-              </a:rPr>
-              <a:t>Daniel </a:t>
-            </a:r>
-            <a:r>
-              <a:rPr lang="es-CO" b="1" i="1" dirty="0" smtClean="0">
-                <a:latin typeface="Calibri Light" panose="020F0302020204030204" pitchFamily="34" charset="0"/>
-              </a:rPr>
-              <a:t>Buitrago </a:t>
-            </a:r>
-          </a:p>
-          <a:p>
-            <a:pPr algn="r"/>
-            <a:r>
-              <a:rPr lang="es-CO" b="1" i="1" dirty="0" smtClean="0">
-                <a:latin typeface="Calibri Light" panose="020F0302020204030204" pitchFamily="34" charset="0"/>
-              </a:rPr>
-              <a:t>Certificado Scrum </a:t>
-            </a:r>
-            <a:r>
-              <a:rPr lang="es-CO" b="1" i="1" dirty="0" smtClean="0">
-                <a:latin typeface="Calibri Light" panose="020F0302020204030204" pitchFamily="34" charset="0"/>
-              </a:rPr>
-              <a:t>Master</a:t>
-            </a:r>
-          </a:p>
-          <a:p>
-            <a:pPr algn="r"/>
-            <a:r>
-              <a:rPr lang="es-CO" i="1" dirty="0" smtClean="0">
-                <a:latin typeface="Calibri Light" panose="020F0302020204030204" pitchFamily="34" charset="0"/>
-              </a:rPr>
-              <a:t>Oct 2017</a:t>
-            </a:r>
-            <a:endParaRPr lang="fr-FR" i="1" dirty="0">
-              <a:latin typeface="Calibri Light" panose="020F0302020204030204" pitchFamily="34" charset="0"/>
+          <p:cNvPr id="5" name="Content Placeholder 4"/>
+          <p:cNvSpPr>
+            <a:spLocks noGrp="1"/>
+          </p:cNvSpPr>
+          <p:nvPr>
+            <p:ph idx="1"/>
+          </p:nvPr>
+        </p:nvSpPr>
+        <p:spPr/>
+        <p:txBody>
+          <a:bodyPr/>
+          <a:lstStyle/>
+          <a:p>
+            <a:pPr marL="0" indent="0" algn="ctr">
+              <a:buNone/>
+            </a:pPr>
+            <a:endParaRPr lang="es-CO" dirty="0" smtClean="0"/>
+          </a:p>
+          <a:p>
+            <a:pPr marL="0" indent="0" algn="ctr">
+              <a:buNone/>
+            </a:pPr>
+            <a:endParaRPr lang="es-CO" dirty="0" smtClean="0"/>
+          </a:p>
+          <a:p>
+            <a:pPr marL="0" indent="0" algn="ctr">
+              <a:buNone/>
+            </a:pPr>
+            <a:r>
+              <a:rPr lang="es-CO" dirty="0" smtClean="0">
+                <a:latin typeface="+mj-lt"/>
+              </a:rPr>
+              <a:t>Scrum es un proceso en el que se aplican de manera regular un conjunto de buenas practicas para trabajar colaborativamente, en equipo y obtener el mejor resultado posible de un proyecto.</a:t>
+            </a:r>
+            <a:endParaRPr lang="fr-FR" dirty="0">
+              <a:latin typeface="+mj-lt"/>
             </a:endParaRPr>
           </a:p>
         </p:txBody>
@@ -8374,13 +8369,20 @@
     </p:spTree>
     <p:extLst>
       <p:ext uri="{BB962C8B-B14F-4D97-AF65-F5344CB8AC3E}">
-        <p14:creationId xmlns:p14="http://schemas.microsoft.com/office/powerpoint/2010/main" val="3930695441"/>
+        <p14:creationId xmlns:p14="http://schemas.microsoft.com/office/powerpoint/2010/main" val="2664526607"/>
       </p:ext>
     </p:extLst>
   </p:cSld>
   <p:clrMapOvr>
     <a:masterClrMapping/>
   </p:clrMapOvr>
+  <p:timing>
+    <p:tnLst>
+      <p:par>
+        <p:cTn id="1" dur="indefinite" restart="never" nodeType="tmRoot"/>
+      </p:par>
+    </p:tnLst>
+  </p:timing>
 </p:sld>
 </file>
 
@@ -8403,119 +8405,6 @@
       </p:grpSpPr>
       <p:sp>
         <p:nvSpPr>
-          <p:cNvPr id="4" name="Title 3"/>
-          <p:cNvSpPr>
-            <a:spLocks noGrp="1"/>
-          </p:cNvSpPr>
-          <p:nvPr>
-            <p:ph type="title"/>
-          </p:nvPr>
-        </p:nvSpPr>
-        <p:spPr/>
-        <p:txBody>
-          <a:bodyPr/>
-          <a:lstStyle/>
-          <a:p>
-            <a:pPr algn="ctr"/>
-            <a:r>
-              <a:rPr lang="es-CO" dirty="0" smtClean="0">
-                <a:solidFill>
-                  <a:srgbClr val="C00000"/>
-                </a:solidFill>
-                <a:latin typeface="Dekar" panose="02000000000000000000" pitchFamily="50" charset="0"/>
-              </a:rPr>
-              <a:t>Que es Scrum?</a:t>
-            </a:r>
-            <a:endParaRPr lang="fr-FR" dirty="0">
-              <a:solidFill>
-                <a:srgbClr val="C00000"/>
-              </a:solidFill>
-              <a:latin typeface="Dekar" panose="02000000000000000000" pitchFamily="50" charset="0"/>
-            </a:endParaRPr>
-          </a:p>
-        </p:txBody>
-      </p:sp>
-      <p:sp>
-        <p:nvSpPr>
-          <p:cNvPr id="5" name="Content Placeholder 4"/>
-          <p:cNvSpPr>
-            <a:spLocks noGrp="1"/>
-          </p:cNvSpPr>
-          <p:nvPr>
-            <p:ph idx="1"/>
-          </p:nvPr>
-        </p:nvSpPr>
-        <p:spPr/>
-        <p:txBody>
-          <a:bodyPr/>
-          <a:lstStyle/>
-          <a:p>
-            <a:pPr marL="0" indent="0" algn="ctr">
-              <a:buNone/>
-            </a:pPr>
-            <a:endParaRPr lang="es-CO" dirty="0" smtClean="0"/>
-          </a:p>
-          <a:p>
-            <a:pPr marL="0" indent="0" algn="ctr">
-              <a:buNone/>
-            </a:pPr>
-            <a:endParaRPr lang="es-CO" dirty="0" smtClean="0"/>
-          </a:p>
-          <a:p>
-            <a:pPr marL="0" indent="0" algn="ctr">
-              <a:buNone/>
-            </a:pPr>
-            <a:r>
-              <a:rPr lang="es-CO" dirty="0" smtClean="0">
-                <a:latin typeface="+mj-lt"/>
-              </a:rPr>
-              <a:t>Scrum es un proceso en el que se aplican de manera regular un conjunto de buenas practicas para trabajar colaborativamente, en equipo y obtener el mejor resultado posible de un proyecto.</a:t>
-            </a:r>
-            <a:endParaRPr lang="fr-FR" dirty="0">
-              <a:latin typeface="+mj-lt"/>
-            </a:endParaRPr>
-          </a:p>
-        </p:txBody>
-      </p:sp>
-    </p:spTree>
-    <p:extLst>
-      <p:ext uri="{BB962C8B-B14F-4D97-AF65-F5344CB8AC3E}">
-        <p14:creationId xmlns:p14="http://schemas.microsoft.com/office/powerpoint/2010/main" val="2664526607"/>
-      </p:ext>
-    </p:extLst>
-  </p:cSld>
-  <p:clrMapOvr>
-    <a:masterClrMapping/>
-  </p:clrMapOvr>
-  <p:timing>
-    <p:tnLst>
-      <p:par>
-        <p:cTn id="1" dur="indefinite" restart="never" nodeType="tmRoot"/>
-      </p:par>
-    </p:tnLst>
-  </p:timing>
-</p:sld>
-</file>
-
-<file path=ppt/slides/slide19.xml><?xml version="1.0" encoding="utf-8"?>
-<p:sld xmlns:a="http://schemas.openxmlformats.org/drawingml/2006/main" xmlns:r="http://schemas.openxmlformats.org/officeDocument/2006/relationships" xmlns:p="http://schemas.openxmlformats.org/presentationml/2006/main">
-  <p:cSld>
-    <p:spTree>
-      <p:nvGrpSpPr>
-        <p:cNvPr id="1" name=""/>
-        <p:cNvGrpSpPr/>
-        <p:nvPr/>
-      </p:nvGrpSpPr>
-      <p:grpSpPr>
-        <a:xfrm>
-          <a:off x="0" y="0"/>
-          <a:ext cx="0" cy="0"/>
-          <a:chOff x="0" y="0"/>
-          <a:chExt cx="0" cy="0"/>
-        </a:xfrm>
-      </p:grpSpPr>
-      <p:sp>
-        <p:nvSpPr>
           <p:cNvPr id="3" name="Content Placeholder 2"/>
           <p:cNvSpPr>
             <a:spLocks noGrp="1"/>
@@ -8622,19 +8511,7 @@
               <a:rPr lang="es-CO" dirty="0" smtClean="0">
                 <a:latin typeface="+mj-lt"/>
               </a:rPr>
-              <a:t>con equipos de 6 </a:t>
-            </a:r>
-            <a:r>
-              <a:rPr lang="es-CO" dirty="0" smtClean="0">
-                <a:latin typeface="+mj-lt"/>
-              </a:rPr>
-              <a:t>– 10 personas </a:t>
-            </a:r>
-            <a:r>
-              <a:rPr lang="es-CO" dirty="0" smtClean="0">
-                <a:latin typeface="+mj-lt"/>
-              </a:rPr>
-              <a:t>o </a:t>
+              <a:t>con equipos de 6 – 10 personas o </a:t>
             </a:r>
             <a:r>
               <a:rPr lang="es-CO" dirty="0" smtClean="0">
@@ -8701,178 +8578,7 @@
 </p:sld>
 </file>
 
-<file path=ppt/slides/slide2.xml><?xml version="1.0" encoding="utf-8"?>
-<p:sld xmlns:a="http://schemas.openxmlformats.org/drawingml/2006/main" xmlns:r="http://schemas.openxmlformats.org/officeDocument/2006/relationships" xmlns:p="http://schemas.openxmlformats.org/presentationml/2006/main">
-  <p:cSld>
-    <p:spTree>
-      <p:nvGrpSpPr>
-        <p:cNvPr id="1" name=""/>
-        <p:cNvGrpSpPr/>
-        <p:nvPr/>
-      </p:nvGrpSpPr>
-      <p:grpSpPr>
-        <a:xfrm>
-          <a:off x="0" y="0"/>
-          <a:ext cx="0" cy="0"/>
-          <a:chOff x="0" y="0"/>
-          <a:chExt cx="0" cy="0"/>
-        </a:xfrm>
-      </p:grpSpPr>
-      <p:sp>
-        <p:nvSpPr>
-          <p:cNvPr id="4" name="Title 3"/>
-          <p:cNvSpPr>
-            <a:spLocks noGrp="1"/>
-          </p:cNvSpPr>
-          <p:nvPr>
-            <p:ph type="title"/>
-          </p:nvPr>
-        </p:nvSpPr>
-        <p:spPr/>
-        <p:txBody>
-          <a:bodyPr/>
-          <a:lstStyle/>
-          <a:p>
-            <a:pPr algn="ctr"/>
-            <a:r>
-              <a:rPr lang="es-CO" dirty="0" smtClean="0">
-                <a:solidFill>
-                  <a:srgbClr val="C00000"/>
-                </a:solidFill>
-                <a:latin typeface="Dekar" panose="02000000000000000000" pitchFamily="50" charset="0"/>
-              </a:rPr>
-              <a:t>Que son las metodologías ágiles?</a:t>
-            </a:r>
-            <a:endParaRPr lang="fr-FR" dirty="0">
-              <a:solidFill>
-                <a:srgbClr val="C00000"/>
-              </a:solidFill>
-              <a:latin typeface="Dekar" panose="02000000000000000000" pitchFamily="50" charset="0"/>
-            </a:endParaRPr>
-          </a:p>
-        </p:txBody>
-      </p:sp>
-      <p:sp>
-        <p:nvSpPr>
-          <p:cNvPr id="5" name="Content Placeholder 4"/>
-          <p:cNvSpPr>
-            <a:spLocks noGrp="1"/>
-          </p:cNvSpPr>
-          <p:nvPr>
-            <p:ph idx="1"/>
-          </p:nvPr>
-        </p:nvSpPr>
-        <p:spPr/>
-        <p:txBody>
-          <a:bodyPr/>
-          <a:lstStyle/>
-          <a:p>
-            <a:pPr marL="0" indent="0" algn="ctr">
-              <a:buNone/>
-            </a:pPr>
-            <a:endParaRPr lang="es-CO" dirty="0" smtClean="0"/>
-          </a:p>
-          <a:p>
-            <a:pPr marL="0" indent="0" algn="ctr">
-              <a:buNone/>
-            </a:pPr>
-            <a:r>
-              <a:rPr lang="es-CO" dirty="0" smtClean="0">
-                <a:latin typeface="+mj-lt"/>
-              </a:rPr>
-              <a:t>Son una serie de </a:t>
-            </a:r>
-            <a:r>
-              <a:rPr lang="es-CO" dirty="0" smtClean="0">
-                <a:solidFill>
-                  <a:srgbClr val="C00000"/>
-                </a:solidFill>
-                <a:latin typeface="+mj-lt"/>
-              </a:rPr>
-              <a:t>técnicas</a:t>
-            </a:r>
-            <a:r>
-              <a:rPr lang="es-CO" dirty="0" smtClean="0">
-                <a:latin typeface="+mj-lt"/>
-              </a:rPr>
-              <a:t> para la </a:t>
-            </a:r>
-            <a:r>
-              <a:rPr lang="es-CO" dirty="0" smtClean="0">
-                <a:solidFill>
-                  <a:srgbClr val="C00000"/>
-                </a:solidFill>
-                <a:latin typeface="+mj-lt"/>
-              </a:rPr>
-              <a:t>gestión de proyectos </a:t>
-            </a:r>
-            <a:r>
-              <a:rPr lang="es-CO" dirty="0" smtClean="0">
-                <a:latin typeface="+mj-lt"/>
-              </a:rPr>
-              <a:t>que nacen como complemento a los métodos clásicos de gestión.</a:t>
-            </a:r>
-          </a:p>
-          <a:p>
-            <a:pPr marL="0" indent="0" algn="ctr">
-              <a:buNone/>
-            </a:pPr>
-            <a:endParaRPr lang="es-CO" dirty="0">
-              <a:latin typeface="+mj-lt"/>
-            </a:endParaRPr>
-          </a:p>
-          <a:p>
-            <a:pPr marL="0" indent="0" algn="ctr">
-              <a:buNone/>
-            </a:pPr>
-            <a:r>
-              <a:rPr lang="es-CO" dirty="0" smtClean="0">
-                <a:latin typeface="+mj-lt"/>
-              </a:rPr>
-              <a:t>Aunque surgieron en el ámbito del desarrollo de software, también han sido tomas para </a:t>
-            </a:r>
-            <a:r>
-              <a:rPr lang="es-CO" dirty="0" smtClean="0">
-                <a:solidFill>
-                  <a:srgbClr val="C00000"/>
-                </a:solidFill>
-                <a:latin typeface="+mj-lt"/>
-              </a:rPr>
-              <a:t>otros tipos de industria</a:t>
-            </a:r>
-            <a:r>
-              <a:rPr lang="es-CO" dirty="0" smtClean="0">
-                <a:latin typeface="+mj-lt"/>
-              </a:rPr>
-              <a:t>.</a:t>
-            </a:r>
-            <a:endParaRPr lang="fr-FR" dirty="0">
-              <a:latin typeface="+mj-lt"/>
-            </a:endParaRPr>
-          </a:p>
-        </p:txBody>
-      </p:sp>
-    </p:spTree>
-    <p:extLst>
-      <p:ext uri="{BB962C8B-B14F-4D97-AF65-F5344CB8AC3E}">
-        <p14:creationId xmlns:p14="http://schemas.microsoft.com/office/powerpoint/2010/main" val="4272083050"/>
-      </p:ext>
-    </p:extLst>
-  </p:cSld>
-  <p:clrMapOvr>
-    <a:masterClrMapping/>
-  </p:clrMapOvr>
-  <p:timing>
-    <p:tnLst>
-      <p:par>
-        <p:cTn id="1" dur="indefinite" restart="never" nodeType="tmRoot"/>
-      </p:par>
-    </p:tnLst>
-  </p:timing>
-</p:sld>
-</file>
-
-<file path=ppt/slides/slide20.xml><?xml version="1.0" encoding="utf-8"?>
+<file path=ppt/slides/slide19.xml><?xml version="1.0" encoding="utf-8"?>
 <p:sld xmlns:a="http://schemas.openxmlformats.org/drawingml/2006/main" xmlns:r="http://schemas.openxmlformats.org/officeDocument/2006/relationships" xmlns:p="http://schemas.openxmlformats.org/presentationml/2006/main">
   <p:cSld>
     <p:spTree>
@@ -8932,7 +8638,178 @@
 </p:sld>
 </file>
 
-<file path=ppt/slides/slide21.xml><?xml version="1.0" encoding="utf-8"?>
+<file path=ppt/slides/slide2.xml><?xml version="1.0" encoding="utf-8"?>
+<p:sld xmlns:a="http://schemas.openxmlformats.org/drawingml/2006/main" xmlns:r="http://schemas.openxmlformats.org/officeDocument/2006/relationships" xmlns:p="http://schemas.openxmlformats.org/presentationml/2006/main">
+  <p:cSld>
+    <p:spTree>
+      <p:nvGrpSpPr>
+        <p:cNvPr id="1" name=""/>
+        <p:cNvGrpSpPr/>
+        <p:nvPr/>
+      </p:nvGrpSpPr>
+      <p:grpSpPr>
+        <a:xfrm>
+          <a:off x="0" y="0"/>
+          <a:ext cx="0" cy="0"/>
+          <a:chOff x="0" y="0"/>
+          <a:chExt cx="0" cy="0"/>
+        </a:xfrm>
+      </p:grpSpPr>
+      <p:sp>
+        <p:nvSpPr>
+          <p:cNvPr id="4" name="Title 3"/>
+          <p:cNvSpPr>
+            <a:spLocks noGrp="1"/>
+          </p:cNvSpPr>
+          <p:nvPr>
+            <p:ph type="title"/>
+          </p:nvPr>
+        </p:nvSpPr>
+        <p:spPr/>
+        <p:txBody>
+          <a:bodyPr/>
+          <a:lstStyle/>
+          <a:p>
+            <a:pPr algn="ctr"/>
+            <a:r>
+              <a:rPr lang="es-CO" dirty="0" smtClean="0">
+                <a:solidFill>
+                  <a:srgbClr val="C00000"/>
+                </a:solidFill>
+                <a:latin typeface="Dekar" panose="02000000000000000000" pitchFamily="50" charset="0"/>
+              </a:rPr>
+              <a:t>Que son las metodologías ágiles?</a:t>
+            </a:r>
+            <a:endParaRPr lang="fr-FR" dirty="0">
+              <a:solidFill>
+                <a:srgbClr val="C00000"/>
+              </a:solidFill>
+              <a:latin typeface="Dekar" panose="02000000000000000000" pitchFamily="50" charset="0"/>
+            </a:endParaRPr>
+          </a:p>
+        </p:txBody>
+      </p:sp>
+      <p:sp>
+        <p:nvSpPr>
+          <p:cNvPr id="5" name="Content Placeholder 4"/>
+          <p:cNvSpPr>
+            <a:spLocks noGrp="1"/>
+          </p:cNvSpPr>
+          <p:nvPr>
+            <p:ph idx="1"/>
+          </p:nvPr>
+        </p:nvSpPr>
+        <p:spPr/>
+        <p:txBody>
+          <a:bodyPr/>
+          <a:lstStyle/>
+          <a:p>
+            <a:pPr marL="0" indent="0" algn="ctr">
+              <a:buNone/>
+            </a:pPr>
+            <a:endParaRPr lang="es-CO" dirty="0" smtClean="0"/>
+          </a:p>
+          <a:p>
+            <a:pPr marL="0" indent="0" algn="ctr">
+              <a:buNone/>
+            </a:pPr>
+            <a:r>
+              <a:rPr lang="es-CO" dirty="0" smtClean="0">
+                <a:latin typeface="+mj-lt"/>
+              </a:rPr>
+              <a:t>Son una serie de </a:t>
+            </a:r>
+            <a:r>
+              <a:rPr lang="es-CO" dirty="0" smtClean="0">
+                <a:solidFill>
+                  <a:srgbClr val="C00000"/>
+                </a:solidFill>
+                <a:latin typeface="+mj-lt"/>
+              </a:rPr>
+              <a:t>técnicas</a:t>
+            </a:r>
+            <a:r>
+              <a:rPr lang="es-CO" dirty="0" smtClean="0">
+                <a:latin typeface="+mj-lt"/>
+              </a:rPr>
+              <a:t> para la </a:t>
+            </a:r>
+            <a:r>
+              <a:rPr lang="es-CO" dirty="0" smtClean="0">
+                <a:solidFill>
+                  <a:srgbClr val="C00000"/>
+                </a:solidFill>
+                <a:latin typeface="+mj-lt"/>
+              </a:rPr>
+              <a:t>gestión de proyectos </a:t>
+            </a:r>
+            <a:r>
+              <a:rPr lang="es-CO" dirty="0" smtClean="0">
+                <a:latin typeface="+mj-lt"/>
+              </a:rPr>
+              <a:t>que nacen como complemento a los métodos clásicos de gestión.</a:t>
+            </a:r>
+          </a:p>
+          <a:p>
+            <a:pPr marL="0" indent="0" algn="ctr">
+              <a:buNone/>
+            </a:pPr>
+            <a:endParaRPr lang="es-CO" dirty="0">
+              <a:latin typeface="+mj-lt"/>
+            </a:endParaRPr>
+          </a:p>
+          <a:p>
+            <a:pPr marL="0" indent="0" algn="ctr">
+              <a:buNone/>
+            </a:pPr>
+            <a:r>
+              <a:rPr lang="es-CO" dirty="0" smtClean="0">
+                <a:latin typeface="+mj-lt"/>
+              </a:rPr>
+              <a:t>Aunque surgieron en el ámbito del desarrollo de software, también han sido tomas para </a:t>
+            </a:r>
+            <a:r>
+              <a:rPr lang="es-CO" dirty="0" smtClean="0">
+                <a:solidFill>
+                  <a:srgbClr val="C00000"/>
+                </a:solidFill>
+                <a:latin typeface="+mj-lt"/>
+              </a:rPr>
+              <a:t>otros tipos de industria</a:t>
+            </a:r>
+            <a:r>
+              <a:rPr lang="es-CO" dirty="0" smtClean="0">
+                <a:latin typeface="+mj-lt"/>
+              </a:rPr>
+              <a:t>.</a:t>
+            </a:r>
+            <a:endParaRPr lang="fr-FR" dirty="0">
+              <a:latin typeface="+mj-lt"/>
+            </a:endParaRPr>
+          </a:p>
+        </p:txBody>
+      </p:sp>
+    </p:spTree>
+    <p:extLst>
+      <p:ext uri="{BB962C8B-B14F-4D97-AF65-F5344CB8AC3E}">
+        <p14:creationId xmlns:p14="http://schemas.microsoft.com/office/powerpoint/2010/main" val="4272083050"/>
+      </p:ext>
+    </p:extLst>
+  </p:cSld>
+  <p:clrMapOvr>
+    <a:masterClrMapping/>
+  </p:clrMapOvr>
+  <p:timing>
+    <p:tnLst>
+      <p:par>
+        <p:cTn id="1" dur="indefinite" restart="never" nodeType="tmRoot"/>
+      </p:par>
+    </p:tnLst>
+  </p:timing>
+</p:sld>
+</file>
+
+<file path=ppt/slides/slide20.xml><?xml version="1.0" encoding="utf-8"?>
 <p:sld xmlns:a="http://schemas.openxmlformats.org/drawingml/2006/main" xmlns:r="http://schemas.openxmlformats.org/officeDocument/2006/relationships" xmlns:p="http://schemas.openxmlformats.org/presentationml/2006/main">
   <p:cSld>
     <p:spTree>
@@ -8992,7 +8869,7 @@
 </p:sld>
 </file>
 
-<file path=ppt/slides/slide22.xml><?xml version="1.0" encoding="utf-8"?>
+<file path=ppt/slides/slide21.xml><?xml version="1.0" encoding="utf-8"?>
 <p:sld xmlns:a="http://schemas.openxmlformats.org/drawingml/2006/main" xmlns:r="http://schemas.openxmlformats.org/officeDocument/2006/relationships" xmlns:p="http://schemas.openxmlformats.org/presentationml/2006/main">
   <p:cSld>
     <p:spTree>
@@ -9052,7 +8929,7 @@
 </p:sld>
 </file>
 
-<file path=ppt/slides/slide23.xml><?xml version="1.0" encoding="utf-8"?>
+<file path=ppt/slides/slide22.xml><?xml version="1.0" encoding="utf-8"?>
 <p:sld xmlns:a="http://schemas.openxmlformats.org/drawingml/2006/main" xmlns:r="http://schemas.openxmlformats.org/officeDocument/2006/relationships" xmlns:p="http://schemas.openxmlformats.org/presentationml/2006/main">
   <p:cSld>
     <p:spTree>
@@ -9112,7 +8989,7 @@
 </p:sld>
 </file>
 
-<file path=ppt/slides/slide24.xml><?xml version="1.0" encoding="utf-8"?>
+<file path=ppt/slides/slide23.xml><?xml version="1.0" encoding="utf-8"?>
 <p:sld xmlns:a="http://schemas.openxmlformats.org/drawingml/2006/main" xmlns:r="http://schemas.openxmlformats.org/officeDocument/2006/relationships" xmlns:p="http://schemas.openxmlformats.org/presentationml/2006/main">
   <p:cSld>
     <p:spTree>
@@ -9146,223 +9023,32 @@
           <a:p>
             <a:pPr algn="ctr"/>
             <a:r>
+              <a:rPr lang="es-CO" dirty="0">
+                <a:solidFill>
+                  <a:srgbClr val="C00000"/>
+                </a:solidFill>
+                <a:latin typeface="Dekar" panose="02000000000000000000" pitchFamily="50" charset="0"/>
+              </a:rPr>
+              <a:t>¿</a:t>
+            </a:r>
+            <a:r>
               <a:rPr lang="es-CO" dirty="0" smtClean="0">
                 <a:solidFill>
                   <a:srgbClr val="C00000"/>
                 </a:solidFill>
-              </a:rPr>
-              <a:t>Los proyectos son impactados por</a:t>
+                <a:latin typeface="Dekar" panose="02000000000000000000" pitchFamily="50" charset="0"/>
+              </a:rPr>
+              <a:t>Que es un proyecto Scrum?</a:t>
             </a:r>
             <a:endParaRPr lang="fr-FR" dirty="0">
               <a:solidFill>
                 <a:srgbClr val="C00000"/>
               </a:solidFill>
-            </a:endParaRPr>
-          </a:p>
-        </p:txBody>
-      </p:sp>
-      <p:sp>
-        <p:nvSpPr>
-          <p:cNvPr id="4" name="Rounded Rectangle 3"/>
-          <p:cNvSpPr/>
-          <p:nvPr/>
-        </p:nvSpPr>
-        <p:spPr>
-          <a:xfrm>
-            <a:off x="4164154" y="1854994"/>
-            <a:ext cx="4252646" cy="4383246"/>
-          </a:xfrm>
-          <a:prstGeom prst="roundRect">
-            <a:avLst/>
-          </a:prstGeom>
-          <a:solidFill>
-            <a:schemeClr val="bg1"/>
-          </a:solidFill>
-          <a:ln w="38100">
-            <a:solidFill>
-              <a:schemeClr val="accent2">
-                <a:lumMod val="75000"/>
-              </a:schemeClr>
-            </a:solidFill>
-            <a:prstDash val="lgDash"/>
-          </a:ln>
-          <a:effectLst>
-            <a:outerShdw blurRad="50800" dist="38100" dir="2700000" algn="tl" rotWithShape="0">
-              <a:prstClr val="black">
-                <a:alpha val="40000"/>
-              </a:prstClr>
-            </a:outerShdw>
-            <a:softEdge rad="12700"/>
-          </a:effectLst>
-        </p:spPr>
-        <p:style>
-          <a:lnRef idx="2">
-            <a:schemeClr val="accent1">
-              <a:shade val="50000"/>
-            </a:schemeClr>
-          </a:lnRef>
-          <a:fillRef idx="1">
-            <a:schemeClr val="accent1"/>
-          </a:fillRef>
-          <a:effectRef idx="0">
-            <a:schemeClr val="accent1"/>
-          </a:effectRef>
-          <a:fontRef idx="minor">
-            <a:schemeClr val="lt1"/>
-          </a:fontRef>
-        </p:style>
-        <p:txBody>
-          <a:bodyPr rtlCol="0" anchor="ctr"/>
-          <a:lstStyle/>
-          <a:p>
-            <a:pPr algn="ctr">
-              <a:lnSpc>
-                <a:spcPct val="150000"/>
-              </a:lnSpc>
-            </a:pPr>
-            <a:r>
-              <a:rPr lang="es-CO" sz="2400" dirty="0" smtClean="0">
-                <a:solidFill>
-                  <a:schemeClr val="tx1"/>
-                </a:solidFill>
-              </a:rPr>
-              <a:t>Tiempo</a:t>
-            </a:r>
-          </a:p>
-          <a:p>
-            <a:pPr algn="ctr">
-              <a:lnSpc>
-                <a:spcPct val="150000"/>
-              </a:lnSpc>
-            </a:pPr>
-            <a:r>
-              <a:rPr lang="es-CO" sz="2400" dirty="0" smtClean="0">
-                <a:solidFill>
-                  <a:schemeClr val="tx1"/>
-                </a:solidFill>
-              </a:rPr>
-              <a:t>Costo</a:t>
-            </a:r>
-          </a:p>
-          <a:p>
-            <a:pPr algn="ctr">
-              <a:lnSpc>
-                <a:spcPct val="150000"/>
-              </a:lnSpc>
-            </a:pPr>
-            <a:r>
-              <a:rPr lang="es-CO" sz="2400" dirty="0" smtClean="0">
-                <a:solidFill>
-                  <a:schemeClr val="tx1"/>
-                </a:solidFill>
-              </a:rPr>
-              <a:t>Alcance</a:t>
-            </a:r>
-          </a:p>
-          <a:p>
-            <a:pPr algn="ctr">
-              <a:lnSpc>
-                <a:spcPct val="150000"/>
-              </a:lnSpc>
-            </a:pPr>
-            <a:r>
-              <a:rPr lang="es-CO" sz="2400" dirty="0" smtClean="0">
-                <a:solidFill>
-                  <a:schemeClr val="tx1"/>
-                </a:solidFill>
-              </a:rPr>
-              <a:t>Calidad</a:t>
-            </a:r>
-          </a:p>
-          <a:p>
-            <a:pPr algn="ctr">
-              <a:lnSpc>
-                <a:spcPct val="150000"/>
-              </a:lnSpc>
-            </a:pPr>
-            <a:r>
-              <a:rPr lang="es-CO" sz="2400" dirty="0" smtClean="0">
-                <a:solidFill>
-                  <a:schemeClr val="tx1"/>
-                </a:solidFill>
-              </a:rPr>
-              <a:t>Recursos</a:t>
-            </a:r>
-          </a:p>
-          <a:p>
-            <a:pPr algn="ctr">
-              <a:lnSpc>
-                <a:spcPct val="150000"/>
-              </a:lnSpc>
-            </a:pPr>
-            <a:r>
-              <a:rPr lang="es-CO" sz="2400" dirty="0" smtClean="0">
-                <a:solidFill>
-                  <a:schemeClr val="tx1"/>
-                </a:solidFill>
-              </a:rPr>
-              <a:t>Capacidades de organización</a:t>
-            </a:r>
-          </a:p>
-          <a:p>
-            <a:pPr algn="ctr">
-              <a:lnSpc>
-                <a:spcPct val="150000"/>
-              </a:lnSpc>
-            </a:pPr>
-            <a:r>
-              <a:rPr lang="es-CO" sz="2400" dirty="0" smtClean="0">
-                <a:solidFill>
-                  <a:schemeClr val="tx1"/>
-                </a:solidFill>
-              </a:rPr>
-              <a:t>Otras limitaciones</a:t>
-            </a:r>
-            <a:endParaRPr lang="fr-FR" sz="2400" dirty="0">
-              <a:solidFill>
-                <a:schemeClr val="tx1"/>
-              </a:solidFill>
-            </a:endParaRPr>
-          </a:p>
-        </p:txBody>
-      </p:sp>
-    </p:spTree>
-    <p:extLst>
-      <p:ext uri="{BB962C8B-B14F-4D97-AF65-F5344CB8AC3E}">
-        <p14:creationId xmlns:p14="http://schemas.microsoft.com/office/powerpoint/2010/main" val="1034786922"/>
-      </p:ext>
-    </p:extLst>
-  </p:cSld>
-  <p:clrMapOvr>
-    <a:masterClrMapping/>
-  </p:clrMapOvr>
-  <p:timing>
-    <p:tnLst>
-      <p:par>
-        <p:cTn id="1" dur="indefinite" restart="never" nodeType="tmRoot"/>
-      </p:par>
-    </p:tnLst>
-  </p:timing>
-</p:sld>
-</file>
-
-<file path=ppt/slides/slide25.xml><?xml version="1.0" encoding="utf-8"?>
-<p:sld xmlns:a="http://schemas.openxmlformats.org/drawingml/2006/main" xmlns:r="http://schemas.openxmlformats.org/officeDocument/2006/relationships" xmlns:p="http://schemas.openxmlformats.org/presentationml/2006/main">
-  <p:cSld>
-    <p:spTree>
-      <p:nvGrpSpPr>
-        <p:cNvPr id="1" name=""/>
-        <p:cNvGrpSpPr/>
-        <p:nvPr/>
-      </p:nvGrpSpPr>
-      <p:grpSpPr>
-        <a:xfrm>
-          <a:off x="0" y="0"/>
-          <a:ext cx="0" cy="0"/>
-          <a:chOff x="0" y="0"/>
-          <a:chExt cx="0" cy="0"/>
-        </a:xfrm>
-      </p:grpSpPr>
+              <a:latin typeface="Dekar" panose="02000000000000000000" pitchFamily="50" charset="0"/>
+            </a:endParaRPr>
+          </a:p>
+        </p:txBody>
+      </p:sp>
       <p:sp>
         <p:nvSpPr>
           <p:cNvPr id="3" name="Content Placeholder 2"/>
@@ -9373,35 +9059,10 @@
             <p:ph idx="1"/>
           </p:nvPr>
         </p:nvSpPr>
-        <p:spPr>
-          <a:xfrm>
-            <a:off x="838200" y="365125"/>
-            <a:ext cx="10515600" cy="5811838"/>
-          </a:xfrm>
-        </p:spPr>
+        <p:spPr/>
         <p:txBody>
           <a:bodyPr/>
           <a:lstStyle/>
-          <a:p>
-            <a:pPr marL="0" indent="0" algn="ctr">
-              <a:buNone/>
-            </a:pPr>
-            <a:endParaRPr lang="es-CO" dirty="0" smtClean="0">
-              <a:solidFill>
-                <a:srgbClr val="C00000"/>
-              </a:solidFill>
-            </a:endParaRPr>
-          </a:p>
-          <a:p>
-            <a:pPr marL="0" indent="0" algn="ctr">
-              <a:buNone/>
-            </a:pPr>
-            <a:endParaRPr lang="es-CO" dirty="0" smtClean="0">
-              <a:solidFill>
-                <a:srgbClr val="C00000"/>
-              </a:solidFill>
-            </a:endParaRPr>
-          </a:p>
           <a:p>
             <a:pPr marL="0" indent="0" algn="ctr">
               <a:buNone/>
@@ -9488,7 +9149,7 @@
 </p:sld>
 </file>
 
-<file path=ppt/slides/slide26.xml><?xml version="1.0" encoding="utf-8"?>
+<file path=ppt/slides/slide24.xml><?xml version="1.0" encoding="utf-8"?>
 <p:sld xmlns:a="http://schemas.openxmlformats.org/drawingml/2006/main" xmlns:r="http://schemas.openxmlformats.org/officeDocument/2006/relationships" xmlns:p="http://schemas.openxmlformats.org/presentationml/2006/main">
   <p:cSld>
     <p:spTree>
@@ -9527,7 +9188,7 @@
         </p:blipFill>
         <p:spPr>
           <a:xfrm>
-            <a:off x="1992785" y="3167278"/>
+            <a:off x="1916585" y="2557678"/>
             <a:ext cx="1922896" cy="2025280"/>
           </a:xfrm>
           <a:prstGeom prst="rect">
@@ -9543,7 +9204,7 @@
         </p:nvSpPr>
         <p:spPr>
           <a:xfrm>
-            <a:off x="985683" y="2465547"/>
+            <a:off x="985683" y="738347"/>
             <a:ext cx="3721100" cy="701731"/>
           </a:xfrm>
           <a:prstGeom prst="rect">
@@ -9620,7 +9281,19 @@
               <a:rPr lang="es-CO" sz="2400" dirty="0" smtClean="0">
                 <a:latin typeface="+mj-lt"/>
               </a:rPr>
-              <a:t>Metodología Ágil mas popular</a:t>
+              <a:t>Metodología </a:t>
+            </a:r>
+            <a:r>
+              <a:rPr lang="es-CO" sz="2400" dirty="0" smtClean="0">
+                <a:latin typeface="+mj-lt"/>
+              </a:rPr>
+              <a:t>ágil </a:t>
+            </a:r>
+            <a:r>
+              <a:rPr lang="es-CO" sz="2400" dirty="0" smtClean="0">
+                <a:latin typeface="+mj-lt"/>
+              </a:rPr>
+              <a:t>mas popular</a:t>
             </a:r>
           </a:p>
           <a:p>
@@ -9756,7 +9429,7 @@
 </p:sld>
 </file>
 
-<file path=ppt/slides/slide27.xml><?xml version="1.0" encoding="utf-8"?>
+<file path=ppt/slides/slide25.xml><?xml version="1.0" encoding="utf-8"?>
 <p:sld xmlns:a="http://schemas.openxmlformats.org/drawingml/2006/main" xmlns:r="http://schemas.openxmlformats.org/officeDocument/2006/relationships" xmlns:p="http://schemas.openxmlformats.org/presentationml/2006/main">
   <p:cSld>
     <p:spTree>
@@ -9788,7 +9461,16 @@
           <a:bodyPr/>
           <a:lstStyle/>
           <a:p>
-            <a:endParaRPr lang="fr-FR"/>
+            <a:r>
+              <a:rPr lang="es-CO" dirty="0" err="1" smtClean="0">
+                <a:solidFill>
+                  <a:srgbClr val="C00000"/>
+                </a:solidFill>
+                <a:latin typeface="Dekar" panose="02000000000000000000" pitchFamily="50" charset="0"/>
+              </a:rPr>
+              <a:t>Caracteristicas</a:t>
+            </a:r>
+            <a:endParaRPr lang="fr-FR" dirty="0"/>
           </a:p>
         </p:txBody>
       </p:sp>
@@ -9805,13 +9487,13 @@
         <p:spPr/>
         <p:txBody>
           <a:bodyPr>
-            <a:normAutofit/>
+            <a:normAutofit fontScale="92500" lnSpcReduction="20000"/>
           </a:bodyPr>
           <a:lstStyle/>
           <a:p>
             <a:pPr>
               <a:lnSpc>
-                <a:spcPct val="100000"/>
+                <a:spcPct val="150000"/>
               </a:lnSpc>
               <a:buFont typeface="Wingdings" panose="05000000000000000000" pitchFamily="2" charset="2"/>
               <a:buChar char="q"/>
@@ -9820,13 +9502,28 @@
               <a:rPr lang="es-CO" sz="2200" dirty="0" smtClean="0">
                 <a:latin typeface="+mj-lt"/>
               </a:rPr>
-              <a:t> Adaptabilidad : Control del proceso empírico y desarrollo iterativo hacen que los proyectos sean adaptables y abiertos a la incorporación del cambio.</a:t>
+              <a:t> </a:t>
+            </a:r>
+            <a:r>
+              <a:rPr lang="es-CO" sz="2200" dirty="0" smtClean="0">
+                <a:solidFill>
+                  <a:srgbClr val="C00000"/>
+                </a:solidFill>
+                <a:latin typeface="+mj-lt"/>
+              </a:rPr>
+              <a:t>Adaptabilidad</a:t>
+            </a:r>
+            <a:r>
+              <a:rPr lang="es-CO" sz="2200" dirty="0" smtClean="0">
+                <a:latin typeface="+mj-lt"/>
+              </a:rPr>
+              <a:t> : Control del proceso empírico y desarrollo iterativo hacen que los proyectos sean adaptables y abiertos a la incorporación del cambio.</a:t>
             </a:r>
           </a:p>
           <a:p>
             <a:pPr>
               <a:lnSpc>
-                <a:spcPct val="100000"/>
+                <a:spcPct val="150000"/>
               </a:lnSpc>
               <a:buFont typeface="Wingdings" panose="05000000000000000000" pitchFamily="2" charset="2"/>
               <a:buChar char="q"/>
@@ -9835,13 +9532,22 @@
               <a:rPr lang="es-CO" sz="2200" dirty="0" smtClean="0">
                 <a:latin typeface="+mj-lt"/>
               </a:rPr>
-              <a:t> Centrado en el cliente</a:t>
+              <a:t> </a:t>
+            </a:r>
+            <a:r>
+              <a:rPr lang="es-CO" sz="2200" dirty="0" smtClean="0">
+                <a:solidFill>
+                  <a:srgbClr val="C00000"/>
+                </a:solidFill>
+                <a:latin typeface="+mj-lt"/>
+              </a:rPr>
+              <a:t>Centrado en el cliente</a:t>
             </a:r>
           </a:p>
           <a:p>
             <a:pPr>
               <a:lnSpc>
-                <a:spcPct val="100000"/>
+                <a:spcPct val="150000"/>
               </a:lnSpc>
               <a:buFont typeface="Wingdings" panose="05000000000000000000" pitchFamily="2" charset="2"/>
               <a:buChar char="q"/>
@@ -9854,66 +9560,60 @@
             </a:r>
             <a:r>
               <a:rPr lang="es-CO" sz="2200" dirty="0" smtClean="0">
-                <a:latin typeface="+mj-lt"/>
-              </a:rPr>
-              <a:t>Entrega continua de valor: Los procesos iterativos permiten la entrega continua de valor tan frecuentemente como el cliente lo requiere a través del proceso </a:t>
-            </a:r>
-            <a:r>
-              <a:rPr lang="es-CO" sz="2200" b="1" i="1" dirty="0" err="1" smtClean="0">
-                <a:latin typeface="+mj-lt"/>
-              </a:rPr>
-              <a:t>ship</a:t>
-            </a:r>
-            <a:r>
-              <a:rPr lang="es-CO" sz="2200" b="1" i="1" dirty="0" smtClean="0">
-                <a:latin typeface="+mj-lt"/>
-              </a:rPr>
-              <a:t> </a:t>
-            </a:r>
-            <a:r>
-              <a:rPr lang="es-CO" sz="2200" b="1" i="1" dirty="0" err="1" smtClean="0">
-                <a:latin typeface="+mj-lt"/>
-              </a:rPr>
-              <a:t>deliverable</a:t>
+                <a:solidFill>
+                  <a:srgbClr val="C00000"/>
+                </a:solidFill>
+                <a:latin typeface="+mj-lt"/>
+              </a:rPr>
+              <a:t>Entrega continua de valor</a:t>
             </a:r>
             <a:r>
               <a:rPr lang="es-CO" sz="2200" dirty="0" smtClean="0">
                 <a:latin typeface="+mj-lt"/>
               </a:rPr>
-              <a:t>.</a:t>
+              <a:t>: Los procesos iterativos permiten la entrega continua de valor tan frecuentemente como el cliente lo </a:t>
+            </a:r>
+            <a:r>
+              <a:rPr lang="es-CO" sz="2200" dirty="0" smtClean="0">
+                <a:latin typeface="+mj-lt"/>
+              </a:rPr>
+              <a:t>requiere.</a:t>
             </a:r>
           </a:p>
           <a:p>
             <a:pPr>
               <a:lnSpc>
-                <a:spcPct val="100000"/>
+                <a:spcPct val="150000"/>
               </a:lnSpc>
               <a:buFont typeface="Wingdings" panose="05000000000000000000" pitchFamily="2" charset="2"/>
               <a:buChar char="q"/>
             </a:pPr>
             <a:r>
-              <a:rPr lang="es-CO" sz="2200" dirty="0">
+              <a:rPr lang="es-CO" sz="2200" dirty="0" smtClean="0">
                 <a:latin typeface="+mj-lt"/>
               </a:rPr>
               <a:t> </a:t>
             </a:r>
             <a:r>
               <a:rPr lang="es-CO" sz="2200" dirty="0" smtClean="0">
-                <a:latin typeface="+mj-lt"/>
-              </a:rPr>
-              <a:t>Entrega temprana de alto valor: El proceso de creación del </a:t>
-            </a:r>
-            <a:r>
-              <a:rPr lang="es-CO" sz="2200" b="1" i="1" dirty="0" err="1" smtClean="0">
-                <a:latin typeface="+mj-lt"/>
-              </a:rPr>
-              <a:t>Product</a:t>
+                <a:solidFill>
+                  <a:srgbClr val="C00000"/>
+                </a:solidFill>
+                <a:latin typeface="+mj-lt"/>
+              </a:rPr>
+              <a:t>Entrega temprana de alto valor</a:t>
+            </a:r>
+            <a:r>
+              <a:rPr lang="es-CO" sz="2200" dirty="0" smtClean="0">
+                <a:latin typeface="+mj-lt"/>
+              </a:rPr>
+              <a:t>: El proceso de creación del </a:t>
             </a:r>
             <a:r>
               <a:rPr lang="es-CO" sz="2200" b="1" i="1" dirty="0" smtClean="0">
                 <a:latin typeface="+mj-lt"/>
               </a:rPr>
-              <a:t> Backlog</a:t>
+              <a:t>Product Backlog</a:t>
             </a:r>
             <a:r>
               <a:rPr lang="es-CO" sz="2200" b="1" dirty="0" smtClean="0">
@@ -9934,22 +9634,31 @@
           <a:p>
             <a:pPr>
               <a:lnSpc>
-                <a:spcPct val="100000"/>
+                <a:spcPct val="150000"/>
               </a:lnSpc>
               <a:buFont typeface="Wingdings" panose="05000000000000000000" pitchFamily="2" charset="2"/>
               <a:buChar char="q"/>
             </a:pPr>
             <a:r>
-              <a:rPr lang="es-CO" sz="2200" dirty="0">
+              <a:rPr lang="es-CO" sz="2200" dirty="0" smtClean="0">
                 <a:latin typeface="+mj-lt"/>
               </a:rPr>
               <a:t> </a:t>
             </a:r>
             <a:r>
               <a:rPr lang="es-CO" sz="2200" dirty="0" smtClean="0">
-                <a:latin typeface="+mj-lt"/>
-              </a:rPr>
-              <a:t>Retroalimentación continua: Se da por medio de la reunión </a:t>
+                <a:solidFill>
+                  <a:srgbClr val="C00000"/>
+                </a:solidFill>
+                <a:latin typeface="+mj-lt"/>
+              </a:rPr>
+              <a:t>Retroalimentación continua</a:t>
+            </a:r>
+            <a:r>
+              <a:rPr lang="es-CO" sz="2200" dirty="0" smtClean="0">
+                <a:latin typeface="+mj-lt"/>
+              </a:rPr>
+              <a:t>: Se da por medio de la reunión </a:t>
             </a:r>
             <a:r>
               <a:rPr lang="es-CO" sz="2200" b="1" i="1" dirty="0" smtClean="0">
@@ -9986,7 +9695,7 @@
 </p:sld>
 </file>
 
-<file path=ppt/slides/slide28.xml><?xml version="1.0" encoding="utf-8"?>
+<file path=ppt/slides/slide26.xml><?xml version="1.0" encoding="utf-8"?>
 <p:sld xmlns:a="http://schemas.openxmlformats.org/drawingml/2006/main" xmlns:r="http://schemas.openxmlformats.org/officeDocument/2006/relationships" xmlns:p="http://schemas.openxmlformats.org/presentationml/2006/main">
   <p:cSld>
     <p:spTree>
@@ -10003,25 +9712,6 @@
           <a:chExt cx="0" cy="0"/>
         </a:xfrm>
       </p:grpSpPr>
-      <p:sp>
-        <p:nvSpPr>
-          <p:cNvPr id="2" name="Title 1"/>
-          <p:cNvSpPr>
-            <a:spLocks noGrp="1"/>
-          </p:cNvSpPr>
-          <p:nvPr>
-            <p:ph type="title"/>
-          </p:nvPr>
-        </p:nvSpPr>
-        <p:spPr/>
-        <p:txBody>
-          <a:bodyPr/>
-          <a:lstStyle/>
-          <a:p>
-            <a:endParaRPr lang="fr-FR"/>
-          </a:p>
-        </p:txBody>
-      </p:sp>
       <mc:AlternateContent xmlns:mc="http://schemas.openxmlformats.org/markup-compatibility/2006">
         <mc:Choice xmlns:a14="http://schemas.microsoft.com/office/drawing/2010/main" Requires="a14">
           <p:sp>
@@ -10034,7 +9724,12 @@
                 <p:ph idx="1"/>
               </p:nvPr>
             </p:nvSpPr>
-            <p:spPr/>
+            <p:spPr>
+              <a:xfrm>
+                <a:off x="838200" y="711200"/>
+                <a:ext cx="10515600" cy="5465763"/>
+              </a:xfrm>
+            </p:spPr>
             <p:txBody>
               <a:bodyPr>
                 <a:noAutofit/>
@@ -10042,80 +9737,104 @@
               <a:lstStyle/>
               <a:p>
                 <a:pPr>
+                  <a:lnSpc>
+                    <a:spcPct val="150000"/>
+                  </a:lnSpc>
                   <a:buFont typeface="Wingdings" panose="05000000000000000000" pitchFamily="2" charset="2"/>
                   <a:buChar char="q"/>
                 </a:pPr>
                 <a:r>
-                  <a:rPr lang="es-CO" sz="2200" dirty="0" smtClean="0">
+                  <a:rPr lang="es-CO" sz="2000" dirty="0" smtClean="0">
                     <a:latin typeface="+mj-lt"/>
                   </a:rPr>
-                  <a:t> Transparencia: Todas las facetas de cualquier proceso son observadas por cualquier persona. </a:t>
+                  <a:t> </a:t>
                 </a:r>
                 <a:r>
-                  <a:rPr lang="es-CO" sz="2200" dirty="0" smtClean="0">
+                  <a:rPr lang="es-CO" sz="2000" dirty="0" smtClean="0">
                     <a:solidFill>
-                      <a:srgbClr val="FF0000"/>
+                      <a:srgbClr val="C00000"/>
                     </a:solidFill>
                     <a:latin typeface="+mj-lt"/>
                   </a:rPr>
-                  <a:t>Cultura de trabajo abierta.</a:t>
+                  <a:t>Transparencia</a:t>
+                </a:r>
+                <a:r>
+                  <a:rPr lang="es-CO" sz="2000" dirty="0" smtClean="0">
+                    <a:latin typeface="+mj-lt"/>
+                  </a:rPr>
+                  <a:t>: Todas las facetas de cualquier proceso son observadas por cualquier persona. </a:t>
+                </a:r>
+                <a:r>
+                  <a:rPr lang="es-CO" sz="2000" dirty="0" smtClean="0">
+                    <a:latin typeface="+mj-lt"/>
+                  </a:rPr>
+                  <a:t>Cultura de </a:t>
+                </a:r>
+                <a:r>
+                  <a:rPr lang="es-CO" sz="2000" dirty="0" smtClean="0">
+                    <a:latin typeface="+mj-lt"/>
+                  </a:rPr>
+                  <a:t>trabajo abierta.</a:t>
                 </a:r>
               </a:p>
               <a:p>
                 <a:pPr lvl="1">
+                  <a:lnSpc>
+                    <a:spcPct val="100000"/>
+                  </a:lnSpc>
                   <a:buFont typeface="Wingdings" panose="05000000000000000000" pitchFamily="2" charset="2"/>
                   <a:buChar char="§"/>
                 </a:pPr>
                 <a:r>
-                  <a:rPr lang="es-CO" sz="2200" dirty="0" err="1" smtClean="0">
+                  <a:rPr lang="es-CO" sz="2000" dirty="0" err="1" smtClean="0">
                     <a:latin typeface="+mj-lt"/>
                   </a:rPr>
                   <a:t>Scrumboard</a:t>
                 </a:r>
                 <a:r>
-                  <a:rPr lang="es-CO" sz="2200" dirty="0" smtClean="0">
+                  <a:rPr lang="es-CO" sz="2000" dirty="0" smtClean="0">
                     <a:latin typeface="+mj-lt"/>
                   </a:rPr>
                   <a:t> (</a:t>
                 </a:r>
                 <a:r>
-                  <a:rPr lang="es-CO" sz="2200" i="1" dirty="0" smtClean="0">
+                  <a:rPr lang="es-CO" sz="2000" i="1" dirty="0" smtClean="0">
                     <a:latin typeface="+mj-lt"/>
                   </a:rPr>
                   <a:t>tablero </a:t>
                 </a:r>
                 <a:r>
-                  <a:rPr lang="es-CO" sz="2200" i="1" dirty="0" err="1" smtClean="0">
+                  <a:rPr lang="es-CO" sz="2000" i="1" dirty="0" err="1" smtClean="0">
                     <a:latin typeface="+mj-lt"/>
                   </a:rPr>
                   <a:t>scrum</a:t>
                 </a:r>
                 <a:r>
-                  <a:rPr lang="es-CO" sz="2200" dirty="0" smtClean="0">
+                  <a:rPr lang="es-CO" sz="2000" dirty="0" smtClean="0">
                     <a:latin typeface="+mj-lt"/>
                   </a:rPr>
                   <a:t>): to-do, in </a:t>
                 </a:r>
                 <a:r>
-                  <a:rPr lang="es-CO" sz="2200" dirty="0" err="1" smtClean="0">
+                  <a:rPr lang="es-CO" sz="2000" dirty="0" err="1" smtClean="0">
                     <a:latin typeface="+mj-lt"/>
                   </a:rPr>
                   <a:t>progress</a:t>
                 </a:r>
                 <a:r>
-                  <a:rPr lang="es-CO" sz="2200" dirty="0" smtClean="0">
+                  <a:rPr lang="es-CO" sz="2000" dirty="0" smtClean="0">
                     <a:latin typeface="+mj-lt"/>
                   </a:rPr>
                   <a:t>, </a:t>
                 </a:r>
                 <a:r>
-                  <a:rPr lang="es-CO" sz="2200" dirty="0" err="1" smtClean="0">
+                  <a:rPr lang="es-CO" sz="2000" dirty="0" err="1" smtClean="0">
                     <a:latin typeface="+mj-lt"/>
                   </a:rPr>
                   <a:t>testing</a:t>
                 </a:r>
                 <a:r>
-                  <a:rPr lang="es-CO" sz="2200" dirty="0" smtClean="0">
+                  <a:rPr lang="es-CO" sz="2000" dirty="0" smtClean="0">
                     <a:latin typeface="+mj-lt"/>
                   </a:rPr>
                   <a:t>, done.</a:t>
@@ -10123,47 +9842,50 @@
               </a:p>
               <a:p>
                 <a:pPr lvl="1">
+                  <a:lnSpc>
+                    <a:spcPct val="100000"/>
+                  </a:lnSpc>
                   <a:buFont typeface="Wingdings" panose="05000000000000000000" pitchFamily="2" charset="2"/>
                   <a:buChar char="§"/>
                 </a:pPr>
                 <a:r>
-                  <a:rPr lang="es-CO" sz="2200" dirty="0" smtClean="0">
+                  <a:rPr lang="es-CO" sz="2000" dirty="0" smtClean="0">
                     <a:latin typeface="+mj-lt"/>
                   </a:rPr>
                   <a:t>Sprint </a:t>
                 </a:r>
                 <a:r>
-                  <a:rPr lang="es-CO" sz="2200" dirty="0" err="1" smtClean="0">
+                  <a:rPr lang="es-CO" sz="2000" dirty="0" err="1" smtClean="0">
                     <a:latin typeface="+mj-lt"/>
                   </a:rPr>
                   <a:t>Burndown</a:t>
                 </a:r>
                 <a:r>
-                  <a:rPr lang="es-CO" sz="2200" dirty="0" smtClean="0">
+                  <a:rPr lang="es-CO" sz="2000" dirty="0" smtClean="0">
                     <a:latin typeface="+mj-lt"/>
                   </a:rPr>
                   <a:t> </a:t>
                 </a:r>
                 <a:r>
-                  <a:rPr lang="es-CO" sz="2200" dirty="0" err="1" smtClean="0">
+                  <a:rPr lang="es-CO" sz="2000" dirty="0" err="1" smtClean="0">
                     <a:latin typeface="+mj-lt"/>
                   </a:rPr>
                   <a:t>char</a:t>
                 </a:r>
                 <a:r>
-                  <a:rPr lang="es-CO" sz="2200" dirty="0" smtClean="0">
+                  <a:rPr lang="es-CO" sz="2000" dirty="0" smtClean="0">
                     <a:latin typeface="+mj-lt"/>
                   </a:rPr>
                   <a:t> (</a:t>
                 </a:r>
                 <a:r>
-                  <a:rPr lang="es-CO" sz="2200" i="1" dirty="0" smtClean="0">
+                  <a:rPr lang="es-CO" sz="2000" i="1" dirty="0" smtClean="0">
                     <a:latin typeface="+mj-lt"/>
                   </a:rPr>
                   <a:t>grafica de trabajo consumido en el sprint</a:t>
                 </a:r>
                 <a:r>
-                  <a:rPr lang="es-CO" sz="2200" dirty="0" smtClean="0">
+                  <a:rPr lang="es-CO" sz="2000" dirty="0" smtClean="0">
                     <a:latin typeface="+mj-lt"/>
                   </a:rPr>
                   <a:t>) </a:t>
@@ -10171,35 +9893,38 @@
               </a:p>
               <a:p>
                 <a:pPr lvl="1">
+                  <a:lnSpc>
+                    <a:spcPct val="100000"/>
+                  </a:lnSpc>
                   <a:buFont typeface="Wingdings" panose="05000000000000000000" pitchFamily="2" charset="2"/>
                   <a:buChar char="§"/>
                 </a:pPr>
                 <a:r>
-                  <a:rPr lang="es-CO" sz="2200" dirty="0" smtClean="0">
+                  <a:rPr lang="es-CO" sz="2000" dirty="0" smtClean="0">
                     <a:latin typeface="+mj-lt"/>
                   </a:rPr>
                   <a:t>Sprint </a:t>
                 </a:r>
                 <a:r>
-                  <a:rPr lang="es-CO" sz="2200" dirty="0" err="1" smtClean="0">
+                  <a:rPr lang="es-CO" sz="2000" dirty="0" err="1" smtClean="0">
                     <a:latin typeface="+mj-lt"/>
                   </a:rPr>
                   <a:t>Review</a:t>
                 </a:r>
                 <a:r>
-                  <a:rPr lang="es-CO" sz="2200" dirty="0" smtClean="0">
+                  <a:rPr lang="es-CO" sz="2000" dirty="0" smtClean="0">
                     <a:latin typeface="+mj-lt"/>
                   </a:rPr>
                   <a:t> Meeting (</a:t>
                 </a:r>
                 <a:r>
-                  <a:rPr lang="es-CO" sz="2200" i="1" dirty="0" smtClean="0">
+                  <a:rPr lang="es-CO" sz="2000" i="1" dirty="0" smtClean="0">
                     <a:latin typeface="+mj-lt"/>
                   </a:rPr>
                   <a:t>reunión de revisión del Sprint</a:t>
                 </a:r>
                 <a:r>
-                  <a:rPr lang="es-CO" sz="2200" dirty="0" smtClean="0">
+                  <a:rPr lang="es-CO" sz="2000" dirty="0" smtClean="0">
                     <a:latin typeface="+mj-lt"/>
                   </a:rPr>
                   <a:t>)</a:t>
@@ -10207,35 +9932,53 @@
               </a:p>
               <a:p>
                 <a:pPr>
+                  <a:lnSpc>
+                    <a:spcPct val="150000"/>
+                  </a:lnSpc>
                   <a:buFont typeface="Wingdings" panose="05000000000000000000" pitchFamily="2" charset="2"/>
                   <a:buChar char="q"/>
                 </a:pPr>
                 <a:r>
-                  <a:rPr lang="es-CO" sz="2200" dirty="0">
+                  <a:rPr lang="es-CO" sz="2000" dirty="0">
                     <a:latin typeface="+mj-lt"/>
                   </a:rPr>
                   <a:t> </a:t>
                 </a:r>
                 <a:r>
-                  <a:rPr lang="es-CO" sz="2200" dirty="0" smtClean="0">
+                  <a:rPr lang="es-CO" sz="2000" dirty="0" smtClean="0">
+                    <a:solidFill>
+                      <a:srgbClr val="C00000"/>
+                    </a:solidFill>
                     <a:latin typeface="+mj-lt"/>
                   </a:rPr>
-                  <a:t>Mejora continua: Adaptabilidad + Transparencia</a:t>
+                  <a:t>Mejora continua</a:t>
+                </a:r>
+                <a:r>
+                  <a:rPr lang="es-CO" sz="2000" dirty="0" smtClean="0">
+                    <a:latin typeface="+mj-lt"/>
+                  </a:rPr>
+                  <a:t>: Adaptabilidad + Transparencia</a:t>
                 </a:r>
               </a:p>
               <a:p>
                 <a:pPr>
+                  <a:lnSpc>
+                    <a:spcPct val="150000"/>
+                  </a:lnSpc>
                   <a:buFont typeface="Wingdings" panose="05000000000000000000" pitchFamily="2" charset="2"/>
                   <a:buChar char="q"/>
                 </a:pPr>
                 <a:r>
-                  <a:rPr lang="es-CO" sz="2200" dirty="0">
+                  <a:rPr lang="es-CO" sz="2000" dirty="0">
                     <a:latin typeface="+mj-lt"/>
                   </a:rPr>
                   <a:t> </a:t>
                 </a:r>
                 <a:r>
-                  <a:rPr lang="es-CO" sz="2200" dirty="0" smtClean="0">
+                  <a:rPr lang="es-CO" sz="2000" dirty="0" smtClean="0">
+                    <a:solidFill>
+                      <a:srgbClr val="C00000"/>
+                    </a:solidFill>
                     <a:latin typeface="+mj-lt"/>
                   </a:rPr>
                   <a:t>Ritmo sostenible</a:t>
@@ -10243,17 +9986,23 @@
               </a:p>
               <a:p>
                 <a:pPr>
+                  <a:lnSpc>
+                    <a:spcPct val="150000"/>
+                  </a:lnSpc>
                   <a:buFont typeface="Wingdings" panose="05000000000000000000" pitchFamily="2" charset="2"/>
                   <a:buChar char="q"/>
                 </a:pPr>
                 <a:r>
-                  <a:rPr lang="es-CO" sz="2200" dirty="0">
+                  <a:rPr lang="es-CO" sz="2000" dirty="0">
                     <a:latin typeface="+mj-lt"/>
                   </a:rPr>
                   <a:t> </a:t>
                 </a:r>
                 <a:r>
-                  <a:rPr lang="es-CO" sz="2200" dirty="0" smtClean="0">
+                  <a:rPr lang="es-CO" sz="2000" dirty="0" smtClean="0">
+                    <a:solidFill>
+                      <a:srgbClr val="C00000"/>
+                    </a:solidFill>
                     <a:latin typeface="+mj-lt"/>
                   </a:rPr>
                   <a:t>Proceso de desarrollo eficiente</a:t>
@@ -10261,6 +10010,9 @@
               </a:p>
               <a:p>
                 <a:pPr marL="457200" lvl="1" indent="0">
+                  <a:lnSpc>
+                    <a:spcPct val="150000"/>
+                  </a:lnSpc>
                   <a:buNone/>
                 </a:pPr>
                 <a14:m>
@@ -10270,127 +10022,127 @@
                     </m:oMathParaPr>
                     <m:oMath xmlns:m="http://schemas.openxmlformats.org/officeDocument/2006/math">
                       <m:r>
-                        <a:rPr lang="es-CO" sz="1800" b="0" i="1" smtClean="0">
+                        <a:rPr lang="es-CO" sz="1600" b="0" i="1" smtClean="0">
                           <a:latin typeface="Cambria Math" panose="02040503050406030204" pitchFamily="18" charset="0"/>
                         </a:rPr>
                         <m:t>𝑎𝑙𝑡𝑜𝑠</m:t>
                       </m:r>
                       <m:r>
-                        <a:rPr lang="es-CO" sz="1800" b="0" i="1" smtClean="0">
+                        <a:rPr lang="es-CO" sz="1600" b="0" i="1" smtClean="0">
                           <a:latin typeface="Cambria Math" panose="02040503050406030204" pitchFamily="18" charset="0"/>
                         </a:rPr>
                         <m:t> </m:t>
                       </m:r>
                       <m:r>
-                        <a:rPr lang="es-CO" sz="1800" b="0" i="1" smtClean="0">
+                        <a:rPr lang="es-CO" sz="1600" b="0" i="1" smtClean="0">
                           <a:latin typeface="Cambria Math" panose="02040503050406030204" pitchFamily="18" charset="0"/>
                         </a:rPr>
                         <m:t>𝑛𝑖𝑣𝑒𝑙𝑒𝑠</m:t>
                       </m:r>
                       <m:r>
-                        <a:rPr lang="es-CO" sz="1800" b="0" i="1" smtClean="0">
+                        <a:rPr lang="es-CO" sz="1600" b="0" i="1" smtClean="0">
                           <a:latin typeface="Cambria Math" panose="02040503050406030204" pitchFamily="18" charset="0"/>
                         </a:rPr>
                         <m:t> </m:t>
                       </m:r>
                       <m:r>
-                        <a:rPr lang="es-CO" sz="1800" b="0" i="1" smtClean="0">
+                        <a:rPr lang="es-CO" sz="1600" b="0" i="1" smtClean="0">
                           <a:latin typeface="Cambria Math" panose="02040503050406030204" pitchFamily="18" charset="0"/>
                         </a:rPr>
                         <m:t>𝑑𝑒</m:t>
                       </m:r>
                       <m:r>
-                        <a:rPr lang="es-CO" sz="1800" b="0" i="1" smtClean="0">
+                        <a:rPr lang="es-CO" sz="1600" b="0" i="1" smtClean="0">
                           <a:latin typeface="Cambria Math" panose="02040503050406030204" pitchFamily="18" charset="0"/>
                         </a:rPr>
                         <m:t> </m:t>
                       </m:r>
                       <m:r>
-                        <a:rPr lang="es-CO" sz="1800" b="0" i="1" smtClean="0">
+                        <a:rPr lang="es-CO" sz="1600" b="0" i="1" smtClean="0">
                           <a:latin typeface="Cambria Math" panose="02040503050406030204" pitchFamily="18" charset="0"/>
                         </a:rPr>
                         <m:t>𝑒𝑓𝑖𝑐𝑖𝑒𝑐𝑖𝑎</m:t>
                       </m:r>
                       <m:r>
-                        <a:rPr lang="es-CO" sz="1800" i="1" smtClean="0">
+                        <a:rPr lang="es-CO" sz="1600" i="1" smtClean="0">
                           <a:latin typeface="Cambria Math" panose="02040503050406030204" pitchFamily="18" charset="0"/>
                         </a:rPr>
                         <m:t>=</m:t>
                       </m:r>
                       <m:r>
-                        <a:rPr lang="es-CO" sz="1800" b="0" i="1" smtClean="0">
+                        <a:rPr lang="es-CO" sz="1600" b="0" i="1" smtClean="0">
                           <a:latin typeface="Cambria Math" panose="02040503050406030204" pitchFamily="18" charset="0"/>
                         </a:rPr>
                         <m:t>𝑡𝑖𝑚𝑒</m:t>
                       </m:r>
                       <m:r>
-                        <a:rPr lang="es-CO" sz="1800" b="0" i="1" smtClean="0">
+                        <a:rPr lang="es-CO" sz="1600" b="0" i="1" smtClean="0">
                           <a:latin typeface="Cambria Math" panose="02040503050406030204" pitchFamily="18" charset="0"/>
                         </a:rPr>
                         <m:t> </m:t>
                       </m:r>
                       <m:r>
-                        <a:rPr lang="es-CO" sz="1800" b="0" i="1" smtClean="0">
+                        <a:rPr lang="es-CO" sz="1600" b="0" i="1" smtClean="0">
                           <a:latin typeface="Cambria Math" panose="02040503050406030204" pitchFamily="18" charset="0"/>
                         </a:rPr>
                         <m:t>𝑏𝑜𝑥𝑖𝑛𝑔</m:t>
                       </m:r>
                       <m:r>
-                        <a:rPr lang="es-CO" sz="1800" b="0" i="1" smtClean="0">
+                        <a:rPr lang="es-CO" sz="1600" b="0" i="1" smtClean="0">
                           <a:latin typeface="Cambria Math" panose="02040503050406030204" pitchFamily="18" charset="0"/>
                         </a:rPr>
                         <m:t>+</m:t>
                       </m:r>
                       <m:r>
-                        <a:rPr lang="es-CO" sz="1800" b="0" i="1" smtClean="0">
+                        <a:rPr lang="es-CO" sz="1600" b="0" i="1" smtClean="0">
                           <a:latin typeface="Cambria Math" panose="02040503050406030204" pitchFamily="18" charset="0"/>
                         </a:rPr>
                         <m:t>𝑚𝑖𝑛𝑖𝑚𝑖𝑧𝑎𝑐𝑖𝑜𝑛</m:t>
                       </m:r>
                       <m:r>
-                        <a:rPr lang="es-CO" sz="1800" b="0" i="1" smtClean="0">
+                        <a:rPr lang="es-CO" sz="1600" b="0" i="1" smtClean="0">
                           <a:latin typeface="Cambria Math" panose="02040503050406030204" pitchFamily="18" charset="0"/>
                         </a:rPr>
                         <m:t> </m:t>
                       </m:r>
                       <m:r>
-                        <a:rPr lang="es-CO" sz="1800" b="0" i="1" smtClean="0">
+                        <a:rPr lang="es-CO" sz="1600" b="0" i="1" smtClean="0">
                           <a:latin typeface="Cambria Math" panose="02040503050406030204" pitchFamily="18" charset="0"/>
                         </a:rPr>
                         <m:t>𝑑𝑒𝑙</m:t>
                       </m:r>
                       <m:r>
-                        <a:rPr lang="es-CO" sz="1800" b="0" i="1" smtClean="0">
+                        <a:rPr lang="es-CO" sz="1600" b="0" i="1" smtClean="0">
                           <a:latin typeface="Cambria Math" panose="02040503050406030204" pitchFamily="18" charset="0"/>
                         </a:rPr>
                         <m:t> </m:t>
                       </m:r>
                       <m:r>
-                        <a:rPr lang="es-CO" sz="1800" b="0" i="1" smtClean="0">
+                        <a:rPr lang="es-CO" sz="1600" b="0" i="1" smtClean="0">
                           <a:latin typeface="Cambria Math" panose="02040503050406030204" pitchFamily="18" charset="0"/>
                         </a:rPr>
                         <m:t>𝑡𝑟𝑎𝑏𝑎𝑗𝑜</m:t>
                       </m:r>
                       <m:r>
-                        <a:rPr lang="es-CO" sz="1800" b="0" i="1" smtClean="0">
+                        <a:rPr lang="es-CO" sz="1600" b="0" i="1" smtClean="0">
                           <a:latin typeface="Cambria Math" panose="02040503050406030204" pitchFamily="18" charset="0"/>
                         </a:rPr>
                         <m:t> </m:t>
                       </m:r>
                       <m:r>
-                        <a:rPr lang="es-CO" sz="1800" b="0" i="1" smtClean="0">
+                        <a:rPr lang="es-CO" sz="1600" b="0" i="1" smtClean="0">
                           <a:latin typeface="Cambria Math" panose="02040503050406030204" pitchFamily="18" charset="0"/>
                         </a:rPr>
                         <m:t>𝑛𝑜</m:t>
                       </m:r>
                       <m:r>
-                        <a:rPr lang="es-CO" sz="1800" b="0" i="1" smtClean="0">
+                        <a:rPr lang="es-CO" sz="1600" b="0" i="1" smtClean="0">
                           <a:latin typeface="Cambria Math" panose="02040503050406030204" pitchFamily="18" charset="0"/>
                         </a:rPr>
                         <m:t> </m:t>
                       </m:r>
                       <m:r>
-                        <a:rPr lang="es-CO" sz="1800" b="0" i="1" smtClean="0">
+                        <a:rPr lang="es-CO" sz="1600" b="0" i="1" smtClean="0">
                           <a:latin typeface="Cambria Math" panose="02040503050406030204" pitchFamily="18" charset="0"/>
                         </a:rPr>
                         <m:t>𝑒𝑠𝑐𝑒𝑛𝑐𝑖𝑎𝑙</m:t>
@@ -10398,23 +10150,29 @@
                     </m:oMath>
                   </m:oMathPara>
                 </a14:m>
-                <a:endParaRPr lang="es-CO" sz="2200" dirty="0" smtClean="0">
+                <a:endParaRPr lang="es-CO" sz="2000" dirty="0" smtClean="0">
                   <a:latin typeface="+mj-lt"/>
                 </a:endParaRPr>
               </a:p>
               <a:p>
                 <a:pPr>
+                  <a:lnSpc>
+                    <a:spcPct val="150000"/>
+                  </a:lnSpc>
                   <a:buFont typeface="Wingdings" panose="05000000000000000000" pitchFamily="2" charset="2"/>
                   <a:buChar char="q"/>
                 </a:pPr>
                 <a:r>
-                  <a:rPr lang="es-CO" sz="2200" dirty="0">
+                  <a:rPr lang="es-CO" sz="2000" dirty="0">
                     <a:latin typeface="+mj-lt"/>
                   </a:rPr>
                   <a:t> </a:t>
                 </a:r>
                 <a:r>
-                  <a:rPr lang="es-CO" sz="2200" dirty="0" smtClean="0">
+                  <a:rPr lang="es-CO" sz="2000" dirty="0" smtClean="0">
+                    <a:solidFill>
+                      <a:srgbClr val="C00000"/>
+                    </a:solidFill>
                     <a:latin typeface="+mj-lt"/>
                   </a:rPr>
                   <a:t>Motivación</a:t>
@@ -10422,6 +10180,9 @@
               </a:p>
               <a:p>
                 <a:pPr marL="0" indent="0">
+                  <a:lnSpc>
+                    <a:spcPct val="150000"/>
+                  </a:lnSpc>
                   <a:buNone/>
                 </a:pPr>
                 <a14:m>
@@ -10431,115 +10192,115 @@
                     </m:oMathParaPr>
                     <m:oMath xmlns:m="http://schemas.openxmlformats.org/officeDocument/2006/math">
                       <m:r>
-                        <a:rPr lang="es-CO" sz="1800" i="1">
+                        <a:rPr lang="es-CO" sz="1600" i="1">
                           <a:latin typeface="Cambria Math" panose="02040503050406030204" pitchFamily="18" charset="0"/>
                         </a:rPr>
                         <m:t>𝑎𝑙𝑡𝑜</m:t>
                       </m:r>
                       <m:r>
-                        <a:rPr lang="es-CO" sz="1800" b="0" i="1" smtClean="0">
+                        <a:rPr lang="es-CO" sz="1600" b="0" i="1" smtClean="0">
                           <a:latin typeface="Cambria Math" panose="02040503050406030204" pitchFamily="18" charset="0"/>
                         </a:rPr>
                         <m:t> </m:t>
                       </m:r>
                       <m:r>
-                        <a:rPr lang="es-CO" sz="1800" b="0" i="1" smtClean="0">
+                        <a:rPr lang="es-CO" sz="1600" b="0" i="1" smtClean="0">
                           <a:latin typeface="Cambria Math" panose="02040503050406030204" pitchFamily="18" charset="0"/>
                         </a:rPr>
                         <m:t>𝑛𝑖𝑣𝑒𝑙</m:t>
                       </m:r>
                       <m:r>
-                        <a:rPr lang="es-CO" sz="1800" b="0" i="1" smtClean="0">
+                        <a:rPr lang="es-CO" sz="1600" b="0" i="1" smtClean="0">
                           <a:latin typeface="Cambria Math" panose="02040503050406030204" pitchFamily="18" charset="0"/>
                         </a:rPr>
                         <m:t> </m:t>
                       </m:r>
                       <m:r>
-                        <a:rPr lang="es-CO" sz="1800" b="0" i="1" smtClean="0">
+                        <a:rPr lang="es-CO" sz="1600" b="0" i="1" smtClean="0">
                           <a:latin typeface="Cambria Math" panose="02040503050406030204" pitchFamily="18" charset="0"/>
                         </a:rPr>
                         <m:t>𝑑𝑒</m:t>
                       </m:r>
                       <m:r>
-                        <a:rPr lang="es-CO" sz="1800" b="0" i="1" smtClean="0">
+                        <a:rPr lang="es-CO" sz="1600" b="0" i="1" smtClean="0">
                           <a:latin typeface="Cambria Math" panose="02040503050406030204" pitchFamily="18" charset="0"/>
                         </a:rPr>
                         <m:t> </m:t>
                       </m:r>
                       <m:r>
-                        <a:rPr lang="es-CO" sz="1800" b="0" i="1" smtClean="0">
+                        <a:rPr lang="es-CO" sz="1600" b="0" i="1" smtClean="0">
                           <a:latin typeface="Cambria Math" panose="02040503050406030204" pitchFamily="18" charset="0"/>
                         </a:rPr>
                         <m:t>𝑚𝑜𝑡𝑖𝑣𝑎𝑐𝑖</m:t>
                       </m:r>
                       <m:r>
-                        <a:rPr lang="es-CO" sz="1800" b="0" i="1" smtClean="0">
+                        <a:rPr lang="es-CO" sz="1600" b="0" i="1" smtClean="0">
                           <a:latin typeface="Cambria Math" panose="02040503050406030204" pitchFamily="18" charset="0"/>
                         </a:rPr>
                         <m:t>ó</m:t>
                       </m:r>
                       <m:r>
-                        <a:rPr lang="es-CO" sz="1800" b="0" i="1" smtClean="0">
+                        <a:rPr lang="es-CO" sz="1600" b="0" i="1" smtClean="0">
                           <a:latin typeface="Cambria Math" panose="02040503050406030204" pitchFamily="18" charset="0"/>
                         </a:rPr>
                         <m:t>𝑛</m:t>
                       </m:r>
                       <m:r>
-                        <a:rPr lang="es-CO" sz="1800" i="1">
+                        <a:rPr lang="es-CO" sz="1600" i="1">
                           <a:latin typeface="Cambria Math" panose="02040503050406030204" pitchFamily="18" charset="0"/>
                         </a:rPr>
                         <m:t>=</m:t>
                       </m:r>
                       <m:r>
-                        <a:rPr lang="es-CO" sz="1800" b="0" i="1" smtClean="0">
+                        <a:rPr lang="es-CO" sz="1600" b="0" i="1" smtClean="0">
                           <a:latin typeface="Cambria Math" panose="02040503050406030204" pitchFamily="18" charset="0"/>
                         </a:rPr>
                         <m:t>𝑑𝑎𝑖𝑙𝑦</m:t>
                       </m:r>
                       <m:r>
-                        <a:rPr lang="es-CO" sz="1800" b="0" i="1" smtClean="0">
+                        <a:rPr lang="es-CO" sz="1600" b="0" i="1" smtClean="0">
                           <a:latin typeface="Cambria Math" panose="02040503050406030204" pitchFamily="18" charset="0"/>
                         </a:rPr>
                         <m:t> </m:t>
                       </m:r>
                       <m:r>
-                        <a:rPr lang="es-CO" sz="1800" b="0" i="1" smtClean="0">
+                        <a:rPr lang="es-CO" sz="1600" b="0" i="1" smtClean="0">
                           <a:latin typeface="Cambria Math" panose="02040503050406030204" pitchFamily="18" charset="0"/>
                         </a:rPr>
                         <m:t>𝑠𝑡𝑎𝑛𝑑𝑢𝑝</m:t>
                       </m:r>
                       <m:r>
-                        <a:rPr lang="es-CO" sz="1800" i="1">
+                        <a:rPr lang="es-CO" sz="1600" i="1">
                           <a:latin typeface="Cambria Math" panose="02040503050406030204" pitchFamily="18" charset="0"/>
                         </a:rPr>
                         <m:t>+</m:t>
                       </m:r>
                       <m:r>
-                        <a:rPr lang="es-CO" sz="1800" b="0" i="1" smtClean="0">
+                        <a:rPr lang="es-CO" sz="1600" b="0" i="1" smtClean="0">
                           <a:latin typeface="Cambria Math" panose="02040503050406030204" pitchFamily="18" charset="0"/>
                         </a:rPr>
                         <m:t>𝑟𝑒𝑡𝑟𝑜𝑠𝑝𝑒𝑐𝑖𝑡𝑣𝑎</m:t>
                       </m:r>
                       <m:r>
-                        <a:rPr lang="es-CO" sz="1800" b="0" i="1" smtClean="0">
+                        <a:rPr lang="es-CO" sz="1600" b="0" i="1" smtClean="0">
                           <a:latin typeface="Cambria Math" panose="02040503050406030204" pitchFamily="18" charset="0"/>
                         </a:rPr>
                         <m:t> </m:t>
                       </m:r>
                       <m:r>
-                        <a:rPr lang="es-CO" sz="1800" b="0" i="1" smtClean="0">
+                        <a:rPr lang="es-CO" sz="1600" b="0" i="1" smtClean="0">
                           <a:latin typeface="Cambria Math" panose="02040503050406030204" pitchFamily="18" charset="0"/>
                         </a:rPr>
                         <m:t>𝑑𝑒𝑙</m:t>
                       </m:r>
                       <m:r>
-                        <a:rPr lang="es-CO" sz="1800" b="0" i="1" smtClean="0">
+                        <a:rPr lang="es-CO" sz="1600" b="0" i="1" smtClean="0">
                           <a:latin typeface="Cambria Math" panose="02040503050406030204" pitchFamily="18" charset="0"/>
                         </a:rPr>
                         <m:t> </m:t>
                       </m:r>
                       <m:r>
-                        <a:rPr lang="es-CO" sz="1800" b="0" i="1" smtClean="0">
+                        <a:rPr lang="es-CO" sz="1600" b="0" i="1" smtClean="0">
                           <a:latin typeface="Cambria Math" panose="02040503050406030204" pitchFamily="18" charset="0"/>
                         </a:rPr>
                         <m:t>𝑆𝑝𝑟𝑖𝑛𝑡</m:t>
@@ -10547,7 +10308,7 @@
                     </m:oMath>
                   </m:oMathPara>
                 </a14:m>
-                <a:endParaRPr lang="es-CO" sz="1800" dirty="0" smtClean="0">
+                <a:endParaRPr lang="es-CO" sz="1600" dirty="0" smtClean="0">
                   <a:latin typeface="+mj-lt"/>
                 </a:endParaRPr>
               </a:p>
@@ -10566,10 +10327,14 @@
               </p:nvPr>
             </p:nvSpPr>
             <p:spPr>
+              <a:xfrm>
+                <a:off x="838200" y="711200"/>
+                <a:ext cx="10515600" cy="5465763"/>
+              </a:xfrm>
               <a:blipFill rotWithShape="0">
                 <a:blip r:embed="rId2"/>
                 <a:stretch>
-                  <a:fillRect l="-638" t="-1681"/>
+                  <a:fillRect l="-522"/>
                 </a:stretch>
               </a:blipFill>
             </p:spPr>
@@ -10608,7 +10373,7 @@
 </p:sld>
 </file>
 
-<file path=ppt/slides/slide29.xml><?xml version="1.0" encoding="utf-8"?>
+<file path=ppt/slides/slide27.xml><?xml version="1.0" encoding="utf-8"?>
 <p:sld xmlns:a="http://schemas.openxmlformats.org/drawingml/2006/main" xmlns:r="http://schemas.openxmlformats.org/officeDocument/2006/relationships" xmlns:p="http://schemas.openxmlformats.org/presentationml/2006/main">
   <p:cSld>
     <p:spTree>
@@ -10625,25 +10390,6 @@
           <a:chExt cx="0" cy="0"/>
         </a:xfrm>
       </p:grpSpPr>
-      <p:sp>
-        <p:nvSpPr>
-          <p:cNvPr id="2" name="Title 1"/>
-          <p:cNvSpPr>
-            <a:spLocks noGrp="1"/>
-          </p:cNvSpPr>
-          <p:nvPr>
-            <p:ph type="title"/>
-          </p:nvPr>
-        </p:nvSpPr>
-        <p:spPr/>
-        <p:txBody>
-          <a:bodyPr/>
-          <a:lstStyle/>
-          <a:p>
-            <a:endParaRPr lang="fr-FR"/>
-          </a:p>
-        </p:txBody>
-      </p:sp>
       <mc:AlternateContent xmlns:mc="http://schemas.openxmlformats.org/markup-compatibility/2006">
         <mc:Choice xmlns:a14="http://schemas.microsoft.com/office/drawing/2010/main" Requires="a14">
           <p:sp>
@@ -10656,7 +10402,12 @@
                 <p:ph idx="1"/>
               </p:nvPr>
             </p:nvSpPr>
-            <p:spPr/>
+            <p:spPr>
+              <a:xfrm>
+                <a:off x="838200" y="736600"/>
+                <a:ext cx="10515600" cy="5440363"/>
+              </a:xfrm>
+            </p:spPr>
             <p:txBody>
               <a:bodyPr>
                 <a:normAutofit/>
@@ -10664,91 +10415,174 @@
               <a:lstStyle/>
               <a:p>
                 <a:pPr>
+                  <a:lnSpc>
+                    <a:spcPct val="150000"/>
+                  </a:lnSpc>
                   <a:buFont typeface="Wingdings" panose="05000000000000000000" pitchFamily="2" charset="2"/>
                   <a:buChar char="q"/>
                 </a:pPr>
                 <a:r>
-                  <a:rPr lang="es-CO" sz="2200" dirty="0" smtClean="0"/>
-                  <a:t> Resolución rápida de problemas: Colaboración y colocación de equipos </a:t>
+                  <a:rPr lang="es-CO" sz="2200" dirty="0" smtClean="0">
+                    <a:latin typeface="+mj-lt"/>
+                  </a:rPr>
+                  <a:t> </a:t>
                 </a:r>
                 <a:r>
-                  <a:rPr lang="es-CO" sz="2200" dirty="0" err="1" smtClean="0"/>
-                  <a:t>interfuncionales</a:t>
+                  <a:rPr lang="es-CO" sz="2200" dirty="0" smtClean="0">
+                    <a:solidFill>
+                      <a:srgbClr val="C00000"/>
+                    </a:solidFill>
+                    <a:latin typeface="+mj-lt"/>
+                  </a:rPr>
+                  <a:t>Resolución rápida de problemas</a:t>
                 </a:r>
-                <a:endParaRPr lang="es-CO" sz="2200" dirty="0" smtClean="0"/>
+                <a:r>
+                  <a:rPr lang="es-CO" sz="2200" dirty="0" smtClean="0">
+                    <a:latin typeface="+mj-lt"/>
+                  </a:rPr>
+                  <a:t>: Colaboración y colocación de equipos </a:t>
+                </a:r>
+                <a:r>
+                  <a:rPr lang="es-CO" sz="2200" dirty="0" smtClean="0">
+                    <a:latin typeface="+mj-lt"/>
+                  </a:rPr>
+                  <a:t>inter-funcionales</a:t>
+                </a:r>
+                <a:endParaRPr lang="es-CO" sz="2200" dirty="0" smtClean="0">
+                  <a:latin typeface="+mj-lt"/>
+                </a:endParaRPr>
               </a:p>
               <a:p>
                 <a:pPr>
+                  <a:lnSpc>
+                    <a:spcPct val="150000"/>
+                  </a:lnSpc>
                   <a:buFont typeface="Wingdings" panose="05000000000000000000" pitchFamily="2" charset="2"/>
                   <a:buChar char="q"/>
                 </a:pPr>
                 <a:r>
-                  <a:rPr lang="es-CO" sz="2200" dirty="0"/>
+                  <a:rPr lang="es-CO" sz="2200" dirty="0">
+                    <a:latin typeface="+mj-lt"/>
+                  </a:rPr>
                   <a:t> </a:t>
                 </a:r>
                 <a:r>
-                  <a:rPr lang="es-CO" sz="2200" dirty="0" smtClean="0"/>
-                  <a:t>Entregas eficaces: </a:t>
+                  <a:rPr lang="es-CO" sz="2200" dirty="0" smtClean="0">
+                    <a:solidFill>
+                      <a:srgbClr val="C00000"/>
+                    </a:solidFill>
+                    <a:latin typeface="+mj-lt"/>
+                  </a:rPr>
+                  <a:t>Entregas eficaces</a:t>
                 </a:r>
                 <a:r>
-                  <a:rPr lang="es-CO" sz="2200" b="1" i="1" dirty="0" err="1" smtClean="0"/>
-                  <a:t>Product</a:t>
+                  <a:rPr lang="es-CO" sz="2200" dirty="0" smtClean="0">
+                    <a:latin typeface="+mj-lt"/>
+                  </a:rPr>
+                  <a:t>: </a:t>
                 </a:r>
                 <a:r>
-                  <a:rPr lang="es-CO" sz="2200" b="1" i="1" dirty="0" smtClean="0"/>
-                  <a:t> </a:t>
+                  <a:rPr lang="es-CO" sz="2200" i="1" dirty="0" smtClean="0">
+                    <a:latin typeface="+mj-lt"/>
+                  </a:rPr>
+                  <a:t>Product backlog priorizado</a:t>
                 </a:r>
                 <a:r>
-                  <a:rPr lang="es-CO" sz="2200" b="1" i="1" dirty="0" err="1" smtClean="0"/>
-                  <a:t>backlog</a:t>
+                  <a:rPr lang="es-CO" sz="2200" dirty="0" smtClean="0">
+                    <a:latin typeface="+mj-lt"/>
+                  </a:rPr>
+                  <a:t> + </a:t>
                 </a:r>
                 <a:r>
-                  <a:rPr lang="es-CO" sz="2200" b="1" i="1" dirty="0" smtClean="0"/>
-                  <a:t> priorizado</a:t>
-                </a:r>
-                <a:r>
-                  <a:rPr lang="es-CO" sz="2200" dirty="0" smtClean="0"/>
-                  <a:t> + revisiones regulares</a:t>
+                  <a:rPr lang="es-CO" sz="2200" dirty="0" smtClean="0">
+                    <a:latin typeface="+mj-lt"/>
+                  </a:rPr>
+                  <a:t>revisiones regulares</a:t>
                 </a:r>
               </a:p>
               <a:p>
                 <a:pPr>
+                  <a:lnSpc>
+                    <a:spcPct val="150000"/>
+                  </a:lnSpc>
                   <a:buFont typeface="Wingdings" panose="05000000000000000000" pitchFamily="2" charset="2"/>
                   <a:buChar char="q"/>
                 </a:pPr>
                 <a:r>
-                  <a:rPr lang="es-CO" sz="2200" dirty="0"/>
+                  <a:rPr lang="es-CO" sz="2200" dirty="0">
+                    <a:latin typeface="+mj-lt"/>
+                  </a:rPr>
                   <a:t> </a:t>
                 </a:r>
                 <a:r>
-                  <a:rPr lang="es-CO" sz="2200" dirty="0" smtClean="0"/>
-                  <a:t>Propiedad colectiva (</a:t>
+                  <a:rPr lang="es-CO" sz="2200" dirty="0" smtClean="0">
+                    <a:latin typeface="+mj-lt"/>
+                  </a:rPr>
+                  <a:t>Propiedad </a:t>
                 </a:r>
                 <a:r>
-                  <a:rPr lang="es-CO" sz="2200" i="1" dirty="0" smtClean="0"/>
-                  <a:t>el código/trabajo es del proyecto, no de las personas y todo el mundo es responsable de la calidad de todo el código/producto</a:t>
+                  <a:rPr lang="es-CO" sz="2200" dirty="0" smtClean="0">
+                    <a:latin typeface="+mj-lt"/>
+                  </a:rPr>
+                  <a:t>colectiva: </a:t>
                 </a:r>
                 <a:r>
-                  <a:rPr lang="es-CO" sz="2200" dirty="0" smtClean="0"/>
-                  <a:t>)</a:t>
+                  <a:rPr lang="es-CO" sz="2200" i="1" dirty="0" smtClean="0">
+                    <a:latin typeface="+mj-lt"/>
+                  </a:rPr>
+                  <a:t>el código/trabajo </a:t>
                 </a:r>
+                <a:r>
+                  <a:rPr lang="es-CO" sz="2200" i="1" dirty="0" smtClean="0">
+                    <a:latin typeface="+mj-lt"/>
+                  </a:rPr>
+                  <a:t>es del proyecto, no de las personas y todo el mundo es responsable de la calidad de todo el </a:t>
+                </a:r>
+                <a:r>
+                  <a:rPr lang="es-CO" sz="2200" i="1" dirty="0" smtClean="0">
+                    <a:latin typeface="+mj-lt"/>
+                  </a:rPr>
+                  <a:t>código/producto</a:t>
+                </a:r>
+                <a:r>
+                  <a:rPr lang="es-CO" sz="2200" dirty="0">
+                    <a:latin typeface="+mj-lt"/>
+                  </a:rPr>
+                  <a:t>.</a:t>
+                </a:r>
+                <a:endParaRPr lang="es-CO" sz="2200" dirty="0" smtClean="0">
+                  <a:latin typeface="+mj-lt"/>
+                </a:endParaRPr>
               </a:p>
               <a:p>
                 <a:pPr>
+                  <a:lnSpc>
+                    <a:spcPct val="150000"/>
+                  </a:lnSpc>
                   <a:buFont typeface="Wingdings" panose="05000000000000000000" pitchFamily="2" charset="2"/>
                   <a:buChar char="q"/>
                 </a:pPr>
                 <a:r>
-                  <a:rPr lang="es-CO" sz="2200" dirty="0"/>
+                  <a:rPr lang="es-CO" sz="2200" dirty="0">
+                    <a:latin typeface="+mj-lt"/>
+                  </a:rPr>
                   <a:t> </a:t>
                 </a:r>
                 <a:r>
-                  <a:rPr lang="es-CO" sz="2200" dirty="0" smtClean="0"/>
+                  <a:rPr lang="es-CO" sz="2200" dirty="0" smtClean="0">
+                    <a:solidFill>
+                      <a:srgbClr val="C00000"/>
+                    </a:solidFill>
+                    <a:latin typeface="+mj-lt"/>
+                  </a:rPr>
                   <a:t>Entorno innovador</a:t>
                 </a:r>
               </a:p>
               <a:p>
                 <a:pPr marL="457200" lvl="1" indent="0">
+                  <a:lnSpc>
+                    <a:spcPct val="150000"/>
+                  </a:lnSpc>
                   <a:buNone/>
                 </a:pPr>
                 <a14:m>
@@ -10759,122 +10593,124 @@
                     <m:oMath xmlns:m="http://schemas.openxmlformats.org/officeDocument/2006/math">
                       <m:r>
                         <a:rPr lang="es-CO" sz="1800" b="0" i="1" smtClean="0">
-                          <a:latin typeface="Cambria Math" panose="02040503050406030204" pitchFamily="18" charset="0"/>
+                          <a:latin typeface="+mj-lt"/>
                         </a:rPr>
                         <m:t>𝑒𝑛𝑡𝑜𝑟𝑛𝑜</m:t>
                       </m:r>
                       <m:r>
                         <a:rPr lang="es-CO" sz="1800" b="0" i="1" smtClean="0">
-                          <a:latin typeface="Cambria Math" panose="02040503050406030204" pitchFamily="18" charset="0"/>
+                          <a:latin typeface="+mj-lt"/>
                         </a:rPr>
                         <m:t> </m:t>
                       </m:r>
                       <m:r>
                         <a:rPr lang="es-CO" sz="1800" b="0" i="1" smtClean="0">
-                          <a:latin typeface="Cambria Math" panose="02040503050406030204" pitchFamily="18" charset="0"/>
+                          <a:latin typeface="+mj-lt"/>
                         </a:rPr>
                         <m:t>𝑑𝑒</m:t>
                       </m:r>
                       <m:r>
                         <a:rPr lang="es-CO" sz="1800" b="0" i="1" smtClean="0">
-                          <a:latin typeface="Cambria Math" panose="02040503050406030204" pitchFamily="18" charset="0"/>
+                          <a:latin typeface="+mj-lt"/>
                         </a:rPr>
                         <m:t> </m:t>
                       </m:r>
                       <m:r>
                         <a:rPr lang="es-CO" sz="1800" b="0" i="1" smtClean="0">
-                          <a:latin typeface="Cambria Math" panose="02040503050406030204" pitchFamily="18" charset="0"/>
+                          <a:latin typeface="+mj-lt"/>
                         </a:rPr>
                         <m:t>𝑖𝑛𝑡𝑟𝑜𝑠𝑝𝑒𝑐𝑐𝑖</m:t>
                       </m:r>
                       <m:r>
                         <a:rPr lang="es-CO" sz="1800" b="0" i="1" smtClean="0">
-                          <a:latin typeface="Cambria Math" panose="02040503050406030204" pitchFamily="18" charset="0"/>
+                          <a:latin typeface="+mj-lt"/>
                         </a:rPr>
                         <m:t>ó</m:t>
                       </m:r>
                       <m:r>
                         <a:rPr lang="es-CO" sz="1800" b="0" i="1" smtClean="0">
-                          <a:latin typeface="Cambria Math" panose="02040503050406030204" pitchFamily="18" charset="0"/>
+                          <a:latin typeface="+mj-lt"/>
                         </a:rPr>
                         <m:t>𝑛</m:t>
                       </m:r>
                       <m:r>
                         <a:rPr lang="es-CO" sz="1800" i="1">
-                          <a:latin typeface="Cambria Math" panose="02040503050406030204" pitchFamily="18" charset="0"/>
+                          <a:latin typeface="+mj-lt"/>
                         </a:rPr>
                         <m:t>=</m:t>
                       </m:r>
                       <m:r>
                         <a:rPr lang="es-CO" sz="1800" b="0" i="1" smtClean="0">
-                          <a:latin typeface="Cambria Math" panose="02040503050406030204" pitchFamily="18" charset="0"/>
+                          <a:latin typeface="+mj-lt"/>
                         </a:rPr>
                         <m:t>𝑟𝑒𝑡𝑟𝑜𝑠𝑝𝑒𝑐𝑡𝑖𝑣𝑎</m:t>
                       </m:r>
                       <m:r>
                         <a:rPr lang="es-CO" sz="1800" b="0" i="1" smtClean="0">
-                          <a:latin typeface="Cambria Math" panose="02040503050406030204" pitchFamily="18" charset="0"/>
+                          <a:latin typeface="+mj-lt"/>
                         </a:rPr>
                         <m:t> </m:t>
                       </m:r>
                       <m:r>
                         <a:rPr lang="es-CO" sz="1800" b="0" i="1" smtClean="0">
-                          <a:latin typeface="Cambria Math" panose="02040503050406030204" pitchFamily="18" charset="0"/>
+                          <a:latin typeface="+mj-lt"/>
                         </a:rPr>
                         <m:t>𝑑𝑒𝑙</m:t>
                       </m:r>
                       <m:r>
                         <a:rPr lang="es-CO" sz="1800" b="0" i="1" smtClean="0">
-                          <a:latin typeface="Cambria Math" panose="02040503050406030204" pitchFamily="18" charset="0"/>
+                          <a:latin typeface="+mj-lt"/>
                         </a:rPr>
                         <m:t> </m:t>
                       </m:r>
                       <m:r>
                         <a:rPr lang="es-CO" sz="1800" b="0" i="1" smtClean="0">
-                          <a:latin typeface="Cambria Math" panose="02040503050406030204" pitchFamily="18" charset="0"/>
+                          <a:latin typeface="+mj-lt"/>
                         </a:rPr>
                         <m:t>𝑆𝑝𝑟𝑖𝑛𝑡</m:t>
                       </m:r>
                       <m:r>
                         <a:rPr lang="es-CO" sz="1800" i="1">
-                          <a:latin typeface="Cambria Math" panose="02040503050406030204" pitchFamily="18" charset="0"/>
+                          <a:latin typeface="+mj-lt"/>
                         </a:rPr>
                         <m:t>+</m:t>
                       </m:r>
                       <m:r>
                         <a:rPr lang="es-CO" sz="1800" i="1">
-                          <a:latin typeface="Cambria Math" panose="02040503050406030204" pitchFamily="18" charset="0"/>
+                          <a:latin typeface="+mj-lt"/>
                         </a:rPr>
                         <m:t>𝑟𝑒𝑡𝑟𝑜𝑠𝑝𝑒𝑐𝑖𝑡𝑣𝑎</m:t>
                       </m:r>
                       <m:r>
                         <a:rPr lang="es-CO" sz="1800" i="1">
-                          <a:latin typeface="Cambria Math" panose="02040503050406030204" pitchFamily="18" charset="0"/>
+                          <a:latin typeface="+mj-lt"/>
                         </a:rPr>
                         <m:t> </m:t>
                       </m:r>
                       <m:r>
                         <a:rPr lang="es-CO" sz="1800" i="1">
-                          <a:latin typeface="Cambria Math" panose="02040503050406030204" pitchFamily="18" charset="0"/>
+                          <a:latin typeface="+mj-lt"/>
                         </a:rPr>
                         <m:t>𝑑𝑒𝑙</m:t>
                       </m:r>
                       <m:r>
                         <a:rPr lang="es-CO" sz="1800" i="1">
-                          <a:latin typeface="Cambria Math" panose="02040503050406030204" pitchFamily="18" charset="0"/>
+                          <a:latin typeface="+mj-lt"/>
                         </a:rPr>
                         <m:t> </m:t>
                       </m:r>
                       <m:r>
                         <a:rPr lang="es-CO" sz="1800" b="0" i="1" smtClean="0">
-                          <a:latin typeface="Cambria Math" panose="02040503050406030204" pitchFamily="18" charset="0"/>
+                          <a:latin typeface="+mj-lt"/>
                         </a:rPr>
                         <m:t>𝑝𝑟𝑜𝑐𝑒𝑠𝑜</m:t>
                       </m:r>
                     </m:oMath>
                   </m:oMathPara>
                 </a14:m>
-                <a:endParaRPr lang="fr-FR" sz="1800" dirty="0"/>
+                <a:endParaRPr lang="fr-FR" sz="1800" dirty="0">
+                  <a:latin typeface="+mj-lt"/>
+                </a:endParaRPr>
               </a:p>
             </p:txBody>
           </p:sp>
@@ -10891,10 +10727,14 @@
               </p:nvPr>
             </p:nvSpPr>
             <p:spPr>
+              <a:xfrm>
+                <a:off x="838200" y="736600"/>
+                <a:ext cx="10515600" cy="5440363"/>
+              </a:xfrm>
               <a:blipFill rotWithShape="0">
                 <a:blip r:embed="rId3"/>
                 <a:stretch>
-                  <a:fillRect l="-638" t="-1681"/>
+                  <a:fillRect l="-638"/>
                 </a:stretch>
               </a:blipFill>
             </p:spPr>
@@ -10966,252 +10806,7 @@
 </p:sld>
 </file>
 
-<file path=ppt/slides/slide3.xml><?xml version="1.0" encoding="utf-8"?>
-<p:sld xmlns:a="http://schemas.openxmlformats.org/drawingml/2006/main" xmlns:r="http://schemas.openxmlformats.org/officeDocument/2006/relationships" xmlns:p="http://schemas.openxmlformats.org/presentationml/2006/main">
-  <p:cSld>
-    <p:spTree>
-      <p:nvGrpSpPr>
-        <p:cNvPr id="1" name=""/>
-        <p:cNvGrpSpPr/>
-        <p:nvPr/>
-      </p:nvGrpSpPr>
-      <p:grpSpPr>
-        <a:xfrm>
-          <a:off x="0" y="0"/>
-          <a:ext cx="0" cy="0"/>
-          <a:chOff x="0" y="0"/>
-          <a:chExt cx="0" cy="0"/>
-        </a:xfrm>
-      </p:grpSpPr>
-      <p:sp>
-        <p:nvSpPr>
-          <p:cNvPr id="3" name="Content Placeholder 2"/>
-          <p:cNvSpPr>
-            <a:spLocks noGrp="1"/>
-          </p:cNvSpPr>
-          <p:nvPr>
-            <p:ph idx="1"/>
-          </p:nvPr>
-        </p:nvSpPr>
-        <p:spPr>
-          <a:xfrm>
-            <a:off x="838200" y="365125"/>
-            <a:ext cx="10515600" cy="5811838"/>
-          </a:xfrm>
-        </p:spPr>
-        <p:txBody>
-          <a:bodyPr/>
-          <a:lstStyle/>
-          <a:p>
-            <a:endParaRPr lang="es-CO" dirty="0" smtClean="0"/>
-          </a:p>
-          <a:p>
-            <a:pPr marL="0" indent="0" algn="ctr">
-              <a:buNone/>
-            </a:pPr>
-            <a:endParaRPr lang="es-CO" dirty="0" smtClean="0">
-              <a:latin typeface="+mj-lt"/>
-            </a:endParaRPr>
-          </a:p>
-          <a:p>
-            <a:pPr marL="0" indent="0" algn="ctr">
-              <a:buNone/>
-            </a:pPr>
-            <a:r>
-              <a:rPr lang="es-CO" dirty="0" smtClean="0">
-                <a:latin typeface="+mj-lt"/>
-              </a:rPr>
-              <a:t>El enfoque ágil tiene la ventaja de </a:t>
-            </a:r>
-            <a:r>
-              <a:rPr lang="es-CO" dirty="0" smtClean="0">
-                <a:solidFill>
-                  <a:srgbClr val="C00000"/>
-                </a:solidFill>
-                <a:latin typeface="+mj-lt"/>
-              </a:rPr>
-              <a:t>reducir el costo </a:t>
-            </a:r>
-            <a:r>
-              <a:rPr lang="es-CO" dirty="0" smtClean="0">
-                <a:latin typeface="+mj-lt"/>
-              </a:rPr>
-              <a:t>del </a:t>
-            </a:r>
-          </a:p>
-          <a:p>
-            <a:pPr marL="0" indent="0" algn="ctr">
-              <a:buNone/>
-            </a:pPr>
-            <a:r>
-              <a:rPr lang="es-CO" dirty="0" smtClean="0">
-                <a:latin typeface="+mj-lt"/>
-              </a:rPr>
-              <a:t>cambio a través de todo el proceso de desarrollo.</a:t>
-            </a:r>
-          </a:p>
-          <a:p>
-            <a:pPr marL="0" indent="0" algn="ctr">
-              <a:buNone/>
-            </a:pPr>
-            <a:endParaRPr lang="es-CO" dirty="0">
-              <a:latin typeface="+mj-lt"/>
-            </a:endParaRPr>
-          </a:p>
-          <a:p>
-            <a:pPr marL="0" indent="0" algn="ctr">
-              <a:buNone/>
-            </a:pPr>
-            <a:r>
-              <a:rPr lang="es-CO" dirty="0" smtClean="0">
-                <a:latin typeface="+mj-lt"/>
-              </a:rPr>
-              <a:t>Se trabaja realizando </a:t>
-            </a:r>
-            <a:r>
-              <a:rPr lang="es-CO" dirty="0" smtClean="0">
-                <a:solidFill>
-                  <a:srgbClr val="C00000"/>
-                </a:solidFill>
-                <a:latin typeface="+mj-lt"/>
-              </a:rPr>
-              <a:t>entregas parciales </a:t>
-            </a:r>
-            <a:r>
-              <a:rPr lang="es-CO" dirty="0" smtClean="0">
-                <a:latin typeface="+mj-lt"/>
-              </a:rPr>
-              <a:t>funcionales</a:t>
-            </a:r>
-            <a:r>
-              <a:rPr lang="es-CO" dirty="0" smtClean="0"/>
-              <a:t> </a:t>
-            </a:r>
-            <a:r>
-              <a:rPr lang="es-CO" dirty="0" smtClean="0">
-                <a:latin typeface="+mj-lt"/>
-              </a:rPr>
-              <a:t>del producto. </a:t>
-            </a:r>
-          </a:p>
-          <a:p>
-            <a:pPr marL="0" indent="0" algn="ctr">
-              <a:buNone/>
-            </a:pPr>
-            <a:endParaRPr lang="es-CO" dirty="0">
-              <a:latin typeface="+mj-lt"/>
-            </a:endParaRPr>
-          </a:p>
-          <a:p>
-            <a:pPr marL="0" indent="0" algn="ctr">
-              <a:lnSpc>
-                <a:spcPct val="100000"/>
-              </a:lnSpc>
-              <a:buNone/>
-            </a:pPr>
-            <a:r>
-              <a:rPr lang="es-CO" dirty="0" smtClean="0">
-                <a:latin typeface="+mj-lt"/>
-              </a:rPr>
-              <a:t>La </a:t>
-            </a:r>
-            <a:r>
-              <a:rPr lang="es-CO" dirty="0" smtClean="0">
-                <a:solidFill>
-                  <a:srgbClr val="C00000"/>
-                </a:solidFill>
-                <a:latin typeface="+mj-lt"/>
-              </a:rPr>
-              <a:t>continua interacción </a:t>
-            </a:r>
-            <a:r>
-              <a:rPr lang="es-CO" dirty="0" smtClean="0">
-                <a:latin typeface="+mj-lt"/>
-              </a:rPr>
-              <a:t>entre los desarrolladores y los clientes </a:t>
-            </a:r>
-          </a:p>
-          <a:p>
-            <a:pPr marL="0" indent="0" algn="ctr">
-              <a:lnSpc>
-                <a:spcPct val="100000"/>
-              </a:lnSpc>
-              <a:buNone/>
-            </a:pPr>
-            <a:r>
-              <a:rPr lang="es-CO" dirty="0" smtClean="0">
-                <a:latin typeface="+mj-lt"/>
-              </a:rPr>
-              <a:t>tienen como objetivo </a:t>
-            </a:r>
-            <a:r>
-              <a:rPr lang="es-CO" dirty="0" smtClean="0">
-                <a:solidFill>
-                  <a:srgbClr val="C00000"/>
-                </a:solidFill>
-                <a:latin typeface="+mj-lt"/>
-              </a:rPr>
-              <a:t>asegurar </a:t>
-            </a:r>
-            <a:r>
-              <a:rPr lang="es-CO" dirty="0" smtClean="0">
-                <a:latin typeface="+mj-lt"/>
-              </a:rPr>
-              <a:t>que el producto final sea </a:t>
-            </a:r>
-          </a:p>
-          <a:p>
-            <a:pPr marL="0" indent="0" algn="ctr">
-              <a:lnSpc>
-                <a:spcPct val="100000"/>
-              </a:lnSpc>
-              <a:buNone/>
-            </a:pPr>
-            <a:r>
-              <a:rPr lang="es-CO" dirty="0" smtClean="0">
-                <a:latin typeface="+mj-lt"/>
-              </a:rPr>
-              <a:t>exactamente lo que el </a:t>
-            </a:r>
-            <a:r>
-              <a:rPr lang="es-CO" dirty="0" smtClean="0">
-                <a:solidFill>
-                  <a:srgbClr val="C00000"/>
-                </a:solidFill>
-                <a:latin typeface="+mj-lt"/>
-              </a:rPr>
-              <a:t>cliente quiere y necesita</a:t>
-            </a:r>
-            <a:r>
-              <a:rPr lang="es-CO" dirty="0" smtClean="0">
-                <a:latin typeface="+mj-lt"/>
-              </a:rPr>
-              <a:t>.</a:t>
-            </a:r>
-          </a:p>
-        </p:txBody>
-      </p:sp>
-    </p:spTree>
-    <p:extLst>
-      <p:ext uri="{BB962C8B-B14F-4D97-AF65-F5344CB8AC3E}">
-        <p14:creationId xmlns:p14="http://schemas.microsoft.com/office/powerpoint/2010/main" val="2578014555"/>
-      </p:ext>
-    </p:extLst>
-  </p:cSld>
-  <p:clrMapOvr>
-    <a:masterClrMapping/>
-  </p:clrMapOvr>
-  <p:timing>
-    <p:tnLst>
-      <p:par>
-        <p:cTn id="1" dur="indefinite" restart="never" nodeType="tmRoot"/>
-      </p:par>
-    </p:tnLst>
-  </p:timing>
-</p:sld>
-</file>
-
-<file path=ppt/slides/slide30.xml><?xml version="1.0" encoding="utf-8"?>
+<file path=ppt/slides/slide28.xml><?xml version="1.0" encoding="utf-8"?>
 <p:sld xmlns:a="http://schemas.openxmlformats.org/drawingml/2006/main" xmlns:r="http://schemas.openxmlformats.org/officeDocument/2006/relationships" xmlns:p="http://schemas.openxmlformats.org/presentationml/2006/main">
   <p:cSld>
     <p:spTree>
@@ -11359,7 +10954,7 @@
 </p:sld>
 </file>
 
-<file path=ppt/slides/slide31.xml><?xml version="1.0" encoding="utf-8"?>
+<file path=ppt/slides/slide29.xml><?xml version="1.0" encoding="utf-8"?>
 <p:sld xmlns:a="http://schemas.openxmlformats.org/drawingml/2006/main" xmlns:r="http://schemas.openxmlformats.org/officeDocument/2006/relationships" xmlns:p="http://schemas.openxmlformats.org/presentationml/2006/main">
   <p:cSld>
     <p:spTree>
@@ -11498,7 +11093,260 @@
 </p:sld>
 </file>
 
-<file path=ppt/slides/slide32.xml><?xml version="1.0" encoding="utf-8"?>
+<file path=ppt/slides/slide3.xml><?xml version="1.0" encoding="utf-8"?>
+<p:sld xmlns:a="http://schemas.openxmlformats.org/drawingml/2006/main" xmlns:r="http://schemas.openxmlformats.org/officeDocument/2006/relationships" xmlns:p="http://schemas.openxmlformats.org/presentationml/2006/main">
+  <p:cSld>
+    <p:spTree>
+      <p:nvGrpSpPr>
+        <p:cNvPr id="1" name=""/>
+        <p:cNvGrpSpPr/>
+        <p:nvPr/>
+      </p:nvGrpSpPr>
+      <p:grpSpPr>
+        <a:xfrm>
+          <a:off x="0" y="0"/>
+          <a:ext cx="0" cy="0"/>
+          <a:chOff x="0" y="0"/>
+          <a:chExt cx="0" cy="0"/>
+        </a:xfrm>
+      </p:grpSpPr>
+      <p:sp>
+        <p:nvSpPr>
+          <p:cNvPr id="3" name="Content Placeholder 2"/>
+          <p:cNvSpPr>
+            <a:spLocks noGrp="1"/>
+          </p:cNvSpPr>
+          <p:nvPr>
+            <p:ph idx="1"/>
+          </p:nvPr>
+        </p:nvSpPr>
+        <p:spPr>
+          <a:xfrm>
+            <a:off x="838200" y="365125"/>
+            <a:ext cx="10515600" cy="5811838"/>
+          </a:xfrm>
+        </p:spPr>
+        <p:txBody>
+          <a:bodyPr/>
+          <a:lstStyle/>
+          <a:p>
+            <a:endParaRPr lang="es-CO" dirty="0" smtClean="0"/>
+          </a:p>
+          <a:p>
+            <a:pPr marL="0" indent="0" algn="ctr">
+              <a:buNone/>
+            </a:pPr>
+            <a:endParaRPr lang="es-CO" dirty="0" smtClean="0">
+              <a:latin typeface="+mj-lt"/>
+            </a:endParaRPr>
+          </a:p>
+          <a:p>
+            <a:pPr marL="0" indent="0" algn="ctr">
+              <a:buNone/>
+            </a:pPr>
+            <a:r>
+              <a:rPr lang="es-CO" dirty="0" smtClean="0">
+                <a:latin typeface="+mj-lt"/>
+              </a:rPr>
+              <a:t>El enfoque ágil tiene la ventaja de </a:t>
+            </a:r>
+            <a:r>
+              <a:rPr lang="es-CO" dirty="0" smtClean="0">
+                <a:solidFill>
+                  <a:srgbClr val="C00000"/>
+                </a:solidFill>
+                <a:latin typeface="+mj-lt"/>
+              </a:rPr>
+              <a:t>reducir el costo </a:t>
+            </a:r>
+            <a:r>
+              <a:rPr lang="es-CO" dirty="0" smtClean="0">
+                <a:latin typeface="+mj-lt"/>
+              </a:rPr>
+              <a:t>del </a:t>
+            </a:r>
+          </a:p>
+          <a:p>
+            <a:pPr marL="0" indent="0" algn="ctr">
+              <a:buNone/>
+            </a:pPr>
+            <a:r>
+              <a:rPr lang="es-CO" dirty="0" smtClean="0">
+                <a:latin typeface="+mj-lt"/>
+              </a:rPr>
+              <a:t>cambio a través de todo el proceso de desarrollo.</a:t>
+            </a:r>
+          </a:p>
+          <a:p>
+            <a:pPr marL="0" indent="0" algn="ctr">
+              <a:buNone/>
+            </a:pPr>
+            <a:endParaRPr lang="es-CO" dirty="0">
+              <a:latin typeface="+mj-lt"/>
+            </a:endParaRPr>
+          </a:p>
+          <a:p>
+            <a:pPr marL="0" indent="0" algn="ctr">
+              <a:buNone/>
+            </a:pPr>
+            <a:r>
+              <a:rPr lang="es-CO" dirty="0" smtClean="0">
+                <a:latin typeface="+mj-lt"/>
+              </a:rPr>
+              <a:t>Se trabaja realizando </a:t>
+            </a:r>
+            <a:r>
+              <a:rPr lang="es-CO" dirty="0" smtClean="0">
+                <a:solidFill>
+                  <a:srgbClr val="C00000"/>
+                </a:solidFill>
+                <a:latin typeface="+mj-lt"/>
+              </a:rPr>
+              <a:t>entregas parciales </a:t>
+            </a:r>
+            <a:r>
+              <a:rPr lang="es-CO" dirty="0" smtClean="0">
+                <a:latin typeface="+mj-lt"/>
+              </a:rPr>
+              <a:t>funcionales</a:t>
+            </a:r>
+            <a:r>
+              <a:rPr lang="es-CO" dirty="0" smtClean="0"/>
+              <a:t> </a:t>
+            </a:r>
+            <a:r>
+              <a:rPr lang="es-CO" dirty="0" smtClean="0">
+                <a:latin typeface="+mj-lt"/>
+              </a:rPr>
+              <a:t>del producto. </a:t>
+            </a:r>
+          </a:p>
+          <a:p>
+            <a:pPr marL="0" indent="0" algn="ctr">
+              <a:buNone/>
+            </a:pPr>
+            <a:endParaRPr lang="es-CO" dirty="0">
+              <a:latin typeface="+mj-lt"/>
+            </a:endParaRPr>
+          </a:p>
+          <a:p>
+            <a:pPr marL="0" indent="0" algn="ctr">
+              <a:lnSpc>
+                <a:spcPct val="100000"/>
+              </a:lnSpc>
+              <a:buNone/>
+            </a:pPr>
+            <a:r>
+              <a:rPr lang="es-CO" dirty="0" smtClean="0">
+                <a:latin typeface="+mj-lt"/>
+              </a:rPr>
+              <a:t>La </a:t>
+            </a:r>
+            <a:r>
+              <a:rPr lang="es-CO" dirty="0" smtClean="0">
+                <a:solidFill>
+                  <a:srgbClr val="C00000"/>
+                </a:solidFill>
+                <a:latin typeface="+mj-lt"/>
+              </a:rPr>
+              <a:t>continua interacción </a:t>
+            </a:r>
+            <a:r>
+              <a:rPr lang="es-CO" dirty="0" smtClean="0">
+                <a:latin typeface="+mj-lt"/>
+              </a:rPr>
+              <a:t>entre los desarrolladores </a:t>
+            </a:r>
+            <a:r>
+              <a:rPr lang="es-CO" dirty="0" smtClean="0">
+                <a:latin typeface="+mj-lt"/>
+              </a:rPr>
+              <a:t>(equipo de trabajo) y </a:t>
+            </a:r>
+            <a:r>
+              <a:rPr lang="es-CO" dirty="0" smtClean="0">
+                <a:latin typeface="+mj-lt"/>
+              </a:rPr>
+              <a:t>los clientes </a:t>
+            </a:r>
+            <a:r>
+              <a:rPr lang="es-CO" dirty="0" smtClean="0">
+                <a:latin typeface="+mj-lt"/>
+              </a:rPr>
+              <a:t>tienen </a:t>
+            </a:r>
+            <a:r>
+              <a:rPr lang="es-CO" dirty="0" smtClean="0">
+                <a:latin typeface="+mj-lt"/>
+              </a:rPr>
+              <a:t>como objetivo </a:t>
+            </a:r>
+            <a:r>
+              <a:rPr lang="es-CO" dirty="0" smtClean="0">
+                <a:solidFill>
+                  <a:srgbClr val="C00000"/>
+                </a:solidFill>
+                <a:latin typeface="+mj-lt"/>
+              </a:rPr>
+              <a:t>asegurar </a:t>
+            </a:r>
+            <a:r>
+              <a:rPr lang="es-CO" dirty="0" smtClean="0">
+                <a:latin typeface="+mj-lt"/>
+              </a:rPr>
+              <a:t>que el producto final sea </a:t>
+            </a:r>
+            <a:r>
+              <a:rPr lang="es-CO" dirty="0" smtClean="0">
+                <a:latin typeface="+mj-lt"/>
+              </a:rPr>
+              <a:t>exactamente </a:t>
+            </a:r>
+            <a:r>
+              <a:rPr lang="es-CO" dirty="0" smtClean="0">
+                <a:latin typeface="+mj-lt"/>
+              </a:rPr>
+              <a:t>lo que el </a:t>
+            </a:r>
+            <a:r>
+              <a:rPr lang="es-CO" dirty="0" smtClean="0">
+                <a:solidFill>
+                  <a:srgbClr val="C00000"/>
+                </a:solidFill>
+                <a:latin typeface="+mj-lt"/>
+              </a:rPr>
+              <a:t>cliente quiere y necesita</a:t>
+            </a:r>
+            <a:r>
+              <a:rPr lang="es-CO" dirty="0" smtClean="0">
+                <a:latin typeface="+mj-lt"/>
+              </a:rPr>
+              <a:t>.</a:t>
+            </a:r>
+          </a:p>
+        </p:txBody>
+      </p:sp>
+    </p:spTree>
+    <p:extLst>
+      <p:ext uri="{BB962C8B-B14F-4D97-AF65-F5344CB8AC3E}">
+        <p14:creationId xmlns:p14="http://schemas.microsoft.com/office/powerpoint/2010/main" val="2578014555"/>
+      </p:ext>
+    </p:extLst>
+  </p:cSld>
+  <p:clrMapOvr>
+    <a:masterClrMapping/>
+  </p:clrMapOvr>
+  <p:timing>
+    <p:tnLst>
+      <p:par>
+        <p:cTn id="1" dur="indefinite" restart="never" nodeType="tmRoot"/>
+      </p:par>
+    </p:tnLst>
+  </p:timing>
+</p:sld>
+</file>
+
+<file path=ppt/slides/slide30.xml><?xml version="1.0" encoding="utf-8"?>
 <p:sld xmlns:a="http://schemas.openxmlformats.org/drawingml/2006/main" xmlns:r="http://schemas.openxmlformats.org/officeDocument/2006/relationships" xmlns:p="http://schemas.openxmlformats.org/presentationml/2006/main">
   <p:cSld>
     <p:spTree>
@@ -11640,6 +11488,316 @@
 </p:sld>
 </file>
 
+<file path=ppt/slides/slide31.xml><?xml version="1.0" encoding="utf-8"?>
+<p:sld xmlns:a="http://schemas.openxmlformats.org/drawingml/2006/main" xmlns:r="http://schemas.openxmlformats.org/officeDocument/2006/relationships" xmlns:p="http://schemas.openxmlformats.org/presentationml/2006/main">
+  <p:cSld>
+    <p:spTree>
+      <p:nvGrpSpPr>
+        <p:cNvPr id="1" name=""/>
+        <p:cNvGrpSpPr/>
+        <p:nvPr/>
+      </p:nvGrpSpPr>
+      <p:grpSpPr>
+        <a:xfrm>
+          <a:off x="0" y="0"/>
+          <a:ext cx="0" cy="0"/>
+          <a:chOff x="0" y="0"/>
+          <a:chExt cx="0" cy="0"/>
+        </a:xfrm>
+      </p:grpSpPr>
+      <p:sp>
+        <p:nvSpPr>
+          <p:cNvPr id="2" name="Title 1"/>
+          <p:cNvSpPr txBox="1">
+            <a:spLocks/>
+          </p:cNvSpPr>
+          <p:nvPr/>
+        </p:nvSpPr>
+        <p:spPr>
+          <a:xfrm>
+            <a:off x="1485900" y="1173163"/>
+            <a:ext cx="9144000" cy="2387600"/>
+          </a:xfrm>
+          <a:prstGeom prst="rect">
+            <a:avLst/>
+          </a:prstGeom>
+        </p:spPr>
+        <p:txBody>
+          <a:bodyPr/>
+          <a:lstStyle>
+            <a:lvl1pPr algn="l" defTabSz="914400" rtl="0" eaLnBrk="1" latinLnBrk="0" hangingPunct="1">
+              <a:lnSpc>
+                <a:spcPct val="90000"/>
+              </a:lnSpc>
+              <a:spcBef>
+                <a:spcPct val="0"/>
+              </a:spcBef>
+              <a:buNone/>
+              <a:defRPr sz="4400" kern="1200">
+                <a:solidFill>
+                  <a:schemeClr val="tx1"/>
+                </a:solidFill>
+                <a:latin typeface="+mj-lt"/>
+                <a:ea typeface="+mj-ea"/>
+                <a:cs typeface="+mj-cs"/>
+              </a:defRPr>
+            </a:lvl1pPr>
+          </a:lstStyle>
+          <a:p>
+            <a:endParaRPr lang="es-CO" dirty="0" smtClean="0">
+              <a:effectLst>
+                <a:outerShdw blurRad="38100" dist="38100" dir="2700000" algn="tl">
+                  <a:srgbClr val="000000">
+                    <a:alpha val="43137"/>
+                  </a:srgbClr>
+                </a:outerShdw>
+              </a:effectLst>
+              <a:latin typeface="Dekar" panose="02000000000000000000" pitchFamily="50" charset="0"/>
+            </a:endParaRPr>
+          </a:p>
+          <a:p>
+            <a:endParaRPr lang="es-CO" dirty="0">
+              <a:effectLst>
+                <a:outerShdw blurRad="38100" dist="38100" dir="2700000" algn="tl">
+                  <a:srgbClr val="000000">
+                    <a:alpha val="43137"/>
+                  </a:srgbClr>
+                </a:outerShdw>
+              </a:effectLst>
+              <a:latin typeface="Dekar" panose="02000000000000000000" pitchFamily="50" charset="0"/>
+            </a:endParaRPr>
+          </a:p>
+          <a:p>
+            <a:pPr algn="ctr"/>
+            <a:r>
+              <a:rPr lang="es-CO" dirty="0" smtClean="0">
+                <a:solidFill>
+                  <a:srgbClr val="C00000"/>
+                </a:solidFill>
+                <a:effectLst>
+                  <a:outerShdw blurRad="38100" dist="38100" dir="2700000" algn="tl">
+                    <a:srgbClr val="000000">
+                      <a:alpha val="43137"/>
+                    </a:srgbClr>
+                  </a:outerShdw>
+                </a:effectLst>
+                <a:latin typeface="Dekar" panose="02000000000000000000" pitchFamily="50" charset="0"/>
+              </a:rPr>
+              <a:t>CONCEPTOS BASICOS</a:t>
+            </a:r>
+            <a:endParaRPr lang="fr-FR" dirty="0">
+              <a:solidFill>
+                <a:srgbClr val="C00000"/>
+              </a:solidFill>
+              <a:effectLst>
+                <a:outerShdw blurRad="38100" dist="38100" dir="2700000" algn="tl">
+                  <a:srgbClr val="000000">
+                    <a:alpha val="43137"/>
+                  </a:srgbClr>
+                </a:outerShdw>
+              </a:effectLst>
+              <a:latin typeface="Dekar" panose="02000000000000000000" pitchFamily="50" charset="0"/>
+            </a:endParaRPr>
+          </a:p>
+        </p:txBody>
+      </p:sp>
+    </p:spTree>
+    <p:extLst>
+      <p:ext uri="{BB962C8B-B14F-4D97-AF65-F5344CB8AC3E}">
+        <p14:creationId xmlns:p14="http://schemas.microsoft.com/office/powerpoint/2010/main" val="2523713136"/>
+      </p:ext>
+    </p:extLst>
+  </p:cSld>
+  <p:clrMapOvr>
+    <a:masterClrMapping/>
+  </p:clrMapOvr>
+</p:sld>
+</file>
+
+<file path=ppt/slides/slide32.xml><?xml version="1.0" encoding="utf-8"?>
+<p:sld xmlns:a="http://schemas.openxmlformats.org/drawingml/2006/main" xmlns:r="http://schemas.openxmlformats.org/officeDocument/2006/relationships" xmlns:p="http://schemas.openxmlformats.org/presentationml/2006/main">
+  <p:cSld>
+    <p:spTree>
+      <p:nvGrpSpPr>
+        <p:cNvPr id="1" name=""/>
+        <p:cNvGrpSpPr/>
+        <p:nvPr/>
+      </p:nvGrpSpPr>
+      <p:grpSpPr>
+        <a:xfrm>
+          <a:off x="0" y="0"/>
+          <a:ext cx="0" cy="0"/>
+          <a:chOff x="0" y="0"/>
+          <a:chExt cx="0" cy="0"/>
+        </a:xfrm>
+      </p:grpSpPr>
+      <p:sp>
+        <p:nvSpPr>
+          <p:cNvPr id="3" name="Content Placeholder 2"/>
+          <p:cNvSpPr>
+            <a:spLocks noGrp="1"/>
+          </p:cNvSpPr>
+          <p:nvPr>
+            <p:ph idx="1"/>
+          </p:nvPr>
+        </p:nvSpPr>
+        <p:spPr>
+          <a:xfrm>
+            <a:off x="838200" y="365125"/>
+            <a:ext cx="10515600" cy="5811838"/>
+          </a:xfrm>
+        </p:spPr>
+        <p:txBody>
+          <a:bodyPr/>
+          <a:lstStyle/>
+          <a:p>
+            <a:pPr marL="0" indent="0" algn="ctr">
+              <a:buNone/>
+            </a:pPr>
+            <a:endParaRPr lang="es-CO" dirty="0" smtClean="0">
+              <a:solidFill>
+                <a:srgbClr val="C00000"/>
+              </a:solidFill>
+            </a:endParaRPr>
+          </a:p>
+          <a:p>
+            <a:pPr marL="0" indent="0" algn="ctr">
+              <a:buNone/>
+            </a:pPr>
+            <a:endParaRPr lang="es-CO" dirty="0" smtClean="0">
+              <a:solidFill>
+                <a:srgbClr val="C00000"/>
+              </a:solidFill>
+            </a:endParaRPr>
+          </a:p>
+          <a:p>
+            <a:pPr marL="0" indent="0" algn="ctr">
+              <a:buNone/>
+            </a:pPr>
+            <a:endParaRPr lang="es-CO" dirty="0" smtClean="0">
+              <a:solidFill>
+                <a:srgbClr val="C00000"/>
+              </a:solidFill>
+            </a:endParaRPr>
+          </a:p>
+          <a:p>
+            <a:pPr marL="0" indent="0" algn="ctr">
+              <a:buNone/>
+            </a:pPr>
+            <a:endParaRPr lang="es-CO" dirty="0">
+              <a:solidFill>
+                <a:srgbClr val="C00000"/>
+              </a:solidFill>
+            </a:endParaRPr>
+          </a:p>
+          <a:p>
+            <a:pPr marL="0" indent="0" algn="ctr">
+              <a:lnSpc>
+                <a:spcPct val="100000"/>
+              </a:lnSpc>
+              <a:buNone/>
+            </a:pPr>
+            <a:r>
+              <a:rPr lang="es-CO" sz="3200" dirty="0" smtClean="0">
+                <a:latin typeface="+mj-lt"/>
+              </a:rPr>
+              <a:t>Los </a:t>
+            </a:r>
+            <a:r>
+              <a:rPr lang="es-CO" sz="3200" b="1" dirty="0" smtClean="0">
+                <a:latin typeface="+mj-lt"/>
+              </a:rPr>
+              <a:t>Sprints  </a:t>
+            </a:r>
+            <a:r>
+              <a:rPr lang="es-CO" sz="3200" dirty="0" smtClean="0">
+                <a:latin typeface="+mj-lt"/>
+              </a:rPr>
+              <a:t>son </a:t>
+            </a:r>
+            <a:r>
+              <a:rPr lang="es-CO" sz="3200" dirty="0" smtClean="0">
+                <a:solidFill>
+                  <a:srgbClr val="C00000"/>
+                </a:solidFill>
+                <a:latin typeface="+mj-lt"/>
+              </a:rPr>
+              <a:t>bloques de tiempo </a:t>
+            </a:r>
+            <a:r>
+              <a:rPr lang="es-CO" sz="3200" dirty="0" smtClean="0">
+                <a:latin typeface="+mj-lt"/>
+              </a:rPr>
+              <a:t>en los cuales una cierta cantidad de trabajo debe ser realizada.</a:t>
+            </a:r>
+            <a:endParaRPr lang="fr-FR" sz="3200" dirty="0">
+              <a:solidFill>
+                <a:srgbClr val="C00000"/>
+              </a:solidFill>
+              <a:latin typeface="+mj-lt"/>
+            </a:endParaRPr>
+          </a:p>
+        </p:txBody>
+      </p:sp>
+      <p:sp>
+        <p:nvSpPr>
+          <p:cNvPr id="4" name="Title 3"/>
+          <p:cNvSpPr>
+            <a:spLocks noGrp="1"/>
+          </p:cNvSpPr>
+          <p:nvPr>
+            <p:ph type="title"/>
+          </p:nvPr>
+        </p:nvSpPr>
+        <p:spPr>
+          <a:xfrm>
+            <a:off x="838200" y="365125"/>
+            <a:ext cx="10515600" cy="1325563"/>
+          </a:xfrm>
+        </p:spPr>
+        <p:txBody>
+          <a:bodyPr/>
+          <a:lstStyle/>
+          <a:p>
+            <a:pPr algn="ctr"/>
+            <a:r>
+              <a:rPr lang="es-CO" dirty="0" smtClean="0">
+                <a:solidFill>
+                  <a:srgbClr val="C00000"/>
+                </a:solidFill>
+                <a:latin typeface="Dekar" panose="02000000000000000000" pitchFamily="50" charset="0"/>
+              </a:rPr>
+              <a:t>Sprint</a:t>
+            </a:r>
+            <a:endParaRPr lang="fr-FR" dirty="0">
+              <a:solidFill>
+                <a:srgbClr val="C00000"/>
+              </a:solidFill>
+              <a:latin typeface="Dekar" panose="02000000000000000000" pitchFamily="50" charset="0"/>
+            </a:endParaRPr>
+          </a:p>
+        </p:txBody>
+      </p:sp>
+    </p:spTree>
+    <p:extLst>
+      <p:ext uri="{BB962C8B-B14F-4D97-AF65-F5344CB8AC3E}">
+        <p14:creationId xmlns:p14="http://schemas.microsoft.com/office/powerpoint/2010/main" val="294835934"/>
+      </p:ext>
+    </p:extLst>
+  </p:cSld>
+  <p:clrMapOvr>
+    <a:masterClrMapping/>
+  </p:clrMapOvr>
+  <p:timing>
+    <p:tnLst>
+      <p:par>
+        <p:cTn id="1" dur="indefinite" restart="never" nodeType="tmRoot"/>
+      </p:par>
+    </p:tnLst>
+  </p:timing>
+</p:sld>
+</file>
+
 <file path=ppt/slides/slide33.xml><?xml version="1.0" encoding="utf-8"?>
 <p:sld xmlns:a="http://schemas.openxmlformats.org/drawingml/2006/main" xmlns:r="http://schemas.openxmlformats.org/officeDocument/2006/relationships" xmlns:p="http://schemas.openxmlformats.org/presentationml/2006/main">
   <p:cSld>
@@ -11659,95 +11817,213 @@
       </p:grpSpPr>
       <p:sp>
         <p:nvSpPr>
-          <p:cNvPr id="2" name="Title 1"/>
-          <p:cNvSpPr txBox="1">
-            <a:spLocks/>
-          </p:cNvSpPr>
-          <p:nvPr/>
+          <p:cNvPr id="3" name="Content Placeholder 2"/>
+          <p:cNvSpPr>
+            <a:spLocks noGrp="1"/>
+          </p:cNvSpPr>
+          <p:nvPr>
+            <p:ph idx="1"/>
+          </p:nvPr>
         </p:nvSpPr>
         <p:spPr>
           <a:xfrm>
-            <a:off x="1485900" y="1173163"/>
-            <a:ext cx="9144000" cy="2387600"/>
+            <a:off x="838200" y="365125"/>
+            <a:ext cx="10515600" cy="5811838"/>
           </a:xfrm>
-          <a:prstGeom prst="rect">
-            <a:avLst/>
-          </a:prstGeom>
         </p:spPr>
         <p:txBody>
           <a:bodyPr/>
-          <a:lstStyle>
-            <a:lvl1pPr algn="l" defTabSz="914400" rtl="0" eaLnBrk="1" latinLnBrk="0" hangingPunct="1">
+          <a:lstStyle/>
+          <a:p>
+            <a:pPr marL="0" indent="0" algn="ctr">
+              <a:buNone/>
+            </a:pPr>
+            <a:endParaRPr lang="es-CO" dirty="0" smtClean="0">
+              <a:solidFill>
+                <a:srgbClr val="C00000"/>
+              </a:solidFill>
+            </a:endParaRPr>
+          </a:p>
+          <a:p>
+            <a:pPr marL="0" indent="0" algn="ctr">
               <a:lnSpc>
-                <a:spcPct val="90000"/>
+                <a:spcPct val="100000"/>
               </a:lnSpc>
-              <a:spcBef>
-                <a:spcPct val="0"/>
-              </a:spcBef>
-              <a:buNone/>
-              <a:defRPr sz="4400" kern="1200">
-                <a:solidFill>
-                  <a:schemeClr val="tx1"/>
-                </a:solidFill>
-                <a:latin typeface="+mj-lt"/>
-                <a:ea typeface="+mj-ea"/>
-                <a:cs typeface="+mj-cs"/>
-              </a:defRPr>
-            </a:lvl1pPr>
-          </a:lstStyle>
-          <a:p>
-            <a:endParaRPr lang="es-CO" dirty="0" smtClean="0">
-              <a:effectLst>
-                <a:outerShdw blurRad="38100" dist="38100" dir="2700000" algn="tl">
-                  <a:srgbClr val="000000">
-                    <a:alpha val="43137"/>
-                  </a:srgbClr>
-                </a:outerShdw>
-              </a:effectLst>
-              <a:latin typeface="Dekar" panose="02000000000000000000" pitchFamily="50" charset="0"/>
-            </a:endParaRPr>
-          </a:p>
-          <a:p>
-            <a:endParaRPr lang="es-CO" dirty="0">
-              <a:effectLst>
-                <a:outerShdw blurRad="38100" dist="38100" dir="2700000" algn="tl">
-                  <a:srgbClr val="000000">
-                    <a:alpha val="43137"/>
-                  </a:srgbClr>
-                </a:outerShdw>
-              </a:effectLst>
-              <a:latin typeface="Dekar" panose="02000000000000000000" pitchFamily="50" charset="0"/>
-            </a:endParaRPr>
-          </a:p>
+              <a:buNone/>
+            </a:pPr>
+            <a:endParaRPr lang="es-CO" sz="3200" dirty="0" smtClean="0">
+              <a:latin typeface="+mj-lt"/>
+            </a:endParaRPr>
+          </a:p>
+          <a:p>
+            <a:pPr marL="0" indent="0" algn="ctr">
+              <a:lnSpc>
+                <a:spcPct val="100000"/>
+              </a:lnSpc>
+              <a:buNone/>
+            </a:pPr>
+            <a:endParaRPr lang="es-CO" sz="1600" dirty="0">
+              <a:latin typeface="+mj-lt"/>
+            </a:endParaRPr>
+          </a:p>
+          <a:p>
+            <a:pPr marL="0" indent="0" algn="ctr">
+              <a:lnSpc>
+                <a:spcPct val="100000"/>
+              </a:lnSpc>
+              <a:buNone/>
+            </a:pPr>
+            <a:r>
+              <a:rPr lang="es-CO" sz="3200" dirty="0" smtClean="0">
+                <a:latin typeface="+mj-lt"/>
+              </a:rPr>
+              <a:t>Es </a:t>
+            </a:r>
+            <a:r>
+              <a:rPr lang="es-CO" sz="3200" dirty="0" smtClean="0">
+                <a:latin typeface="+mj-lt"/>
+              </a:rPr>
+              <a:t>una técnica que consiste en establecer un </a:t>
+            </a:r>
+            <a:r>
+              <a:rPr lang="es-CO" sz="3200" dirty="0" smtClean="0">
+                <a:solidFill>
+                  <a:srgbClr val="FF0000"/>
+                </a:solidFill>
+                <a:latin typeface="+mj-lt"/>
+              </a:rPr>
+              <a:t>tiempo máximo</a:t>
+            </a:r>
+            <a:r>
+              <a:rPr lang="es-CO" sz="3200" dirty="0" smtClean="0">
+                <a:latin typeface="+mj-lt"/>
+              </a:rPr>
+              <a:t> para cumplir una serie de tareas, </a:t>
+            </a:r>
+            <a:r>
+              <a:rPr lang="es-CO" sz="3200" dirty="0" smtClean="0">
+                <a:latin typeface="+mj-lt"/>
+              </a:rPr>
+              <a:t>alcanzar </a:t>
+            </a:r>
+            <a:r>
+              <a:rPr lang="es-CO" sz="3200" dirty="0" smtClean="0">
+                <a:latin typeface="+mj-lt"/>
+              </a:rPr>
+              <a:t>un objetivo o tomar una decisión.</a:t>
+            </a:r>
+          </a:p>
+          <a:p>
+            <a:pPr marL="0" indent="0" algn="ctr">
+              <a:lnSpc>
+                <a:spcPct val="100000"/>
+              </a:lnSpc>
+              <a:buNone/>
+            </a:pPr>
+            <a:endParaRPr lang="es-CO" sz="3200" dirty="0" smtClean="0">
+              <a:latin typeface="+mj-lt"/>
+            </a:endParaRPr>
+          </a:p>
+          <a:p>
+            <a:pPr marL="0" indent="0" algn="ctr">
+              <a:lnSpc>
+                <a:spcPct val="100000"/>
+              </a:lnSpc>
+              <a:buNone/>
+            </a:pPr>
+            <a:r>
+              <a:rPr lang="es-CO" sz="3200" dirty="0" smtClean="0">
+                <a:latin typeface="+mj-lt"/>
+              </a:rPr>
+              <a:t>La consciencia de esta limitación temporal </a:t>
+            </a:r>
+            <a:r>
+              <a:rPr lang="es-CO" sz="3200" dirty="0" smtClean="0">
+                <a:solidFill>
+                  <a:srgbClr val="FF0000"/>
+                </a:solidFill>
+                <a:latin typeface="+mj-lt"/>
+              </a:rPr>
+              <a:t>favorece la </a:t>
+            </a:r>
+          </a:p>
+          <a:p>
+            <a:pPr marL="0" indent="0" algn="ctr">
+              <a:lnSpc>
+                <a:spcPct val="100000"/>
+              </a:lnSpc>
+              <a:buNone/>
+            </a:pPr>
+            <a:r>
+              <a:rPr lang="es-CO" sz="3200" dirty="0" smtClean="0">
+                <a:solidFill>
+                  <a:srgbClr val="FF0000"/>
+                </a:solidFill>
+                <a:latin typeface="+mj-lt"/>
+              </a:rPr>
+              <a:t>Priorización de objetivos/tareas </a:t>
+            </a:r>
+            <a:r>
+              <a:rPr lang="es-CO" sz="3200" dirty="0" smtClean="0">
+                <a:latin typeface="+mj-lt"/>
+              </a:rPr>
+              <a:t>y</a:t>
+            </a:r>
+            <a:r>
+              <a:rPr lang="es-CO" sz="3200" dirty="0" smtClean="0">
+                <a:solidFill>
+                  <a:srgbClr val="FF0000"/>
+                </a:solidFill>
+                <a:latin typeface="+mj-lt"/>
+              </a:rPr>
+              <a:t> fuerza la toma de decisiones</a:t>
+            </a:r>
+            <a:r>
+              <a:rPr lang="es-CO" sz="3200" dirty="0" smtClean="0">
+                <a:latin typeface="+mj-lt"/>
+              </a:rPr>
+              <a:t>.</a:t>
+            </a:r>
+            <a:endParaRPr lang="fr-FR" sz="3200" dirty="0">
+              <a:latin typeface="+mj-lt"/>
+            </a:endParaRPr>
+          </a:p>
+        </p:txBody>
+      </p:sp>
+      <p:sp>
+        <p:nvSpPr>
+          <p:cNvPr id="4" name="Title 3"/>
+          <p:cNvSpPr>
+            <a:spLocks noGrp="1"/>
+          </p:cNvSpPr>
+          <p:nvPr>
+            <p:ph type="title"/>
+          </p:nvPr>
+        </p:nvSpPr>
+        <p:spPr>
+          <a:xfrm>
+            <a:off x="838200" y="365125"/>
+            <a:ext cx="10515600" cy="1325563"/>
+          </a:xfrm>
+        </p:spPr>
+        <p:txBody>
+          <a:bodyPr/>
+          <a:lstStyle/>
           <a:p>
             <a:pPr algn="ctr"/>
             <a:r>
               <a:rPr lang="es-CO" dirty="0" smtClean="0">
                 <a:solidFill>
-                  <a:srgbClr val="FF0000"/>
-                </a:solidFill>
-                <a:effectLst>
-                  <a:outerShdw blurRad="38100" dist="38100" dir="2700000" algn="tl">
-                    <a:srgbClr val="000000">
-                      <a:alpha val="43137"/>
-                    </a:srgbClr>
-                  </a:outerShdw>
-                </a:effectLst>
+                  <a:srgbClr val="C00000"/>
+                </a:solidFill>
                 <a:latin typeface="Dekar" panose="02000000000000000000" pitchFamily="50" charset="0"/>
               </a:rPr>
-              <a:t>CONCEPTOS BASICOS</a:t>
+              <a:t>Time-box</a:t>
             </a:r>
             <a:endParaRPr lang="fr-FR" dirty="0">
               <a:solidFill>
-                <a:srgbClr val="FF0000"/>
+                <a:srgbClr val="C00000"/>
               </a:solidFill>
-              <a:effectLst>
-                <a:outerShdw blurRad="38100" dist="38100" dir="2700000" algn="tl">
-                  <a:srgbClr val="000000">
-                    <a:alpha val="43137"/>
-                  </a:srgbClr>
-                </a:outerShdw>
-              </a:effectLst>
               <a:latin typeface="Dekar" panose="02000000000000000000" pitchFamily="50" charset="0"/>
             </a:endParaRPr>
           </a:p>
@@ -11756,13 +12032,20 @@
     </p:spTree>
     <p:extLst>
       <p:ext uri="{BB962C8B-B14F-4D97-AF65-F5344CB8AC3E}">
-        <p14:creationId xmlns:p14="http://schemas.microsoft.com/office/powerpoint/2010/main" val="2523713136"/>
+        <p14:creationId xmlns:p14="http://schemas.microsoft.com/office/powerpoint/2010/main" val="3927560685"/>
       </p:ext>
     </p:extLst>
   </p:cSld>
   <p:clrMapOvr>
     <a:masterClrMapping/>
   </p:clrMapOvr>
+  <p:timing>
+    <p:tnLst>
+      <p:par>
+        <p:cTn id="1" dur="indefinite" restart="never" nodeType="tmRoot"/>
+      </p:par>
+    </p:tnLst>
+  </p:timing>
 </p:sld>
 </file>
 
@@ -11853,34 +12136,7 @@
               <a:rPr lang="es-CO" sz="3200" dirty="0" smtClean="0">
                 <a:latin typeface="+mj-lt"/>
               </a:rPr>
-              <a:t>Los </a:t>
-            </a:r>
-            <a:r>
-              <a:rPr lang="es-CO" sz="3200" b="1" dirty="0" smtClean="0">
-                <a:latin typeface="+mj-lt"/>
-              </a:rPr>
-              <a:t>Sprints  </a:t>
-            </a:r>
-            <a:r>
-              <a:rPr lang="es-CO" sz="3200" dirty="0" smtClean="0">
-                <a:latin typeface="+mj-lt"/>
-              </a:rPr>
-              <a:t>son </a:t>
-            </a:r>
-            <a:r>
-              <a:rPr lang="es-CO" sz="3200" dirty="0" smtClean="0">
-                <a:solidFill>
-                  <a:srgbClr val="C00000"/>
-                </a:solidFill>
-                <a:latin typeface="+mj-lt"/>
-              </a:rPr>
-              <a:t>bloques de tiempo </a:t>
-            </a:r>
-            <a:r>
-              <a:rPr lang="es-CO" sz="3200" dirty="0" smtClean="0">
-                <a:latin typeface="+mj-lt"/>
-              </a:rPr>
-              <a:t>en los cuales una cierta cantidad de trabajo debe ser realizada.</a:t>
+              <a:t>Acumulación de cosas, especialmente trabajo incompleto o asuntos que necesitan ser tratados</a:t>
             </a:r>
             <a:endParaRPr lang="fr-FR" sz="3200" dirty="0">
               <a:solidFill>
@@ -11919,7 +12175,7 @@
                 </a:solidFill>
                 <a:latin typeface="Dekar" panose="02000000000000000000" pitchFamily="50" charset="0"/>
               </a:rPr>
-              <a:t>Sprint</a:t>
+              <a:t>Backlog</a:t>
             </a:r>
             <a:endParaRPr lang="fr-FR" dirty="0">
               <a:solidFill>
@@ -11933,7 +12189,7 @@
     </p:spTree>
     <p:extLst>
       <p:ext uri="{BB962C8B-B14F-4D97-AF65-F5344CB8AC3E}">
-        <p14:creationId xmlns:p14="http://schemas.microsoft.com/office/powerpoint/2010/main" val="294835934"/>
+        <p14:creationId xmlns:p14="http://schemas.microsoft.com/office/powerpoint/2010/main" val="955025240"/>
       </p:ext>
     </p:extLst>
   </p:cSld>
@@ -11969,6 +12225,44 @@
       </p:grpSpPr>
       <p:sp>
         <p:nvSpPr>
+          <p:cNvPr id="2" name="Title 1"/>
+          <p:cNvSpPr>
+            <a:spLocks noGrp="1"/>
+          </p:cNvSpPr>
+          <p:nvPr>
+            <p:ph type="title"/>
+          </p:nvPr>
+        </p:nvSpPr>
+        <p:spPr/>
+        <p:txBody>
+          <a:bodyPr/>
+          <a:lstStyle/>
+          <a:p>
+            <a:pPr algn="ctr"/>
+            <a:r>
+              <a:rPr lang="es-CO" dirty="0" smtClean="0">
+                <a:solidFill>
+                  <a:srgbClr val="C00000"/>
+                </a:solidFill>
+                <a:latin typeface="Dekar" panose="02000000000000000000" pitchFamily="50" charset="0"/>
+              </a:rPr>
+              <a:t>¿Qué </a:t>
+            </a:r>
+            <a:r>
+              <a:rPr lang="es-CO" dirty="0" smtClean="0">
+                <a:solidFill>
+                  <a:srgbClr val="C00000"/>
+                </a:solidFill>
+                <a:latin typeface="Dekar" panose="02000000000000000000" pitchFamily="50" charset="0"/>
+              </a:rPr>
+              <a:t>son las historias de usuario?</a:t>
+            </a:r>
+            <a:endParaRPr lang="fr-FR" dirty="0"/>
+          </a:p>
+        </p:txBody>
+      </p:sp>
+      <p:sp>
+        <p:nvSpPr>
           <p:cNvPr id="3" name="Content Placeholder 2"/>
           <p:cNvSpPr>
             <a:spLocks noGrp="1"/>
@@ -11977,214 +12271,47 @@
             <p:ph idx="1"/>
           </p:nvPr>
         </p:nvSpPr>
-        <p:spPr>
-          <a:xfrm>
-            <a:off x="838200" y="365125"/>
-            <a:ext cx="10515600" cy="5811838"/>
-          </a:xfrm>
-        </p:spPr>
+        <p:spPr/>
         <p:txBody>
           <a:bodyPr/>
           <a:lstStyle/>
           <a:p>
-            <a:pPr marL="0" indent="0" algn="ctr">
-              <a:buNone/>
-            </a:pPr>
-            <a:endParaRPr lang="es-CO" dirty="0" smtClean="0">
-              <a:solidFill>
-                <a:srgbClr val="C00000"/>
-              </a:solidFill>
-            </a:endParaRPr>
-          </a:p>
-          <a:p>
-            <a:pPr marL="0" indent="0" algn="ctr">
-              <a:lnSpc>
-                <a:spcPct val="100000"/>
-              </a:lnSpc>
-              <a:buNone/>
-            </a:pPr>
-            <a:endParaRPr lang="es-CO" sz="3200" dirty="0" smtClean="0">
+            <a:pPr marL="514350" indent="-514350">
+              <a:buFont typeface="+mj-lt"/>
+              <a:buAutoNum type="arabicPeriod"/>
+            </a:pPr>
+            <a:r>
+              <a:rPr lang="es-CO" dirty="0" smtClean="0">
+                <a:latin typeface="+mj-lt"/>
+              </a:rPr>
+              <a:t>Descripción de una funcionalidad que debe incorporar un sistema de software</a:t>
+            </a:r>
+          </a:p>
+          <a:p>
+            <a:pPr marL="514350" indent="-514350">
+              <a:buFont typeface="+mj-lt"/>
+              <a:buAutoNum type="arabicPeriod"/>
+            </a:pPr>
+            <a:r>
+              <a:rPr lang="es-CO" dirty="0" smtClean="0">
+                <a:latin typeface="+mj-lt"/>
+              </a:rPr>
+              <a:t>Son descripciones cortas de una necesidad de un cliente.</a:t>
+            </a:r>
+          </a:p>
+          <a:p>
+            <a:pPr marL="514350" indent="-514350">
+              <a:buFont typeface="+mj-lt"/>
+              <a:buAutoNum type="arabicPeriod"/>
+            </a:pPr>
+            <a:r>
+              <a:rPr lang="es-CO" dirty="0" smtClean="0">
+                <a:latin typeface="+mj-lt"/>
+              </a:rPr>
+              <a:t>Es una representación de un requisito escrito en una o dos frases utilizando el lenguaje común del usuario.</a:t>
+            </a:r>
+            <a:endParaRPr lang="fr-FR" dirty="0">
               <a:latin typeface="+mj-lt"/>
-            </a:endParaRPr>
-          </a:p>
-          <a:p>
-            <a:pPr marL="0" indent="0" algn="ctr">
-              <a:lnSpc>
-                <a:spcPct val="100000"/>
-              </a:lnSpc>
-              <a:buNone/>
-            </a:pPr>
-            <a:endParaRPr lang="es-CO" sz="1600" dirty="0">
-              <a:latin typeface="+mj-lt"/>
-            </a:endParaRPr>
-          </a:p>
-          <a:p>
-            <a:pPr marL="0" indent="0" algn="ctr">
-              <a:lnSpc>
-                <a:spcPct val="100000"/>
-              </a:lnSpc>
-              <a:buNone/>
-            </a:pPr>
-            <a:r>
-              <a:rPr lang="es-CO" sz="3200" dirty="0" smtClean="0">
-                <a:latin typeface="+mj-lt"/>
-              </a:rPr>
-              <a:t>El </a:t>
-            </a:r>
-            <a:r>
-              <a:rPr lang="es-CO" sz="3200" b="1" dirty="0" smtClean="0">
-                <a:latin typeface="+mj-lt"/>
-              </a:rPr>
-              <a:t>Time-box  </a:t>
-            </a:r>
-            <a:r>
-              <a:rPr lang="es-CO" sz="3200" dirty="0" smtClean="0">
-                <a:latin typeface="+mj-lt"/>
-              </a:rPr>
-              <a:t>es una técnica que consiste en establecer un </a:t>
-            </a:r>
-            <a:r>
-              <a:rPr lang="es-CO" sz="3200" dirty="0" smtClean="0">
-                <a:solidFill>
-                  <a:srgbClr val="FF0000"/>
-                </a:solidFill>
-                <a:latin typeface="+mj-lt"/>
-              </a:rPr>
-              <a:t>tiempo máximo</a:t>
-            </a:r>
-            <a:r>
-              <a:rPr lang="es-CO" sz="3200" dirty="0" smtClean="0">
-                <a:latin typeface="+mj-lt"/>
-              </a:rPr>
-              <a:t> para cumplir una serie de tareas, </a:t>
-            </a:r>
-          </a:p>
-          <a:p>
-            <a:pPr marL="0" indent="0" algn="ctr">
-              <a:lnSpc>
-                <a:spcPct val="100000"/>
-              </a:lnSpc>
-              <a:buNone/>
-            </a:pPr>
-            <a:r>
-              <a:rPr lang="es-CO" sz="3200" dirty="0" smtClean="0">
-                <a:latin typeface="+mj-lt"/>
-              </a:rPr>
-              <a:t>alcanzar un objetivo o tomar una decisión.</a:t>
-            </a:r>
-          </a:p>
-          <a:p>
-            <a:pPr marL="0" indent="0" algn="ctr">
-              <a:lnSpc>
-                <a:spcPct val="100000"/>
-              </a:lnSpc>
-              <a:buNone/>
-            </a:pPr>
-            <a:endParaRPr lang="es-CO" sz="3200" dirty="0" smtClean="0">
-              <a:latin typeface="+mj-lt"/>
-            </a:endParaRPr>
-          </a:p>
-          <a:p>
-            <a:pPr marL="0" indent="0" algn="ctr">
-              <a:lnSpc>
-                <a:spcPct val="100000"/>
-              </a:lnSpc>
-              <a:buNone/>
-            </a:pPr>
-            <a:r>
-              <a:rPr lang="es-CO" sz="3200" dirty="0" smtClean="0">
-                <a:latin typeface="+mj-lt"/>
-              </a:rPr>
-              <a:t>La consciencia de esta limitación temporal </a:t>
-            </a:r>
-            <a:r>
-              <a:rPr lang="es-CO" sz="3200" dirty="0" smtClean="0">
-                <a:solidFill>
-                  <a:srgbClr val="FF0000"/>
-                </a:solidFill>
-                <a:latin typeface="+mj-lt"/>
-              </a:rPr>
-              <a:t>favorece la </a:t>
-            </a:r>
-          </a:p>
-          <a:p>
-            <a:pPr marL="0" indent="0" algn="ctr">
-              <a:lnSpc>
-                <a:spcPct val="100000"/>
-              </a:lnSpc>
-              <a:buNone/>
-            </a:pPr>
-            <a:r>
-              <a:rPr lang="es-CO" sz="3200" dirty="0" smtClean="0">
-                <a:solidFill>
-                  <a:srgbClr val="FF0000"/>
-                </a:solidFill>
-                <a:latin typeface="+mj-lt"/>
-              </a:rPr>
-              <a:t>Priorización de objetivos/tareas </a:t>
-            </a:r>
-            <a:r>
-              <a:rPr lang="es-CO" sz="3200" dirty="0" smtClean="0">
-                <a:latin typeface="+mj-lt"/>
-              </a:rPr>
-              <a:t>y</a:t>
-            </a:r>
-            <a:r>
-              <a:rPr lang="es-CO" sz="3200" dirty="0" smtClean="0">
-                <a:solidFill>
-                  <a:srgbClr val="FF0000"/>
-                </a:solidFill>
-                <a:latin typeface="+mj-lt"/>
-              </a:rPr>
-              <a:t> fuerza la toma de decisiones</a:t>
-            </a:r>
-            <a:r>
-              <a:rPr lang="es-CO" sz="3200" dirty="0" smtClean="0">
-                <a:latin typeface="+mj-lt"/>
-              </a:rPr>
-              <a:t>.</a:t>
-            </a:r>
-            <a:endParaRPr lang="fr-FR" sz="3200" dirty="0">
-              <a:latin typeface="+mj-lt"/>
-            </a:endParaRPr>
-          </a:p>
-        </p:txBody>
-      </p:sp>
-      <p:sp>
-        <p:nvSpPr>
-          <p:cNvPr id="4" name="Title 3"/>
-          <p:cNvSpPr>
-            <a:spLocks noGrp="1"/>
-          </p:cNvSpPr>
-          <p:nvPr>
-            <p:ph type="title"/>
-          </p:nvPr>
-        </p:nvSpPr>
-        <p:spPr>
-          <a:xfrm>
-            <a:off x="838200" y="365125"/>
-            <a:ext cx="10515600" cy="1325563"/>
-          </a:xfrm>
-        </p:spPr>
-        <p:txBody>
-          <a:bodyPr/>
-          <a:lstStyle/>
-          <a:p>
-            <a:pPr algn="ctr"/>
-            <a:r>
-              <a:rPr lang="es-CO" dirty="0" smtClean="0">
-                <a:solidFill>
-                  <a:srgbClr val="C00000"/>
-                </a:solidFill>
-                <a:latin typeface="Dekar" panose="02000000000000000000" pitchFamily="50" charset="0"/>
-              </a:rPr>
-              <a:t>Time-box</a:t>
-            </a:r>
-            <a:endParaRPr lang="fr-FR" dirty="0">
-              <a:solidFill>
-                <a:srgbClr val="C00000"/>
-              </a:solidFill>
-              <a:latin typeface="Dekar" panose="02000000000000000000" pitchFamily="50" charset="0"/>
             </a:endParaRPr>
           </a:p>
         </p:txBody>
@@ -12192,20 +12319,13 @@
     </p:spTree>
     <p:extLst>
       <p:ext uri="{BB962C8B-B14F-4D97-AF65-F5344CB8AC3E}">
-        <p14:creationId xmlns:p14="http://schemas.microsoft.com/office/powerpoint/2010/main" val="3927560685"/>
+        <p14:creationId xmlns:p14="http://schemas.microsoft.com/office/powerpoint/2010/main" val="3690936573"/>
       </p:ext>
     </p:extLst>
   </p:cSld>
   <p:clrMapOvr>
     <a:masterClrMapping/>
   </p:clrMapOvr>
-  <p:timing>
-    <p:tnLst>
-      <p:par>
-        <p:cTn id="1" dur="indefinite" restart="never" nodeType="tmRoot"/>
-      </p:par>
-    </p:tnLst>
-  </p:timing>
 </p:sld>
 </file>
 
@@ -12228,119 +12348,101 @@
       </p:grpSpPr>
       <p:sp>
         <p:nvSpPr>
-          <p:cNvPr id="3" name="Content Placeholder 2"/>
-          <p:cNvSpPr>
-            <a:spLocks noGrp="1"/>
-          </p:cNvSpPr>
-          <p:nvPr>
-            <p:ph idx="1"/>
-          </p:nvPr>
+          <p:cNvPr id="2" name="Title 1"/>
+          <p:cNvSpPr txBox="1">
+            <a:spLocks/>
+          </p:cNvSpPr>
+          <p:nvPr/>
         </p:nvSpPr>
         <p:spPr>
           <a:xfrm>
-            <a:off x="838200" y="365125"/>
-            <a:ext cx="10515600" cy="5811838"/>
+            <a:off x="1485900" y="1173163"/>
+            <a:ext cx="9144000" cy="2387600"/>
           </a:xfrm>
+          <a:prstGeom prst="rect">
+            <a:avLst/>
+          </a:prstGeom>
         </p:spPr>
         <p:txBody>
           <a:bodyPr/>
-          <a:lstStyle/>
-          <a:p>
-            <a:pPr marL="0" indent="0" algn="ctr">
-              <a:buNone/>
-            </a:pPr>
+          <a:lstStyle>
+            <a:lvl1pPr algn="l" defTabSz="914400" rtl="0" eaLnBrk="1" latinLnBrk="0" hangingPunct="1">
+              <a:lnSpc>
+                <a:spcPct val="90000"/>
+              </a:lnSpc>
+              <a:spcBef>
+                <a:spcPct val="0"/>
+              </a:spcBef>
+              <a:buNone/>
+              <a:defRPr sz="4400" kern="1200">
+                <a:solidFill>
+                  <a:schemeClr val="tx1"/>
+                </a:solidFill>
+                <a:latin typeface="+mj-lt"/>
+                <a:ea typeface="+mj-ea"/>
+                <a:cs typeface="+mj-cs"/>
+              </a:defRPr>
+            </a:lvl1pPr>
+          </a:lstStyle>
+          <a:p>
             <a:endParaRPr lang="es-CO" dirty="0" smtClean="0">
               <a:solidFill>
-                <a:srgbClr val="C00000"/>
+                <a:prstClr val="black"/>
               </a:solidFill>
-            </a:endParaRPr>
-          </a:p>
-          <a:p>
-            <a:pPr marL="0" indent="0" algn="ctr">
-              <a:buNone/>
-            </a:pPr>
-            <a:endParaRPr lang="es-CO" dirty="0" smtClean="0">
-              <a:solidFill>
-                <a:srgbClr val="C00000"/>
-              </a:solidFill>
-            </a:endParaRPr>
-          </a:p>
-          <a:p>
-            <a:pPr marL="0" indent="0" algn="ctr">
-              <a:buNone/>
-            </a:pPr>
-            <a:endParaRPr lang="es-CO" dirty="0" smtClean="0">
-              <a:solidFill>
-                <a:srgbClr val="C00000"/>
-              </a:solidFill>
-            </a:endParaRPr>
-          </a:p>
-          <a:p>
-            <a:pPr marL="0" indent="0" algn="ctr">
-              <a:buNone/>
-            </a:pPr>
+              <a:effectLst>
+                <a:outerShdw blurRad="38100" dist="38100" dir="2700000" algn="tl">
+                  <a:srgbClr val="000000">
+                    <a:alpha val="43137"/>
+                  </a:srgbClr>
+                </a:outerShdw>
+              </a:effectLst>
+              <a:latin typeface="Dekar" panose="02000000000000000000" pitchFamily="50" charset="0"/>
+            </a:endParaRPr>
+          </a:p>
+          <a:p>
             <a:endParaRPr lang="es-CO" dirty="0">
               <a:solidFill>
-                <a:srgbClr val="C00000"/>
+                <a:prstClr val="black"/>
               </a:solidFill>
-            </a:endParaRPr>
-          </a:p>
-          <a:p>
-            <a:pPr marL="0" indent="0" algn="ctr">
-              <a:lnSpc>
-                <a:spcPct val="100000"/>
-              </a:lnSpc>
-              <a:buNone/>
-            </a:pPr>
-            <a:r>
-              <a:rPr lang="es-CO" sz="3200" dirty="0" smtClean="0">
-                <a:latin typeface="+mj-lt"/>
-              </a:rPr>
-              <a:t>Acumulación de cosas, especialmente trabajo incompleto o asuntos que necesitan ser tratados</a:t>
-            </a:r>
-            <a:endParaRPr lang="fr-FR" sz="3200" dirty="0">
-              <a:solidFill>
-                <a:srgbClr val="C00000"/>
-              </a:solidFill>
-              <a:latin typeface="+mj-lt"/>
-            </a:endParaRPr>
-          </a:p>
-        </p:txBody>
-      </p:sp>
-      <p:sp>
-        <p:nvSpPr>
-          <p:cNvPr id="4" name="Title 3"/>
-          <p:cNvSpPr>
-            <a:spLocks noGrp="1"/>
-          </p:cNvSpPr>
-          <p:nvPr>
-            <p:ph type="title"/>
-          </p:nvPr>
-        </p:nvSpPr>
-        <p:spPr>
-          <a:xfrm>
-            <a:off x="838200" y="365125"/>
-            <a:ext cx="10515600" cy="1325563"/>
-          </a:xfrm>
-        </p:spPr>
-        <p:txBody>
-          <a:bodyPr/>
-          <a:lstStyle/>
+              <a:effectLst>
+                <a:outerShdw blurRad="38100" dist="38100" dir="2700000" algn="tl">
+                  <a:srgbClr val="000000">
+                    <a:alpha val="43137"/>
+                  </a:srgbClr>
+                </a:outerShdw>
+              </a:effectLst>
+              <a:latin typeface="Dekar" panose="02000000000000000000" pitchFamily="50" charset="0"/>
+            </a:endParaRPr>
+          </a:p>
           <a:p>
             <a:pPr algn="ctr"/>
             <a:r>
               <a:rPr lang="es-CO" dirty="0" smtClean="0">
                 <a:solidFill>
-                  <a:srgbClr val="C00000"/>
-                </a:solidFill>
+                  <a:srgbClr val="FF0000"/>
+                </a:solidFill>
+                <a:effectLst>
+                  <a:outerShdw blurRad="38100" dist="38100" dir="2700000" algn="tl">
+                    <a:srgbClr val="000000">
+                      <a:alpha val="43137"/>
+                    </a:srgbClr>
+                  </a:outerShdw>
+                </a:effectLst>
                 <a:latin typeface="Dekar" panose="02000000000000000000" pitchFamily="50" charset="0"/>
               </a:rPr>
-              <a:t>Backlog</a:t>
+              <a:t>ROLES</a:t>
             </a:r>
             <a:endParaRPr lang="fr-FR" dirty="0">
               <a:solidFill>
-                <a:srgbClr val="C00000"/>
+                <a:srgbClr val="FF0000"/>
               </a:solidFill>
+              <a:effectLst>
+                <a:outerShdw blurRad="38100" dist="38100" dir="2700000" algn="tl">
+                  <a:srgbClr val="000000">
+                    <a:alpha val="43137"/>
+                  </a:srgbClr>
+                </a:outerShdw>
+              </a:effectLst>
               <a:latin typeface="Dekar" panose="02000000000000000000" pitchFamily="50" charset="0"/>
             </a:endParaRPr>
           </a:p>
@@ -12349,20 +12451,13 @@
     </p:spTree>
     <p:extLst>
       <p:ext uri="{BB962C8B-B14F-4D97-AF65-F5344CB8AC3E}">
-        <p14:creationId xmlns:p14="http://schemas.microsoft.com/office/powerpoint/2010/main" val="955025240"/>
+        <p14:creationId xmlns:p14="http://schemas.microsoft.com/office/powerpoint/2010/main" val="2681205348"/>
       </p:ext>
     </p:extLst>
   </p:cSld>
   <p:clrMapOvr>
     <a:masterClrMapping/>
   </p:clrMapOvr>
-  <p:timing>
-    <p:tnLst>
-      <p:par>
-        <p:cTn id="1" dur="indefinite" restart="never" nodeType="tmRoot"/>
-      </p:par>
-    </p:tnLst>
-  </p:timing>
 </p:sld>
 </file>
 
@@ -12383,9 +12478,38 @@
           <a:chExt cx="0" cy="0"/>
         </a:xfrm>
       </p:grpSpPr>
-      <p:sp>
-        <p:nvSpPr>
-          <p:cNvPr id="2" name="Title 1"/>
+      <p:pic>
+        <p:nvPicPr>
+          <p:cNvPr id="4" name="Content Placeholder 3"/>
+          <p:cNvPicPr>
+            <a:picLocks noGrp="1" noChangeAspect="1"/>
+          </p:cNvPicPr>
+          <p:nvPr>
+            <p:ph idx="1"/>
+          </p:nvPr>
+        </p:nvPicPr>
+        <p:blipFill>
+          <a:blip r:embed="rId2">
+            <a:extLst>
+              <a:ext uri="{28A0092B-C50C-407E-A947-70E740481C1C}">
+                <a14:useLocalDpi xmlns:a14="http://schemas.microsoft.com/office/drawing/2010/main" val="0"/>
+              </a:ext>
+            </a:extLst>
+          </a:blip>
+          <a:stretch>
+            <a:fillRect/>
+          </a:stretch>
+        </p:blipFill>
+        <p:spPr>
+          <a:xfrm>
+            <a:off x="2211058" y="1622423"/>
+            <a:ext cx="7832408" cy="4351338"/>
+          </a:xfrm>
+        </p:spPr>
+      </p:pic>
+      <p:sp>
+        <p:nvSpPr>
+          <p:cNvPr id="3" name="Title 1"/>
           <p:cNvSpPr>
             <a:spLocks noGrp="1"/>
           </p:cNvSpPr>
@@ -12393,29 +12517,25 @@
             <p:ph type="title"/>
           </p:nvPr>
         </p:nvSpPr>
-        <p:spPr/>
+        <p:spPr>
+          <a:xfrm>
+            <a:off x="838200" y="365125"/>
+            <a:ext cx="10515600" cy="1325563"/>
+          </a:xfrm>
+        </p:spPr>
         <p:txBody>
           <a:bodyPr/>
           <a:lstStyle/>
           <a:p>
             <a:pPr algn="ctr"/>
             <a:r>
-              <a:rPr lang="es-CO" dirty="0">
+              <a:rPr lang="es-CO" dirty="0" smtClean="0">
                 <a:solidFill>
                   <a:srgbClr val="C00000"/>
                 </a:solidFill>
                 <a:latin typeface="Dekar" panose="02000000000000000000" pitchFamily="50" charset="0"/>
               </a:rPr>
-              <a:t>Que </a:t>
-            </a:r>
-            <a:r>
-              <a:rPr lang="es-CO" dirty="0" smtClean="0">
-                <a:solidFill>
-                  <a:srgbClr val="C00000"/>
-                </a:solidFill>
-                <a:latin typeface="Dekar" panose="02000000000000000000" pitchFamily="50" charset="0"/>
-              </a:rPr>
-              <a:t>son las historias de usuario?</a:t>
+              <a:t>Roles principales</a:t>
             </a:r>
             <a:endParaRPr lang="fr-FR" dirty="0"/>
           </a:p>
@@ -12423,63 +12543,39 @@
       </p:sp>
       <p:sp>
         <p:nvSpPr>
-          <p:cNvPr id="3" name="Content Placeholder 2"/>
-          <p:cNvSpPr>
-            <a:spLocks noGrp="1"/>
-          </p:cNvSpPr>
-          <p:nvPr>
-            <p:ph idx="1"/>
-          </p:nvPr>
-        </p:nvSpPr>
-        <p:spPr/>
-        <p:txBody>
-          <a:bodyPr/>
-          <a:lstStyle/>
-          <a:p>
-            <a:pPr marL="514350" indent="-514350">
-              <a:buFont typeface="+mj-lt"/>
-              <a:buAutoNum type="arabicPeriod"/>
-            </a:pPr>
-            <a:r>
-              <a:rPr lang="es-CO" dirty="0" smtClean="0">
-                <a:latin typeface="+mj-lt"/>
-              </a:rPr>
-              <a:t>Descripción de una funcionalidad que debe incorporar un sistema de software</a:t>
-            </a:r>
-          </a:p>
-          <a:p>
-            <a:pPr marL="514350" indent="-514350">
-              <a:buFont typeface="+mj-lt"/>
-              <a:buAutoNum type="arabicPeriod"/>
-            </a:pPr>
-            <a:r>
-              <a:rPr lang="es-CO" dirty="0" smtClean="0">
-                <a:latin typeface="+mj-lt"/>
-              </a:rPr>
-              <a:t>Son descripciones cortas de una necesidad de un cliente.</a:t>
-            </a:r>
-          </a:p>
-          <a:p>
-            <a:pPr marL="514350" indent="-514350">
-              <a:buFont typeface="+mj-lt"/>
-              <a:buAutoNum type="arabicPeriod"/>
-            </a:pPr>
-            <a:r>
-              <a:rPr lang="es-CO" dirty="0" smtClean="0">
-                <a:latin typeface="+mj-lt"/>
-              </a:rPr>
-              <a:t>Es una representación de un requisito escrito en una o dos frases utilizando el lenguaje común del usuario.</a:t>
-            </a:r>
-            <a:endParaRPr lang="fr-FR" dirty="0">
-              <a:latin typeface="+mj-lt"/>
-            </a:endParaRPr>
+          <p:cNvPr id="2" name="TextBox 1"/>
+          <p:cNvSpPr txBox="1"/>
+          <p:nvPr/>
+        </p:nvSpPr>
+        <p:spPr>
+          <a:xfrm>
+            <a:off x="2211058" y="6205415"/>
+            <a:ext cx="7714480" cy="369332"/>
+          </a:xfrm>
+          <a:prstGeom prst="rect">
+            <a:avLst/>
+          </a:prstGeom>
+          <a:noFill/>
+        </p:spPr>
+        <p:txBody>
+          <a:bodyPr wrap="square" rtlCol="0">
+            <a:spAutoFit/>
+          </a:bodyPr>
+          <a:lstStyle/>
+          <a:p>
+            <a:pPr algn="ctr"/>
+            <a:r>
+              <a:rPr lang="es-CO" i="1" dirty="0" smtClean="0"/>
+              <a:t>Ningún rol tiene autoridad sobre los otros</a:t>
+            </a:r>
+            <a:endParaRPr lang="fr-FR" i="1" dirty="0"/>
           </a:p>
         </p:txBody>
       </p:sp>
     </p:spTree>
     <p:extLst>
       <p:ext uri="{BB962C8B-B14F-4D97-AF65-F5344CB8AC3E}">
-        <p14:creationId xmlns:p14="http://schemas.microsoft.com/office/powerpoint/2010/main" val="3690936573"/>
+        <p14:creationId xmlns:p14="http://schemas.microsoft.com/office/powerpoint/2010/main" val="9575968"/>
       </p:ext>
     </p:extLst>
   </p:cSld>
@@ -12508,116 +12604,348 @@
       </p:grpSpPr>
       <p:sp>
         <p:nvSpPr>
-          <p:cNvPr id="2" name="Title 1"/>
-          <p:cNvSpPr txBox="1">
-            <a:spLocks/>
-          </p:cNvSpPr>
+          <p:cNvPr id="7" name="TextBox 6"/>
+          <p:cNvSpPr txBox="1"/>
           <p:nvPr/>
         </p:nvSpPr>
         <p:spPr>
           <a:xfrm>
-            <a:off x="1485900" y="1173163"/>
-            <a:ext cx="9144000" cy="2387600"/>
+            <a:off x="985683" y="649447"/>
+            <a:ext cx="3721100" cy="701731"/>
           </a:xfrm>
           <a:prstGeom prst="rect">
             <a:avLst/>
           </a:prstGeom>
+          <a:noFill/>
         </p:spPr>
         <p:txBody>
-          <a:bodyPr/>
-          <a:lstStyle>
-            <a:lvl1pPr algn="l" defTabSz="914400" rtl="0" eaLnBrk="1" latinLnBrk="0" hangingPunct="1">
+          <a:bodyPr wrap="square" rtlCol="0">
+            <a:spAutoFit/>
+          </a:bodyPr>
+          <a:lstStyle/>
+          <a:p>
+            <a:pPr algn="ctr">
               <a:lnSpc>
                 <a:spcPct val="90000"/>
               </a:lnSpc>
               <a:spcBef>
                 <a:spcPct val="0"/>
               </a:spcBef>
-              <a:buNone/>
-              <a:defRPr sz="4400" kern="1200">
-                <a:solidFill>
-                  <a:schemeClr val="tx1"/>
-                </a:solidFill>
-                <a:latin typeface="+mj-lt"/>
-                <a:ea typeface="+mj-ea"/>
-                <a:cs typeface="+mj-cs"/>
-              </a:defRPr>
-            </a:lvl1pPr>
-          </a:lstStyle>
-          <a:p>
-            <a:endParaRPr lang="es-CO" dirty="0" smtClean="0">
+            </a:pPr>
+            <a:r>
+              <a:rPr lang="es-CO" sz="4400" dirty="0" err="1" smtClean="0">
+                <a:solidFill>
+                  <a:srgbClr val="C00000"/>
+                </a:solidFill>
+                <a:latin typeface="Dekar" panose="02000000000000000000" pitchFamily="50" charset="0"/>
+              </a:rPr>
+              <a:t>Product</a:t>
+            </a:r>
+            <a:r>
+              <a:rPr lang="es-CO" sz="4400" dirty="0" smtClean="0">
+                <a:solidFill>
+                  <a:srgbClr val="C00000"/>
+                </a:solidFill>
+                <a:latin typeface="Dekar" panose="02000000000000000000" pitchFamily="50" charset="0"/>
+              </a:rPr>
+              <a:t> </a:t>
+            </a:r>
+            <a:r>
+              <a:rPr lang="es-CO" sz="4400" dirty="0" err="1" smtClean="0">
+                <a:solidFill>
+                  <a:srgbClr val="C00000"/>
+                </a:solidFill>
+                <a:latin typeface="Dekar" panose="02000000000000000000" pitchFamily="50" charset="0"/>
+              </a:rPr>
+              <a:t>Owner</a:t>
+            </a:r>
+            <a:endParaRPr lang="fr-FR" sz="4400" dirty="0">
+              <a:solidFill>
+                <a:srgbClr val="C00000"/>
+              </a:solidFill>
+              <a:latin typeface="Dekar" panose="02000000000000000000" pitchFamily="50" charset="0"/>
+            </a:endParaRPr>
+          </a:p>
+        </p:txBody>
+      </p:sp>
+      <p:sp>
+        <p:nvSpPr>
+          <p:cNvPr id="8" name="TextBox 7"/>
+          <p:cNvSpPr txBox="1"/>
+          <p:nvPr/>
+        </p:nvSpPr>
+        <p:spPr>
+          <a:xfrm>
+            <a:off x="5042098" y="1118090"/>
+            <a:ext cx="6510817" cy="4862870"/>
+          </a:xfrm>
+          <a:prstGeom prst="rect">
+            <a:avLst/>
+          </a:prstGeom>
+          <a:noFill/>
+        </p:spPr>
+        <p:txBody>
+          <a:bodyPr wrap="square" rtlCol="0">
+            <a:spAutoFit/>
+          </a:bodyPr>
+          <a:lstStyle/>
+          <a:p>
+            <a:pPr marL="457200" indent="-457200">
+              <a:lnSpc>
+                <a:spcPct val="150000"/>
+              </a:lnSpc>
+              <a:buFont typeface="Wingdings" panose="05000000000000000000" pitchFamily="2" charset="2"/>
+              <a:buChar char="q"/>
+            </a:pPr>
+            <a:r>
+              <a:rPr lang="es-CO" sz="2000" dirty="0" smtClean="0">
+                <a:solidFill>
+                  <a:prstClr val="black"/>
+                </a:solidFill>
+                <a:latin typeface="Calibri Light" panose="020F0302020204030204"/>
+              </a:rPr>
+              <a:t>Representa al cliente, sabe lo que quieren los usuarios,  </a:t>
+            </a:r>
+          </a:p>
+          <a:p>
+            <a:pPr marL="457200" indent="-457200">
+              <a:buFont typeface="Wingdings" panose="05000000000000000000" pitchFamily="2" charset="2"/>
+              <a:buChar char="q"/>
+            </a:pPr>
+            <a:endParaRPr lang="es-CO" sz="2000" dirty="0" smtClean="0">
               <a:solidFill>
                 <a:prstClr val="black"/>
               </a:solidFill>
-              <a:effectLst>
-                <a:outerShdw blurRad="38100" dist="38100" dir="2700000" algn="tl">
-                  <a:srgbClr val="000000">
-                    <a:alpha val="43137"/>
-                  </a:srgbClr>
-                </a:outerShdw>
-              </a:effectLst>
-              <a:latin typeface="Dekar" panose="02000000000000000000" pitchFamily="50" charset="0"/>
-            </a:endParaRPr>
-          </a:p>
-          <a:p>
-            <a:endParaRPr lang="es-CO" dirty="0">
+              <a:latin typeface="Calibri Light" panose="020F0302020204030204"/>
+            </a:endParaRPr>
+          </a:p>
+          <a:p>
+            <a:pPr marL="457200" indent="-457200">
+              <a:buFont typeface="Wingdings" panose="05000000000000000000" pitchFamily="2" charset="2"/>
+              <a:buChar char="q"/>
+            </a:pPr>
+            <a:r>
+              <a:rPr lang="es-CO" sz="2000" dirty="0" smtClean="0">
+                <a:solidFill>
+                  <a:prstClr val="black"/>
+                </a:solidFill>
+                <a:latin typeface="Calibri Light" panose="020F0302020204030204"/>
+              </a:rPr>
+              <a:t>Escribe las historias de usuario</a:t>
+            </a:r>
+          </a:p>
+          <a:p>
+            <a:pPr marL="457200" indent="-457200">
+              <a:buFont typeface="Wingdings" panose="05000000000000000000" pitchFamily="2" charset="2"/>
+              <a:buChar char="q"/>
+            </a:pPr>
+            <a:endParaRPr lang="es-CO" sz="2000" dirty="0" smtClean="0">
               <a:solidFill>
                 <a:prstClr val="black"/>
               </a:solidFill>
-              <a:effectLst>
-                <a:outerShdw blurRad="38100" dist="38100" dir="2700000" algn="tl">
-                  <a:srgbClr val="000000">
-                    <a:alpha val="43137"/>
-                  </a:srgbClr>
-                </a:outerShdw>
-              </a:effectLst>
-              <a:latin typeface="Dekar" panose="02000000000000000000" pitchFamily="50" charset="0"/>
-            </a:endParaRPr>
-          </a:p>
-          <a:p>
-            <a:pPr algn="ctr"/>
-            <a:r>
-              <a:rPr lang="es-CO" dirty="0" smtClean="0">
-                <a:solidFill>
-                  <a:srgbClr val="FF0000"/>
-                </a:solidFill>
-                <a:effectLst>
-                  <a:outerShdw blurRad="38100" dist="38100" dir="2700000" algn="tl">
-                    <a:srgbClr val="000000">
-                      <a:alpha val="43137"/>
-                    </a:srgbClr>
-                  </a:outerShdw>
-                </a:effectLst>
-                <a:latin typeface="Dekar" panose="02000000000000000000" pitchFamily="50" charset="0"/>
-              </a:rPr>
-              <a:t>ROLES</a:t>
-            </a:r>
-            <a:endParaRPr lang="fr-FR" dirty="0">
+              <a:latin typeface="Calibri Light" panose="020F0302020204030204"/>
+            </a:endParaRPr>
+          </a:p>
+          <a:p>
+            <a:pPr marL="457200" indent="-457200">
+              <a:buFont typeface="Wingdings" panose="05000000000000000000" pitchFamily="2" charset="2"/>
+              <a:buChar char="q"/>
+            </a:pPr>
+            <a:r>
+              <a:rPr lang="es-CO" sz="2000" dirty="0" smtClean="0">
+                <a:solidFill>
+                  <a:prstClr val="black"/>
+                </a:solidFill>
+                <a:latin typeface="Calibri Light" panose="020F0302020204030204"/>
+              </a:rPr>
+              <a:t>Decide que desarrollar y que no</a:t>
+            </a:r>
+          </a:p>
+          <a:p>
+            <a:pPr marL="457200" indent="-457200">
+              <a:buFont typeface="Wingdings" panose="05000000000000000000" pitchFamily="2" charset="2"/>
+              <a:buChar char="q"/>
+            </a:pPr>
+            <a:endParaRPr lang="es-CO" sz="2000" dirty="0" smtClean="0">
               <a:solidFill>
-                <a:srgbClr val="FF0000"/>
+                <a:prstClr val="black"/>
               </a:solidFill>
-              <a:effectLst>
-                <a:outerShdw blurRad="38100" dist="38100" dir="2700000" algn="tl">
-                  <a:srgbClr val="000000">
-                    <a:alpha val="43137"/>
-                  </a:srgbClr>
-                </a:outerShdw>
-              </a:effectLst>
-              <a:latin typeface="Dekar" panose="02000000000000000000" pitchFamily="50" charset="0"/>
-            </a:endParaRPr>
-          </a:p>
-        </p:txBody>
-      </p:sp>
+              <a:latin typeface="Calibri Light" panose="020F0302020204030204"/>
+            </a:endParaRPr>
+          </a:p>
+          <a:p>
+            <a:pPr marL="457200" indent="-457200">
+              <a:buFont typeface="Wingdings" panose="05000000000000000000" pitchFamily="2" charset="2"/>
+              <a:buChar char="q"/>
+            </a:pPr>
+            <a:r>
+              <a:rPr lang="es-CO" sz="2000" dirty="0" smtClean="0">
+                <a:solidFill>
+                  <a:prstClr val="black"/>
+                </a:solidFill>
+                <a:latin typeface="Calibri Light" panose="020F0302020204030204"/>
+              </a:rPr>
+              <a:t>Fija criterios de aceptación para cada historia de usuario.</a:t>
+            </a:r>
+          </a:p>
+          <a:p>
+            <a:pPr marL="457200" indent="-457200">
+              <a:buFont typeface="Wingdings" panose="05000000000000000000" pitchFamily="2" charset="2"/>
+              <a:buChar char="q"/>
+            </a:pPr>
+            <a:endParaRPr lang="es-CO" sz="2000" dirty="0" smtClean="0">
+              <a:solidFill>
+                <a:prstClr val="black"/>
+              </a:solidFill>
+              <a:latin typeface="Calibri Light" panose="020F0302020204030204"/>
+            </a:endParaRPr>
+          </a:p>
+          <a:p>
+            <a:pPr marL="457200" indent="-457200">
+              <a:buFont typeface="Wingdings" panose="05000000000000000000" pitchFamily="2" charset="2"/>
+              <a:buChar char="q"/>
+            </a:pPr>
+            <a:r>
+              <a:rPr lang="es-CO" sz="2000" dirty="0" smtClean="0">
+                <a:solidFill>
+                  <a:prstClr val="black"/>
+                </a:solidFill>
+                <a:latin typeface="Calibri Light" panose="020F0302020204030204"/>
+              </a:rPr>
+              <a:t>Prioriza historias de usuario</a:t>
+            </a:r>
+          </a:p>
+          <a:p>
+            <a:pPr marL="457200" indent="-457200">
+              <a:buFont typeface="Wingdings" panose="05000000000000000000" pitchFamily="2" charset="2"/>
+              <a:buChar char="q"/>
+            </a:pPr>
+            <a:endParaRPr lang="es-CO" sz="2000" dirty="0">
+              <a:solidFill>
+                <a:prstClr val="black"/>
+              </a:solidFill>
+              <a:latin typeface="Calibri Light" panose="020F0302020204030204"/>
+            </a:endParaRPr>
+          </a:p>
+          <a:p>
+            <a:pPr marL="457200" indent="-457200">
+              <a:buFont typeface="Wingdings" panose="05000000000000000000" pitchFamily="2" charset="2"/>
+              <a:buChar char="q"/>
+            </a:pPr>
+            <a:r>
+              <a:rPr lang="es-CO" sz="2000" dirty="0" smtClean="0">
+                <a:solidFill>
+                  <a:prstClr val="black"/>
+                </a:solidFill>
+                <a:latin typeface="Calibri Light" panose="020F0302020204030204"/>
+              </a:rPr>
+              <a:t>Resuelve dudas al Scrum Team sobre las funcionalidades</a:t>
+            </a:r>
+            <a:br>
+              <a:rPr lang="es-CO" sz="2000" dirty="0" smtClean="0">
+                <a:solidFill>
+                  <a:prstClr val="black"/>
+                </a:solidFill>
+                <a:latin typeface="Calibri Light" panose="020F0302020204030204"/>
+              </a:rPr>
+            </a:br>
+            <a:endParaRPr lang="es-CO" sz="2000" dirty="0" smtClean="0">
+              <a:solidFill>
+                <a:prstClr val="black"/>
+              </a:solidFill>
+              <a:latin typeface="Calibri Light" panose="020F0302020204030204"/>
+            </a:endParaRPr>
+          </a:p>
+          <a:p>
+            <a:pPr marL="457200" indent="-457200">
+              <a:buFont typeface="Wingdings" panose="05000000000000000000" pitchFamily="2" charset="2"/>
+              <a:buChar char="q"/>
+            </a:pPr>
+            <a:r>
+              <a:rPr lang="es-CO" sz="2000" dirty="0" smtClean="0">
+                <a:solidFill>
+                  <a:prstClr val="black"/>
+                </a:solidFill>
+                <a:latin typeface="Calibri Light" panose="020F0302020204030204"/>
+              </a:rPr>
+              <a:t>Definir el plan de reléase. </a:t>
+            </a:r>
+          </a:p>
+          <a:p>
+            <a:pPr marL="457200" indent="-457200">
+              <a:buFont typeface="Wingdings" panose="05000000000000000000" pitchFamily="2" charset="2"/>
+              <a:buChar char="q"/>
+            </a:pPr>
+            <a:endParaRPr lang="es-CO" sz="2000" dirty="0" smtClean="0">
+              <a:solidFill>
+                <a:prstClr val="black"/>
+              </a:solidFill>
+              <a:latin typeface="Calibri Light" panose="020F0302020204030204"/>
+            </a:endParaRPr>
+          </a:p>
+          <a:p>
+            <a:pPr marL="457200" indent="-457200">
+              <a:buFont typeface="Wingdings" panose="05000000000000000000" pitchFamily="2" charset="2"/>
+              <a:buChar char="q"/>
+            </a:pPr>
+            <a:r>
+              <a:rPr lang="es-CO" sz="2000" dirty="0" smtClean="0">
+                <a:solidFill>
+                  <a:prstClr val="black"/>
+                </a:solidFill>
+                <a:latin typeface="Calibri Light" panose="020F0302020204030204"/>
+              </a:rPr>
+              <a:t>Aprueba/Rechaza los entregables del Team.</a:t>
+            </a:r>
+          </a:p>
+        </p:txBody>
+      </p:sp>
+      <p:pic>
+        <p:nvPicPr>
+          <p:cNvPr id="2" name="Picture 1"/>
+          <p:cNvPicPr>
+            <a:picLocks noChangeAspect="1"/>
+          </p:cNvPicPr>
+          <p:nvPr/>
+        </p:nvPicPr>
+        <p:blipFill rotWithShape="1">
+          <a:blip r:embed="rId2">
+            <a:extLst>
+              <a:ext uri="{28A0092B-C50C-407E-A947-70E740481C1C}">
+                <a14:useLocalDpi xmlns:a14="http://schemas.microsoft.com/office/drawing/2010/main" val="0"/>
+              </a:ext>
+            </a:extLst>
+          </a:blip>
+          <a:srcRect l="3345" r="3474"/>
+          <a:stretch/>
+        </p:blipFill>
+        <p:spPr>
+          <a:xfrm>
+            <a:off x="1803399" y="1440078"/>
+            <a:ext cx="2082801" cy="5118100"/>
+          </a:xfrm>
+          <a:prstGeom prst="rect">
+            <a:avLst/>
+          </a:prstGeom>
+        </p:spPr>
+      </p:pic>
     </p:spTree>
     <p:extLst>
       <p:ext uri="{BB962C8B-B14F-4D97-AF65-F5344CB8AC3E}">
-        <p14:creationId xmlns:p14="http://schemas.microsoft.com/office/powerpoint/2010/main" val="2681205348"/>
+        <p14:creationId xmlns:p14="http://schemas.microsoft.com/office/powerpoint/2010/main" val="3335623621"/>
       </p:ext>
     </p:extLst>
   </p:cSld>
   <p:clrMapOvr>
     <a:masterClrMapping/>
   </p:clrMapOvr>
+  <p:timing>
+    <p:tnLst>
+      <p:par>
+        <p:cTn id="1" dur="indefinite" restart="never" nodeType="tmRoot"/>
+      </p:par>
+    </p:tnLst>
+  </p:timing>
 </p:sld>
 </file>
 
@@ -12638,15 +12966,240 @@
           <a:chExt cx="0" cy="0"/>
         </a:xfrm>
       </p:grpSpPr>
+      <p:sp>
+        <p:nvSpPr>
+          <p:cNvPr id="7" name="TextBox 6"/>
+          <p:cNvSpPr txBox="1"/>
+          <p:nvPr/>
+        </p:nvSpPr>
+        <p:spPr>
+          <a:xfrm>
+            <a:off x="985683" y="624047"/>
+            <a:ext cx="3721100" cy="701731"/>
+          </a:xfrm>
+          <a:prstGeom prst="rect">
+            <a:avLst/>
+          </a:prstGeom>
+          <a:noFill/>
+        </p:spPr>
+        <p:txBody>
+          <a:bodyPr wrap="square" rtlCol="0">
+            <a:spAutoFit/>
+          </a:bodyPr>
+          <a:lstStyle/>
+          <a:p>
+            <a:pPr algn="ctr">
+              <a:lnSpc>
+                <a:spcPct val="90000"/>
+              </a:lnSpc>
+              <a:spcBef>
+                <a:spcPct val="0"/>
+              </a:spcBef>
+            </a:pPr>
+            <a:r>
+              <a:rPr lang="es-CO" sz="4400" dirty="0" smtClean="0">
+                <a:solidFill>
+                  <a:srgbClr val="C00000"/>
+                </a:solidFill>
+                <a:latin typeface="Dekar" panose="02000000000000000000" pitchFamily="50" charset="0"/>
+              </a:rPr>
+              <a:t>Scrum Master</a:t>
+            </a:r>
+            <a:endParaRPr lang="fr-FR" sz="4400" dirty="0">
+              <a:solidFill>
+                <a:srgbClr val="C00000"/>
+              </a:solidFill>
+              <a:latin typeface="Dekar" panose="02000000000000000000" pitchFamily="50" charset="0"/>
+            </a:endParaRPr>
+          </a:p>
+        </p:txBody>
+      </p:sp>
+      <p:sp>
+        <p:nvSpPr>
+          <p:cNvPr id="8" name="TextBox 7"/>
+          <p:cNvSpPr txBox="1"/>
+          <p:nvPr/>
+        </p:nvSpPr>
+        <p:spPr>
+          <a:xfrm>
+            <a:off x="5291214" y="1865618"/>
+            <a:ext cx="6510817" cy="3323987"/>
+          </a:xfrm>
+          <a:prstGeom prst="rect">
+            <a:avLst/>
+          </a:prstGeom>
+          <a:noFill/>
+        </p:spPr>
+        <p:txBody>
+          <a:bodyPr wrap="square" rtlCol="0">
+            <a:spAutoFit/>
+          </a:bodyPr>
+          <a:lstStyle/>
+          <a:p>
+            <a:pPr marL="457200" indent="-457200">
+              <a:lnSpc>
+                <a:spcPct val="150000"/>
+              </a:lnSpc>
+              <a:buFont typeface="Wingdings" panose="05000000000000000000" pitchFamily="2" charset="2"/>
+              <a:buChar char="q"/>
+            </a:pPr>
+            <a:r>
+              <a:rPr lang="es-CO" sz="2000" dirty="0" smtClean="0">
+                <a:solidFill>
+                  <a:prstClr val="black"/>
+                </a:solidFill>
+                <a:latin typeface="Calibri Light" panose="020F0302020204030204"/>
+              </a:rPr>
+              <a:t>Asegura que el Scrum Team tiene un entorno apropiado</a:t>
+            </a:r>
+          </a:p>
+          <a:p>
+            <a:pPr marL="457200" indent="-457200">
+              <a:buFont typeface="Wingdings" panose="05000000000000000000" pitchFamily="2" charset="2"/>
+              <a:buChar char="q"/>
+            </a:pPr>
+            <a:endParaRPr lang="es-CO" sz="2000" dirty="0" smtClean="0">
+              <a:solidFill>
+                <a:prstClr val="black"/>
+              </a:solidFill>
+              <a:latin typeface="Calibri Light" panose="020F0302020204030204"/>
+            </a:endParaRPr>
+          </a:p>
+          <a:p>
+            <a:pPr marL="457200" indent="-457200">
+              <a:buFont typeface="Wingdings" panose="05000000000000000000" pitchFamily="2" charset="2"/>
+              <a:buChar char="q"/>
+            </a:pPr>
+            <a:r>
+              <a:rPr lang="es-CO" sz="2000" dirty="0" smtClean="0">
+                <a:solidFill>
+                  <a:prstClr val="black"/>
+                </a:solidFill>
+                <a:latin typeface="Calibri Light" panose="020F0302020204030204"/>
+              </a:rPr>
+              <a:t>Guía, facilita y enseña las practicas Scrum.</a:t>
+            </a:r>
+          </a:p>
+          <a:p>
+            <a:pPr marL="457200" indent="-457200">
+              <a:buFont typeface="Wingdings" panose="05000000000000000000" pitchFamily="2" charset="2"/>
+              <a:buChar char="q"/>
+            </a:pPr>
+            <a:endParaRPr lang="es-CO" sz="2000" dirty="0" smtClean="0">
+              <a:solidFill>
+                <a:prstClr val="black"/>
+              </a:solidFill>
+              <a:latin typeface="Calibri Light" panose="020F0302020204030204"/>
+            </a:endParaRPr>
+          </a:p>
+          <a:p>
+            <a:pPr marL="457200" indent="-457200">
+              <a:buFont typeface="Wingdings" panose="05000000000000000000" pitchFamily="2" charset="2"/>
+              <a:buChar char="q"/>
+            </a:pPr>
+            <a:r>
+              <a:rPr lang="es-CO" sz="2000" dirty="0" smtClean="0">
+                <a:solidFill>
+                  <a:prstClr val="black"/>
+                </a:solidFill>
+                <a:latin typeface="Calibri Light" panose="020F0302020204030204"/>
+              </a:rPr>
+              <a:t>Elimina impedimentos para el equipo.</a:t>
+            </a:r>
+          </a:p>
+          <a:p>
+            <a:pPr marL="457200" indent="-457200">
+              <a:buFont typeface="Wingdings" panose="05000000000000000000" pitchFamily="2" charset="2"/>
+              <a:buChar char="q"/>
+            </a:pPr>
+            <a:endParaRPr lang="es-CO" sz="2000" dirty="0" smtClean="0">
+              <a:solidFill>
+                <a:prstClr val="black"/>
+              </a:solidFill>
+              <a:latin typeface="Calibri Light" panose="020F0302020204030204"/>
+            </a:endParaRPr>
+          </a:p>
+          <a:p>
+            <a:pPr marL="457200" indent="-457200">
+              <a:buFont typeface="Wingdings" panose="05000000000000000000" pitchFamily="2" charset="2"/>
+              <a:buChar char="q"/>
+            </a:pPr>
+            <a:r>
+              <a:rPr lang="es-CO" sz="2000" dirty="0" smtClean="0">
+                <a:solidFill>
+                  <a:prstClr val="black"/>
+                </a:solidFill>
+                <a:latin typeface="Calibri Light" panose="020F0302020204030204"/>
+              </a:rPr>
+              <a:t>Asegura que los procesos Scrum se siguen.</a:t>
+            </a:r>
+          </a:p>
+          <a:p>
+            <a:pPr marL="457200" indent="-457200">
+              <a:buFont typeface="Wingdings" panose="05000000000000000000" pitchFamily="2" charset="2"/>
+              <a:buChar char="q"/>
+            </a:pPr>
+            <a:endParaRPr lang="es-CO" sz="2000" dirty="0" smtClean="0">
+              <a:solidFill>
+                <a:prstClr val="black"/>
+              </a:solidFill>
+              <a:latin typeface="Calibri Light" panose="020F0302020204030204"/>
+            </a:endParaRPr>
+          </a:p>
+          <a:p>
+            <a:pPr marL="457200" indent="-457200">
+              <a:buFont typeface="Wingdings" panose="05000000000000000000" pitchFamily="2" charset="2"/>
+              <a:buChar char="q"/>
+            </a:pPr>
+            <a:r>
+              <a:rPr lang="es-CO" sz="2000" dirty="0" smtClean="0">
+                <a:solidFill>
+                  <a:prstClr val="black"/>
+                </a:solidFill>
+                <a:latin typeface="Calibri Light" panose="020F0302020204030204"/>
+              </a:rPr>
+              <a:t>Conduce la reunión diaria. (</a:t>
+            </a:r>
+            <a:r>
+              <a:rPr lang="es-CO" sz="2000" i="1" dirty="0" smtClean="0">
+                <a:solidFill>
+                  <a:prstClr val="black"/>
+                </a:solidFill>
+                <a:latin typeface="Calibri Light" panose="020F0302020204030204"/>
+              </a:rPr>
+              <a:t>daily stand-up</a:t>
+            </a:r>
+            <a:r>
+              <a:rPr lang="es-CO" sz="2000" dirty="0" smtClean="0">
+                <a:solidFill>
+                  <a:prstClr val="black"/>
+                </a:solidFill>
+                <a:latin typeface="Calibri Light" panose="020F0302020204030204"/>
+              </a:rPr>
+              <a:t>)</a:t>
+            </a:r>
+          </a:p>
+          <a:p>
+            <a:pPr marL="457200" indent="-457200">
+              <a:buFont typeface="Wingdings" panose="05000000000000000000" pitchFamily="2" charset="2"/>
+              <a:buChar char="q"/>
+            </a:pPr>
+            <a:endParaRPr lang="es-CO" sz="2000" dirty="0">
+              <a:solidFill>
+                <a:prstClr val="black"/>
+              </a:solidFill>
+              <a:latin typeface="Calibri Light" panose="020F0302020204030204"/>
+            </a:endParaRPr>
+          </a:p>
+        </p:txBody>
+      </p:sp>
       <p:pic>
         <p:nvPicPr>
-          <p:cNvPr id="4" name="Content Placeholder 3"/>
+          <p:cNvPr id="2" name="Picture 1"/>
           <p:cNvPicPr>
-            <a:picLocks noGrp="1" noChangeAspect="1"/>
+            <a:picLocks noChangeAspect="1"/>
           </p:cNvPicPr>
-          <p:nvPr>
-            <p:ph idx="1"/>
-          </p:nvPr>
+          <p:nvPr/>
         </p:nvPicPr>
         <p:blipFill>
           <a:blip r:embed="rId2">
@@ -12662,86 +13215,31 @@
         </p:blipFill>
         <p:spPr>
           <a:xfrm>
-            <a:off x="2211058" y="1622423"/>
-            <a:ext cx="7832408" cy="4351338"/>
-          </a:xfrm>
-        </p:spPr>
-      </p:pic>
-      <p:sp>
-        <p:nvSpPr>
-          <p:cNvPr id="3" name="Title 1"/>
-          <p:cNvSpPr>
-            <a:spLocks noGrp="1"/>
-          </p:cNvSpPr>
-          <p:nvPr>
-            <p:ph type="title"/>
-          </p:nvPr>
-        </p:nvSpPr>
-        <p:spPr>
-          <a:xfrm>
-            <a:off x="838200" y="365125"/>
-            <a:ext cx="10515600" cy="1325563"/>
-          </a:xfrm>
-        </p:spPr>
-        <p:txBody>
-          <a:bodyPr/>
-          <a:lstStyle/>
-          <a:p>
-            <a:pPr algn="ctr"/>
-            <a:r>
-              <a:rPr lang="es-CO" dirty="0" smtClean="0">
-                <a:solidFill>
-                  <a:srgbClr val="C00000"/>
-                </a:solidFill>
-                <a:latin typeface="Dekar" panose="02000000000000000000" pitchFamily="50" charset="0"/>
-              </a:rPr>
-              <a:t>Roles principales</a:t>
-            </a:r>
-            <a:endParaRPr lang="fr-FR" dirty="0"/>
-          </a:p>
-        </p:txBody>
-      </p:sp>
-      <p:sp>
-        <p:nvSpPr>
-          <p:cNvPr id="2" name="TextBox 1"/>
-          <p:cNvSpPr txBox="1"/>
-          <p:nvPr/>
-        </p:nvSpPr>
-        <p:spPr>
-          <a:xfrm>
-            <a:off x="2211058" y="6205415"/>
-            <a:ext cx="7714480" cy="369332"/>
+            <a:off x="1792133" y="1414678"/>
+            <a:ext cx="2108200" cy="5118100"/>
           </a:xfrm>
           <a:prstGeom prst="rect">
             <a:avLst/>
           </a:prstGeom>
-          <a:noFill/>
         </p:spPr>
-        <p:txBody>
-          <a:bodyPr wrap="square" rtlCol="0">
-            <a:spAutoFit/>
-          </a:bodyPr>
-          <a:lstStyle/>
-          <a:p>
-            <a:pPr algn="ctr"/>
-            <a:r>
-              <a:rPr lang="es-CO" i="1" dirty="0" smtClean="0"/>
-              <a:t>Ningún rol tiene autoridad sobre los otros</a:t>
-            </a:r>
-            <a:endParaRPr lang="fr-FR" i="1" dirty="0"/>
-          </a:p>
-        </p:txBody>
-      </p:sp>
+      </p:pic>
     </p:spTree>
     <p:extLst>
       <p:ext uri="{BB962C8B-B14F-4D97-AF65-F5344CB8AC3E}">
-        <p14:creationId xmlns:p14="http://schemas.microsoft.com/office/powerpoint/2010/main" val="9575968"/>
+        <p14:creationId xmlns:p14="http://schemas.microsoft.com/office/powerpoint/2010/main" val="2990378900"/>
       </p:ext>
     </p:extLst>
   </p:cSld>
   <p:clrMapOvr>
     <a:masterClrMapping/>
   </p:clrMapOvr>
+  <p:timing>
+    <p:tnLst>
+      <p:par>
+        <p:cTn id="1" dur="indefinite" restart="never" nodeType="tmRoot"/>
+      </p:par>
+    </p:tnLst>
+  </p:timing>
 </p:sld>
 </file>
 
@@ -12785,19 +13283,19 @@
             <a:endParaRPr lang="es-CO" dirty="0" smtClean="0"/>
           </a:p>
           <a:p>
+            <a:endParaRPr lang="es-CO" dirty="0"/>
+          </a:p>
+          <a:p>
+            <a:pPr marL="0" indent="0">
+              <a:buNone/>
+            </a:pPr>
             <a:endParaRPr lang="es-CO" dirty="0" smtClean="0"/>
           </a:p>
           <a:p>
-            <a:endParaRPr lang="es-CO" dirty="0"/>
-          </a:p>
-          <a:p>
-            <a:pPr marL="0" indent="0">
-              <a:buNone/>
-            </a:pPr>
-            <a:endParaRPr lang="es-CO" dirty="0" smtClean="0"/>
-          </a:p>
-          <a:p>
             <a:pPr marL="0" indent="0" algn="ctr">
+              <a:lnSpc>
+                <a:spcPct val="150000"/>
+              </a:lnSpc>
               <a:buNone/>
             </a:pPr>
             <a:r>
@@ -12878,89 +13376,117 @@
       </p:grpSpPr>
       <p:sp>
         <p:nvSpPr>
-          <p:cNvPr id="7" name="TextBox 6"/>
-          <p:cNvSpPr txBox="1"/>
-          <p:nvPr/>
+          <p:cNvPr id="2" name="Title 1"/>
+          <p:cNvSpPr>
+            <a:spLocks noGrp="1"/>
+          </p:cNvSpPr>
+          <p:nvPr>
+            <p:ph type="title"/>
+          </p:nvPr>
+        </p:nvSpPr>
+        <p:spPr/>
+        <p:txBody>
+          <a:bodyPr>
+            <a:normAutofit/>
+          </a:bodyPr>
+          <a:lstStyle/>
+          <a:p>
+            <a:pPr algn="ctr"/>
+            <a:r>
+              <a:rPr lang="es-CO" dirty="0">
+                <a:solidFill>
+                  <a:srgbClr val="C00000"/>
+                </a:solidFill>
+                <a:latin typeface="Dekar" panose="02000000000000000000" pitchFamily="50" charset="0"/>
+              </a:rPr>
+              <a:t>Procesos en los que </a:t>
+            </a:r>
+            <a:r>
+              <a:rPr lang="es-CO" dirty="0" smtClean="0">
+                <a:solidFill>
+                  <a:srgbClr val="C00000"/>
+                </a:solidFill>
+                <a:latin typeface="Dekar" panose="02000000000000000000" pitchFamily="50" charset="0"/>
+              </a:rPr>
+              <a:t>participan </a:t>
+            </a:r>
+            <a:r>
+              <a:rPr lang="es-CO" dirty="0">
+                <a:solidFill>
+                  <a:srgbClr val="C00000"/>
+                </a:solidFill>
+                <a:latin typeface="Dekar" panose="02000000000000000000" pitchFamily="50" charset="0"/>
+              </a:rPr>
+              <a:t>el </a:t>
+            </a:r>
+            <a:r>
+              <a:rPr lang="es-CO" dirty="0" err="1">
+                <a:solidFill>
+                  <a:srgbClr val="C00000"/>
+                </a:solidFill>
+                <a:latin typeface="Dekar" panose="02000000000000000000" pitchFamily="50" charset="0"/>
+              </a:rPr>
+              <a:t>Product</a:t>
+            </a:r>
+            <a:r>
+              <a:rPr lang="es-CO" dirty="0">
+                <a:solidFill>
+                  <a:srgbClr val="C00000"/>
+                </a:solidFill>
+                <a:latin typeface="Dekar" panose="02000000000000000000" pitchFamily="50" charset="0"/>
+              </a:rPr>
+              <a:t> </a:t>
+            </a:r>
+            <a:r>
+              <a:rPr lang="es-CO" dirty="0" err="1">
+                <a:solidFill>
+                  <a:srgbClr val="C00000"/>
+                </a:solidFill>
+                <a:latin typeface="Dekar" panose="02000000000000000000" pitchFamily="50" charset="0"/>
+              </a:rPr>
+              <a:t>Owner</a:t>
+            </a:r>
+            <a:r>
+              <a:rPr lang="es-CO" dirty="0">
+                <a:solidFill>
+                  <a:srgbClr val="C00000"/>
+                </a:solidFill>
+                <a:latin typeface="Dekar" panose="02000000000000000000" pitchFamily="50" charset="0"/>
+              </a:rPr>
+              <a:t> (PO) y Scrum Master (SM</a:t>
+            </a:r>
+            <a:r>
+              <a:rPr lang="es-CO" dirty="0" smtClean="0">
+                <a:solidFill>
+                  <a:srgbClr val="C00000"/>
+                </a:solidFill>
+                <a:latin typeface="Dekar" panose="02000000000000000000" pitchFamily="50" charset="0"/>
+              </a:rPr>
+              <a:t>)</a:t>
+            </a:r>
+            <a:endParaRPr lang="fr-FR" dirty="0"/>
+          </a:p>
+        </p:txBody>
+      </p:sp>
+      <p:sp>
+        <p:nvSpPr>
+          <p:cNvPr id="3" name="Content Placeholder 2"/>
+          <p:cNvSpPr>
+            <a:spLocks noGrp="1"/>
+          </p:cNvSpPr>
+          <p:nvPr>
+            <p:ph idx="1"/>
+          </p:nvPr>
         </p:nvSpPr>
         <p:spPr>
           <a:xfrm>
-            <a:off x="985683" y="2465547"/>
-            <a:ext cx="3721100" cy="701731"/>
+            <a:off x="838200" y="1825624"/>
+            <a:ext cx="10515600" cy="4511675"/>
           </a:xfrm>
-          <a:prstGeom prst="rect">
-            <a:avLst/>
-          </a:prstGeom>
-          <a:noFill/>
         </p:spPr>
         <p:txBody>
-          <a:bodyPr wrap="square" rtlCol="0">
-            <a:spAutoFit/>
-          </a:bodyPr>
-          <a:lstStyle/>
-          <a:p>
-            <a:pPr algn="ctr">
-              <a:lnSpc>
-                <a:spcPct val="90000"/>
-              </a:lnSpc>
-              <a:spcBef>
-                <a:spcPct val="0"/>
-              </a:spcBef>
-            </a:pPr>
-            <a:r>
-              <a:rPr lang="es-CO" sz="4400" dirty="0" err="1" smtClean="0">
-                <a:solidFill>
-                  <a:srgbClr val="C00000"/>
-                </a:solidFill>
-                <a:latin typeface="Dekar" panose="02000000000000000000" pitchFamily="50" charset="0"/>
-              </a:rPr>
-              <a:t>Product</a:t>
-            </a:r>
-            <a:r>
-              <a:rPr lang="es-CO" sz="4400" dirty="0" smtClean="0">
-                <a:solidFill>
-                  <a:srgbClr val="C00000"/>
-                </a:solidFill>
-                <a:latin typeface="Dekar" panose="02000000000000000000" pitchFamily="50" charset="0"/>
-              </a:rPr>
-              <a:t> </a:t>
-            </a:r>
-            <a:r>
-              <a:rPr lang="es-CO" sz="4400" dirty="0" err="1" smtClean="0">
-                <a:solidFill>
-                  <a:srgbClr val="C00000"/>
-                </a:solidFill>
-                <a:latin typeface="Dekar" panose="02000000000000000000" pitchFamily="50" charset="0"/>
-              </a:rPr>
-              <a:t>Owner</a:t>
-            </a:r>
-            <a:endParaRPr lang="fr-FR" sz="4400" dirty="0">
-              <a:solidFill>
-                <a:srgbClr val="C00000"/>
-              </a:solidFill>
-              <a:latin typeface="Dekar" panose="02000000000000000000" pitchFamily="50" charset="0"/>
-            </a:endParaRPr>
-          </a:p>
-        </p:txBody>
-      </p:sp>
-      <p:sp>
-        <p:nvSpPr>
-          <p:cNvPr id="8" name="TextBox 7"/>
-          <p:cNvSpPr txBox="1"/>
-          <p:nvPr/>
-        </p:nvSpPr>
-        <p:spPr>
-          <a:xfrm>
-            <a:off x="5283398" y="927590"/>
-            <a:ext cx="6510817" cy="4862870"/>
-          </a:xfrm>
-          <a:prstGeom prst="rect">
-            <a:avLst/>
-          </a:prstGeom>
-          <a:noFill/>
-        </p:spPr>
-        <p:txBody>
-          <a:bodyPr wrap="square" rtlCol="0">
-            <a:spAutoFit/>
+          <a:bodyPr>
+            <a:normAutofit fontScale="85000" lnSpcReduction="20000"/>
           </a:bodyPr>
           <a:lstStyle/>
           <a:p>
@@ -12972,33 +13498,33 @@
               <a:buChar char="q"/>
             </a:pPr>
             <a:r>
-              <a:rPr lang="es-CO" sz="2000" dirty="0" smtClean="0">
+              <a:rPr lang="es-CO" sz="2000" dirty="0">
                 <a:solidFill>
                   <a:prstClr val="black"/>
                 </a:solidFill>
                 <a:latin typeface="Calibri Light" panose="020F0302020204030204"/>
               </a:rPr>
-              <a:t>Representa al cliente, sabe </a:t>
-            </a:r>
-            <a:r>
-              <a:rPr lang="es-CO" sz="2000" dirty="0" smtClean="0">
+              <a:t>PO.: Identifica al Scrum Master y </a:t>
+            </a:r>
+            <a:r>
+              <a:rPr lang="es-CO" sz="2000" dirty="0" err="1">
                 <a:solidFill>
                   <a:prstClr val="black"/>
                 </a:solidFill>
                 <a:latin typeface="Calibri Light" panose="020F0302020204030204"/>
               </a:rPr>
-              <a:t>lo que quieren los </a:t>
-            </a:r>
-            <a:r>
-              <a:rPr lang="es-CO" sz="2000" dirty="0" smtClean="0">
+              <a:t>Stakeholders</a:t>
+            </a:r>
+            <a:r>
+              <a:rPr lang="es-CO" sz="2000" dirty="0">
                 <a:solidFill>
                   <a:prstClr val="black"/>
                 </a:solidFill>
                 <a:latin typeface="Calibri Light" panose="020F0302020204030204"/>
               </a:rPr>
-              <a:t>usuarios,  </a:t>
-            </a:r>
-            <a:endParaRPr lang="es-CO" sz="2000" dirty="0" smtClean="0">
+              <a:t> </a:t>
+            </a:r>
+            <a:endParaRPr lang="es-CO" sz="1300" dirty="0">
               <a:solidFill>
                 <a:prstClr val="black"/>
               </a:solidFill>
@@ -13010,7 +13536,31 @@
               <a:buFont typeface="Wingdings" panose="05000000000000000000" pitchFamily="2" charset="2"/>
               <a:buChar char="q"/>
             </a:pPr>
-            <a:endParaRPr lang="es-CO" sz="2000" dirty="0" smtClean="0">
+            <a:r>
+              <a:rPr lang="es-CO" sz="2000" dirty="0">
+                <a:solidFill>
+                  <a:prstClr val="black"/>
+                </a:solidFill>
+                <a:latin typeface="Calibri Light" panose="020F0302020204030204"/>
+              </a:rPr>
+              <a:t>SM.: Forma el Scrum </a:t>
+            </a:r>
+            <a:r>
+              <a:rPr lang="es-CO" sz="2000" dirty="0" smtClean="0">
+                <a:solidFill>
+                  <a:prstClr val="black"/>
+                </a:solidFill>
+                <a:latin typeface="Calibri Light" panose="020F0302020204030204"/>
+              </a:rPr>
+              <a:t>Team</a:t>
+            </a:r>
+          </a:p>
+          <a:p>
+            <a:pPr marL="457200" indent="-457200">
+              <a:buFont typeface="Wingdings" panose="05000000000000000000" pitchFamily="2" charset="2"/>
+              <a:buChar char="q"/>
+            </a:pPr>
+            <a:endParaRPr lang="es-CO" sz="900" dirty="0">
               <a:solidFill>
                 <a:prstClr val="black"/>
               </a:solidFill>
@@ -13018,26 +13568,56 @@
             </a:endParaRPr>
           </a:p>
           <a:p>
+            <a:pPr marL="914400" lvl="1" indent="-457200">
+              <a:buFont typeface="Wingdings" panose="05000000000000000000" pitchFamily="2" charset="2"/>
+              <a:buChar char="§"/>
+            </a:pPr>
+            <a:r>
+              <a:rPr lang="es-CO" sz="2000" dirty="0">
+                <a:solidFill>
+                  <a:prstClr val="black"/>
+                </a:solidFill>
+                <a:latin typeface="Calibri Light" panose="020F0302020204030204"/>
+              </a:rPr>
+              <a:t>Facilita la creación del plan de colaboración y plan de creación del equipo.</a:t>
+            </a:r>
+          </a:p>
+          <a:p>
+            <a:pPr marL="914400" lvl="1" indent="-457200">
+              <a:buFont typeface="Wingdings" panose="05000000000000000000" pitchFamily="2" charset="2"/>
+              <a:buChar char="§"/>
+            </a:pPr>
+            <a:r>
+              <a:rPr lang="es-CO" sz="2000" dirty="0">
+                <a:solidFill>
+                  <a:prstClr val="black"/>
+                </a:solidFill>
+                <a:latin typeface="Calibri Light" panose="020F0302020204030204"/>
+              </a:rPr>
+              <a:t>Selección del Scrum Team</a:t>
+            </a:r>
+          </a:p>
+          <a:p>
+            <a:pPr marL="914400" lvl="1" indent="-457200">
+              <a:buFont typeface="Wingdings" panose="05000000000000000000" pitchFamily="2" charset="2"/>
+              <a:buChar char="§"/>
+            </a:pPr>
+            <a:r>
+              <a:rPr lang="es-CO" sz="2000" dirty="0">
+                <a:solidFill>
+                  <a:prstClr val="black"/>
+                </a:solidFill>
+                <a:latin typeface="Calibri Light" panose="020F0302020204030204"/>
+              </a:rPr>
+              <a:t>Asegura que los recursos de respaldo estén disponibles.</a:t>
+            </a:r>
+          </a:p>
+          <a:p>
             <a:pPr marL="457200" indent="-457200">
               <a:buFont typeface="Wingdings" panose="05000000000000000000" pitchFamily="2" charset="2"/>
               <a:buChar char="q"/>
             </a:pPr>
-            <a:r>
-              <a:rPr lang="es-CO" sz="2000" dirty="0" smtClean="0">
-                <a:solidFill>
-                  <a:prstClr val="black"/>
-                </a:solidFill>
-                <a:latin typeface="Calibri Light" panose="020F0302020204030204"/>
-              </a:rPr>
-              <a:t>Escribe las historias de usuario</a:t>
-            </a:r>
-          </a:p>
-          <a:p>
-            <a:pPr marL="457200" indent="-457200">
-              <a:buFont typeface="Wingdings" panose="05000000000000000000" pitchFamily="2" charset="2"/>
-              <a:buChar char="q"/>
-            </a:pPr>
-            <a:endParaRPr lang="es-CO" sz="2000" dirty="0" smtClean="0">
+            <a:endParaRPr lang="es-CO" sz="800" dirty="0">
               <a:solidFill>
                 <a:prstClr val="black"/>
               </a:solidFill>
@@ -13050,21 +13630,69 @@
               <a:buChar char="q"/>
             </a:pPr>
             <a:r>
+              <a:rPr lang="es-CO" sz="2000" dirty="0">
+                <a:solidFill>
+                  <a:prstClr val="black"/>
+                </a:solidFill>
+                <a:latin typeface="Calibri Light" panose="020F0302020204030204"/>
+              </a:rPr>
+              <a:t>PO – SM.: Creación de la </a:t>
+            </a:r>
+            <a:r>
+              <a:rPr lang="es-CO" sz="2000" b="1" i="1" dirty="0" err="1">
+                <a:solidFill>
+                  <a:prstClr val="black"/>
+                </a:solidFill>
+                <a:latin typeface="Calibri Light" panose="020F0302020204030204"/>
+              </a:rPr>
+              <a:t>Prioritized</a:t>
+            </a:r>
+            <a:r>
+              <a:rPr lang="es-CO" sz="2000" b="1" i="1" dirty="0">
+                <a:solidFill>
+                  <a:prstClr val="black"/>
+                </a:solidFill>
+                <a:latin typeface="Calibri Light" panose="020F0302020204030204"/>
+              </a:rPr>
+              <a:t> </a:t>
+            </a:r>
+            <a:r>
+              <a:rPr lang="es-CO" sz="2000" b="1" i="1" dirty="0" err="1">
+                <a:solidFill>
+                  <a:prstClr val="black"/>
+                </a:solidFill>
+                <a:latin typeface="Calibri Light" panose="020F0302020204030204"/>
+              </a:rPr>
+              <a:t>product</a:t>
+            </a:r>
+            <a:r>
+              <a:rPr lang="es-CO" sz="2000" b="1" i="1" dirty="0">
+                <a:solidFill>
+                  <a:prstClr val="black"/>
+                </a:solidFill>
+                <a:latin typeface="Calibri Light" panose="020F0302020204030204"/>
+              </a:rPr>
+              <a:t> Backlog</a:t>
+            </a:r>
+            <a:r>
+              <a:rPr lang="es-CO" sz="2000" dirty="0">
+                <a:solidFill>
+                  <a:prstClr val="black"/>
+                </a:solidFill>
+                <a:latin typeface="Calibri Light" panose="020F0302020204030204"/>
+              </a:rPr>
+              <a:t> y definición de los criterios de aceptación</a:t>
+            </a:r>
+            <a:r>
               <a:rPr lang="es-CO" sz="2000" dirty="0" smtClean="0">
                 <a:solidFill>
                   <a:prstClr val="black"/>
                 </a:solidFill>
                 <a:latin typeface="Calibri Light" panose="020F0302020204030204"/>
               </a:rPr>
-              <a:t>Decide que desarrollar y que no</a:t>
-            </a:r>
-          </a:p>
-          <a:p>
-            <a:pPr marL="457200" indent="-457200">
-              <a:buFont typeface="Wingdings" panose="05000000000000000000" pitchFamily="2" charset="2"/>
-              <a:buChar char="q"/>
-            </a:pPr>
-            <a:endParaRPr lang="es-CO" sz="2000" dirty="0" smtClean="0">
+              <a:t>.</a:t>
+            </a:r>
+            <a:endParaRPr lang="es-CO" sz="1200" dirty="0">
               <a:solidFill>
                 <a:prstClr val="black"/>
               </a:solidFill>
@@ -13077,21 +13705,24 @@
               <a:buChar char="q"/>
             </a:pPr>
             <a:r>
+              <a:rPr lang="es-CO" sz="2000" dirty="0">
+                <a:solidFill>
+                  <a:prstClr val="black"/>
+                </a:solidFill>
+                <a:latin typeface="Calibri Light" panose="020F0302020204030204"/>
+              </a:rPr>
+              <a:t>SM.: Facilita reuniones para estimar y elaborar historias de usuario</a:t>
+            </a:r>
+            <a:r>
               <a:rPr lang="es-CO" sz="2000" dirty="0" smtClean="0">
                 <a:solidFill>
                   <a:prstClr val="black"/>
                 </a:solidFill>
                 <a:latin typeface="Calibri Light" panose="020F0302020204030204"/>
               </a:rPr>
-              <a:t>Fija criterios de aceptación para cada historia de usuario.</a:t>
-            </a:r>
-          </a:p>
-          <a:p>
-            <a:pPr marL="457200" indent="-457200">
-              <a:buFont typeface="Wingdings" panose="05000000000000000000" pitchFamily="2" charset="2"/>
-              <a:buChar char="q"/>
-            </a:pPr>
-            <a:endParaRPr lang="es-CO" sz="2000" dirty="0" smtClean="0">
+              <a:t>.</a:t>
+            </a:r>
+            <a:endParaRPr lang="es-CO" sz="1300" dirty="0">
               <a:solidFill>
                 <a:prstClr val="black"/>
               </a:solidFill>
@@ -13104,20 +13735,23 @@
               <a:buChar char="q"/>
             </a:pPr>
             <a:r>
+              <a:rPr lang="es-CO" sz="2000" dirty="0">
+                <a:solidFill>
+                  <a:prstClr val="black"/>
+                </a:solidFill>
+                <a:latin typeface="Calibri Light" panose="020F0302020204030204"/>
+              </a:rPr>
+              <a:t>SM.: Facilita al equipo la elaboración de tareas para el próximo </a:t>
+            </a:r>
+            <a:r>
               <a:rPr lang="es-CO" sz="2000" dirty="0" smtClean="0">
                 <a:solidFill>
                   <a:prstClr val="black"/>
                 </a:solidFill>
                 <a:latin typeface="Calibri Light" panose="020F0302020204030204"/>
               </a:rPr>
-              <a:t>Prioriza historias de usuario</a:t>
-            </a:r>
-          </a:p>
-          <a:p>
-            <a:pPr marL="457200" indent="-457200">
-              <a:buFont typeface="Wingdings" panose="05000000000000000000" pitchFamily="2" charset="2"/>
-              <a:buChar char="q"/>
-            </a:pPr>
+              <a:t>Sprint</a:t>
+            </a:r>
             <a:endParaRPr lang="es-CO" sz="2000" dirty="0">
               <a:solidFill>
                 <a:prstClr val="black"/>
@@ -13137,17 +13771,24 @@
                 </a:solidFill>
                 <a:latin typeface="Calibri Light" panose="020F0302020204030204"/>
               </a:rPr>
-              <a:t>Resuelve dudas al Scrum Team sobre las funcionalidades</a:t>
-            </a:r>
-            <a:br>
+              <a:t>SM.: Crear </a:t>
+            </a:r>
+            <a:r>
               <a:rPr lang="es-CO" sz="2000" dirty="0" smtClean="0">
                 <a:solidFill>
                   <a:prstClr val="black"/>
                 </a:solidFill>
                 <a:latin typeface="Calibri Light" panose="020F0302020204030204"/>
               </a:rPr>
-            </a:br>
-            <a:endParaRPr lang="es-CO" sz="2000" dirty="0" smtClean="0">
+              <a:t>entregables</a:t>
+            </a:r>
+          </a:p>
+          <a:p>
+            <a:pPr marL="457200" indent="-457200">
+              <a:buFont typeface="Wingdings" panose="05000000000000000000" pitchFamily="2" charset="2"/>
+              <a:buChar char="q"/>
+            </a:pPr>
+            <a:endParaRPr lang="es-CO" sz="800" dirty="0" smtClean="0">
               <a:solidFill>
                 <a:prstClr val="black"/>
               </a:solidFill>
@@ -13155,9 +13796,9 @@
             </a:endParaRPr>
           </a:p>
           <a:p>
-            <a:pPr marL="457200" indent="-457200">
+            <a:pPr marL="914400" lvl="1" indent="-457200">
               <a:buFont typeface="Wingdings" panose="05000000000000000000" pitchFamily="2" charset="2"/>
-              <a:buChar char="q"/>
+              <a:buChar char="§"/>
             </a:pPr>
             <a:r>
               <a:rPr lang="es-CO" sz="2000" dirty="0" smtClean="0">
@@ -13166,9 +13807,57 @@
                 </a:solidFill>
                 <a:latin typeface="Calibri Light" panose="020F0302020204030204"/>
               </a:rPr>
-              <a:t>Definir el plan de reléase. </a:t>
-            </a:r>
-            <a:endParaRPr lang="es-CO" sz="2000" dirty="0" smtClean="0">
+              <a:t>Apoya al Team en la creación de los entregables</a:t>
+            </a:r>
+          </a:p>
+          <a:p>
+            <a:pPr marL="914400" lvl="1" indent="-457200">
+              <a:buFont typeface="Wingdings" panose="05000000000000000000" pitchFamily="2" charset="2"/>
+              <a:buChar char="§"/>
+            </a:pPr>
+            <a:r>
+              <a:rPr lang="es-CO" sz="2000" dirty="0" smtClean="0">
+                <a:solidFill>
+                  <a:prstClr val="black"/>
+                </a:solidFill>
+                <a:latin typeface="Calibri Light" panose="020F0302020204030204"/>
+              </a:rPr>
+              <a:t>Ayuda a actualizar el </a:t>
+            </a:r>
+            <a:r>
+              <a:rPr lang="es-CO" sz="2000" b="1" i="1" dirty="0" err="1" smtClean="0">
+                <a:solidFill>
+                  <a:prstClr val="black"/>
+                </a:solidFill>
+                <a:latin typeface="Calibri Light" panose="020F0302020204030204"/>
+              </a:rPr>
+              <a:t>Scrumboard</a:t>
+            </a:r>
+            <a:r>
+              <a:rPr lang="es-CO" sz="2000" dirty="0" smtClean="0">
+                <a:solidFill>
+                  <a:prstClr val="black"/>
+                </a:solidFill>
+                <a:latin typeface="Calibri Light" panose="020F0302020204030204"/>
+              </a:rPr>
+              <a:t> y el </a:t>
+            </a:r>
+            <a:r>
+              <a:rPr lang="es-CO" sz="2000" b="1" i="1" dirty="0" smtClean="0">
+                <a:solidFill>
+                  <a:prstClr val="black"/>
+                </a:solidFill>
+                <a:latin typeface="Calibri Light" panose="020F0302020204030204"/>
+              </a:rPr>
+              <a:t>log de impedimentos</a:t>
+            </a:r>
+          </a:p>
+          <a:p>
+            <a:pPr marL="914400" lvl="1" indent="-457200">
+              <a:buFont typeface="Wingdings" panose="05000000000000000000" pitchFamily="2" charset="2"/>
+              <a:buChar char="§"/>
+            </a:pPr>
+            <a:endParaRPr lang="es-CO" sz="800" b="1" i="1" dirty="0" smtClean="0">
               <a:solidFill>
                 <a:prstClr val="black"/>
               </a:solidFill>
@@ -13176,44 +13865,37 @@
             </a:endParaRPr>
           </a:p>
           <a:p>
-            <a:pPr marL="457200" indent="-457200">
+            <a:pPr>
               <a:buFont typeface="Wingdings" panose="05000000000000000000" pitchFamily="2" charset="2"/>
               <a:buChar char="q"/>
             </a:pPr>
-            <a:endParaRPr lang="es-CO" sz="2000" dirty="0" smtClean="0">
+            <a:r>
+              <a:rPr lang="es-CO" sz="2100" dirty="0" smtClean="0">
+                <a:solidFill>
+                  <a:prstClr val="black"/>
+                </a:solidFill>
+                <a:latin typeface="Calibri Light" panose="020F0302020204030204"/>
+              </a:rPr>
+              <a:t>     SM.: Convocar Scrum de Scrum.</a:t>
+            </a:r>
+          </a:p>
+          <a:p>
+            <a:pPr marL="457200" lvl="1" indent="0">
+              <a:buNone/>
+            </a:pPr>
+            <a:endParaRPr lang="es-CO" sz="2600" i="1" dirty="0" smtClean="0">
               <a:solidFill>
                 <a:prstClr val="black"/>
               </a:solidFill>
               <a:latin typeface="Calibri Light" panose="020F0302020204030204"/>
             </a:endParaRPr>
           </a:p>
-          <a:p>
-            <a:pPr marL="457200" indent="-457200">
-              <a:buFont typeface="Wingdings" panose="05000000000000000000" pitchFamily="2" charset="2"/>
-              <a:buChar char="q"/>
-            </a:pPr>
-            <a:r>
-              <a:rPr lang="es-CO" sz="2000" dirty="0" smtClean="0">
-                <a:solidFill>
-                  <a:prstClr val="black"/>
-                </a:solidFill>
-                <a:latin typeface="Calibri Light" panose="020F0302020204030204"/>
-              </a:rPr>
-              <a:t>Aprueba/Rechaza los entregables del Team.</a:t>
-            </a:r>
-            <a:endParaRPr lang="es-CO" sz="2000" dirty="0" smtClean="0">
-              <a:solidFill>
-                <a:prstClr val="black"/>
-              </a:solidFill>
-              <a:latin typeface="Calibri Light" panose="020F0302020204030204"/>
-            </a:endParaRPr>
-          </a:p>
         </p:txBody>
       </p:sp>
     </p:spTree>
     <p:extLst>
       <p:ext uri="{BB962C8B-B14F-4D97-AF65-F5344CB8AC3E}">
-        <p14:creationId xmlns:p14="http://schemas.microsoft.com/office/powerpoint/2010/main" val="3335623621"/>
+        <p14:creationId xmlns:p14="http://schemas.microsoft.com/office/powerpoint/2010/main" val="252504484"/>
       </p:ext>
     </p:extLst>
   </p:cSld>
@@ -13255,7 +13937,7 @@
         </p:nvSpPr>
         <p:spPr>
           <a:xfrm>
-            <a:off x="985683" y="2465547"/>
+            <a:off x="985683" y="649447"/>
             <a:ext cx="3721100" cy="701731"/>
           </a:xfrm>
           <a:prstGeom prst="rect">
@@ -13284,7 +13966,7 @@
                 </a:solidFill>
                 <a:latin typeface="Dekar" panose="02000000000000000000" pitchFamily="50" charset="0"/>
               </a:rPr>
-              <a:t>Scrum Master</a:t>
+              <a:t>Scrum Team</a:t>
             </a:r>
             <a:endParaRPr lang="fr-FR" sz="4400" dirty="0">
               <a:solidFill>
@@ -13303,839 +13985,7 @@
         </p:nvSpPr>
         <p:spPr>
           <a:xfrm>
-            <a:off x="5291214" y="1154418"/>
-            <a:ext cx="6510817" cy="3323987"/>
-          </a:xfrm>
-          <a:prstGeom prst="rect">
-            <a:avLst/>
-          </a:prstGeom>
-          <a:noFill/>
-        </p:spPr>
-        <p:txBody>
-          <a:bodyPr wrap="square" rtlCol="0">
-            <a:spAutoFit/>
-          </a:bodyPr>
-          <a:lstStyle/>
-          <a:p>
-            <a:pPr marL="457200" indent="-457200">
-              <a:lnSpc>
-                <a:spcPct val="150000"/>
-              </a:lnSpc>
-              <a:buFont typeface="Wingdings" panose="05000000000000000000" pitchFamily="2" charset="2"/>
-              <a:buChar char="q"/>
-            </a:pPr>
-            <a:r>
-              <a:rPr lang="es-CO" sz="2000" dirty="0" smtClean="0">
-                <a:solidFill>
-                  <a:prstClr val="black"/>
-                </a:solidFill>
-                <a:latin typeface="Calibri Light" panose="020F0302020204030204"/>
-              </a:rPr>
-              <a:t>Asegura que el Scrum Team tiene un entorno apropiado</a:t>
-            </a:r>
-            <a:endParaRPr lang="es-CO" sz="2000" dirty="0" smtClean="0">
-              <a:solidFill>
-                <a:prstClr val="black"/>
-              </a:solidFill>
-              <a:latin typeface="Calibri Light" panose="020F0302020204030204"/>
-            </a:endParaRPr>
-          </a:p>
-          <a:p>
-            <a:pPr marL="457200" indent="-457200">
-              <a:buFont typeface="Wingdings" panose="05000000000000000000" pitchFamily="2" charset="2"/>
-              <a:buChar char="q"/>
-            </a:pPr>
-            <a:endParaRPr lang="es-CO" sz="2000" dirty="0" smtClean="0">
-              <a:solidFill>
-                <a:prstClr val="black"/>
-              </a:solidFill>
-              <a:latin typeface="Calibri Light" panose="020F0302020204030204"/>
-            </a:endParaRPr>
-          </a:p>
-          <a:p>
-            <a:pPr marL="457200" indent="-457200">
-              <a:buFont typeface="Wingdings" panose="05000000000000000000" pitchFamily="2" charset="2"/>
-              <a:buChar char="q"/>
-            </a:pPr>
-            <a:r>
-              <a:rPr lang="es-CO" sz="2000" dirty="0" smtClean="0">
-                <a:solidFill>
-                  <a:prstClr val="black"/>
-                </a:solidFill>
-                <a:latin typeface="Calibri Light" panose="020F0302020204030204"/>
-              </a:rPr>
-              <a:t>Guía, facilita y enseña las practicas Scrum.</a:t>
-            </a:r>
-            <a:endParaRPr lang="es-CO" sz="2000" dirty="0" smtClean="0">
-              <a:solidFill>
-                <a:prstClr val="black"/>
-              </a:solidFill>
-              <a:latin typeface="Calibri Light" panose="020F0302020204030204"/>
-            </a:endParaRPr>
-          </a:p>
-          <a:p>
-            <a:pPr marL="457200" indent="-457200">
-              <a:buFont typeface="Wingdings" panose="05000000000000000000" pitchFamily="2" charset="2"/>
-              <a:buChar char="q"/>
-            </a:pPr>
-            <a:endParaRPr lang="es-CO" sz="2000" dirty="0" smtClean="0">
-              <a:solidFill>
-                <a:prstClr val="black"/>
-              </a:solidFill>
-              <a:latin typeface="Calibri Light" panose="020F0302020204030204"/>
-            </a:endParaRPr>
-          </a:p>
-          <a:p>
-            <a:pPr marL="457200" indent="-457200">
-              <a:buFont typeface="Wingdings" panose="05000000000000000000" pitchFamily="2" charset="2"/>
-              <a:buChar char="q"/>
-            </a:pPr>
-            <a:r>
-              <a:rPr lang="es-CO" sz="2000" dirty="0" smtClean="0">
-                <a:solidFill>
-                  <a:prstClr val="black"/>
-                </a:solidFill>
-                <a:latin typeface="Calibri Light" panose="020F0302020204030204"/>
-              </a:rPr>
-              <a:t>Elimina impedimentos para el equipo.</a:t>
-            </a:r>
-            <a:endParaRPr lang="es-CO" sz="2000" dirty="0" smtClean="0">
-              <a:solidFill>
-                <a:prstClr val="black"/>
-              </a:solidFill>
-              <a:latin typeface="Calibri Light" panose="020F0302020204030204"/>
-            </a:endParaRPr>
-          </a:p>
-          <a:p>
-            <a:pPr marL="457200" indent="-457200">
-              <a:buFont typeface="Wingdings" panose="05000000000000000000" pitchFamily="2" charset="2"/>
-              <a:buChar char="q"/>
-            </a:pPr>
-            <a:endParaRPr lang="es-CO" sz="2000" dirty="0" smtClean="0">
-              <a:solidFill>
-                <a:prstClr val="black"/>
-              </a:solidFill>
-              <a:latin typeface="Calibri Light" panose="020F0302020204030204"/>
-            </a:endParaRPr>
-          </a:p>
-          <a:p>
-            <a:pPr marL="457200" indent="-457200">
-              <a:buFont typeface="Wingdings" panose="05000000000000000000" pitchFamily="2" charset="2"/>
-              <a:buChar char="q"/>
-            </a:pPr>
-            <a:r>
-              <a:rPr lang="es-CO" sz="2000" dirty="0" smtClean="0">
-                <a:solidFill>
-                  <a:prstClr val="black"/>
-                </a:solidFill>
-                <a:latin typeface="Calibri Light" panose="020F0302020204030204"/>
-              </a:rPr>
-              <a:t>Asegura que los procesos Scrum se siguen.</a:t>
-            </a:r>
-            <a:endParaRPr lang="es-CO" sz="2000" dirty="0" smtClean="0">
-              <a:solidFill>
-                <a:prstClr val="black"/>
-              </a:solidFill>
-              <a:latin typeface="Calibri Light" panose="020F0302020204030204"/>
-            </a:endParaRPr>
-          </a:p>
-          <a:p>
-            <a:pPr marL="457200" indent="-457200">
-              <a:buFont typeface="Wingdings" panose="05000000000000000000" pitchFamily="2" charset="2"/>
-              <a:buChar char="q"/>
-            </a:pPr>
-            <a:endParaRPr lang="es-CO" sz="2000" dirty="0" smtClean="0">
-              <a:solidFill>
-                <a:prstClr val="black"/>
-              </a:solidFill>
-              <a:latin typeface="Calibri Light" panose="020F0302020204030204"/>
-            </a:endParaRPr>
-          </a:p>
-          <a:p>
-            <a:pPr marL="457200" indent="-457200">
-              <a:buFont typeface="Wingdings" panose="05000000000000000000" pitchFamily="2" charset="2"/>
-              <a:buChar char="q"/>
-            </a:pPr>
-            <a:r>
-              <a:rPr lang="es-CO" sz="2000" dirty="0" smtClean="0">
-                <a:solidFill>
-                  <a:prstClr val="black"/>
-                </a:solidFill>
-                <a:latin typeface="Calibri Light" panose="020F0302020204030204"/>
-              </a:rPr>
-              <a:t>Conduce la reunión diaria. (</a:t>
-            </a:r>
-            <a:r>
-              <a:rPr lang="es-CO" sz="2000" i="1" dirty="0" smtClean="0">
-                <a:solidFill>
-                  <a:prstClr val="black"/>
-                </a:solidFill>
-                <a:latin typeface="Calibri Light" panose="020F0302020204030204"/>
-              </a:rPr>
-              <a:t>daily stand-up</a:t>
-            </a:r>
-            <a:r>
-              <a:rPr lang="es-CO" sz="2000" dirty="0" smtClean="0">
-                <a:solidFill>
-                  <a:prstClr val="black"/>
-                </a:solidFill>
-                <a:latin typeface="Calibri Light" panose="020F0302020204030204"/>
-              </a:rPr>
-              <a:t>)</a:t>
-            </a:r>
-            <a:endParaRPr lang="es-CO" sz="2000" dirty="0" smtClean="0">
-              <a:solidFill>
-                <a:prstClr val="black"/>
-              </a:solidFill>
-              <a:latin typeface="Calibri Light" panose="020F0302020204030204"/>
-            </a:endParaRPr>
-          </a:p>
-          <a:p>
-            <a:pPr marL="457200" indent="-457200">
-              <a:buFont typeface="Wingdings" panose="05000000000000000000" pitchFamily="2" charset="2"/>
-              <a:buChar char="q"/>
-            </a:pPr>
-            <a:endParaRPr lang="es-CO" sz="2000" dirty="0">
-              <a:solidFill>
-                <a:prstClr val="black"/>
-              </a:solidFill>
-              <a:latin typeface="Calibri Light" panose="020F0302020204030204"/>
-            </a:endParaRPr>
-          </a:p>
-        </p:txBody>
-      </p:sp>
-    </p:spTree>
-    <p:extLst>
-      <p:ext uri="{BB962C8B-B14F-4D97-AF65-F5344CB8AC3E}">
-        <p14:creationId xmlns:p14="http://schemas.microsoft.com/office/powerpoint/2010/main" val="2990378900"/>
-      </p:ext>
-    </p:extLst>
-  </p:cSld>
-  <p:clrMapOvr>
-    <a:masterClrMapping/>
-  </p:clrMapOvr>
-  <p:timing>
-    <p:tnLst>
-      <p:par>
-        <p:cTn id="1" dur="indefinite" restart="never" nodeType="tmRoot"/>
-      </p:par>
-    </p:tnLst>
-  </p:timing>
-</p:sld>
-</file>
-
-<file path=ppt/slides/slide42.xml><?xml version="1.0" encoding="utf-8"?>
-<p:sld xmlns:a="http://schemas.openxmlformats.org/drawingml/2006/main" xmlns:r="http://schemas.openxmlformats.org/officeDocument/2006/relationships" xmlns:p="http://schemas.openxmlformats.org/presentationml/2006/main">
-  <p:cSld>
-    <p:spTree>
-      <p:nvGrpSpPr>
-        <p:cNvPr id="1" name=""/>
-        <p:cNvGrpSpPr/>
-        <p:nvPr/>
-      </p:nvGrpSpPr>
-      <p:grpSpPr>
-        <a:xfrm>
-          <a:off x="0" y="0"/>
-          <a:ext cx="0" cy="0"/>
-          <a:chOff x="0" y="0"/>
-          <a:chExt cx="0" cy="0"/>
-        </a:xfrm>
-      </p:grpSpPr>
-      <p:sp>
-        <p:nvSpPr>
-          <p:cNvPr id="2" name="Title 1"/>
-          <p:cNvSpPr>
-            <a:spLocks noGrp="1"/>
-          </p:cNvSpPr>
-          <p:nvPr>
-            <p:ph type="title"/>
-          </p:nvPr>
-        </p:nvSpPr>
-        <p:spPr/>
-        <p:txBody>
-          <a:bodyPr>
-            <a:normAutofit/>
-          </a:bodyPr>
-          <a:lstStyle/>
-          <a:p>
-            <a:pPr algn="ctr"/>
-            <a:r>
-              <a:rPr lang="es-CO" dirty="0">
-                <a:solidFill>
-                  <a:srgbClr val="C00000"/>
-                </a:solidFill>
-                <a:latin typeface="Dekar" panose="02000000000000000000" pitchFamily="50" charset="0"/>
-              </a:rPr>
-              <a:t>Procesos en los que </a:t>
-            </a:r>
-            <a:r>
-              <a:rPr lang="es-CO" dirty="0" smtClean="0">
-                <a:solidFill>
-                  <a:srgbClr val="C00000"/>
-                </a:solidFill>
-                <a:latin typeface="Dekar" panose="02000000000000000000" pitchFamily="50" charset="0"/>
-              </a:rPr>
-              <a:t>participan </a:t>
-            </a:r>
-            <a:r>
-              <a:rPr lang="es-CO" dirty="0">
-                <a:solidFill>
-                  <a:srgbClr val="C00000"/>
-                </a:solidFill>
-                <a:latin typeface="Dekar" panose="02000000000000000000" pitchFamily="50" charset="0"/>
-              </a:rPr>
-              <a:t>el </a:t>
-            </a:r>
-            <a:r>
-              <a:rPr lang="es-CO" dirty="0" err="1">
-                <a:solidFill>
-                  <a:srgbClr val="C00000"/>
-                </a:solidFill>
-                <a:latin typeface="Dekar" panose="02000000000000000000" pitchFamily="50" charset="0"/>
-              </a:rPr>
-              <a:t>Product</a:t>
-            </a:r>
-            <a:r>
-              <a:rPr lang="es-CO" dirty="0">
-                <a:solidFill>
-                  <a:srgbClr val="C00000"/>
-                </a:solidFill>
-                <a:latin typeface="Dekar" panose="02000000000000000000" pitchFamily="50" charset="0"/>
-              </a:rPr>
-              <a:t> </a:t>
-            </a:r>
-            <a:r>
-              <a:rPr lang="es-CO" dirty="0" err="1">
-                <a:solidFill>
-                  <a:srgbClr val="C00000"/>
-                </a:solidFill>
-                <a:latin typeface="Dekar" panose="02000000000000000000" pitchFamily="50" charset="0"/>
-              </a:rPr>
-              <a:t>Owner</a:t>
-            </a:r>
-            <a:r>
-              <a:rPr lang="es-CO" dirty="0">
-                <a:solidFill>
-                  <a:srgbClr val="C00000"/>
-                </a:solidFill>
-                <a:latin typeface="Dekar" panose="02000000000000000000" pitchFamily="50" charset="0"/>
-              </a:rPr>
-              <a:t> (PO) y Scrum Master (SM</a:t>
-            </a:r>
-            <a:r>
-              <a:rPr lang="es-CO" dirty="0" smtClean="0">
-                <a:solidFill>
-                  <a:srgbClr val="C00000"/>
-                </a:solidFill>
-                <a:latin typeface="Dekar" panose="02000000000000000000" pitchFamily="50" charset="0"/>
-              </a:rPr>
-              <a:t>)</a:t>
-            </a:r>
-            <a:endParaRPr lang="fr-FR" dirty="0"/>
-          </a:p>
-        </p:txBody>
-      </p:sp>
-      <p:sp>
-        <p:nvSpPr>
-          <p:cNvPr id="3" name="Content Placeholder 2"/>
-          <p:cNvSpPr>
-            <a:spLocks noGrp="1"/>
-          </p:cNvSpPr>
-          <p:nvPr>
-            <p:ph idx="1"/>
-          </p:nvPr>
-        </p:nvSpPr>
-        <p:spPr/>
-        <p:txBody>
-          <a:bodyPr>
-            <a:normAutofit fontScale="62500" lnSpcReduction="20000"/>
-          </a:bodyPr>
-          <a:lstStyle/>
-          <a:p>
-            <a:pPr marL="457200" indent="-457200">
-              <a:lnSpc>
-                <a:spcPct val="150000"/>
-              </a:lnSpc>
-              <a:buFont typeface="Wingdings" panose="05000000000000000000" pitchFamily="2" charset="2"/>
-              <a:buChar char="q"/>
-            </a:pPr>
-            <a:r>
-              <a:rPr lang="es-CO" sz="2000" dirty="0">
-                <a:solidFill>
-                  <a:prstClr val="black"/>
-                </a:solidFill>
-                <a:latin typeface="Calibri Light" panose="020F0302020204030204"/>
-              </a:rPr>
-              <a:t>PO.: Identifica al Scrum Master y </a:t>
-            </a:r>
-            <a:r>
-              <a:rPr lang="es-CO" sz="2000" dirty="0" err="1">
-                <a:solidFill>
-                  <a:prstClr val="black"/>
-                </a:solidFill>
-                <a:latin typeface="Calibri Light" panose="020F0302020204030204"/>
-              </a:rPr>
-              <a:t>Stakeholders</a:t>
-            </a:r>
-            <a:r>
-              <a:rPr lang="es-CO" sz="2000" dirty="0">
-                <a:solidFill>
-                  <a:prstClr val="black"/>
-                </a:solidFill>
-                <a:latin typeface="Calibri Light" panose="020F0302020204030204"/>
-              </a:rPr>
-              <a:t> </a:t>
-            </a:r>
-          </a:p>
-          <a:p>
-            <a:pPr marL="457200" indent="-457200">
-              <a:buFont typeface="Wingdings" panose="05000000000000000000" pitchFamily="2" charset="2"/>
-              <a:buChar char="q"/>
-            </a:pPr>
-            <a:endParaRPr lang="es-CO" sz="1300" dirty="0">
-              <a:solidFill>
-                <a:prstClr val="black"/>
-              </a:solidFill>
-              <a:latin typeface="Calibri Light" panose="020F0302020204030204"/>
-            </a:endParaRPr>
-          </a:p>
-          <a:p>
-            <a:pPr marL="457200" indent="-457200">
-              <a:buFont typeface="Wingdings" panose="05000000000000000000" pitchFamily="2" charset="2"/>
-              <a:buChar char="q"/>
-            </a:pPr>
-            <a:r>
-              <a:rPr lang="es-CO" sz="2000" dirty="0">
-                <a:solidFill>
-                  <a:prstClr val="black"/>
-                </a:solidFill>
-                <a:latin typeface="Calibri Light" panose="020F0302020204030204"/>
-              </a:rPr>
-              <a:t>SM.: Forma el Scrum Team</a:t>
-            </a:r>
-          </a:p>
-          <a:p>
-            <a:pPr marL="914400" lvl="1" indent="-457200">
-              <a:buFont typeface="Wingdings" panose="05000000000000000000" pitchFamily="2" charset="2"/>
-              <a:buChar char="§"/>
-            </a:pPr>
-            <a:r>
-              <a:rPr lang="es-CO" sz="2000" dirty="0">
-                <a:solidFill>
-                  <a:prstClr val="black"/>
-                </a:solidFill>
-                <a:latin typeface="Calibri Light" panose="020F0302020204030204"/>
-              </a:rPr>
-              <a:t>Facilita la creación del plan de colaboración y plan de creación del equipo.</a:t>
-            </a:r>
-          </a:p>
-          <a:p>
-            <a:pPr marL="914400" lvl="1" indent="-457200">
-              <a:buFont typeface="Wingdings" panose="05000000000000000000" pitchFamily="2" charset="2"/>
-              <a:buChar char="§"/>
-            </a:pPr>
-            <a:r>
-              <a:rPr lang="es-CO" sz="2000" dirty="0">
-                <a:solidFill>
-                  <a:prstClr val="black"/>
-                </a:solidFill>
-                <a:latin typeface="Calibri Light" panose="020F0302020204030204"/>
-              </a:rPr>
-              <a:t>Selección del Scrum Team</a:t>
-            </a:r>
-          </a:p>
-          <a:p>
-            <a:pPr marL="914400" lvl="1" indent="-457200">
-              <a:buFont typeface="Wingdings" panose="05000000000000000000" pitchFamily="2" charset="2"/>
-              <a:buChar char="§"/>
-            </a:pPr>
-            <a:r>
-              <a:rPr lang="es-CO" sz="2000" dirty="0">
-                <a:solidFill>
-                  <a:prstClr val="black"/>
-                </a:solidFill>
-                <a:latin typeface="Calibri Light" panose="020F0302020204030204"/>
-              </a:rPr>
-              <a:t>Asegura que los recursos de respaldo estén disponibles.</a:t>
-            </a:r>
-          </a:p>
-          <a:p>
-            <a:pPr marL="457200" indent="-457200">
-              <a:buFont typeface="Wingdings" panose="05000000000000000000" pitchFamily="2" charset="2"/>
-              <a:buChar char="q"/>
-            </a:pPr>
-            <a:endParaRPr lang="es-CO" sz="1200" dirty="0">
-              <a:solidFill>
-                <a:prstClr val="black"/>
-              </a:solidFill>
-              <a:latin typeface="Calibri Light" panose="020F0302020204030204"/>
-            </a:endParaRPr>
-          </a:p>
-          <a:p>
-            <a:pPr marL="457200" indent="-457200">
-              <a:buFont typeface="Wingdings" panose="05000000000000000000" pitchFamily="2" charset="2"/>
-              <a:buChar char="q"/>
-            </a:pPr>
-            <a:r>
-              <a:rPr lang="es-CO" sz="2000" dirty="0">
-                <a:solidFill>
-                  <a:prstClr val="black"/>
-                </a:solidFill>
-                <a:latin typeface="Calibri Light" panose="020F0302020204030204"/>
-              </a:rPr>
-              <a:t>PO – SM.: Creación de la </a:t>
-            </a:r>
-            <a:r>
-              <a:rPr lang="es-CO" sz="2000" b="1" i="1" dirty="0" err="1">
-                <a:solidFill>
-                  <a:prstClr val="black"/>
-                </a:solidFill>
-                <a:latin typeface="Calibri Light" panose="020F0302020204030204"/>
-              </a:rPr>
-              <a:t>Prioritized</a:t>
-            </a:r>
-            <a:r>
-              <a:rPr lang="es-CO" sz="2000" b="1" i="1" dirty="0">
-                <a:solidFill>
-                  <a:prstClr val="black"/>
-                </a:solidFill>
-                <a:latin typeface="Calibri Light" panose="020F0302020204030204"/>
-              </a:rPr>
-              <a:t> </a:t>
-            </a:r>
-            <a:r>
-              <a:rPr lang="es-CO" sz="2000" b="1" i="1" dirty="0" err="1">
-                <a:solidFill>
-                  <a:prstClr val="black"/>
-                </a:solidFill>
-                <a:latin typeface="Calibri Light" panose="020F0302020204030204"/>
-              </a:rPr>
-              <a:t>product</a:t>
-            </a:r>
-            <a:r>
-              <a:rPr lang="es-CO" sz="2000" b="1" i="1" dirty="0">
-                <a:solidFill>
-                  <a:prstClr val="black"/>
-                </a:solidFill>
-                <a:latin typeface="Calibri Light" panose="020F0302020204030204"/>
-              </a:rPr>
-              <a:t> Backlog</a:t>
-            </a:r>
-            <a:r>
-              <a:rPr lang="es-CO" sz="2000" dirty="0">
-                <a:solidFill>
-                  <a:prstClr val="black"/>
-                </a:solidFill>
-                <a:latin typeface="Calibri Light" panose="020F0302020204030204"/>
-              </a:rPr>
-              <a:t> y definición de los criterios de aceptación.</a:t>
-            </a:r>
-            <a:endParaRPr lang="es-CO" sz="2000" b="1" i="1" dirty="0">
-              <a:solidFill>
-                <a:prstClr val="black"/>
-              </a:solidFill>
-              <a:latin typeface="Calibri Light" panose="020F0302020204030204"/>
-            </a:endParaRPr>
-          </a:p>
-          <a:p>
-            <a:pPr marL="457200" indent="-457200">
-              <a:buFont typeface="Wingdings" panose="05000000000000000000" pitchFamily="2" charset="2"/>
-              <a:buChar char="q"/>
-            </a:pPr>
-            <a:endParaRPr lang="es-CO" sz="1200" dirty="0">
-              <a:solidFill>
-                <a:prstClr val="black"/>
-              </a:solidFill>
-              <a:latin typeface="Calibri Light" panose="020F0302020204030204"/>
-            </a:endParaRPr>
-          </a:p>
-          <a:p>
-            <a:pPr marL="457200" indent="-457200">
-              <a:buFont typeface="Wingdings" panose="05000000000000000000" pitchFamily="2" charset="2"/>
-              <a:buChar char="q"/>
-            </a:pPr>
-            <a:r>
-              <a:rPr lang="es-CO" sz="2000" dirty="0">
-                <a:solidFill>
-                  <a:prstClr val="black"/>
-                </a:solidFill>
-                <a:latin typeface="Calibri Light" panose="020F0302020204030204"/>
-              </a:rPr>
-              <a:t>SM.: Facilita reuniones para estimar y elaborar historias de usuario</a:t>
-            </a:r>
-            <a:r>
-              <a:rPr lang="es-CO" sz="2000" dirty="0" smtClean="0">
-                <a:solidFill>
-                  <a:prstClr val="black"/>
-                </a:solidFill>
-                <a:latin typeface="Calibri Light" panose="020F0302020204030204"/>
-              </a:rPr>
-              <a:t>.</a:t>
-            </a:r>
-          </a:p>
-          <a:p>
-            <a:pPr marL="457200" indent="-457200">
-              <a:buFont typeface="Wingdings" panose="05000000000000000000" pitchFamily="2" charset="2"/>
-              <a:buChar char="q"/>
-            </a:pPr>
-            <a:endParaRPr lang="es-CO" sz="1300" dirty="0">
-              <a:solidFill>
-                <a:prstClr val="black"/>
-              </a:solidFill>
-              <a:latin typeface="Calibri Light" panose="020F0302020204030204"/>
-            </a:endParaRPr>
-          </a:p>
-          <a:p>
-            <a:pPr marL="457200" indent="-457200">
-              <a:buFont typeface="Wingdings" panose="05000000000000000000" pitchFamily="2" charset="2"/>
-              <a:buChar char="q"/>
-            </a:pPr>
-            <a:r>
-              <a:rPr lang="es-CO" sz="2000" dirty="0">
-                <a:solidFill>
-                  <a:prstClr val="black"/>
-                </a:solidFill>
-                <a:latin typeface="Calibri Light" panose="020F0302020204030204"/>
-              </a:rPr>
-              <a:t>SM.: Facilita al equipo la elaboración de tareas para el próximo </a:t>
-            </a:r>
-            <a:r>
-              <a:rPr lang="es-CO" sz="2000" dirty="0" smtClean="0">
-                <a:solidFill>
-                  <a:prstClr val="black"/>
-                </a:solidFill>
-                <a:latin typeface="Calibri Light" panose="020F0302020204030204"/>
-              </a:rPr>
-              <a:t>Sprint</a:t>
-            </a:r>
-          </a:p>
-          <a:p>
-            <a:pPr marL="457200" indent="-457200">
-              <a:buFont typeface="Wingdings" panose="05000000000000000000" pitchFamily="2" charset="2"/>
-              <a:buChar char="q"/>
-            </a:pPr>
-            <a:endParaRPr lang="es-CO" sz="2000" dirty="0">
-              <a:solidFill>
-                <a:prstClr val="black"/>
-              </a:solidFill>
-              <a:latin typeface="Calibri Light" panose="020F0302020204030204"/>
-            </a:endParaRPr>
-          </a:p>
-          <a:p>
-            <a:pPr marL="457200" indent="-457200">
-              <a:buFont typeface="Wingdings" panose="05000000000000000000" pitchFamily="2" charset="2"/>
-              <a:buChar char="q"/>
-            </a:pPr>
-            <a:r>
-              <a:rPr lang="es-CO" sz="2000" dirty="0" smtClean="0">
-                <a:solidFill>
-                  <a:prstClr val="black"/>
-                </a:solidFill>
-                <a:latin typeface="Calibri Light" panose="020F0302020204030204"/>
-              </a:rPr>
-              <a:t>SM.: Crear entregables</a:t>
-            </a:r>
-          </a:p>
-          <a:p>
-            <a:pPr marL="914400" lvl="1" indent="-457200">
-              <a:buFont typeface="Wingdings" panose="05000000000000000000" pitchFamily="2" charset="2"/>
-              <a:buChar char="§"/>
-            </a:pPr>
-            <a:r>
-              <a:rPr lang="es-CO" sz="2000" dirty="0" smtClean="0">
-                <a:solidFill>
-                  <a:prstClr val="black"/>
-                </a:solidFill>
-                <a:latin typeface="Calibri Light" panose="020F0302020204030204"/>
-              </a:rPr>
-              <a:t>Apoya al Team en la creación de los entregables</a:t>
-            </a:r>
-          </a:p>
-          <a:p>
-            <a:pPr marL="914400" lvl="1" indent="-457200">
-              <a:buFont typeface="Wingdings" panose="05000000000000000000" pitchFamily="2" charset="2"/>
-              <a:buChar char="§"/>
-            </a:pPr>
-            <a:r>
-              <a:rPr lang="es-CO" sz="2000" dirty="0" smtClean="0">
-                <a:solidFill>
-                  <a:prstClr val="black"/>
-                </a:solidFill>
-                <a:latin typeface="Calibri Light" panose="020F0302020204030204"/>
-              </a:rPr>
-              <a:t>Ayuda a actualizar el </a:t>
-            </a:r>
-            <a:r>
-              <a:rPr lang="es-CO" sz="2000" b="1" i="1" dirty="0" err="1" smtClean="0">
-                <a:solidFill>
-                  <a:prstClr val="black"/>
-                </a:solidFill>
-                <a:latin typeface="Calibri Light" panose="020F0302020204030204"/>
-              </a:rPr>
-              <a:t>Scrumboard</a:t>
-            </a:r>
-            <a:r>
-              <a:rPr lang="es-CO" sz="2000" dirty="0" smtClean="0">
-                <a:solidFill>
-                  <a:prstClr val="black"/>
-                </a:solidFill>
-                <a:latin typeface="Calibri Light" panose="020F0302020204030204"/>
-              </a:rPr>
-              <a:t> y el </a:t>
-            </a:r>
-            <a:r>
-              <a:rPr lang="es-CO" sz="2000" b="1" i="1" dirty="0" smtClean="0">
-                <a:solidFill>
-                  <a:prstClr val="black"/>
-                </a:solidFill>
-                <a:latin typeface="Calibri Light" panose="020F0302020204030204"/>
-              </a:rPr>
-              <a:t>log de impedimentos</a:t>
-            </a:r>
-          </a:p>
-          <a:p>
-            <a:pPr marL="914400" lvl="1" indent="-457200">
-              <a:buFont typeface="Wingdings" panose="05000000000000000000" pitchFamily="2" charset="2"/>
-              <a:buChar char="§"/>
-            </a:pPr>
-            <a:endParaRPr lang="es-CO" sz="2000" b="1" i="1" dirty="0" smtClean="0">
-              <a:solidFill>
-                <a:prstClr val="black"/>
-              </a:solidFill>
-              <a:latin typeface="Calibri Light" panose="020F0302020204030204"/>
-            </a:endParaRPr>
-          </a:p>
-          <a:p>
-            <a:pPr>
-              <a:buFont typeface="Wingdings" panose="05000000000000000000" pitchFamily="2" charset="2"/>
-              <a:buChar char="q"/>
-            </a:pPr>
-            <a:r>
-              <a:rPr lang="es-CO" sz="2100" dirty="0" smtClean="0">
-                <a:solidFill>
-                  <a:prstClr val="black"/>
-                </a:solidFill>
-                <a:latin typeface="Calibri Light" panose="020F0302020204030204"/>
-              </a:rPr>
-              <a:t>     SM.: Convocar Scrum de Scrum.</a:t>
-            </a:r>
-          </a:p>
-          <a:p>
-            <a:pPr marL="457200" lvl="1" indent="0">
-              <a:buNone/>
-            </a:pPr>
-            <a:endParaRPr lang="es-CO" sz="2600" i="1" dirty="0" smtClean="0">
-              <a:solidFill>
-                <a:prstClr val="black"/>
-              </a:solidFill>
-              <a:latin typeface="Calibri Light" panose="020F0302020204030204"/>
-            </a:endParaRPr>
-          </a:p>
-        </p:txBody>
-      </p:sp>
-    </p:spTree>
-    <p:extLst>
-      <p:ext uri="{BB962C8B-B14F-4D97-AF65-F5344CB8AC3E}">
-        <p14:creationId xmlns:p14="http://schemas.microsoft.com/office/powerpoint/2010/main" val="252504484"/>
-      </p:ext>
-    </p:extLst>
-  </p:cSld>
-  <p:clrMapOvr>
-    <a:masterClrMapping/>
-  </p:clrMapOvr>
-  <p:timing>
-    <p:tnLst>
-      <p:par>
-        <p:cTn id="1" dur="indefinite" restart="never" nodeType="tmRoot"/>
-      </p:par>
-    </p:tnLst>
-  </p:timing>
-</p:sld>
-</file>
-
-<file path=ppt/slides/slide43.xml><?xml version="1.0" encoding="utf-8"?>
-<p:sld xmlns:a="http://schemas.openxmlformats.org/drawingml/2006/main" xmlns:r="http://schemas.openxmlformats.org/officeDocument/2006/relationships" xmlns:p="http://schemas.openxmlformats.org/presentationml/2006/main">
-  <p:cSld>
-    <p:spTree>
-      <p:nvGrpSpPr>
-        <p:cNvPr id="1" name=""/>
-        <p:cNvGrpSpPr/>
-        <p:nvPr/>
-      </p:nvGrpSpPr>
-      <p:grpSpPr>
-        <a:xfrm>
-          <a:off x="0" y="0"/>
-          <a:ext cx="0" cy="0"/>
-          <a:chOff x="0" y="0"/>
-          <a:chExt cx="0" cy="0"/>
-        </a:xfrm>
-      </p:grpSpPr>
-      <p:sp>
-        <p:nvSpPr>
-          <p:cNvPr id="7" name="TextBox 6"/>
-          <p:cNvSpPr txBox="1"/>
-          <p:nvPr/>
-        </p:nvSpPr>
-        <p:spPr>
-          <a:xfrm>
-            <a:off x="985683" y="2465547"/>
-            <a:ext cx="3721100" cy="701731"/>
-          </a:xfrm>
-          <a:prstGeom prst="rect">
-            <a:avLst/>
-          </a:prstGeom>
-          <a:noFill/>
-        </p:spPr>
-        <p:txBody>
-          <a:bodyPr wrap="square" rtlCol="0">
-            <a:spAutoFit/>
-          </a:bodyPr>
-          <a:lstStyle/>
-          <a:p>
-            <a:pPr algn="ctr">
-              <a:lnSpc>
-                <a:spcPct val="90000"/>
-              </a:lnSpc>
-              <a:spcBef>
-                <a:spcPct val="0"/>
-              </a:spcBef>
-            </a:pPr>
-            <a:r>
-              <a:rPr lang="es-CO" sz="4400" dirty="0" smtClean="0">
-                <a:solidFill>
-                  <a:srgbClr val="C00000"/>
-                </a:solidFill>
-                <a:latin typeface="Dekar" panose="02000000000000000000" pitchFamily="50" charset="0"/>
-              </a:rPr>
-              <a:t>Scrum </a:t>
-            </a:r>
-            <a:r>
-              <a:rPr lang="es-CO" sz="4400" dirty="0" smtClean="0">
-                <a:solidFill>
-                  <a:srgbClr val="C00000"/>
-                </a:solidFill>
-                <a:latin typeface="Dekar" panose="02000000000000000000" pitchFamily="50" charset="0"/>
-              </a:rPr>
-              <a:t>Team</a:t>
-            </a:r>
-            <a:endParaRPr lang="fr-FR" sz="4400" dirty="0">
-              <a:solidFill>
-                <a:srgbClr val="C00000"/>
-              </a:solidFill>
-              <a:latin typeface="Dekar" panose="02000000000000000000" pitchFamily="50" charset="0"/>
-            </a:endParaRPr>
-          </a:p>
-        </p:txBody>
-      </p:sp>
-      <p:sp>
-        <p:nvSpPr>
-          <p:cNvPr id="8" name="TextBox 7"/>
-          <p:cNvSpPr txBox="1"/>
-          <p:nvPr/>
-        </p:nvSpPr>
-        <p:spPr>
-          <a:xfrm>
-            <a:off x="5134906" y="625392"/>
+            <a:off x="5134906" y="1400092"/>
             <a:ext cx="6510817" cy="4247317"/>
           </a:xfrm>
           <a:prstGeom prst="rect">
@@ -14165,6 +14015,8 @@
               </a:rPr>
               <a:t>Son los encargados de desarrollar el producto.</a:t>
             </a:r>
+          </a:p>
+          <a:p>
             <a:endParaRPr lang="es-CO" sz="2000" dirty="0" smtClean="0">
               <a:solidFill>
                 <a:prstClr val="black"/>
@@ -14173,6 +14025,103 @@
             </a:endParaRPr>
           </a:p>
           <a:p>
+            <a:pPr marL="457200" indent="-457200">
+              <a:buFont typeface="Wingdings" panose="05000000000000000000" pitchFamily="2" charset="2"/>
+              <a:buChar char="q"/>
+            </a:pPr>
+            <a:r>
+              <a:rPr lang="es-CO" sz="2000" dirty="0" smtClean="0">
+                <a:solidFill>
+                  <a:prstClr val="black"/>
+                </a:solidFill>
+                <a:latin typeface="Calibri Light" panose="020F0302020204030204"/>
+              </a:rPr>
+              <a:t>En la reunión de planificación del Sprint, deciden como van a realizar su trabajo.</a:t>
+            </a:r>
+          </a:p>
+          <a:p>
+            <a:pPr marL="914400" lvl="1" indent="-457200">
+              <a:buFont typeface="Wingdings" panose="05000000000000000000" pitchFamily="2" charset="2"/>
+              <a:buChar char="§"/>
+            </a:pPr>
+            <a:r>
+              <a:rPr lang="es-CO" sz="2000" dirty="0" smtClean="0">
+                <a:solidFill>
+                  <a:prstClr val="black"/>
+                </a:solidFill>
+                <a:latin typeface="Calibri Light" panose="020F0302020204030204"/>
+              </a:rPr>
+              <a:t>Seleccionan los requerimientos que pueden cumplir en un Sprint.</a:t>
+            </a:r>
+          </a:p>
+          <a:p>
+            <a:pPr marL="914400" lvl="1" indent="-457200">
+              <a:buFont typeface="Wingdings" panose="05000000000000000000" pitchFamily="2" charset="2"/>
+              <a:buChar char="§"/>
+            </a:pPr>
+            <a:r>
+              <a:rPr lang="es-CO" sz="2000" dirty="0" smtClean="0">
+                <a:solidFill>
+                  <a:prstClr val="black"/>
+                </a:solidFill>
+                <a:latin typeface="Calibri Light" panose="020F0302020204030204"/>
+              </a:rPr>
+              <a:t>Identifican todas las tareas necesarias para completar cada requisito.</a:t>
+            </a:r>
+          </a:p>
+          <a:p>
+            <a:pPr marL="914400" lvl="1" indent="-457200">
+              <a:buFont typeface="Wingdings" panose="05000000000000000000" pitchFamily="2" charset="2"/>
+              <a:buChar char="§"/>
+            </a:pPr>
+            <a:r>
+              <a:rPr lang="es-CO" sz="2000" dirty="0" smtClean="0">
+                <a:solidFill>
+                  <a:prstClr val="black"/>
+                </a:solidFill>
+                <a:latin typeface="Calibri Light" panose="020F0302020204030204"/>
+              </a:rPr>
+              <a:t>Estiman el esfuerzo necesario para realizar cada tarea.</a:t>
+            </a:r>
+          </a:p>
+          <a:p>
+            <a:pPr marL="914400" lvl="1" indent="-457200">
+              <a:buFont typeface="Wingdings" panose="05000000000000000000" pitchFamily="2" charset="2"/>
+              <a:buChar char="§"/>
+            </a:pPr>
+            <a:r>
+              <a:rPr lang="es-CO" sz="2000" dirty="0" smtClean="0">
+                <a:solidFill>
+                  <a:prstClr val="black"/>
+                </a:solidFill>
+                <a:latin typeface="Calibri Light" panose="020F0302020204030204"/>
+              </a:rPr>
+              <a:t>Cada miembro se </a:t>
+            </a:r>
+            <a:r>
+              <a:rPr lang="es-CO" sz="2000" dirty="0" smtClean="0">
+                <a:solidFill>
+                  <a:srgbClr val="FF0000"/>
+                </a:solidFill>
+                <a:latin typeface="Calibri Light" panose="020F0302020204030204"/>
+              </a:rPr>
+              <a:t>auto asigna </a:t>
+            </a:r>
+            <a:r>
+              <a:rPr lang="es-CO" sz="2000" dirty="0" smtClean="0">
+                <a:solidFill>
+                  <a:prstClr val="black"/>
+                </a:solidFill>
+                <a:latin typeface="Calibri Light" panose="020F0302020204030204"/>
+              </a:rPr>
+              <a:t>a las tareas. (empoderados, auto-organizados, inter-funcionales )</a:t>
+            </a:r>
+          </a:p>
+          <a:p>
+            <a:pPr marL="457200" indent="-457200">
+              <a:buFont typeface="Wingdings" panose="05000000000000000000" pitchFamily="2" charset="2"/>
+              <a:buChar char="q"/>
+            </a:pPr>
             <a:endParaRPr lang="es-CO" sz="2000" dirty="0" smtClean="0">
               <a:solidFill>
                 <a:prstClr val="black"/>
@@ -14180,119 +14129,38 @@
               <a:latin typeface="Calibri Light" panose="020F0302020204030204"/>
             </a:endParaRPr>
           </a:p>
-          <a:p>
-            <a:pPr marL="457200" indent="-457200">
-              <a:buFont typeface="Wingdings" panose="05000000000000000000" pitchFamily="2" charset="2"/>
-              <a:buChar char="q"/>
-            </a:pPr>
-            <a:r>
-              <a:rPr lang="es-CO" sz="2000" dirty="0" smtClean="0">
-                <a:solidFill>
-                  <a:prstClr val="black"/>
-                </a:solidFill>
-                <a:latin typeface="Calibri Light" panose="020F0302020204030204"/>
-              </a:rPr>
-              <a:t>En la reunión de planificación del Sprint, deciden como van a realizar su trabajo.</a:t>
-            </a:r>
-          </a:p>
-          <a:p>
-            <a:pPr marL="914400" lvl="1" indent="-457200">
-              <a:buFont typeface="Wingdings" panose="05000000000000000000" pitchFamily="2" charset="2"/>
-              <a:buChar char="§"/>
-            </a:pPr>
-            <a:r>
-              <a:rPr lang="es-CO" sz="2000" dirty="0" smtClean="0">
-                <a:solidFill>
-                  <a:prstClr val="black"/>
-                </a:solidFill>
-                <a:latin typeface="Calibri Light" panose="020F0302020204030204"/>
-              </a:rPr>
-              <a:t>Seleccionan los requerimientos que pueden cumplir en un Sprint.</a:t>
-            </a:r>
-          </a:p>
-          <a:p>
-            <a:pPr marL="914400" lvl="1" indent="-457200">
-              <a:buFont typeface="Wingdings" panose="05000000000000000000" pitchFamily="2" charset="2"/>
-              <a:buChar char="§"/>
-            </a:pPr>
-            <a:r>
-              <a:rPr lang="es-CO" sz="2000" dirty="0" smtClean="0">
-                <a:solidFill>
-                  <a:prstClr val="black"/>
-                </a:solidFill>
-                <a:latin typeface="Calibri Light" panose="020F0302020204030204"/>
-              </a:rPr>
-              <a:t>Identifican todas las tareas necesarias para completar cada requisito.</a:t>
-            </a:r>
-          </a:p>
-          <a:p>
-            <a:pPr marL="914400" lvl="1" indent="-457200">
-              <a:buFont typeface="Wingdings" panose="05000000000000000000" pitchFamily="2" charset="2"/>
-              <a:buChar char="§"/>
-            </a:pPr>
-            <a:r>
-              <a:rPr lang="es-CO" sz="2000" dirty="0" smtClean="0">
-                <a:solidFill>
-                  <a:prstClr val="black"/>
-                </a:solidFill>
-                <a:latin typeface="Calibri Light" panose="020F0302020204030204"/>
-              </a:rPr>
-              <a:t>Estiman el esfuerzo necesario para realizar cada tarea.</a:t>
-            </a:r>
-          </a:p>
-          <a:p>
-            <a:pPr marL="914400" lvl="1" indent="-457200">
-              <a:buFont typeface="Wingdings" panose="05000000000000000000" pitchFamily="2" charset="2"/>
-              <a:buChar char="§"/>
-            </a:pPr>
-            <a:r>
-              <a:rPr lang="es-CO" sz="2000" dirty="0" smtClean="0">
-                <a:solidFill>
-                  <a:prstClr val="black"/>
-                </a:solidFill>
-                <a:latin typeface="Calibri Light" panose="020F0302020204030204"/>
-              </a:rPr>
-              <a:t>Cada miembro se </a:t>
-            </a:r>
-            <a:r>
-              <a:rPr lang="es-CO" sz="2000" dirty="0" smtClean="0">
-                <a:solidFill>
-                  <a:srgbClr val="FF0000"/>
-                </a:solidFill>
-                <a:latin typeface="Calibri Light" panose="020F0302020204030204"/>
-              </a:rPr>
-              <a:t>auto asigna </a:t>
-            </a:r>
-            <a:r>
-              <a:rPr lang="es-CO" sz="2000" dirty="0" smtClean="0">
-                <a:solidFill>
-                  <a:prstClr val="black"/>
-                </a:solidFill>
-                <a:latin typeface="Calibri Light" panose="020F0302020204030204"/>
-              </a:rPr>
-              <a:t>a las tareas. (empoderados, auto-organizados, inter-funcionales )</a:t>
-            </a:r>
-            <a:endParaRPr lang="es-CO" sz="2000" dirty="0" smtClean="0">
-              <a:solidFill>
-                <a:prstClr val="black"/>
-              </a:solidFill>
-              <a:latin typeface="Calibri Light" panose="020F0302020204030204"/>
-            </a:endParaRPr>
-          </a:p>
-          <a:p>
-            <a:pPr marL="457200" indent="-457200">
-              <a:buFont typeface="Wingdings" panose="05000000000000000000" pitchFamily="2" charset="2"/>
-              <a:buChar char="q"/>
-            </a:pPr>
-            <a:endParaRPr lang="es-CO" sz="2000" dirty="0" smtClean="0">
-              <a:solidFill>
-                <a:prstClr val="black"/>
-              </a:solidFill>
-              <a:latin typeface="Calibri Light" panose="020F0302020204030204"/>
-            </a:endParaRPr>
-          </a:p>
-        </p:txBody>
-      </p:sp>
+        </p:txBody>
+      </p:sp>
+      <p:pic>
+        <p:nvPicPr>
+          <p:cNvPr id="2" name="Picture 1"/>
+          <p:cNvPicPr>
+            <a:picLocks noChangeAspect="1"/>
+          </p:cNvPicPr>
+          <p:nvPr/>
+        </p:nvPicPr>
+        <p:blipFill>
+          <a:blip r:embed="rId2">
+            <a:extLst>
+              <a:ext uri="{28A0092B-C50C-407E-A947-70E740481C1C}">
+                <a14:useLocalDpi xmlns:a14="http://schemas.microsoft.com/office/drawing/2010/main" val="0"/>
+              </a:ext>
+            </a:extLst>
+          </a:blip>
+          <a:stretch>
+            <a:fillRect/>
+          </a:stretch>
+        </p:blipFill>
+        <p:spPr>
+          <a:xfrm>
+            <a:off x="960283" y="1452778"/>
+            <a:ext cx="3987800" cy="5143500"/>
+          </a:xfrm>
+          <a:prstGeom prst="rect">
+            <a:avLst/>
+          </a:prstGeom>
+        </p:spPr>
+      </p:pic>
     </p:spTree>
     <p:extLst>
       <p:ext uri="{BB962C8B-B14F-4D97-AF65-F5344CB8AC3E}">
@@ -14313,7 +14181,7 @@
 </p:sld>
 </file>
 
-<file path=ppt/slides/slide44.xml><?xml version="1.0" encoding="utf-8"?>
+<file path=ppt/slides/slide42.xml><?xml version="1.0" encoding="utf-8"?>
 <p:sld xmlns:a="http://schemas.openxmlformats.org/drawingml/2006/main" xmlns:r="http://schemas.openxmlformats.org/officeDocument/2006/relationships" xmlns:p="http://schemas.openxmlformats.org/presentationml/2006/main">
   <p:cSld>
     <p:spTree>
@@ -14437,7 +14305,7 @@
 </p:sld>
 </file>
 
-<file path=ppt/slides/slide45.xml><?xml version="1.0" encoding="utf-8"?>
+<file path=ppt/slides/slide43.xml><?xml version="1.0" encoding="utf-8"?>
 <p:sld xmlns:a="http://schemas.openxmlformats.org/drawingml/2006/main" xmlns:r="http://schemas.openxmlformats.org/officeDocument/2006/relationships" xmlns:p="http://schemas.openxmlformats.org/presentationml/2006/main">
   <p:cSld>
     <p:spTree>
@@ -14557,15 +14425,7 @@
             </a:r>
             <a:r>
               <a:rPr lang="es-CO" b="1" dirty="0" smtClean="0"/>
-              <a:t> </a:t>
-            </a:r>
-            <a:r>
-              <a:rPr lang="es-CO" b="1" dirty="0" err="1" smtClean="0"/>
-              <a:t>Product</a:t>
-            </a:r>
-            <a:r>
-              <a:rPr lang="es-CO" b="1" dirty="0" smtClean="0"/>
-              <a:t> Backlog</a:t>
+              <a:t> Product Backlog</a:t>
             </a:r>
           </a:p>
           <a:p>
@@ -14632,7 +14492,7 @@
 </p:sld>
 </file>
 
-<file path=ppt/slides/slide46.xml><?xml version="1.0" encoding="utf-8"?>
+<file path=ppt/slides/slide44.xml><?xml version="1.0" encoding="utf-8"?>
 <p:sld xmlns:a="http://schemas.openxmlformats.org/drawingml/2006/main" xmlns:r="http://schemas.openxmlformats.org/officeDocument/2006/relationships" xmlns:p="http://schemas.openxmlformats.org/presentationml/2006/main">
   <p:cSld>
     <p:spTree>
@@ -14699,7 +14559,7 @@
 </p:sld>
 </file>
 
-<file path=ppt/slides/slide47.xml><?xml version="1.0" encoding="utf-8"?>
+<file path=ppt/slides/slide45.xml><?xml version="1.0" encoding="utf-8"?>
 <p:sld xmlns:a="http://schemas.openxmlformats.org/drawingml/2006/main" xmlns:r="http://schemas.openxmlformats.org/officeDocument/2006/relationships" xmlns:p="http://schemas.openxmlformats.org/presentationml/2006/main">
   <p:cSld>
     <p:spTree>
@@ -14789,7 +14649,7 @@
 </p:sld>
 </file>
 
-<file path=ppt/slides/slide48.xml><?xml version="1.0" encoding="utf-8"?>
+<file path=ppt/slides/slide46.xml><?xml version="1.0" encoding="utf-8"?>
 <p:sld xmlns:a="http://schemas.openxmlformats.org/drawingml/2006/main" xmlns:r="http://schemas.openxmlformats.org/officeDocument/2006/relationships" xmlns:p="http://schemas.openxmlformats.org/presentationml/2006/main">
   <p:cSld>
     <p:spTree>
@@ -14849,7 +14709,7 @@
 </p:sld>
 </file>
 
-<file path=ppt/slides/slide49.xml><?xml version="1.0" encoding="utf-8"?>
+<file path=ppt/slides/slide47.xml><?xml version="1.0" encoding="utf-8"?>
 <p:sld xmlns:a="http://schemas.openxmlformats.org/drawingml/2006/main" xmlns:r="http://schemas.openxmlformats.org/officeDocument/2006/relationships" xmlns:p="http://schemas.openxmlformats.org/presentationml/2006/main">
   <p:cSld>
     <p:spTree>
@@ -15776,16 +15636,16 @@
               <a:t>, </a:t>
             </a:r>
             <a:r>
-              <a:rPr lang="es-CO" dirty="0" err="1" smtClean="0">
-                <a:latin typeface="+mj-lt"/>
-              </a:rPr>
-              <a:t>wip</a:t>
-            </a:r>
-            <a:r>
               <a:rPr lang="es-CO" dirty="0" smtClean="0">
                 <a:latin typeface="+mj-lt"/>
               </a:rPr>
-              <a:t>) debería limitarse y solo se debe empezar con algo nuevo cuando un bloque de trabajo anterior haya sido entregado o ha pasado a otra función posterior.</a:t>
+              <a:t>WIP) </a:t>
+            </a:r>
+            <a:r>
+              <a:rPr lang="es-CO" dirty="0" smtClean="0">
+                <a:latin typeface="+mj-lt"/>
+              </a:rPr>
+              <a:t>debería limitarse y solo se debe empezar con algo nuevo cuando un bloque de trabajo anterior haya sido entregado o ha pasado a otra función posterior.</a:t>
             </a:r>
             <a:endParaRPr lang="fr-FR" dirty="0">
               <a:latin typeface="+mj-lt"/>
@@ -16071,7 +15931,13 @@
               <a:rPr lang="es-CO" dirty="0" smtClean="0">
                 <a:latin typeface="+mj-lt"/>
               </a:rPr>
-              <a:t>Seguir los pasos del desarrollo ágil: Desde el concepto o visión general de la necesidad del cliente, construcción del producto de forma incremental a través de iteraciones. Estas iteraciones se repiten de forma continua hasta que el cliente da por cerrada la </a:t>
+              <a:t>Sigue </a:t>
+            </a:r>
+            <a:r>
+              <a:rPr lang="es-CO" dirty="0" smtClean="0">
+                <a:latin typeface="+mj-lt"/>
+              </a:rPr>
+              <a:t>los pasos del desarrollo ágil: Desde el concepto o visión general de la necesidad del cliente, construcción del producto de forma incremental a través de iteraciones. Estas iteraciones se repiten de forma continua hasta que el cliente da por cerrada la </a:t>
             </a:r>
             <a:r>
               <a:rPr lang="es-CO" dirty="0" smtClean="0">
